--- a/허종원/Travel Scenario.pptx
+++ b/허종원/Travel Scenario.pptx
@@ -5,7 +5,7 @@
     <p:sldMasterId id="2147483681" r:id="rId1"/>
   </p:sldMasterIdLst>
   <p:notesMasterIdLst>
-    <p:notesMasterId r:id="rId17"/>
+    <p:notesMasterId r:id="rId20"/>
   </p:notesMasterIdLst>
   <p:sldIdLst>
     <p:sldId id="448" r:id="rId2"/>
@@ -19,10 +19,13 @@
     <p:sldId id="457" r:id="rId10"/>
     <p:sldId id="454" r:id="rId11"/>
     <p:sldId id="458" r:id="rId12"/>
-    <p:sldId id="459" r:id="rId13"/>
-    <p:sldId id="460" r:id="rId14"/>
-    <p:sldId id="461" r:id="rId15"/>
-    <p:sldId id="462" r:id="rId16"/>
+    <p:sldId id="463" r:id="rId13"/>
+    <p:sldId id="464" r:id="rId14"/>
+    <p:sldId id="465" r:id="rId15"/>
+    <p:sldId id="459" r:id="rId16"/>
+    <p:sldId id="460" r:id="rId17"/>
+    <p:sldId id="461" r:id="rId18"/>
+    <p:sldId id="462" r:id="rId19"/>
   </p:sldIdLst>
   <p:sldSz cx="9906000" cy="6858000" type="A4"/>
   <p:notesSz cx="6858000" cy="9144000"/>
@@ -368,7 +371,7 @@
             <a:fld id="{B38DDC64-668F-D042-B324-08EA36C7985F}" type="datetimeFigureOut">
               <a:rPr kumimoji="1" lang="ko-KR" altLang="en-US" smtClean="0"/>
               <a:pPr/>
-              <a:t>2024. 7. 24.</a:t>
+              <a:t>2024. 7. 25.</a:t>
             </a:fld>
             <a:endParaRPr kumimoji="1" lang="ko-KR" altLang="en-US"/>
           </a:p>
@@ -1003,7 +1006,7 @@
           <a:p>
             <a:fld id="{4C02D1D0-8AF1-3E45-93D9-439A94A54636}" type="datetime1">
               <a:rPr kumimoji="1" lang="ko-KR" altLang="en-US" smtClean="0"/>
-              <a:t>2024. 7. 24.</a:t>
+              <a:t>2024. 7. 25.</a:t>
             </a:fld>
             <a:endParaRPr kumimoji="1" lang="ko-KR" altLang="en-US"/>
           </a:p>
@@ -1167,7 +1170,7 @@
           <a:p>
             <a:fld id="{720AD815-E37C-AE42-93B2-164338F0BC3F}" type="datetime1">
               <a:rPr kumimoji="1" lang="ko-KR" altLang="en-US" smtClean="0"/>
-              <a:t>2024. 7. 24.</a:t>
+              <a:t>2024. 7. 25.</a:t>
             </a:fld>
             <a:endParaRPr kumimoji="1" lang="ko-KR" altLang="en-US"/>
           </a:p>
@@ -1611,7 +1614,7 @@
           <a:p>
             <a:fld id="{88B8D1EA-1598-7043-B817-80BCE13AFAD2}" type="datetime1">
               <a:rPr kumimoji="1" lang="ko-KR" altLang="en-US" smtClean="0"/>
-              <a:t>2024. 7. 24.</a:t>
+              <a:t>2024. 7. 25.</a:t>
             </a:fld>
             <a:endParaRPr kumimoji="1" lang="ko-KR" altLang="en-US"/>
           </a:p>
@@ -1797,7 +1800,7 @@
           <a:p>
             <a:fld id="{786698EA-A4F8-7C46-A602-CDCF30245E83}" type="datetime1">
               <a:rPr kumimoji="1" lang="ko-KR" altLang="en-US" smtClean="0"/>
-              <a:t>2024. 7. 24.</a:t>
+              <a:t>2024. 7. 25.</a:t>
             </a:fld>
             <a:endParaRPr kumimoji="1" lang="ko-KR" altLang="en-US"/>
           </a:p>
@@ -1983,7 +1986,7 @@
           <a:p>
             <a:fld id="{DEE90C36-D53C-6E45-965A-C6C77E76656E}" type="datetime1">
               <a:rPr kumimoji="1" lang="ko-KR" altLang="en-US" smtClean="0"/>
-              <a:t>2024. 7. 24.</a:t>
+              <a:t>2024. 7. 25.</a:t>
             </a:fld>
             <a:endParaRPr kumimoji="1" lang="ko-KR" altLang="en-US"/>
           </a:p>
@@ -8086,7 +8089,7 @@
           <p:cNvPr id="2" name="제목 1">
             <a:extLst>
               <a:ext uri="{FF2B5EF4-FFF2-40B4-BE49-F238E27FC236}">
-                <a16:creationId xmlns:a16="http://schemas.microsoft.com/office/drawing/2014/main" id="{848F61B5-40C6-1F59-A8DC-C3CBB48F093D}"/>
+                <a16:creationId xmlns:a16="http://schemas.microsoft.com/office/drawing/2014/main" id="{E2E1ED78-F44B-028D-6E53-0F500E16B5B6}"/>
               </a:ext>
             </a:extLst>
           </p:cNvPr>
@@ -8103,16 +8106,209 @@
           <a:lstStyle/>
           <a:p>
             <a:r>
+              <a:rPr kumimoji="1" lang="en-US" altLang="ko-KR" dirty="0" err="1"/>
+              <a:t>MoMa</a:t>
+            </a:r>
+            <a:r>
               <a:rPr kumimoji="1" lang="en-US" altLang="ko-KR" dirty="0"/>
-              <a:t>Pack Scenario</a:t>
-            </a:r>
+              <a:t> Scenario</a:t>
+            </a:r>
+            <a:endParaRPr kumimoji="1" lang="ko-KR" altLang="en-US" dirty="0"/>
+          </a:p>
+        </p:txBody>
+      </p:sp>
+      <p:sp>
+        <p:nvSpPr>
+          <p:cNvPr id="3" name="타원 2">
+            <a:extLst>
+              <a:ext uri="{FF2B5EF4-FFF2-40B4-BE49-F238E27FC236}">
+                <a16:creationId xmlns:a16="http://schemas.microsoft.com/office/drawing/2014/main" id="{5F013A1E-F8EC-2272-8D37-46F01817A944}"/>
+              </a:ext>
+            </a:extLst>
+          </p:cNvPr>
+          <p:cNvSpPr/>
+          <p:nvPr/>
+        </p:nvSpPr>
+        <p:spPr>
+          <a:xfrm>
+            <a:off x="1012371" y="1687285"/>
+            <a:ext cx="1132114" cy="1132114"/>
+          </a:xfrm>
+          <a:prstGeom prst="ellipse">
+            <a:avLst/>
+          </a:prstGeom>
+        </p:spPr>
+        <p:style>
+          <a:lnRef idx="2">
+            <a:schemeClr val="accent1">
+              <a:shade val="15000"/>
+            </a:schemeClr>
+          </a:lnRef>
+          <a:fillRef idx="1">
+            <a:schemeClr val="accent1"/>
+          </a:fillRef>
+          <a:effectRef idx="0">
+            <a:schemeClr val="accent1"/>
+          </a:effectRef>
+          <a:fontRef idx="minor">
+            <a:schemeClr val="lt1"/>
+          </a:fontRef>
+        </p:style>
+        <p:txBody>
+          <a:bodyPr wrap="none" rtlCol="0" anchor="ctr"/>
+          <a:lstStyle/>
+          <a:p>
+            <a:pPr algn="ctr"/>
             <a:r>
               <a:rPr kumimoji="1" lang="ko-KR" altLang="en-US" dirty="0"/>
-              <a:t> </a:t>
-            </a:r>
+              <a:t>반출입기</a:t>
+            </a:r>
+          </a:p>
+        </p:txBody>
+      </p:sp>
+      <p:sp>
+        <p:nvSpPr>
+          <p:cNvPr id="4" name="타원 3">
+            <a:extLst>
+              <a:ext uri="{FF2B5EF4-FFF2-40B4-BE49-F238E27FC236}">
+                <a16:creationId xmlns:a16="http://schemas.microsoft.com/office/drawing/2014/main" id="{9CF5F067-C616-4089-6B3E-4D5B8EC3A58F}"/>
+              </a:ext>
+            </a:extLst>
+          </p:cNvPr>
+          <p:cNvSpPr/>
+          <p:nvPr/>
+        </p:nvSpPr>
+        <p:spPr>
+          <a:xfrm>
+            <a:off x="3262086" y="1687285"/>
+            <a:ext cx="1132114" cy="1132114"/>
+          </a:xfrm>
+          <a:prstGeom prst="ellipse">
+            <a:avLst/>
+          </a:prstGeom>
+        </p:spPr>
+        <p:style>
+          <a:lnRef idx="2">
+            <a:schemeClr val="accent1">
+              <a:shade val="15000"/>
+            </a:schemeClr>
+          </a:lnRef>
+          <a:fillRef idx="1">
+            <a:schemeClr val="accent1"/>
+          </a:fillRef>
+          <a:effectRef idx="0">
+            <a:schemeClr val="accent1"/>
+          </a:effectRef>
+          <a:fontRef idx="minor">
+            <a:schemeClr val="lt1"/>
+          </a:fontRef>
+        </p:style>
+        <p:txBody>
+          <a:bodyPr wrap="none" rtlCol="0" anchor="ctr"/>
+          <a:lstStyle/>
+          <a:p>
+            <a:pPr algn="ctr"/>
+            <a:r>
+              <a:rPr kumimoji="1" lang="ko-KR" altLang="en-US" dirty="0"/>
+              <a:t>분석기</a:t>
+            </a:r>
+          </a:p>
+        </p:txBody>
+      </p:sp>
+      <p:sp>
+        <p:nvSpPr>
+          <p:cNvPr id="5" name="타원 4">
+            <a:extLst>
+              <a:ext uri="{FF2B5EF4-FFF2-40B4-BE49-F238E27FC236}">
+                <a16:creationId xmlns:a16="http://schemas.microsoft.com/office/drawing/2014/main" id="{3AB27D6A-70B1-D642-7EB9-F45A18010699}"/>
+              </a:ext>
+            </a:extLst>
+          </p:cNvPr>
+          <p:cNvSpPr/>
+          <p:nvPr/>
+        </p:nvSpPr>
+        <p:spPr>
+          <a:xfrm>
+            <a:off x="7761515" y="1687285"/>
+            <a:ext cx="1132114" cy="1132114"/>
+          </a:xfrm>
+          <a:prstGeom prst="ellipse">
+            <a:avLst/>
+          </a:prstGeom>
+        </p:spPr>
+        <p:style>
+          <a:lnRef idx="2">
+            <a:schemeClr val="accent1">
+              <a:shade val="15000"/>
+            </a:schemeClr>
+          </a:lnRef>
+          <a:fillRef idx="1">
+            <a:schemeClr val="accent1"/>
+          </a:fillRef>
+          <a:effectRef idx="0">
+            <a:schemeClr val="accent1"/>
+          </a:effectRef>
+          <a:fontRef idx="minor">
+            <a:schemeClr val="lt1"/>
+          </a:fontRef>
+        </p:style>
+        <p:txBody>
+          <a:bodyPr wrap="none" rtlCol="0" anchor="ctr"/>
+          <a:lstStyle/>
+          <a:p>
+            <a:pPr algn="ctr"/>
+            <a:r>
+              <a:rPr kumimoji="1" lang="ko-KR" altLang="en-US" dirty="0"/>
+              <a:t>폐기설비</a:t>
+            </a:r>
+          </a:p>
+        </p:txBody>
+      </p:sp>
+      <p:sp>
+        <p:nvSpPr>
+          <p:cNvPr id="6" name="타원 5">
+            <a:extLst>
+              <a:ext uri="{FF2B5EF4-FFF2-40B4-BE49-F238E27FC236}">
+                <a16:creationId xmlns:a16="http://schemas.microsoft.com/office/drawing/2014/main" id="{E78B301E-0342-42D5-6FA0-59707A987622}"/>
+              </a:ext>
+            </a:extLst>
+          </p:cNvPr>
+          <p:cNvSpPr/>
+          <p:nvPr/>
+        </p:nvSpPr>
+        <p:spPr>
+          <a:xfrm>
+            <a:off x="5511801" y="1687285"/>
+            <a:ext cx="1132114" cy="1132114"/>
+          </a:xfrm>
+          <a:prstGeom prst="ellipse">
+            <a:avLst/>
+          </a:prstGeom>
+        </p:spPr>
+        <p:style>
+          <a:lnRef idx="2">
+            <a:schemeClr val="accent1">
+              <a:shade val="15000"/>
+            </a:schemeClr>
+          </a:lnRef>
+          <a:fillRef idx="1">
+            <a:schemeClr val="accent1"/>
+          </a:fillRef>
+          <a:effectRef idx="0">
+            <a:schemeClr val="accent1"/>
+          </a:effectRef>
+          <a:fontRef idx="minor">
+            <a:schemeClr val="lt1"/>
+          </a:fontRef>
+        </p:style>
+        <p:txBody>
+          <a:bodyPr wrap="none" rtlCol="0" anchor="ctr"/>
+          <a:lstStyle/>
+          <a:p>
+            <a:pPr algn="ctr"/>
             <a:r>
               <a:rPr kumimoji="1" lang="en-US" altLang="ko-KR" dirty="0"/>
-              <a:t>#1</a:t>
+              <a:t>Stocker</a:t>
             </a:r>
             <a:endParaRPr kumimoji="1" lang="ko-KR" altLang="en-US" dirty="0"/>
           </a:p>
@@ -8120,10 +8316,10 @@
       </p:sp>
       <p:pic>
         <p:nvPicPr>
-          <p:cNvPr id="10" name="그림 9">
-            <a:extLst>
-              <a:ext uri="{FF2B5EF4-FFF2-40B4-BE49-F238E27FC236}">
-                <a16:creationId xmlns:a16="http://schemas.microsoft.com/office/drawing/2014/main" id="{E2F4ED31-DD67-9DC6-460B-AAD6FAD589A7}"/>
+          <p:cNvPr id="7" name="그림 6">
+            <a:extLst>
+              <a:ext uri="{FF2B5EF4-FFF2-40B4-BE49-F238E27FC236}">
+                <a16:creationId xmlns:a16="http://schemas.microsoft.com/office/drawing/2014/main" id="{749A8D43-0817-3A82-7612-BD9FCBA440C9}"/>
               </a:ext>
             </a:extLst>
           </p:cNvPr>
@@ -8140,8 +8336,8 @@
         </p:blipFill>
         <p:spPr>
           <a:xfrm>
-            <a:off x="1898119" y="2281089"/>
-            <a:ext cx="1432910" cy="2295821"/>
+            <a:off x="994603" y="3516322"/>
+            <a:ext cx="943054" cy="1510969"/>
           </a:xfrm>
           <a:prstGeom prst="rect">
             <a:avLst/>
@@ -8150,10 +8346,10 @@
       </p:pic>
       <p:sp>
         <p:nvSpPr>
-          <p:cNvPr id="12" name="TextBox 11">
-            <a:extLst>
-              <a:ext uri="{FF2B5EF4-FFF2-40B4-BE49-F238E27FC236}">
-                <a16:creationId xmlns:a16="http://schemas.microsoft.com/office/drawing/2014/main" id="{22F9667E-59CB-0ABB-4EE2-EBB5D1DEF3EB}"/>
+          <p:cNvPr id="8" name="TextBox 7">
+            <a:extLst>
+              <a:ext uri="{FF2B5EF4-FFF2-40B4-BE49-F238E27FC236}">
+                <a16:creationId xmlns:a16="http://schemas.microsoft.com/office/drawing/2014/main" id="{91496950-57BA-64D8-50A1-F6BA2F9792FD}"/>
               </a:ext>
             </a:extLst>
           </p:cNvPr>
@@ -8162,8 +8358,8 @@
         </p:nvSpPr>
         <p:spPr>
           <a:xfrm>
-            <a:off x="3478641" y="3105833"/>
-            <a:ext cx="1691489" cy="646331"/>
+            <a:off x="116839" y="4195544"/>
+            <a:ext cx="819455" cy="369332"/>
           </a:xfrm>
           <a:prstGeom prst="rect">
             <a:avLst/>
@@ -8176,36 +8372,516 @@
           </a:bodyPr>
           <a:lstStyle/>
           <a:p>
-            <a:pPr marL="285750" indent="-285750">
-              <a:buFont typeface="Wingdings" pitchFamily="2" charset="2"/>
-              <a:buChar char="l"/>
+            <a:pPr algn="ctr"/>
+            <a:r>
+              <a:rPr kumimoji="1" lang="en-US" altLang="ko-KR" dirty="0"/>
+              <a:t>Empty</a:t>
+            </a:r>
+            <a:endParaRPr kumimoji="1" lang="ko-KR" altLang="en-US" dirty="0"/>
+          </a:p>
+        </p:txBody>
+      </p:sp>
+      <p:sp>
+        <p:nvSpPr>
+          <p:cNvPr id="9" name="TextBox 8">
+            <a:extLst>
+              <a:ext uri="{FF2B5EF4-FFF2-40B4-BE49-F238E27FC236}">
+                <a16:creationId xmlns:a16="http://schemas.microsoft.com/office/drawing/2014/main" id="{A7F6DE19-2E5D-47F9-4180-CD58967E8741}"/>
+              </a:ext>
+            </a:extLst>
+          </p:cNvPr>
+          <p:cNvSpPr txBox="1"/>
+          <p:nvPr/>
+        </p:nvSpPr>
+        <p:spPr>
+          <a:xfrm>
+            <a:off x="2035628" y="3918545"/>
+            <a:ext cx="2939844" cy="923330"/>
+          </a:xfrm>
+          <a:prstGeom prst="rect">
+            <a:avLst/>
+          </a:prstGeom>
+          <a:noFill/>
+        </p:spPr>
+        <p:txBody>
+          <a:bodyPr wrap="none" rtlCol="0">
+            <a:spAutoFit/>
+          </a:bodyPr>
+          <a:lstStyle/>
+          <a:p>
+            <a:pPr marL="342900" indent="-342900">
+              <a:buFont typeface="+mj-lt"/>
+              <a:buAutoNum type="arabicParenR"/>
             </a:pPr>
             <a:r>
               <a:rPr kumimoji="1" lang="en-US" altLang="ko-KR" dirty="0"/>
-              <a:t>No Pack</a:t>
-            </a:r>
-          </a:p>
-          <a:p>
-            <a:pPr marL="285750" indent="-285750">
-              <a:buFont typeface="Wingdings" pitchFamily="2" charset="2"/>
-              <a:buChar char="l"/>
+              <a:t>High Priority</a:t>
+            </a:r>
+            <a:r>
+              <a:rPr kumimoji="1" lang="ko-KR" altLang="en-US" dirty="0"/>
+              <a:t> </a:t>
+            </a:r>
+            <a:r>
+              <a:rPr kumimoji="1" lang="en-US" altLang="ko-KR" dirty="0"/>
+              <a:t>Bottle/Pack</a:t>
+            </a:r>
+          </a:p>
+          <a:p>
+            <a:pPr marL="342900" indent="-342900">
+              <a:buFont typeface="+mj-lt"/>
+              <a:buAutoNum type="arabicParenR"/>
             </a:pPr>
             <a:r>
+              <a:rPr kumimoji="1" lang="en-US" altLang="ko-KR" dirty="0"/>
+              <a:t>Pack of Bottles</a:t>
+            </a:r>
+          </a:p>
+          <a:p>
+            <a:pPr marL="342900" indent="-342900">
+              <a:buFont typeface="+mj-lt"/>
+              <a:buAutoNum type="arabicParenR"/>
+            </a:pPr>
+            <a:r>
+              <a:rPr kumimoji="1" lang="en-US" altLang="ko-KR" dirty="0"/>
+              <a:t>Individual Bottles</a:t>
+            </a:r>
+            <a:endParaRPr kumimoji="1" lang="ko-KR" altLang="en-US" dirty="0"/>
+          </a:p>
+        </p:txBody>
+      </p:sp>
+      <p:sp>
+        <p:nvSpPr>
+          <p:cNvPr id="10" name="TextBox 9">
+            <a:extLst>
+              <a:ext uri="{FF2B5EF4-FFF2-40B4-BE49-F238E27FC236}">
+                <a16:creationId xmlns:a16="http://schemas.microsoft.com/office/drawing/2014/main" id="{94D8E956-D89B-C578-0634-A7EB8F50F6C1}"/>
+              </a:ext>
+            </a:extLst>
+          </p:cNvPr>
+          <p:cNvSpPr txBox="1"/>
+          <p:nvPr/>
+        </p:nvSpPr>
+        <p:spPr>
+          <a:xfrm>
+            <a:off x="2513703" y="3516322"/>
+            <a:ext cx="1790876" cy="369332"/>
+          </a:xfrm>
+          <a:prstGeom prst="rect">
+            <a:avLst/>
+          </a:prstGeom>
+          <a:noFill/>
+        </p:spPr>
+        <p:txBody>
+          <a:bodyPr wrap="none" rtlCol="0">
+            <a:spAutoFit/>
+          </a:bodyPr>
+          <a:lstStyle/>
+          <a:p>
+            <a:pPr algn="ctr"/>
+            <a:r>
+              <a:rPr kumimoji="1" lang="en-US" altLang="ko-KR" b="1" dirty="0"/>
+              <a:t>Bottle </a:t>
+            </a:r>
+            <a:r>
+              <a:rPr kumimoji="1" lang="ko-KR" altLang="en-US" b="1" dirty="0"/>
+              <a:t>우선순위</a:t>
+            </a:r>
+          </a:p>
+        </p:txBody>
+      </p:sp>
+      <p:sp>
+        <p:nvSpPr>
+          <p:cNvPr id="11" name="TextBox 10">
+            <a:extLst>
+              <a:ext uri="{FF2B5EF4-FFF2-40B4-BE49-F238E27FC236}">
+                <a16:creationId xmlns:a16="http://schemas.microsoft.com/office/drawing/2014/main" id="{95D9D14B-97CE-B43A-BB89-60EA054C0523}"/>
+              </a:ext>
+            </a:extLst>
+          </p:cNvPr>
+          <p:cNvSpPr txBox="1"/>
+          <p:nvPr/>
+        </p:nvSpPr>
+        <p:spPr>
+          <a:xfrm>
+            <a:off x="6302210" y="3516322"/>
+            <a:ext cx="1616148" cy="369332"/>
+          </a:xfrm>
+          <a:prstGeom prst="rect">
+            <a:avLst/>
+          </a:prstGeom>
+          <a:noFill/>
+        </p:spPr>
+        <p:txBody>
+          <a:bodyPr wrap="none" rtlCol="0">
+            <a:spAutoFit/>
+          </a:bodyPr>
+          <a:lstStyle/>
+          <a:p>
+            <a:pPr algn="ctr"/>
+            <a:r>
+              <a:rPr kumimoji="1" lang="ko-KR" altLang="en-US" b="1" dirty="0"/>
+              <a:t>운반</a:t>
+            </a:r>
+            <a:r>
+              <a:rPr kumimoji="1" lang="en-US" altLang="ko-KR" b="1" dirty="0"/>
+              <a:t> </a:t>
+            </a:r>
+            <a:r>
+              <a:rPr kumimoji="1" lang="ko-KR" altLang="en-US" b="1" dirty="0"/>
+              <a:t>우선순위</a:t>
+            </a:r>
+          </a:p>
+        </p:txBody>
+      </p:sp>
+      <p:sp>
+        <p:nvSpPr>
+          <p:cNvPr id="12" name="TextBox 11">
+            <a:extLst>
+              <a:ext uri="{FF2B5EF4-FFF2-40B4-BE49-F238E27FC236}">
+                <a16:creationId xmlns:a16="http://schemas.microsoft.com/office/drawing/2014/main" id="{5F3FE7BB-F0D7-E8F1-F9FC-3383C8A91BE6}"/>
+              </a:ext>
+            </a:extLst>
+          </p:cNvPr>
+          <p:cNvSpPr txBox="1"/>
+          <p:nvPr/>
+        </p:nvSpPr>
+        <p:spPr>
+          <a:xfrm>
+            <a:off x="5148873" y="3872378"/>
+            <a:ext cx="4641014" cy="2031325"/>
+          </a:xfrm>
+          <a:prstGeom prst="rect">
+            <a:avLst/>
+          </a:prstGeom>
+          <a:noFill/>
+        </p:spPr>
+        <p:txBody>
+          <a:bodyPr wrap="none" rtlCol="0">
+            <a:spAutoFit/>
+          </a:bodyPr>
+          <a:lstStyle/>
+          <a:p>
+            <a:pPr marL="342900" indent="-342900">
+              <a:buFont typeface="+mj-lt"/>
+              <a:buAutoNum type="arabicParenR"/>
+            </a:pPr>
+            <a:r>
+              <a:rPr kumimoji="1" lang="ko-KR" altLang="en-US" b="1" dirty="0" err="1">
+                <a:solidFill>
+                  <a:srgbClr val="FF0000"/>
+                </a:solidFill>
+              </a:rPr>
+              <a:t>실병</a:t>
+            </a:r>
+            <a:r>
+              <a:rPr kumimoji="1" lang="ko-KR" altLang="en-US" dirty="0" err="1"/>
+              <a:t>을</a:t>
+            </a:r>
+            <a:r>
               <a:rPr kumimoji="1" lang="ko-KR" altLang="en-US" dirty="0"/>
-              <a:t>개별 </a:t>
-            </a:r>
-            <a:r>
-              <a:rPr kumimoji="1" lang="en-US" altLang="ko-KR" dirty="0"/>
-              <a:t>Bottles</a:t>
-            </a:r>
-            <a:endParaRPr kumimoji="1" lang="ko-KR" altLang="en-US" dirty="0"/>
+              <a:t> </a:t>
+            </a:r>
+            <a:r>
+              <a:rPr kumimoji="1" lang="ko-KR" altLang="en-US" b="1" dirty="0">
+                <a:solidFill>
+                  <a:srgbClr val="FF0000"/>
+                </a:solidFill>
+              </a:rPr>
+              <a:t>반출입기</a:t>
+            </a:r>
+            <a:r>
+              <a:rPr kumimoji="1" lang="ko-KR" altLang="en-US" dirty="0"/>
+              <a:t>에서 </a:t>
+            </a:r>
+            <a:r>
+              <a:rPr kumimoji="1" lang="ko-KR" altLang="en-US" b="1" dirty="0">
+                <a:solidFill>
+                  <a:srgbClr val="FF0000"/>
+                </a:solidFill>
+              </a:rPr>
+              <a:t>분석기</a:t>
+            </a:r>
+            <a:r>
+              <a:rPr kumimoji="1" lang="ko-KR" altLang="en-US" dirty="0"/>
+              <a:t>로 이동</a:t>
+            </a:r>
+            <a:endParaRPr kumimoji="1" lang="en-US" altLang="ko-KR" dirty="0"/>
+          </a:p>
+          <a:p>
+            <a:pPr marL="342900" indent="-342900">
+              <a:buFont typeface="+mj-lt"/>
+              <a:buAutoNum type="arabicParenR"/>
+            </a:pPr>
+            <a:r>
+              <a:rPr kumimoji="1" lang="ko-KR" altLang="en-US" b="1" dirty="0">
+                <a:solidFill>
+                  <a:srgbClr val="FF0000"/>
+                </a:solidFill>
+              </a:rPr>
+              <a:t>재검</a:t>
+            </a:r>
+            <a:r>
+              <a:rPr kumimoji="1" lang="ko-KR" altLang="en-US" dirty="0"/>
+              <a:t> 병을 </a:t>
+            </a:r>
+            <a:r>
+              <a:rPr kumimoji="1" lang="ko-KR" altLang="en-US" b="1" dirty="0">
+                <a:solidFill>
+                  <a:srgbClr val="FF0000"/>
+                </a:solidFill>
+              </a:rPr>
+              <a:t>분석기</a:t>
+            </a:r>
+            <a:r>
+              <a:rPr kumimoji="1" lang="ko-KR" altLang="en-US" dirty="0"/>
+              <a:t>에서 </a:t>
+            </a:r>
+            <a:r>
+              <a:rPr kumimoji="1" lang="en-US" altLang="ko-KR" b="1" dirty="0">
+                <a:solidFill>
+                  <a:srgbClr val="FF0000"/>
+                </a:solidFill>
+              </a:rPr>
+              <a:t>Stocker</a:t>
+            </a:r>
+            <a:r>
+              <a:rPr kumimoji="1" lang="ko-KR" altLang="en-US" dirty="0"/>
+              <a:t>로 이동</a:t>
+            </a:r>
+            <a:endParaRPr kumimoji="1" lang="en-US" altLang="ko-KR" dirty="0"/>
+          </a:p>
+          <a:p>
+            <a:pPr marL="342900" indent="-342900">
+              <a:buFont typeface="+mj-lt"/>
+              <a:buAutoNum type="arabicParenR"/>
+            </a:pPr>
+            <a:r>
+              <a:rPr kumimoji="1" lang="ko-KR" altLang="en-US" b="1" dirty="0">
+                <a:solidFill>
+                  <a:srgbClr val="FF0000"/>
+                </a:solidFill>
+              </a:rPr>
+              <a:t>완료된 병</a:t>
+            </a:r>
+            <a:r>
+              <a:rPr kumimoji="1" lang="ko-KR" altLang="en-US" dirty="0"/>
+              <a:t>을 </a:t>
+            </a:r>
+            <a:r>
+              <a:rPr kumimoji="1" lang="ko-KR" altLang="en-US" b="1" dirty="0">
+                <a:solidFill>
+                  <a:srgbClr val="FF0000"/>
+                </a:solidFill>
+              </a:rPr>
+              <a:t>분석기</a:t>
+            </a:r>
+            <a:r>
+              <a:rPr kumimoji="1" lang="ko-KR" altLang="en-US" dirty="0"/>
+              <a:t>에서 </a:t>
+            </a:r>
+            <a:r>
+              <a:rPr kumimoji="1" lang="ko-KR" altLang="en-US" b="1" dirty="0">
+                <a:solidFill>
+                  <a:srgbClr val="FF0000"/>
+                </a:solidFill>
+              </a:rPr>
+              <a:t>폐기설비</a:t>
+            </a:r>
+            <a:r>
+              <a:rPr kumimoji="1" lang="ko-KR" altLang="en-US" dirty="0"/>
+              <a:t>로 이동</a:t>
+            </a:r>
+            <a:endParaRPr kumimoji="1" lang="en-US" altLang="ko-KR" dirty="0"/>
+          </a:p>
+          <a:p>
+            <a:pPr marL="342900" indent="-342900">
+              <a:buFont typeface="+mj-lt"/>
+              <a:buAutoNum type="arabicParenR"/>
+            </a:pPr>
+            <a:r>
+              <a:rPr kumimoji="1" lang="ko-KR" altLang="en-US" b="1" dirty="0">
+                <a:solidFill>
+                  <a:srgbClr val="FF0000"/>
+                </a:solidFill>
+              </a:rPr>
+              <a:t>재검병</a:t>
+            </a:r>
+            <a:r>
+              <a:rPr kumimoji="1" lang="ko-KR" altLang="en-US" dirty="0"/>
+              <a:t>을 </a:t>
+            </a:r>
+            <a:r>
+              <a:rPr kumimoji="1" lang="en-US" altLang="ko-KR" b="1" dirty="0">
+                <a:solidFill>
+                  <a:srgbClr val="FF0000"/>
+                </a:solidFill>
+              </a:rPr>
+              <a:t>Stocker</a:t>
+            </a:r>
+            <a:r>
+              <a:rPr kumimoji="1" lang="ko-KR" altLang="en-US" dirty="0"/>
+              <a:t>에서 </a:t>
+            </a:r>
+            <a:r>
+              <a:rPr kumimoji="1" lang="ko-KR" altLang="en-US" b="1" dirty="0">
+                <a:solidFill>
+                  <a:srgbClr val="FF0000"/>
+                </a:solidFill>
+              </a:rPr>
+              <a:t>분석기</a:t>
+            </a:r>
+            <a:r>
+              <a:rPr kumimoji="1" lang="ko-KR" altLang="en-US" dirty="0"/>
+              <a:t>로 이동</a:t>
+            </a:r>
+            <a:endParaRPr kumimoji="1" lang="en-US" altLang="ko-KR" dirty="0"/>
+          </a:p>
+          <a:p>
+            <a:pPr marL="342900" indent="-342900">
+              <a:buFont typeface="+mj-lt"/>
+              <a:buAutoNum type="arabicParenR"/>
+            </a:pPr>
+            <a:r>
+              <a:rPr kumimoji="1" lang="ko-KR" altLang="en-US" b="1" dirty="0" err="1">
+                <a:solidFill>
+                  <a:srgbClr val="FF0000"/>
+                </a:solidFill>
+              </a:rPr>
+              <a:t>빈병</a:t>
+            </a:r>
+            <a:r>
+              <a:rPr kumimoji="1" lang="ko-KR" altLang="en-US" dirty="0" err="1"/>
+              <a:t>을</a:t>
+            </a:r>
+            <a:r>
+              <a:rPr kumimoji="1" lang="ko-KR" altLang="en-US" dirty="0"/>
+              <a:t> </a:t>
+            </a:r>
+            <a:r>
+              <a:rPr kumimoji="1" lang="ko-KR" altLang="en-US" b="1" dirty="0">
+                <a:solidFill>
+                  <a:srgbClr val="FF0000"/>
+                </a:solidFill>
+              </a:rPr>
+              <a:t>폐기설비</a:t>
+            </a:r>
+            <a:r>
+              <a:rPr kumimoji="1" lang="ko-KR" altLang="en-US" dirty="0"/>
+              <a:t>에서 </a:t>
+            </a:r>
+            <a:r>
+              <a:rPr kumimoji="1" lang="ko-KR" altLang="en-US" b="1" dirty="0">
+                <a:solidFill>
+                  <a:srgbClr val="FF0000"/>
+                </a:solidFill>
+              </a:rPr>
+              <a:t>반출입기</a:t>
+            </a:r>
+            <a:r>
+              <a:rPr kumimoji="1" lang="ko-KR" altLang="en-US" dirty="0"/>
+              <a:t>로 이동</a:t>
+            </a:r>
+            <a:endParaRPr kumimoji="1" lang="en-US" altLang="ko-KR" dirty="0"/>
+          </a:p>
+          <a:p>
+            <a:pPr marL="342900" indent="-342900">
+              <a:buFont typeface="+mj-lt"/>
+              <a:buAutoNum type="arabicParenR"/>
+            </a:pPr>
+            <a:r>
+              <a:rPr kumimoji="1" lang="ko-KR" altLang="en-US" b="1" dirty="0" err="1">
+                <a:solidFill>
+                  <a:srgbClr val="FF0000"/>
+                </a:solidFill>
+              </a:rPr>
+              <a:t>실병</a:t>
+            </a:r>
+            <a:r>
+              <a:rPr kumimoji="1" lang="ko-KR" altLang="en-US" dirty="0" err="1"/>
+              <a:t>을</a:t>
+            </a:r>
+            <a:r>
+              <a:rPr kumimoji="1" lang="ko-KR" altLang="en-US" dirty="0"/>
+              <a:t> </a:t>
+            </a:r>
+            <a:r>
+              <a:rPr kumimoji="1" lang="ko-KR" altLang="en-US" b="1" dirty="0">
+                <a:solidFill>
+                  <a:srgbClr val="FF0000"/>
+                </a:solidFill>
+              </a:rPr>
+              <a:t>반출입기</a:t>
+            </a:r>
+            <a:r>
+              <a:rPr kumimoji="1" lang="ko-KR" altLang="en-US" dirty="0"/>
+              <a:t>에서 </a:t>
+            </a:r>
+            <a:r>
+              <a:rPr kumimoji="1" lang="en-US" altLang="ko-KR" b="1" dirty="0">
+                <a:solidFill>
+                  <a:srgbClr val="FF0000"/>
+                </a:solidFill>
+              </a:rPr>
+              <a:t>Stocker</a:t>
+            </a:r>
+            <a:r>
+              <a:rPr kumimoji="1" lang="ko-KR" altLang="en-US" dirty="0"/>
+              <a:t>로 이동</a:t>
+            </a:r>
+            <a:endParaRPr kumimoji="1" lang="en-US" altLang="ko-KR" dirty="0"/>
+          </a:p>
+          <a:p>
+            <a:pPr marL="342900" indent="-342900">
+              <a:buFont typeface="+mj-lt"/>
+              <a:buAutoNum type="arabicParenR"/>
+            </a:pPr>
+            <a:r>
+              <a:rPr kumimoji="1" lang="ko-KR" altLang="en-US" b="1" dirty="0" err="1">
+                <a:solidFill>
+                  <a:srgbClr val="FF0000"/>
+                </a:solidFill>
+              </a:rPr>
+              <a:t>빈병</a:t>
+            </a:r>
+            <a:r>
+              <a:rPr kumimoji="1" lang="ko-KR" altLang="en-US" dirty="0" err="1"/>
+              <a:t>을</a:t>
+            </a:r>
+            <a:r>
+              <a:rPr kumimoji="1" lang="ko-KR" altLang="en-US" dirty="0"/>
+              <a:t> </a:t>
+            </a:r>
+            <a:r>
+              <a:rPr kumimoji="1" lang="en-US" altLang="ko-KR" b="1" dirty="0">
+                <a:solidFill>
+                  <a:srgbClr val="FF0000"/>
+                </a:solidFill>
+              </a:rPr>
+              <a:t>Stocker</a:t>
+            </a:r>
+            <a:r>
+              <a:rPr kumimoji="1" lang="ko-KR" altLang="en-US" dirty="0"/>
+              <a:t>에서 </a:t>
+            </a:r>
+            <a:r>
+              <a:rPr kumimoji="1" lang="ko-KR" altLang="en-US" b="1" dirty="0">
+                <a:solidFill>
+                  <a:srgbClr val="FF0000"/>
+                </a:solidFill>
+              </a:rPr>
+              <a:t>반출입기</a:t>
+            </a:r>
+            <a:r>
+              <a:rPr kumimoji="1" lang="ko-KR" altLang="en-US" dirty="0"/>
+              <a:t>로 이동</a:t>
+            </a:r>
           </a:p>
         </p:txBody>
       </p:sp>
     </p:spTree>
     <p:extLst>
       <p:ext uri="{BB962C8B-B14F-4D97-AF65-F5344CB8AC3E}">
-        <p14:creationId xmlns:p14="http://schemas.microsoft.com/office/powerpoint/2010/main" val="430230832"/>
+        <p14:creationId xmlns:p14="http://schemas.microsoft.com/office/powerpoint/2010/main" val="2958016120"/>
       </p:ext>
     </p:extLst>
   </p:cSld>
@@ -8237,7 +8913,7 @@
           <p:cNvPr id="2" name="제목 1">
             <a:extLst>
               <a:ext uri="{FF2B5EF4-FFF2-40B4-BE49-F238E27FC236}">
-                <a16:creationId xmlns:a16="http://schemas.microsoft.com/office/drawing/2014/main" id="{848F61B5-40C6-1F59-A8DC-C3CBB48F093D}"/>
+                <a16:creationId xmlns:a16="http://schemas.microsoft.com/office/drawing/2014/main" id="{CE37E7E9-F3DB-1E9F-3E06-671D5CE03719}"/>
               </a:ext>
             </a:extLst>
           </p:cNvPr>
@@ -8255,15 +8931,11 @@
           <a:p>
             <a:r>
               <a:rPr kumimoji="1" lang="en-US" altLang="ko-KR" dirty="0"/>
-              <a:t>Pack Scenario</a:t>
-            </a:r>
-            <a:r>
-              <a:rPr kumimoji="1" lang="ko-KR" altLang="en-US" dirty="0"/>
-              <a:t> </a:t>
-            </a:r>
-            <a:r>
-              <a:rPr kumimoji="1" lang="en-US" altLang="ko-KR" dirty="0"/>
-              <a:t>#2</a:t>
+              <a:t>Realtime Events to </a:t>
+            </a:r>
+            <a:r>
+              <a:rPr kumimoji="1" lang="en-US" altLang="ko-KR" dirty="0" err="1"/>
+              <a:t>MoMa</a:t>
             </a:r>
             <a:endParaRPr kumimoji="1" lang="ko-KR" altLang="en-US" dirty="0"/>
           </a:p>
@@ -8271,10 +8943,10 @@
       </p:sp>
       <p:pic>
         <p:nvPicPr>
-          <p:cNvPr id="10" name="그림 9">
-            <a:extLst>
-              <a:ext uri="{FF2B5EF4-FFF2-40B4-BE49-F238E27FC236}">
-                <a16:creationId xmlns:a16="http://schemas.microsoft.com/office/drawing/2014/main" id="{E2F4ED31-DD67-9DC6-460B-AAD6FAD589A7}"/>
+          <p:cNvPr id="3" name="그림 2">
+            <a:extLst>
+              <a:ext uri="{FF2B5EF4-FFF2-40B4-BE49-F238E27FC236}">
+                <a16:creationId xmlns:a16="http://schemas.microsoft.com/office/drawing/2014/main" id="{78245034-EE28-E352-3417-334C83EF5FE4}"/>
               </a:ext>
             </a:extLst>
           </p:cNvPr>
@@ -8291,8 +8963,8 @@
         </p:blipFill>
         <p:spPr>
           <a:xfrm>
-            <a:off x="1898119" y="2281089"/>
-            <a:ext cx="1432910" cy="2295821"/>
+            <a:off x="5054975" y="2765208"/>
+            <a:ext cx="943054" cy="1510969"/>
           </a:xfrm>
           <a:prstGeom prst="rect">
             <a:avLst/>
@@ -8301,10 +8973,10 @@
       </p:pic>
       <p:sp>
         <p:nvSpPr>
-          <p:cNvPr id="12" name="TextBox 11">
-            <a:extLst>
-              <a:ext uri="{FF2B5EF4-FFF2-40B4-BE49-F238E27FC236}">
-                <a16:creationId xmlns:a16="http://schemas.microsoft.com/office/drawing/2014/main" id="{22F9667E-59CB-0ABB-4EE2-EBB5D1DEF3EB}"/>
+          <p:cNvPr id="4" name="TextBox 3">
+            <a:extLst>
+              <a:ext uri="{FF2B5EF4-FFF2-40B4-BE49-F238E27FC236}">
+                <a16:creationId xmlns:a16="http://schemas.microsoft.com/office/drawing/2014/main" id="{CAB68C7C-33CF-14FF-AD9E-6FCD8C1472B0}"/>
               </a:ext>
             </a:extLst>
           </p:cNvPr>
@@ -8313,8 +8985,790 @@
         </p:nvSpPr>
         <p:spPr>
           <a:xfrm>
-            <a:off x="3478641" y="3105833"/>
-            <a:ext cx="1125886" cy="369332"/>
+            <a:off x="413961" y="2179024"/>
+            <a:ext cx="4641014" cy="2957861"/>
+          </a:xfrm>
+          <a:prstGeom prst="rect">
+            <a:avLst/>
+          </a:prstGeom>
+          <a:noFill/>
+        </p:spPr>
+        <p:txBody>
+          <a:bodyPr wrap="none" rtlCol="0" anchor="ctr">
+            <a:spAutoFit/>
+          </a:bodyPr>
+          <a:lstStyle/>
+          <a:p>
+            <a:pPr marL="342900" indent="-342900">
+              <a:lnSpc>
+                <a:spcPct val="150000"/>
+              </a:lnSpc>
+              <a:buFont typeface="+mj-lt"/>
+              <a:buAutoNum type="arabicParenR"/>
+            </a:pPr>
+            <a:r>
+              <a:rPr kumimoji="1" lang="ko-KR" altLang="en-US" b="1" dirty="0" err="1">
+                <a:solidFill>
+                  <a:srgbClr val="FF0000"/>
+                </a:solidFill>
+              </a:rPr>
+              <a:t>실병</a:t>
+            </a:r>
+            <a:r>
+              <a:rPr kumimoji="1" lang="ko-KR" altLang="en-US" dirty="0" err="1"/>
+              <a:t>을</a:t>
+            </a:r>
+            <a:r>
+              <a:rPr kumimoji="1" lang="ko-KR" altLang="en-US" dirty="0"/>
+              <a:t> </a:t>
+            </a:r>
+            <a:r>
+              <a:rPr kumimoji="1" lang="ko-KR" altLang="en-US" b="1" dirty="0">
+                <a:solidFill>
+                  <a:srgbClr val="FF0000"/>
+                </a:solidFill>
+              </a:rPr>
+              <a:t>반출입기</a:t>
+            </a:r>
+            <a:r>
+              <a:rPr kumimoji="1" lang="ko-KR" altLang="en-US" dirty="0"/>
+              <a:t>에서 </a:t>
+            </a:r>
+            <a:r>
+              <a:rPr kumimoji="1" lang="ko-KR" altLang="en-US" b="1" dirty="0">
+                <a:solidFill>
+                  <a:srgbClr val="FF0000"/>
+                </a:solidFill>
+              </a:rPr>
+              <a:t>분석기</a:t>
+            </a:r>
+            <a:r>
+              <a:rPr kumimoji="1" lang="ko-KR" altLang="en-US" dirty="0"/>
+              <a:t>로 이동</a:t>
+            </a:r>
+            <a:endParaRPr kumimoji="1" lang="en-US" altLang="ko-KR" dirty="0"/>
+          </a:p>
+          <a:p>
+            <a:pPr marL="342900" indent="-342900">
+              <a:lnSpc>
+                <a:spcPct val="150000"/>
+              </a:lnSpc>
+              <a:buFont typeface="+mj-lt"/>
+              <a:buAutoNum type="arabicParenR"/>
+            </a:pPr>
+            <a:r>
+              <a:rPr kumimoji="1" lang="ko-KR" altLang="en-US" b="1" dirty="0">
+                <a:solidFill>
+                  <a:srgbClr val="FF0000"/>
+                </a:solidFill>
+              </a:rPr>
+              <a:t>재검</a:t>
+            </a:r>
+            <a:r>
+              <a:rPr kumimoji="1" lang="ko-KR" altLang="en-US" dirty="0"/>
+              <a:t> 병을 </a:t>
+            </a:r>
+            <a:r>
+              <a:rPr kumimoji="1" lang="ko-KR" altLang="en-US" b="1" dirty="0">
+                <a:solidFill>
+                  <a:srgbClr val="FF0000"/>
+                </a:solidFill>
+              </a:rPr>
+              <a:t>분석기</a:t>
+            </a:r>
+            <a:r>
+              <a:rPr kumimoji="1" lang="ko-KR" altLang="en-US" dirty="0"/>
+              <a:t>에서 </a:t>
+            </a:r>
+            <a:r>
+              <a:rPr kumimoji="1" lang="en-US" altLang="ko-KR" b="1" dirty="0">
+                <a:solidFill>
+                  <a:srgbClr val="FF0000"/>
+                </a:solidFill>
+              </a:rPr>
+              <a:t>Stocker</a:t>
+            </a:r>
+            <a:r>
+              <a:rPr kumimoji="1" lang="ko-KR" altLang="en-US" dirty="0"/>
+              <a:t>로 이동</a:t>
+            </a:r>
+            <a:endParaRPr kumimoji="1" lang="en-US" altLang="ko-KR" dirty="0"/>
+          </a:p>
+          <a:p>
+            <a:pPr marL="342900" indent="-342900">
+              <a:lnSpc>
+                <a:spcPct val="150000"/>
+              </a:lnSpc>
+              <a:buFont typeface="+mj-lt"/>
+              <a:buAutoNum type="arabicParenR"/>
+            </a:pPr>
+            <a:r>
+              <a:rPr kumimoji="1" lang="ko-KR" altLang="en-US" b="1" dirty="0">
+                <a:solidFill>
+                  <a:srgbClr val="FF0000"/>
+                </a:solidFill>
+              </a:rPr>
+              <a:t>완료된 병</a:t>
+            </a:r>
+            <a:r>
+              <a:rPr kumimoji="1" lang="ko-KR" altLang="en-US" dirty="0"/>
+              <a:t>을 </a:t>
+            </a:r>
+            <a:r>
+              <a:rPr kumimoji="1" lang="ko-KR" altLang="en-US" b="1" dirty="0">
+                <a:solidFill>
+                  <a:srgbClr val="FF0000"/>
+                </a:solidFill>
+              </a:rPr>
+              <a:t>분석기</a:t>
+            </a:r>
+            <a:r>
+              <a:rPr kumimoji="1" lang="ko-KR" altLang="en-US" dirty="0"/>
+              <a:t>에서 </a:t>
+            </a:r>
+            <a:r>
+              <a:rPr kumimoji="1" lang="ko-KR" altLang="en-US" b="1" dirty="0">
+                <a:solidFill>
+                  <a:srgbClr val="FF0000"/>
+                </a:solidFill>
+              </a:rPr>
+              <a:t>폐기설비</a:t>
+            </a:r>
+            <a:r>
+              <a:rPr kumimoji="1" lang="ko-KR" altLang="en-US" dirty="0"/>
+              <a:t>로 이동</a:t>
+            </a:r>
+            <a:endParaRPr kumimoji="1" lang="en-US" altLang="ko-KR" dirty="0"/>
+          </a:p>
+          <a:p>
+            <a:pPr marL="342900" indent="-342900">
+              <a:lnSpc>
+                <a:spcPct val="150000"/>
+              </a:lnSpc>
+              <a:buFont typeface="+mj-lt"/>
+              <a:buAutoNum type="arabicParenR"/>
+            </a:pPr>
+            <a:r>
+              <a:rPr kumimoji="1" lang="ko-KR" altLang="en-US" b="1" dirty="0">
+                <a:solidFill>
+                  <a:srgbClr val="FF0000"/>
+                </a:solidFill>
+              </a:rPr>
+              <a:t>재검병</a:t>
+            </a:r>
+            <a:r>
+              <a:rPr kumimoji="1" lang="ko-KR" altLang="en-US" dirty="0"/>
+              <a:t>을 </a:t>
+            </a:r>
+            <a:r>
+              <a:rPr kumimoji="1" lang="en-US" altLang="ko-KR" b="1" dirty="0">
+                <a:solidFill>
+                  <a:srgbClr val="FF0000"/>
+                </a:solidFill>
+              </a:rPr>
+              <a:t>Stocker</a:t>
+            </a:r>
+            <a:r>
+              <a:rPr kumimoji="1" lang="ko-KR" altLang="en-US" dirty="0"/>
+              <a:t>에서 </a:t>
+            </a:r>
+            <a:r>
+              <a:rPr kumimoji="1" lang="ko-KR" altLang="en-US" b="1" dirty="0">
+                <a:solidFill>
+                  <a:srgbClr val="FF0000"/>
+                </a:solidFill>
+              </a:rPr>
+              <a:t>분석기</a:t>
+            </a:r>
+            <a:r>
+              <a:rPr kumimoji="1" lang="ko-KR" altLang="en-US" dirty="0"/>
+              <a:t>로 이동</a:t>
+            </a:r>
+            <a:endParaRPr kumimoji="1" lang="en-US" altLang="ko-KR" dirty="0"/>
+          </a:p>
+          <a:p>
+            <a:pPr marL="342900" indent="-342900">
+              <a:lnSpc>
+                <a:spcPct val="150000"/>
+              </a:lnSpc>
+              <a:buFont typeface="+mj-lt"/>
+              <a:buAutoNum type="arabicParenR"/>
+            </a:pPr>
+            <a:r>
+              <a:rPr kumimoji="1" lang="ko-KR" altLang="en-US" b="1" dirty="0" err="1">
+                <a:solidFill>
+                  <a:srgbClr val="FF0000"/>
+                </a:solidFill>
+              </a:rPr>
+              <a:t>빈병</a:t>
+            </a:r>
+            <a:r>
+              <a:rPr kumimoji="1" lang="ko-KR" altLang="en-US" dirty="0" err="1"/>
+              <a:t>을</a:t>
+            </a:r>
+            <a:r>
+              <a:rPr kumimoji="1" lang="ko-KR" altLang="en-US" dirty="0"/>
+              <a:t> </a:t>
+            </a:r>
+            <a:r>
+              <a:rPr kumimoji="1" lang="ko-KR" altLang="en-US" b="1" dirty="0">
+                <a:solidFill>
+                  <a:srgbClr val="FF0000"/>
+                </a:solidFill>
+              </a:rPr>
+              <a:t>폐기설비</a:t>
+            </a:r>
+            <a:r>
+              <a:rPr kumimoji="1" lang="ko-KR" altLang="en-US" dirty="0"/>
+              <a:t>에서 </a:t>
+            </a:r>
+            <a:r>
+              <a:rPr kumimoji="1" lang="ko-KR" altLang="en-US" b="1" dirty="0">
+                <a:solidFill>
+                  <a:srgbClr val="FF0000"/>
+                </a:solidFill>
+              </a:rPr>
+              <a:t>반출입기</a:t>
+            </a:r>
+            <a:r>
+              <a:rPr kumimoji="1" lang="ko-KR" altLang="en-US" dirty="0"/>
+              <a:t>로 이동</a:t>
+            </a:r>
+            <a:endParaRPr kumimoji="1" lang="en-US" altLang="ko-KR" dirty="0"/>
+          </a:p>
+          <a:p>
+            <a:pPr marL="342900" indent="-342900">
+              <a:lnSpc>
+                <a:spcPct val="150000"/>
+              </a:lnSpc>
+              <a:buFont typeface="+mj-lt"/>
+              <a:buAutoNum type="arabicParenR"/>
+            </a:pPr>
+            <a:r>
+              <a:rPr kumimoji="1" lang="ko-KR" altLang="en-US" b="1" dirty="0" err="1">
+                <a:solidFill>
+                  <a:srgbClr val="FF0000"/>
+                </a:solidFill>
+              </a:rPr>
+              <a:t>실병</a:t>
+            </a:r>
+            <a:r>
+              <a:rPr kumimoji="1" lang="ko-KR" altLang="en-US" dirty="0" err="1"/>
+              <a:t>을</a:t>
+            </a:r>
+            <a:r>
+              <a:rPr kumimoji="1" lang="ko-KR" altLang="en-US" dirty="0"/>
+              <a:t> </a:t>
+            </a:r>
+            <a:r>
+              <a:rPr kumimoji="1" lang="ko-KR" altLang="en-US" b="1" dirty="0">
+                <a:solidFill>
+                  <a:srgbClr val="FF0000"/>
+                </a:solidFill>
+              </a:rPr>
+              <a:t>반출입기</a:t>
+            </a:r>
+            <a:r>
+              <a:rPr kumimoji="1" lang="ko-KR" altLang="en-US" dirty="0"/>
+              <a:t>에서 </a:t>
+            </a:r>
+            <a:r>
+              <a:rPr kumimoji="1" lang="en-US" altLang="ko-KR" b="1" dirty="0">
+                <a:solidFill>
+                  <a:srgbClr val="FF0000"/>
+                </a:solidFill>
+              </a:rPr>
+              <a:t>Stocker</a:t>
+            </a:r>
+            <a:r>
+              <a:rPr kumimoji="1" lang="ko-KR" altLang="en-US" dirty="0"/>
+              <a:t>로 이동</a:t>
+            </a:r>
+            <a:endParaRPr kumimoji="1" lang="en-US" altLang="ko-KR" dirty="0"/>
+          </a:p>
+          <a:p>
+            <a:pPr marL="342900" indent="-342900">
+              <a:lnSpc>
+                <a:spcPct val="150000"/>
+              </a:lnSpc>
+              <a:buFont typeface="+mj-lt"/>
+              <a:buAutoNum type="arabicParenR"/>
+            </a:pPr>
+            <a:r>
+              <a:rPr kumimoji="1" lang="ko-KR" altLang="en-US" b="1" dirty="0" err="1">
+                <a:solidFill>
+                  <a:srgbClr val="FF0000"/>
+                </a:solidFill>
+              </a:rPr>
+              <a:t>빈병</a:t>
+            </a:r>
+            <a:r>
+              <a:rPr kumimoji="1" lang="ko-KR" altLang="en-US" dirty="0" err="1"/>
+              <a:t>을</a:t>
+            </a:r>
+            <a:r>
+              <a:rPr kumimoji="1" lang="ko-KR" altLang="en-US" dirty="0"/>
+              <a:t> </a:t>
+            </a:r>
+            <a:r>
+              <a:rPr kumimoji="1" lang="en-US" altLang="ko-KR" b="1" dirty="0">
+                <a:solidFill>
+                  <a:srgbClr val="FF0000"/>
+                </a:solidFill>
+              </a:rPr>
+              <a:t>Stocker</a:t>
+            </a:r>
+            <a:r>
+              <a:rPr kumimoji="1" lang="ko-KR" altLang="en-US" dirty="0"/>
+              <a:t>에서 </a:t>
+            </a:r>
+            <a:r>
+              <a:rPr kumimoji="1" lang="ko-KR" altLang="en-US" b="1" dirty="0">
+                <a:solidFill>
+                  <a:srgbClr val="FF0000"/>
+                </a:solidFill>
+              </a:rPr>
+              <a:t>반출입기</a:t>
+            </a:r>
+            <a:r>
+              <a:rPr kumimoji="1" lang="ko-KR" altLang="en-US" dirty="0"/>
+              <a:t>로 이동</a:t>
+            </a:r>
+          </a:p>
+        </p:txBody>
+      </p:sp>
+      <p:sp>
+        <p:nvSpPr>
+          <p:cNvPr id="5" name="호 4">
+            <a:extLst>
+              <a:ext uri="{FF2B5EF4-FFF2-40B4-BE49-F238E27FC236}">
+                <a16:creationId xmlns:a16="http://schemas.microsoft.com/office/drawing/2014/main" id="{B20CD12A-A420-A77C-2590-3A325D07BBF6}"/>
+              </a:ext>
+            </a:extLst>
+          </p:cNvPr>
+          <p:cNvSpPr/>
+          <p:nvPr/>
+        </p:nvSpPr>
+        <p:spPr>
+          <a:xfrm>
+            <a:off x="5621298" y="2295011"/>
+            <a:ext cx="914400" cy="2725885"/>
+          </a:xfrm>
+          <a:prstGeom prst="arc">
+            <a:avLst>
+              <a:gd name="adj1" fmla="val 14650009"/>
+              <a:gd name="adj2" fmla="val 7355272"/>
+            </a:avLst>
+          </a:prstGeom>
+          <a:ln>
+            <a:headEnd type="none" w="med" len="med"/>
+            <a:tailEnd type="triangle" w="med" len="med"/>
+          </a:ln>
+        </p:spPr>
+        <p:style>
+          <a:lnRef idx="2">
+            <a:schemeClr val="accent1"/>
+          </a:lnRef>
+          <a:fillRef idx="0">
+            <a:schemeClr val="accent1"/>
+          </a:fillRef>
+          <a:effectRef idx="1">
+            <a:schemeClr val="accent1"/>
+          </a:effectRef>
+          <a:fontRef idx="minor">
+            <a:schemeClr val="tx1"/>
+          </a:fontRef>
+        </p:style>
+        <p:txBody>
+          <a:bodyPr rtlCol="0" anchor="ctr"/>
+          <a:lstStyle/>
+          <a:p>
+            <a:pPr algn="ctr"/>
+            <a:endParaRPr kumimoji="1" lang="ko-KR" altLang="en-US"/>
+          </a:p>
+        </p:txBody>
+      </p:sp>
+      <p:sp>
+        <p:nvSpPr>
+          <p:cNvPr id="6" name="타원 5">
+            <a:extLst>
+              <a:ext uri="{FF2B5EF4-FFF2-40B4-BE49-F238E27FC236}">
+                <a16:creationId xmlns:a16="http://schemas.microsoft.com/office/drawing/2014/main" id="{AB982352-4ACD-F216-F6EB-7CDA1BB0C55D}"/>
+              </a:ext>
+            </a:extLst>
+          </p:cNvPr>
+          <p:cNvSpPr/>
+          <p:nvPr/>
+        </p:nvSpPr>
+        <p:spPr>
+          <a:xfrm>
+            <a:off x="7921493" y="1203745"/>
+            <a:ext cx="1132114" cy="1132114"/>
+          </a:xfrm>
+          <a:prstGeom prst="ellipse">
+            <a:avLst/>
+          </a:prstGeom>
+        </p:spPr>
+        <p:style>
+          <a:lnRef idx="2">
+            <a:schemeClr val="accent1">
+              <a:shade val="15000"/>
+            </a:schemeClr>
+          </a:lnRef>
+          <a:fillRef idx="1">
+            <a:schemeClr val="accent1"/>
+          </a:fillRef>
+          <a:effectRef idx="0">
+            <a:schemeClr val="accent1"/>
+          </a:effectRef>
+          <a:fontRef idx="minor">
+            <a:schemeClr val="lt1"/>
+          </a:fontRef>
+        </p:style>
+        <p:txBody>
+          <a:bodyPr wrap="none" rtlCol="0" anchor="ctr"/>
+          <a:lstStyle/>
+          <a:p>
+            <a:pPr algn="ctr"/>
+            <a:r>
+              <a:rPr kumimoji="1" lang="ko-KR" altLang="en-US" dirty="0"/>
+              <a:t>반출입기</a:t>
+            </a:r>
+          </a:p>
+        </p:txBody>
+      </p:sp>
+      <p:sp>
+        <p:nvSpPr>
+          <p:cNvPr id="7" name="타원 6">
+            <a:extLst>
+              <a:ext uri="{FF2B5EF4-FFF2-40B4-BE49-F238E27FC236}">
+                <a16:creationId xmlns:a16="http://schemas.microsoft.com/office/drawing/2014/main" id="{1956C48A-3A28-1E07-1691-99182D9C4518}"/>
+              </a:ext>
+            </a:extLst>
+          </p:cNvPr>
+          <p:cNvSpPr/>
+          <p:nvPr/>
+        </p:nvSpPr>
+        <p:spPr>
+          <a:xfrm>
+            <a:off x="7921493" y="2388578"/>
+            <a:ext cx="1132114" cy="1132114"/>
+          </a:xfrm>
+          <a:prstGeom prst="ellipse">
+            <a:avLst/>
+          </a:prstGeom>
+        </p:spPr>
+        <p:style>
+          <a:lnRef idx="2">
+            <a:schemeClr val="accent1">
+              <a:shade val="15000"/>
+            </a:schemeClr>
+          </a:lnRef>
+          <a:fillRef idx="1">
+            <a:schemeClr val="accent1"/>
+          </a:fillRef>
+          <a:effectRef idx="0">
+            <a:schemeClr val="accent1"/>
+          </a:effectRef>
+          <a:fontRef idx="minor">
+            <a:schemeClr val="lt1"/>
+          </a:fontRef>
+        </p:style>
+        <p:txBody>
+          <a:bodyPr wrap="none" rtlCol="0" anchor="ctr"/>
+          <a:lstStyle/>
+          <a:p>
+            <a:pPr algn="ctr"/>
+            <a:r>
+              <a:rPr kumimoji="1" lang="ko-KR" altLang="en-US" dirty="0"/>
+              <a:t>분석기</a:t>
+            </a:r>
+          </a:p>
+        </p:txBody>
+      </p:sp>
+      <p:sp>
+        <p:nvSpPr>
+          <p:cNvPr id="8" name="타원 7">
+            <a:extLst>
+              <a:ext uri="{FF2B5EF4-FFF2-40B4-BE49-F238E27FC236}">
+                <a16:creationId xmlns:a16="http://schemas.microsoft.com/office/drawing/2014/main" id="{49D4F0DF-9AA5-6726-8304-271932B4CD36}"/>
+              </a:ext>
+            </a:extLst>
+          </p:cNvPr>
+          <p:cNvSpPr/>
+          <p:nvPr/>
+        </p:nvSpPr>
+        <p:spPr>
+          <a:xfrm>
+            <a:off x="7921493" y="4758244"/>
+            <a:ext cx="1132114" cy="1132114"/>
+          </a:xfrm>
+          <a:prstGeom prst="ellipse">
+            <a:avLst/>
+          </a:prstGeom>
+        </p:spPr>
+        <p:style>
+          <a:lnRef idx="2">
+            <a:schemeClr val="accent1">
+              <a:shade val="15000"/>
+            </a:schemeClr>
+          </a:lnRef>
+          <a:fillRef idx="1">
+            <a:schemeClr val="accent1"/>
+          </a:fillRef>
+          <a:effectRef idx="0">
+            <a:schemeClr val="accent1"/>
+          </a:effectRef>
+          <a:fontRef idx="minor">
+            <a:schemeClr val="lt1"/>
+          </a:fontRef>
+        </p:style>
+        <p:txBody>
+          <a:bodyPr wrap="none" rtlCol="0" anchor="ctr"/>
+          <a:lstStyle/>
+          <a:p>
+            <a:pPr algn="ctr"/>
+            <a:r>
+              <a:rPr kumimoji="1" lang="ko-KR" altLang="en-US" dirty="0"/>
+              <a:t>폐기설비</a:t>
+            </a:r>
+          </a:p>
+        </p:txBody>
+      </p:sp>
+      <p:sp>
+        <p:nvSpPr>
+          <p:cNvPr id="9" name="타원 8">
+            <a:extLst>
+              <a:ext uri="{FF2B5EF4-FFF2-40B4-BE49-F238E27FC236}">
+                <a16:creationId xmlns:a16="http://schemas.microsoft.com/office/drawing/2014/main" id="{D97B48F4-68BA-3EEA-2341-5D8BFD089E77}"/>
+              </a:ext>
+            </a:extLst>
+          </p:cNvPr>
+          <p:cNvSpPr/>
+          <p:nvPr/>
+        </p:nvSpPr>
+        <p:spPr>
+          <a:xfrm>
+            <a:off x="7921493" y="3573411"/>
+            <a:ext cx="1132114" cy="1132114"/>
+          </a:xfrm>
+          <a:prstGeom prst="ellipse">
+            <a:avLst/>
+          </a:prstGeom>
+        </p:spPr>
+        <p:style>
+          <a:lnRef idx="2">
+            <a:schemeClr val="accent1">
+              <a:shade val="15000"/>
+            </a:schemeClr>
+          </a:lnRef>
+          <a:fillRef idx="1">
+            <a:schemeClr val="accent1"/>
+          </a:fillRef>
+          <a:effectRef idx="0">
+            <a:schemeClr val="accent1"/>
+          </a:effectRef>
+          <a:fontRef idx="minor">
+            <a:schemeClr val="lt1"/>
+          </a:fontRef>
+        </p:style>
+        <p:txBody>
+          <a:bodyPr wrap="none" rtlCol="0" anchor="ctr"/>
+          <a:lstStyle/>
+          <a:p>
+            <a:pPr algn="ctr"/>
+            <a:r>
+              <a:rPr kumimoji="1" lang="en-US" altLang="ko-KR" dirty="0"/>
+              <a:t>Stocker</a:t>
+            </a:r>
+            <a:endParaRPr kumimoji="1" lang="ko-KR" altLang="en-US" dirty="0"/>
+          </a:p>
+        </p:txBody>
+      </p:sp>
+      <p:cxnSp>
+        <p:nvCxnSpPr>
+          <p:cNvPr id="11" name="직선 화살표 연결선 10">
+            <a:extLst>
+              <a:ext uri="{FF2B5EF4-FFF2-40B4-BE49-F238E27FC236}">
+                <a16:creationId xmlns:a16="http://schemas.microsoft.com/office/drawing/2014/main" id="{C3703671-2FD6-0D30-086F-DCBE3E356F8B}"/>
+              </a:ext>
+            </a:extLst>
+          </p:cNvPr>
+          <p:cNvCxnSpPr>
+            <a:cxnSpLocks/>
+            <a:stCxn id="6" idx="2"/>
+          </p:cNvCxnSpPr>
+          <p:nvPr/>
+        </p:nvCxnSpPr>
+        <p:spPr>
+          <a:xfrm flipH="1">
+            <a:off x="6433457" y="1769802"/>
+            <a:ext cx="1488036" cy="768279"/>
+          </a:xfrm>
+          <a:prstGeom prst="straightConnector1">
+            <a:avLst/>
+          </a:prstGeom>
+          <a:ln>
+            <a:tailEnd type="triangle"/>
+          </a:ln>
+        </p:spPr>
+        <p:style>
+          <a:lnRef idx="2">
+            <a:schemeClr val="accent1"/>
+          </a:lnRef>
+          <a:fillRef idx="0">
+            <a:schemeClr val="accent1"/>
+          </a:fillRef>
+          <a:effectRef idx="1">
+            <a:schemeClr val="accent1"/>
+          </a:effectRef>
+          <a:fontRef idx="minor">
+            <a:schemeClr val="tx1"/>
+          </a:fontRef>
+        </p:style>
+      </p:cxnSp>
+      <p:cxnSp>
+        <p:nvCxnSpPr>
+          <p:cNvPr id="12" name="직선 화살표 연결선 11">
+            <a:extLst>
+              <a:ext uri="{FF2B5EF4-FFF2-40B4-BE49-F238E27FC236}">
+                <a16:creationId xmlns:a16="http://schemas.microsoft.com/office/drawing/2014/main" id="{741DE6C2-0329-8BFD-0972-19C834A58ADE}"/>
+              </a:ext>
+            </a:extLst>
+          </p:cNvPr>
+          <p:cNvCxnSpPr>
+            <a:cxnSpLocks/>
+            <a:stCxn id="7" idx="2"/>
+          </p:cNvCxnSpPr>
+          <p:nvPr/>
+        </p:nvCxnSpPr>
+        <p:spPr>
+          <a:xfrm flipH="1">
+            <a:off x="6564352" y="2954635"/>
+            <a:ext cx="1357141" cy="202222"/>
+          </a:xfrm>
+          <a:prstGeom prst="straightConnector1">
+            <a:avLst/>
+          </a:prstGeom>
+          <a:ln>
+            <a:tailEnd type="triangle"/>
+          </a:ln>
+        </p:spPr>
+        <p:style>
+          <a:lnRef idx="2">
+            <a:schemeClr val="accent1"/>
+          </a:lnRef>
+          <a:fillRef idx="0">
+            <a:schemeClr val="accent1"/>
+          </a:fillRef>
+          <a:effectRef idx="1">
+            <a:schemeClr val="accent1"/>
+          </a:effectRef>
+          <a:fontRef idx="minor">
+            <a:schemeClr val="tx1"/>
+          </a:fontRef>
+        </p:style>
+      </p:cxnSp>
+      <p:cxnSp>
+        <p:nvCxnSpPr>
+          <p:cNvPr id="15" name="직선 화살표 연결선 14">
+            <a:extLst>
+              <a:ext uri="{FF2B5EF4-FFF2-40B4-BE49-F238E27FC236}">
+                <a16:creationId xmlns:a16="http://schemas.microsoft.com/office/drawing/2014/main" id="{059F7D8F-C214-D600-FBD9-D16B5F454B3E}"/>
+              </a:ext>
+            </a:extLst>
+          </p:cNvPr>
+          <p:cNvCxnSpPr>
+            <a:cxnSpLocks/>
+            <a:stCxn id="9" idx="2"/>
+          </p:cNvCxnSpPr>
+          <p:nvPr/>
+        </p:nvCxnSpPr>
+        <p:spPr>
+          <a:xfrm flipH="1" flipV="1">
+            <a:off x="6564352" y="3913980"/>
+            <a:ext cx="1357141" cy="225488"/>
+          </a:xfrm>
+          <a:prstGeom prst="straightConnector1">
+            <a:avLst/>
+          </a:prstGeom>
+          <a:ln>
+            <a:tailEnd type="triangle"/>
+          </a:ln>
+        </p:spPr>
+        <p:style>
+          <a:lnRef idx="2">
+            <a:schemeClr val="accent1"/>
+          </a:lnRef>
+          <a:fillRef idx="0">
+            <a:schemeClr val="accent1"/>
+          </a:fillRef>
+          <a:effectRef idx="1">
+            <a:schemeClr val="accent1"/>
+          </a:effectRef>
+          <a:fontRef idx="minor">
+            <a:schemeClr val="tx1"/>
+          </a:fontRef>
+        </p:style>
+      </p:cxnSp>
+      <p:cxnSp>
+        <p:nvCxnSpPr>
+          <p:cNvPr id="18" name="직선 화살표 연결선 17">
+            <a:extLst>
+              <a:ext uri="{FF2B5EF4-FFF2-40B4-BE49-F238E27FC236}">
+                <a16:creationId xmlns:a16="http://schemas.microsoft.com/office/drawing/2014/main" id="{2A05B08A-67C1-2D22-6E16-AA43DC997151}"/>
+              </a:ext>
+            </a:extLst>
+          </p:cNvPr>
+          <p:cNvCxnSpPr>
+            <a:cxnSpLocks/>
+            <a:stCxn id="8" idx="2"/>
+          </p:cNvCxnSpPr>
+          <p:nvPr/>
+        </p:nvCxnSpPr>
+        <p:spPr>
+          <a:xfrm flipH="1" flipV="1">
+            <a:off x="6433457" y="4789425"/>
+            <a:ext cx="1488036" cy="534876"/>
+          </a:xfrm>
+          <a:prstGeom prst="straightConnector1">
+            <a:avLst/>
+          </a:prstGeom>
+          <a:ln>
+            <a:tailEnd type="triangle"/>
+          </a:ln>
+        </p:spPr>
+        <p:style>
+          <a:lnRef idx="2">
+            <a:schemeClr val="accent1"/>
+          </a:lnRef>
+          <a:fillRef idx="0">
+            <a:schemeClr val="accent1"/>
+          </a:fillRef>
+          <a:effectRef idx="1">
+            <a:schemeClr val="accent1"/>
+          </a:effectRef>
+          <a:fontRef idx="minor">
+            <a:schemeClr val="tx1"/>
+          </a:fontRef>
+        </p:style>
+      </p:cxnSp>
+      <p:sp>
+        <p:nvSpPr>
+          <p:cNvPr id="22" name="TextBox 21">
+            <a:extLst>
+              <a:ext uri="{FF2B5EF4-FFF2-40B4-BE49-F238E27FC236}">
+                <a16:creationId xmlns:a16="http://schemas.microsoft.com/office/drawing/2014/main" id="{26BB613E-0174-5150-BE3B-2FB4ECF493E9}"/>
+              </a:ext>
+            </a:extLst>
+          </p:cNvPr>
+          <p:cNvSpPr txBox="1"/>
+          <p:nvPr/>
+        </p:nvSpPr>
+        <p:spPr>
+          <a:xfrm>
+            <a:off x="6535698" y="1631285"/>
+            <a:ext cx="1107997" cy="369332"/>
           </a:xfrm>
           <a:prstGeom prst="rect">
             <a:avLst/>
@@ -8327,13 +9781,134 @@
           </a:bodyPr>
           <a:lstStyle/>
           <a:p>
-            <a:pPr marL="285750" indent="-285750">
-              <a:buFont typeface="Wingdings" pitchFamily="2" charset="2"/>
-              <a:buChar char="l"/>
-            </a:pPr>
-            <a:r>
-              <a:rPr kumimoji="1" lang="en-US" altLang="ko-KR" dirty="0"/>
-              <a:t>1 Pack</a:t>
+            <a:pPr algn="ctr"/>
+            <a:r>
+              <a:rPr kumimoji="1" lang="ko-KR" altLang="en-US" b="1" dirty="0">
+                <a:solidFill>
+                  <a:srgbClr val="FF0000"/>
+                </a:solidFill>
+              </a:rPr>
+              <a:t>실병투입</a:t>
+            </a:r>
+          </a:p>
+        </p:txBody>
+      </p:sp>
+      <p:sp>
+        <p:nvSpPr>
+          <p:cNvPr id="23" name="TextBox 22">
+            <a:extLst>
+              <a:ext uri="{FF2B5EF4-FFF2-40B4-BE49-F238E27FC236}">
+                <a16:creationId xmlns:a16="http://schemas.microsoft.com/office/drawing/2014/main" id="{380975C9-AFD7-9B02-0193-B68D8F327ED9}"/>
+              </a:ext>
+            </a:extLst>
+          </p:cNvPr>
+          <p:cNvSpPr txBox="1"/>
+          <p:nvPr/>
+        </p:nvSpPr>
+        <p:spPr>
+          <a:xfrm>
+            <a:off x="6623476" y="2662803"/>
+            <a:ext cx="1107997" cy="369332"/>
+          </a:xfrm>
+          <a:prstGeom prst="rect">
+            <a:avLst/>
+          </a:prstGeom>
+          <a:noFill/>
+        </p:spPr>
+        <p:txBody>
+          <a:bodyPr wrap="none" rtlCol="0">
+            <a:spAutoFit/>
+          </a:bodyPr>
+          <a:lstStyle/>
+          <a:p>
+            <a:pPr algn="ctr"/>
+            <a:r>
+              <a:rPr kumimoji="1" lang="ko-KR" altLang="en-US" b="1" dirty="0">
+                <a:solidFill>
+                  <a:srgbClr val="FF0000"/>
+                </a:solidFill>
+              </a:rPr>
+              <a:t>분석완료</a:t>
+            </a:r>
+          </a:p>
+        </p:txBody>
+      </p:sp>
+      <p:sp>
+        <p:nvSpPr>
+          <p:cNvPr id="24" name="TextBox 23">
+            <a:extLst>
+              <a:ext uri="{FF2B5EF4-FFF2-40B4-BE49-F238E27FC236}">
+                <a16:creationId xmlns:a16="http://schemas.microsoft.com/office/drawing/2014/main" id="{A925C847-A9A1-F440-09A9-AC8F1E804B27}"/>
+              </a:ext>
+            </a:extLst>
+          </p:cNvPr>
+          <p:cNvSpPr txBox="1"/>
+          <p:nvPr/>
+        </p:nvSpPr>
+        <p:spPr>
+          <a:xfrm>
+            <a:off x="6688924" y="3603809"/>
+            <a:ext cx="1107997" cy="369332"/>
+          </a:xfrm>
+          <a:prstGeom prst="rect">
+            <a:avLst/>
+          </a:prstGeom>
+          <a:noFill/>
+        </p:spPr>
+        <p:txBody>
+          <a:bodyPr wrap="none" rtlCol="0">
+            <a:spAutoFit/>
+          </a:bodyPr>
+          <a:lstStyle/>
+          <a:p>
+            <a:pPr algn="ctr"/>
+            <a:r>
+              <a:rPr kumimoji="1" lang="ko-KR" altLang="en-US" i="1" dirty="0">
+                <a:solidFill>
+                  <a:srgbClr val="0070C0"/>
+                </a:solidFill>
+              </a:rPr>
+              <a:t>재검실행</a:t>
+            </a:r>
+          </a:p>
+        </p:txBody>
+      </p:sp>
+      <p:sp>
+        <p:nvSpPr>
+          <p:cNvPr id="25" name="TextBox 24">
+            <a:extLst>
+              <a:ext uri="{FF2B5EF4-FFF2-40B4-BE49-F238E27FC236}">
+                <a16:creationId xmlns:a16="http://schemas.microsoft.com/office/drawing/2014/main" id="{5668C4F3-02B9-DA6C-C34F-C257F54452FA}"/>
+              </a:ext>
+            </a:extLst>
+          </p:cNvPr>
+          <p:cNvSpPr txBox="1"/>
+          <p:nvPr/>
+        </p:nvSpPr>
+        <p:spPr>
+          <a:xfrm>
+            <a:off x="6754372" y="4544815"/>
+            <a:ext cx="1107997" cy="369332"/>
+          </a:xfrm>
+          <a:prstGeom prst="rect">
+            <a:avLst/>
+          </a:prstGeom>
+          <a:noFill/>
+        </p:spPr>
+        <p:txBody>
+          <a:bodyPr wrap="none" rtlCol="0">
+            <a:spAutoFit/>
+          </a:bodyPr>
+          <a:lstStyle/>
+          <a:p>
+            <a:pPr algn="ctr"/>
+            <a:r>
+              <a:rPr kumimoji="1" lang="ko-KR" altLang="en-US" b="1" dirty="0">
+                <a:solidFill>
+                  <a:srgbClr val="FF0000"/>
+                </a:solidFill>
+              </a:rPr>
+              <a:t>폐기완료</a:t>
             </a:r>
           </a:p>
         </p:txBody>
@@ -8341,7 +9916,7 @@
     </p:spTree>
     <p:extLst>
       <p:ext uri="{BB962C8B-B14F-4D97-AF65-F5344CB8AC3E}">
-        <p14:creationId xmlns:p14="http://schemas.microsoft.com/office/powerpoint/2010/main" val="1143327160"/>
+        <p14:creationId xmlns:p14="http://schemas.microsoft.com/office/powerpoint/2010/main" val="127577838"/>
       </p:ext>
     </p:extLst>
   </p:cSld>
@@ -8373,7 +9948,7 @@
           <p:cNvPr id="2" name="제목 1">
             <a:extLst>
               <a:ext uri="{FF2B5EF4-FFF2-40B4-BE49-F238E27FC236}">
-                <a16:creationId xmlns:a16="http://schemas.microsoft.com/office/drawing/2014/main" id="{848F61B5-40C6-1F59-A8DC-C3CBB48F093D}"/>
+                <a16:creationId xmlns:a16="http://schemas.microsoft.com/office/drawing/2014/main" id="{CE37E7E9-F3DB-1E9F-3E06-671D5CE03719}"/>
               </a:ext>
             </a:extLst>
           </p:cNvPr>
@@ -8391,15 +9966,19 @@
           <a:p>
             <a:r>
               <a:rPr kumimoji="1" lang="en-US" altLang="ko-KR" dirty="0"/>
-              <a:t>Pack Scenario</a:t>
+              <a:t>Realtime Events from </a:t>
             </a:r>
             <a:r>
               <a:rPr kumimoji="1" lang="ko-KR" altLang="en-US" dirty="0"/>
-              <a:t> </a:t>
+              <a:t>반출입기 </a:t>
             </a:r>
             <a:r>
               <a:rPr kumimoji="1" lang="en-US" altLang="ko-KR" dirty="0"/>
-              <a:t>#3</a:t>
+              <a:t>to </a:t>
+            </a:r>
+            <a:r>
+              <a:rPr kumimoji="1" lang="en-US" altLang="ko-KR" dirty="0" err="1"/>
+              <a:t>MoMa</a:t>
             </a:r>
             <a:endParaRPr kumimoji="1" lang="ko-KR" altLang="en-US" dirty="0"/>
           </a:p>
@@ -8407,10 +9986,10 @@
       </p:sp>
       <p:pic>
         <p:nvPicPr>
-          <p:cNvPr id="10" name="그림 9">
-            <a:extLst>
-              <a:ext uri="{FF2B5EF4-FFF2-40B4-BE49-F238E27FC236}">
-                <a16:creationId xmlns:a16="http://schemas.microsoft.com/office/drawing/2014/main" id="{E2F4ED31-DD67-9DC6-460B-AAD6FAD589A7}"/>
+          <p:cNvPr id="3" name="그림 2">
+            <a:extLst>
+              <a:ext uri="{FF2B5EF4-FFF2-40B4-BE49-F238E27FC236}">
+                <a16:creationId xmlns:a16="http://schemas.microsoft.com/office/drawing/2014/main" id="{78245034-EE28-E352-3417-334C83EF5FE4}"/>
               </a:ext>
             </a:extLst>
           </p:cNvPr>
@@ -8427,8 +10006,8 @@
         </p:blipFill>
         <p:spPr>
           <a:xfrm>
-            <a:off x="1898119" y="2281089"/>
-            <a:ext cx="1432910" cy="2295821"/>
+            <a:off x="5054975" y="2765208"/>
+            <a:ext cx="943054" cy="1510969"/>
           </a:xfrm>
           <a:prstGeom prst="rect">
             <a:avLst/>
@@ -8437,10 +10016,10 @@
       </p:pic>
       <p:sp>
         <p:nvSpPr>
-          <p:cNvPr id="12" name="TextBox 11">
-            <a:extLst>
-              <a:ext uri="{FF2B5EF4-FFF2-40B4-BE49-F238E27FC236}">
-                <a16:creationId xmlns:a16="http://schemas.microsoft.com/office/drawing/2014/main" id="{22F9667E-59CB-0ABB-4EE2-EBB5D1DEF3EB}"/>
+          <p:cNvPr id="4" name="TextBox 3">
+            <a:extLst>
+              <a:ext uri="{FF2B5EF4-FFF2-40B4-BE49-F238E27FC236}">
+                <a16:creationId xmlns:a16="http://schemas.microsoft.com/office/drawing/2014/main" id="{CAB68C7C-33CF-14FF-AD9E-6FCD8C1472B0}"/>
               </a:ext>
             </a:extLst>
           </p:cNvPr>
@@ -8449,8 +10028,790 @@
         </p:nvSpPr>
         <p:spPr>
           <a:xfrm>
-            <a:off x="3478641" y="3105833"/>
-            <a:ext cx="1249316" cy="369332"/>
+            <a:off x="413961" y="2179024"/>
+            <a:ext cx="4641014" cy="2957861"/>
+          </a:xfrm>
+          <a:prstGeom prst="rect">
+            <a:avLst/>
+          </a:prstGeom>
+          <a:noFill/>
+        </p:spPr>
+        <p:txBody>
+          <a:bodyPr wrap="none" rtlCol="0" anchor="ctr">
+            <a:spAutoFit/>
+          </a:bodyPr>
+          <a:lstStyle/>
+          <a:p>
+            <a:pPr marL="342900" indent="-342900">
+              <a:lnSpc>
+                <a:spcPct val="150000"/>
+              </a:lnSpc>
+              <a:buFont typeface="+mj-lt"/>
+              <a:buAutoNum type="arabicParenR"/>
+            </a:pPr>
+            <a:r>
+              <a:rPr kumimoji="1" lang="ko-KR" altLang="en-US" b="1" dirty="0" err="1">
+                <a:solidFill>
+                  <a:srgbClr val="FF0000"/>
+                </a:solidFill>
+              </a:rPr>
+              <a:t>실병</a:t>
+            </a:r>
+            <a:r>
+              <a:rPr kumimoji="1" lang="ko-KR" altLang="en-US" dirty="0" err="1"/>
+              <a:t>을</a:t>
+            </a:r>
+            <a:r>
+              <a:rPr kumimoji="1" lang="ko-KR" altLang="en-US" dirty="0"/>
+              <a:t> </a:t>
+            </a:r>
+            <a:r>
+              <a:rPr kumimoji="1" lang="ko-KR" altLang="en-US" b="1" dirty="0">
+                <a:solidFill>
+                  <a:srgbClr val="FF0000"/>
+                </a:solidFill>
+              </a:rPr>
+              <a:t>반출입기</a:t>
+            </a:r>
+            <a:r>
+              <a:rPr kumimoji="1" lang="ko-KR" altLang="en-US" dirty="0"/>
+              <a:t>에서 </a:t>
+            </a:r>
+            <a:r>
+              <a:rPr kumimoji="1" lang="ko-KR" altLang="en-US" b="1" dirty="0">
+                <a:solidFill>
+                  <a:srgbClr val="FF0000"/>
+                </a:solidFill>
+              </a:rPr>
+              <a:t>분석기</a:t>
+            </a:r>
+            <a:r>
+              <a:rPr kumimoji="1" lang="ko-KR" altLang="en-US" dirty="0"/>
+              <a:t>로 이동</a:t>
+            </a:r>
+            <a:endParaRPr kumimoji="1" lang="en-US" altLang="ko-KR" dirty="0"/>
+          </a:p>
+          <a:p>
+            <a:pPr marL="342900" indent="-342900">
+              <a:lnSpc>
+                <a:spcPct val="150000"/>
+              </a:lnSpc>
+              <a:buFont typeface="+mj-lt"/>
+              <a:buAutoNum type="arabicParenR"/>
+            </a:pPr>
+            <a:r>
+              <a:rPr kumimoji="1" lang="ko-KR" altLang="en-US" b="1" dirty="0">
+                <a:solidFill>
+                  <a:srgbClr val="FF0000"/>
+                </a:solidFill>
+              </a:rPr>
+              <a:t>재검</a:t>
+            </a:r>
+            <a:r>
+              <a:rPr kumimoji="1" lang="ko-KR" altLang="en-US" dirty="0"/>
+              <a:t> 병을 </a:t>
+            </a:r>
+            <a:r>
+              <a:rPr kumimoji="1" lang="ko-KR" altLang="en-US" b="1" dirty="0">
+                <a:solidFill>
+                  <a:srgbClr val="FF0000"/>
+                </a:solidFill>
+              </a:rPr>
+              <a:t>분석기</a:t>
+            </a:r>
+            <a:r>
+              <a:rPr kumimoji="1" lang="ko-KR" altLang="en-US" dirty="0"/>
+              <a:t>에서 </a:t>
+            </a:r>
+            <a:r>
+              <a:rPr kumimoji="1" lang="en-US" altLang="ko-KR" b="1" dirty="0">
+                <a:solidFill>
+                  <a:srgbClr val="FF0000"/>
+                </a:solidFill>
+              </a:rPr>
+              <a:t>Stocker</a:t>
+            </a:r>
+            <a:r>
+              <a:rPr kumimoji="1" lang="ko-KR" altLang="en-US" dirty="0"/>
+              <a:t>로 이동</a:t>
+            </a:r>
+            <a:endParaRPr kumimoji="1" lang="en-US" altLang="ko-KR" dirty="0"/>
+          </a:p>
+          <a:p>
+            <a:pPr marL="342900" indent="-342900">
+              <a:lnSpc>
+                <a:spcPct val="150000"/>
+              </a:lnSpc>
+              <a:buFont typeface="+mj-lt"/>
+              <a:buAutoNum type="arabicParenR"/>
+            </a:pPr>
+            <a:r>
+              <a:rPr kumimoji="1" lang="ko-KR" altLang="en-US" b="1" dirty="0">
+                <a:solidFill>
+                  <a:srgbClr val="FF0000"/>
+                </a:solidFill>
+              </a:rPr>
+              <a:t>완료된 병</a:t>
+            </a:r>
+            <a:r>
+              <a:rPr kumimoji="1" lang="ko-KR" altLang="en-US" dirty="0"/>
+              <a:t>을 </a:t>
+            </a:r>
+            <a:r>
+              <a:rPr kumimoji="1" lang="ko-KR" altLang="en-US" b="1" dirty="0">
+                <a:solidFill>
+                  <a:srgbClr val="FF0000"/>
+                </a:solidFill>
+              </a:rPr>
+              <a:t>분석기</a:t>
+            </a:r>
+            <a:r>
+              <a:rPr kumimoji="1" lang="ko-KR" altLang="en-US" dirty="0"/>
+              <a:t>에서 </a:t>
+            </a:r>
+            <a:r>
+              <a:rPr kumimoji="1" lang="ko-KR" altLang="en-US" b="1" dirty="0">
+                <a:solidFill>
+                  <a:srgbClr val="FF0000"/>
+                </a:solidFill>
+              </a:rPr>
+              <a:t>폐기설비</a:t>
+            </a:r>
+            <a:r>
+              <a:rPr kumimoji="1" lang="ko-KR" altLang="en-US" dirty="0"/>
+              <a:t>로 이동</a:t>
+            </a:r>
+            <a:endParaRPr kumimoji="1" lang="en-US" altLang="ko-KR" dirty="0"/>
+          </a:p>
+          <a:p>
+            <a:pPr marL="342900" indent="-342900">
+              <a:lnSpc>
+                <a:spcPct val="150000"/>
+              </a:lnSpc>
+              <a:buFont typeface="+mj-lt"/>
+              <a:buAutoNum type="arabicParenR"/>
+            </a:pPr>
+            <a:r>
+              <a:rPr kumimoji="1" lang="ko-KR" altLang="en-US" b="1" dirty="0">
+                <a:solidFill>
+                  <a:srgbClr val="FF0000"/>
+                </a:solidFill>
+              </a:rPr>
+              <a:t>재검병</a:t>
+            </a:r>
+            <a:r>
+              <a:rPr kumimoji="1" lang="ko-KR" altLang="en-US" dirty="0"/>
+              <a:t>을 </a:t>
+            </a:r>
+            <a:r>
+              <a:rPr kumimoji="1" lang="en-US" altLang="ko-KR" b="1" dirty="0">
+                <a:solidFill>
+                  <a:srgbClr val="FF0000"/>
+                </a:solidFill>
+              </a:rPr>
+              <a:t>Stocker</a:t>
+            </a:r>
+            <a:r>
+              <a:rPr kumimoji="1" lang="ko-KR" altLang="en-US" dirty="0"/>
+              <a:t>에서 </a:t>
+            </a:r>
+            <a:r>
+              <a:rPr kumimoji="1" lang="ko-KR" altLang="en-US" b="1" dirty="0">
+                <a:solidFill>
+                  <a:srgbClr val="FF0000"/>
+                </a:solidFill>
+              </a:rPr>
+              <a:t>분석기</a:t>
+            </a:r>
+            <a:r>
+              <a:rPr kumimoji="1" lang="ko-KR" altLang="en-US" dirty="0"/>
+              <a:t>로 이동</a:t>
+            </a:r>
+            <a:endParaRPr kumimoji="1" lang="en-US" altLang="ko-KR" dirty="0"/>
+          </a:p>
+          <a:p>
+            <a:pPr marL="342900" indent="-342900">
+              <a:lnSpc>
+                <a:spcPct val="150000"/>
+              </a:lnSpc>
+              <a:buFont typeface="+mj-lt"/>
+              <a:buAutoNum type="arabicParenR"/>
+            </a:pPr>
+            <a:r>
+              <a:rPr kumimoji="1" lang="ko-KR" altLang="en-US" b="1" dirty="0" err="1">
+                <a:solidFill>
+                  <a:srgbClr val="FF0000"/>
+                </a:solidFill>
+              </a:rPr>
+              <a:t>빈병</a:t>
+            </a:r>
+            <a:r>
+              <a:rPr kumimoji="1" lang="ko-KR" altLang="en-US" dirty="0" err="1"/>
+              <a:t>을</a:t>
+            </a:r>
+            <a:r>
+              <a:rPr kumimoji="1" lang="ko-KR" altLang="en-US" dirty="0"/>
+              <a:t> </a:t>
+            </a:r>
+            <a:r>
+              <a:rPr kumimoji="1" lang="ko-KR" altLang="en-US" b="1" dirty="0">
+                <a:solidFill>
+                  <a:srgbClr val="FF0000"/>
+                </a:solidFill>
+              </a:rPr>
+              <a:t>폐기설비</a:t>
+            </a:r>
+            <a:r>
+              <a:rPr kumimoji="1" lang="ko-KR" altLang="en-US" dirty="0"/>
+              <a:t>에서 </a:t>
+            </a:r>
+            <a:r>
+              <a:rPr kumimoji="1" lang="ko-KR" altLang="en-US" b="1" dirty="0">
+                <a:solidFill>
+                  <a:srgbClr val="FF0000"/>
+                </a:solidFill>
+              </a:rPr>
+              <a:t>반출입기</a:t>
+            </a:r>
+            <a:r>
+              <a:rPr kumimoji="1" lang="ko-KR" altLang="en-US" dirty="0"/>
+              <a:t>로 이동</a:t>
+            </a:r>
+            <a:endParaRPr kumimoji="1" lang="en-US" altLang="ko-KR" dirty="0"/>
+          </a:p>
+          <a:p>
+            <a:pPr marL="342900" indent="-342900">
+              <a:lnSpc>
+                <a:spcPct val="150000"/>
+              </a:lnSpc>
+              <a:buFont typeface="+mj-lt"/>
+              <a:buAutoNum type="arabicParenR"/>
+            </a:pPr>
+            <a:r>
+              <a:rPr kumimoji="1" lang="ko-KR" altLang="en-US" b="1" dirty="0" err="1">
+                <a:solidFill>
+                  <a:srgbClr val="FF0000"/>
+                </a:solidFill>
+              </a:rPr>
+              <a:t>실병</a:t>
+            </a:r>
+            <a:r>
+              <a:rPr kumimoji="1" lang="ko-KR" altLang="en-US" dirty="0" err="1"/>
+              <a:t>을</a:t>
+            </a:r>
+            <a:r>
+              <a:rPr kumimoji="1" lang="ko-KR" altLang="en-US" dirty="0"/>
+              <a:t> </a:t>
+            </a:r>
+            <a:r>
+              <a:rPr kumimoji="1" lang="ko-KR" altLang="en-US" b="1" dirty="0">
+                <a:solidFill>
+                  <a:srgbClr val="FF0000"/>
+                </a:solidFill>
+              </a:rPr>
+              <a:t>반출입기</a:t>
+            </a:r>
+            <a:r>
+              <a:rPr kumimoji="1" lang="ko-KR" altLang="en-US" dirty="0"/>
+              <a:t>에서 </a:t>
+            </a:r>
+            <a:r>
+              <a:rPr kumimoji="1" lang="en-US" altLang="ko-KR" b="1" dirty="0">
+                <a:solidFill>
+                  <a:srgbClr val="FF0000"/>
+                </a:solidFill>
+              </a:rPr>
+              <a:t>Stocker</a:t>
+            </a:r>
+            <a:r>
+              <a:rPr kumimoji="1" lang="ko-KR" altLang="en-US" dirty="0"/>
+              <a:t>로 이동</a:t>
+            </a:r>
+            <a:endParaRPr kumimoji="1" lang="en-US" altLang="ko-KR" dirty="0"/>
+          </a:p>
+          <a:p>
+            <a:pPr marL="342900" indent="-342900">
+              <a:lnSpc>
+                <a:spcPct val="150000"/>
+              </a:lnSpc>
+              <a:buFont typeface="+mj-lt"/>
+              <a:buAutoNum type="arabicParenR"/>
+            </a:pPr>
+            <a:r>
+              <a:rPr kumimoji="1" lang="ko-KR" altLang="en-US" b="1" dirty="0" err="1">
+                <a:solidFill>
+                  <a:srgbClr val="FF0000"/>
+                </a:solidFill>
+              </a:rPr>
+              <a:t>빈병</a:t>
+            </a:r>
+            <a:r>
+              <a:rPr kumimoji="1" lang="ko-KR" altLang="en-US" dirty="0" err="1"/>
+              <a:t>을</a:t>
+            </a:r>
+            <a:r>
+              <a:rPr kumimoji="1" lang="ko-KR" altLang="en-US" dirty="0"/>
+              <a:t> </a:t>
+            </a:r>
+            <a:r>
+              <a:rPr kumimoji="1" lang="en-US" altLang="ko-KR" b="1" dirty="0">
+                <a:solidFill>
+                  <a:srgbClr val="FF0000"/>
+                </a:solidFill>
+              </a:rPr>
+              <a:t>Stocker</a:t>
+            </a:r>
+            <a:r>
+              <a:rPr kumimoji="1" lang="ko-KR" altLang="en-US" dirty="0"/>
+              <a:t>에서 </a:t>
+            </a:r>
+            <a:r>
+              <a:rPr kumimoji="1" lang="ko-KR" altLang="en-US" b="1" dirty="0">
+                <a:solidFill>
+                  <a:srgbClr val="FF0000"/>
+                </a:solidFill>
+              </a:rPr>
+              <a:t>반출입기</a:t>
+            </a:r>
+            <a:r>
+              <a:rPr kumimoji="1" lang="ko-KR" altLang="en-US" dirty="0"/>
+              <a:t>로 이동</a:t>
+            </a:r>
+          </a:p>
+        </p:txBody>
+      </p:sp>
+      <p:sp>
+        <p:nvSpPr>
+          <p:cNvPr id="5" name="호 4">
+            <a:extLst>
+              <a:ext uri="{FF2B5EF4-FFF2-40B4-BE49-F238E27FC236}">
+                <a16:creationId xmlns:a16="http://schemas.microsoft.com/office/drawing/2014/main" id="{B20CD12A-A420-A77C-2590-3A325D07BBF6}"/>
+              </a:ext>
+            </a:extLst>
+          </p:cNvPr>
+          <p:cNvSpPr/>
+          <p:nvPr/>
+        </p:nvSpPr>
+        <p:spPr>
+          <a:xfrm>
+            <a:off x="5621298" y="2295011"/>
+            <a:ext cx="914400" cy="2725885"/>
+          </a:xfrm>
+          <a:prstGeom prst="arc">
+            <a:avLst>
+              <a:gd name="adj1" fmla="val 14650009"/>
+              <a:gd name="adj2" fmla="val 7355272"/>
+            </a:avLst>
+          </a:prstGeom>
+          <a:ln>
+            <a:headEnd type="none" w="med" len="med"/>
+            <a:tailEnd type="triangle" w="med" len="med"/>
+          </a:ln>
+        </p:spPr>
+        <p:style>
+          <a:lnRef idx="2">
+            <a:schemeClr val="accent1"/>
+          </a:lnRef>
+          <a:fillRef idx="0">
+            <a:schemeClr val="accent1"/>
+          </a:fillRef>
+          <a:effectRef idx="1">
+            <a:schemeClr val="accent1"/>
+          </a:effectRef>
+          <a:fontRef idx="minor">
+            <a:schemeClr val="tx1"/>
+          </a:fontRef>
+        </p:style>
+        <p:txBody>
+          <a:bodyPr rtlCol="0" anchor="ctr"/>
+          <a:lstStyle/>
+          <a:p>
+            <a:pPr algn="ctr"/>
+            <a:endParaRPr kumimoji="1" lang="ko-KR" altLang="en-US"/>
+          </a:p>
+        </p:txBody>
+      </p:sp>
+      <p:sp>
+        <p:nvSpPr>
+          <p:cNvPr id="6" name="타원 5">
+            <a:extLst>
+              <a:ext uri="{FF2B5EF4-FFF2-40B4-BE49-F238E27FC236}">
+                <a16:creationId xmlns:a16="http://schemas.microsoft.com/office/drawing/2014/main" id="{AB982352-4ACD-F216-F6EB-7CDA1BB0C55D}"/>
+              </a:ext>
+            </a:extLst>
+          </p:cNvPr>
+          <p:cNvSpPr/>
+          <p:nvPr/>
+        </p:nvSpPr>
+        <p:spPr>
+          <a:xfrm>
+            <a:off x="7921493" y="1203745"/>
+            <a:ext cx="1132114" cy="1132114"/>
+          </a:xfrm>
+          <a:prstGeom prst="ellipse">
+            <a:avLst/>
+          </a:prstGeom>
+        </p:spPr>
+        <p:style>
+          <a:lnRef idx="2">
+            <a:schemeClr val="accent1">
+              <a:shade val="15000"/>
+            </a:schemeClr>
+          </a:lnRef>
+          <a:fillRef idx="1">
+            <a:schemeClr val="accent1"/>
+          </a:fillRef>
+          <a:effectRef idx="0">
+            <a:schemeClr val="accent1"/>
+          </a:effectRef>
+          <a:fontRef idx="minor">
+            <a:schemeClr val="lt1"/>
+          </a:fontRef>
+        </p:style>
+        <p:txBody>
+          <a:bodyPr wrap="none" rtlCol="0" anchor="ctr"/>
+          <a:lstStyle/>
+          <a:p>
+            <a:pPr algn="ctr"/>
+            <a:r>
+              <a:rPr kumimoji="1" lang="ko-KR" altLang="en-US" dirty="0"/>
+              <a:t>반출입기</a:t>
+            </a:r>
+          </a:p>
+        </p:txBody>
+      </p:sp>
+      <p:sp>
+        <p:nvSpPr>
+          <p:cNvPr id="7" name="타원 6">
+            <a:extLst>
+              <a:ext uri="{FF2B5EF4-FFF2-40B4-BE49-F238E27FC236}">
+                <a16:creationId xmlns:a16="http://schemas.microsoft.com/office/drawing/2014/main" id="{1956C48A-3A28-1E07-1691-99182D9C4518}"/>
+              </a:ext>
+            </a:extLst>
+          </p:cNvPr>
+          <p:cNvSpPr/>
+          <p:nvPr/>
+        </p:nvSpPr>
+        <p:spPr>
+          <a:xfrm>
+            <a:off x="7921493" y="2388578"/>
+            <a:ext cx="1132114" cy="1132114"/>
+          </a:xfrm>
+          <a:prstGeom prst="ellipse">
+            <a:avLst/>
+          </a:prstGeom>
+        </p:spPr>
+        <p:style>
+          <a:lnRef idx="2">
+            <a:schemeClr val="accent1">
+              <a:shade val="15000"/>
+            </a:schemeClr>
+          </a:lnRef>
+          <a:fillRef idx="1">
+            <a:schemeClr val="accent1"/>
+          </a:fillRef>
+          <a:effectRef idx="0">
+            <a:schemeClr val="accent1"/>
+          </a:effectRef>
+          <a:fontRef idx="minor">
+            <a:schemeClr val="lt1"/>
+          </a:fontRef>
+        </p:style>
+        <p:txBody>
+          <a:bodyPr wrap="none" rtlCol="0" anchor="ctr"/>
+          <a:lstStyle/>
+          <a:p>
+            <a:pPr algn="ctr"/>
+            <a:r>
+              <a:rPr kumimoji="1" lang="ko-KR" altLang="en-US" dirty="0"/>
+              <a:t>분석기</a:t>
+            </a:r>
+          </a:p>
+        </p:txBody>
+      </p:sp>
+      <p:sp>
+        <p:nvSpPr>
+          <p:cNvPr id="8" name="타원 7">
+            <a:extLst>
+              <a:ext uri="{FF2B5EF4-FFF2-40B4-BE49-F238E27FC236}">
+                <a16:creationId xmlns:a16="http://schemas.microsoft.com/office/drawing/2014/main" id="{49D4F0DF-9AA5-6726-8304-271932B4CD36}"/>
+              </a:ext>
+            </a:extLst>
+          </p:cNvPr>
+          <p:cNvSpPr/>
+          <p:nvPr/>
+        </p:nvSpPr>
+        <p:spPr>
+          <a:xfrm>
+            <a:off x="7921493" y="4758244"/>
+            <a:ext cx="1132114" cy="1132114"/>
+          </a:xfrm>
+          <a:prstGeom prst="ellipse">
+            <a:avLst/>
+          </a:prstGeom>
+        </p:spPr>
+        <p:style>
+          <a:lnRef idx="2">
+            <a:schemeClr val="accent1">
+              <a:shade val="15000"/>
+            </a:schemeClr>
+          </a:lnRef>
+          <a:fillRef idx="1">
+            <a:schemeClr val="accent1"/>
+          </a:fillRef>
+          <a:effectRef idx="0">
+            <a:schemeClr val="accent1"/>
+          </a:effectRef>
+          <a:fontRef idx="minor">
+            <a:schemeClr val="lt1"/>
+          </a:fontRef>
+        </p:style>
+        <p:txBody>
+          <a:bodyPr wrap="none" rtlCol="0" anchor="ctr"/>
+          <a:lstStyle/>
+          <a:p>
+            <a:pPr algn="ctr"/>
+            <a:r>
+              <a:rPr kumimoji="1" lang="ko-KR" altLang="en-US" dirty="0"/>
+              <a:t>폐기설비</a:t>
+            </a:r>
+          </a:p>
+        </p:txBody>
+      </p:sp>
+      <p:sp>
+        <p:nvSpPr>
+          <p:cNvPr id="9" name="타원 8">
+            <a:extLst>
+              <a:ext uri="{FF2B5EF4-FFF2-40B4-BE49-F238E27FC236}">
+                <a16:creationId xmlns:a16="http://schemas.microsoft.com/office/drawing/2014/main" id="{D97B48F4-68BA-3EEA-2341-5D8BFD089E77}"/>
+              </a:ext>
+            </a:extLst>
+          </p:cNvPr>
+          <p:cNvSpPr/>
+          <p:nvPr/>
+        </p:nvSpPr>
+        <p:spPr>
+          <a:xfrm>
+            <a:off x="7921493" y="3573411"/>
+            <a:ext cx="1132114" cy="1132114"/>
+          </a:xfrm>
+          <a:prstGeom prst="ellipse">
+            <a:avLst/>
+          </a:prstGeom>
+        </p:spPr>
+        <p:style>
+          <a:lnRef idx="2">
+            <a:schemeClr val="accent1">
+              <a:shade val="15000"/>
+            </a:schemeClr>
+          </a:lnRef>
+          <a:fillRef idx="1">
+            <a:schemeClr val="accent1"/>
+          </a:fillRef>
+          <a:effectRef idx="0">
+            <a:schemeClr val="accent1"/>
+          </a:effectRef>
+          <a:fontRef idx="minor">
+            <a:schemeClr val="lt1"/>
+          </a:fontRef>
+        </p:style>
+        <p:txBody>
+          <a:bodyPr wrap="none" rtlCol="0" anchor="ctr"/>
+          <a:lstStyle/>
+          <a:p>
+            <a:pPr algn="ctr"/>
+            <a:r>
+              <a:rPr kumimoji="1" lang="en-US" altLang="ko-KR" dirty="0"/>
+              <a:t>Stocker</a:t>
+            </a:r>
+            <a:endParaRPr kumimoji="1" lang="ko-KR" altLang="en-US" dirty="0"/>
+          </a:p>
+        </p:txBody>
+      </p:sp>
+      <p:cxnSp>
+        <p:nvCxnSpPr>
+          <p:cNvPr id="11" name="직선 화살표 연결선 10">
+            <a:extLst>
+              <a:ext uri="{FF2B5EF4-FFF2-40B4-BE49-F238E27FC236}">
+                <a16:creationId xmlns:a16="http://schemas.microsoft.com/office/drawing/2014/main" id="{C3703671-2FD6-0D30-086F-DCBE3E356F8B}"/>
+              </a:ext>
+            </a:extLst>
+          </p:cNvPr>
+          <p:cNvCxnSpPr>
+            <a:cxnSpLocks/>
+            <a:stCxn id="6" idx="2"/>
+          </p:cNvCxnSpPr>
+          <p:nvPr/>
+        </p:nvCxnSpPr>
+        <p:spPr>
+          <a:xfrm flipH="1">
+            <a:off x="6433457" y="1769802"/>
+            <a:ext cx="1488036" cy="768279"/>
+          </a:xfrm>
+          <a:prstGeom prst="straightConnector1">
+            <a:avLst/>
+          </a:prstGeom>
+          <a:ln>
+            <a:tailEnd type="triangle"/>
+          </a:ln>
+        </p:spPr>
+        <p:style>
+          <a:lnRef idx="2">
+            <a:schemeClr val="accent1"/>
+          </a:lnRef>
+          <a:fillRef idx="0">
+            <a:schemeClr val="accent1"/>
+          </a:fillRef>
+          <a:effectRef idx="1">
+            <a:schemeClr val="accent1"/>
+          </a:effectRef>
+          <a:fontRef idx="minor">
+            <a:schemeClr val="tx1"/>
+          </a:fontRef>
+        </p:style>
+      </p:cxnSp>
+      <p:cxnSp>
+        <p:nvCxnSpPr>
+          <p:cNvPr id="12" name="직선 화살표 연결선 11">
+            <a:extLst>
+              <a:ext uri="{FF2B5EF4-FFF2-40B4-BE49-F238E27FC236}">
+                <a16:creationId xmlns:a16="http://schemas.microsoft.com/office/drawing/2014/main" id="{741DE6C2-0329-8BFD-0972-19C834A58ADE}"/>
+              </a:ext>
+            </a:extLst>
+          </p:cNvPr>
+          <p:cNvCxnSpPr>
+            <a:cxnSpLocks/>
+            <a:stCxn id="7" idx="2"/>
+          </p:cNvCxnSpPr>
+          <p:nvPr/>
+        </p:nvCxnSpPr>
+        <p:spPr>
+          <a:xfrm flipH="1">
+            <a:off x="6564352" y="2954635"/>
+            <a:ext cx="1357141" cy="202222"/>
+          </a:xfrm>
+          <a:prstGeom prst="straightConnector1">
+            <a:avLst/>
+          </a:prstGeom>
+          <a:ln>
+            <a:tailEnd type="triangle"/>
+          </a:ln>
+        </p:spPr>
+        <p:style>
+          <a:lnRef idx="2">
+            <a:schemeClr val="accent1"/>
+          </a:lnRef>
+          <a:fillRef idx="0">
+            <a:schemeClr val="accent1"/>
+          </a:fillRef>
+          <a:effectRef idx="1">
+            <a:schemeClr val="accent1"/>
+          </a:effectRef>
+          <a:fontRef idx="minor">
+            <a:schemeClr val="tx1"/>
+          </a:fontRef>
+        </p:style>
+      </p:cxnSp>
+      <p:cxnSp>
+        <p:nvCxnSpPr>
+          <p:cNvPr id="15" name="직선 화살표 연결선 14">
+            <a:extLst>
+              <a:ext uri="{FF2B5EF4-FFF2-40B4-BE49-F238E27FC236}">
+                <a16:creationId xmlns:a16="http://schemas.microsoft.com/office/drawing/2014/main" id="{059F7D8F-C214-D600-FBD9-D16B5F454B3E}"/>
+              </a:ext>
+            </a:extLst>
+          </p:cNvPr>
+          <p:cNvCxnSpPr>
+            <a:cxnSpLocks/>
+            <a:stCxn id="9" idx="2"/>
+          </p:cNvCxnSpPr>
+          <p:nvPr/>
+        </p:nvCxnSpPr>
+        <p:spPr>
+          <a:xfrm flipH="1" flipV="1">
+            <a:off x="6564352" y="3913980"/>
+            <a:ext cx="1357141" cy="225488"/>
+          </a:xfrm>
+          <a:prstGeom prst="straightConnector1">
+            <a:avLst/>
+          </a:prstGeom>
+          <a:ln>
+            <a:tailEnd type="triangle"/>
+          </a:ln>
+        </p:spPr>
+        <p:style>
+          <a:lnRef idx="2">
+            <a:schemeClr val="accent1"/>
+          </a:lnRef>
+          <a:fillRef idx="0">
+            <a:schemeClr val="accent1"/>
+          </a:fillRef>
+          <a:effectRef idx="1">
+            <a:schemeClr val="accent1"/>
+          </a:effectRef>
+          <a:fontRef idx="minor">
+            <a:schemeClr val="tx1"/>
+          </a:fontRef>
+        </p:style>
+      </p:cxnSp>
+      <p:cxnSp>
+        <p:nvCxnSpPr>
+          <p:cNvPr id="18" name="직선 화살표 연결선 17">
+            <a:extLst>
+              <a:ext uri="{FF2B5EF4-FFF2-40B4-BE49-F238E27FC236}">
+                <a16:creationId xmlns:a16="http://schemas.microsoft.com/office/drawing/2014/main" id="{2A05B08A-67C1-2D22-6E16-AA43DC997151}"/>
+              </a:ext>
+            </a:extLst>
+          </p:cNvPr>
+          <p:cNvCxnSpPr>
+            <a:cxnSpLocks/>
+            <a:stCxn id="8" idx="2"/>
+          </p:cNvCxnSpPr>
+          <p:nvPr/>
+        </p:nvCxnSpPr>
+        <p:spPr>
+          <a:xfrm flipH="1" flipV="1">
+            <a:off x="6433457" y="4789425"/>
+            <a:ext cx="1488036" cy="534876"/>
+          </a:xfrm>
+          <a:prstGeom prst="straightConnector1">
+            <a:avLst/>
+          </a:prstGeom>
+          <a:ln>
+            <a:tailEnd type="triangle"/>
+          </a:ln>
+        </p:spPr>
+        <p:style>
+          <a:lnRef idx="2">
+            <a:schemeClr val="accent1"/>
+          </a:lnRef>
+          <a:fillRef idx="0">
+            <a:schemeClr val="accent1"/>
+          </a:fillRef>
+          <a:effectRef idx="1">
+            <a:schemeClr val="accent1"/>
+          </a:effectRef>
+          <a:fontRef idx="minor">
+            <a:schemeClr val="tx1"/>
+          </a:fontRef>
+        </p:style>
+      </p:cxnSp>
+      <p:sp>
+        <p:nvSpPr>
+          <p:cNvPr id="22" name="TextBox 21">
+            <a:extLst>
+              <a:ext uri="{FF2B5EF4-FFF2-40B4-BE49-F238E27FC236}">
+                <a16:creationId xmlns:a16="http://schemas.microsoft.com/office/drawing/2014/main" id="{26BB613E-0174-5150-BE3B-2FB4ECF493E9}"/>
+              </a:ext>
+            </a:extLst>
+          </p:cNvPr>
+          <p:cNvSpPr txBox="1"/>
+          <p:nvPr/>
+        </p:nvSpPr>
+        <p:spPr>
+          <a:xfrm>
+            <a:off x="6535698" y="1631285"/>
+            <a:ext cx="1107997" cy="369332"/>
           </a:xfrm>
           <a:prstGeom prst="rect">
             <a:avLst/>
@@ -8463,13 +10824,134 @@
           </a:bodyPr>
           <a:lstStyle/>
           <a:p>
-            <a:pPr marL="285750" indent="-285750">
-              <a:buFont typeface="Wingdings" pitchFamily="2" charset="2"/>
-              <a:buChar char="l"/>
-            </a:pPr>
-            <a:r>
-              <a:rPr kumimoji="1" lang="en-US" altLang="ko-KR" dirty="0"/>
-              <a:t>&gt;1 Pack</a:t>
+            <a:pPr algn="ctr"/>
+            <a:r>
+              <a:rPr kumimoji="1" lang="ko-KR" altLang="en-US" b="1" dirty="0">
+                <a:solidFill>
+                  <a:srgbClr val="FF0000"/>
+                </a:solidFill>
+              </a:rPr>
+              <a:t>실병투입</a:t>
+            </a:r>
+          </a:p>
+        </p:txBody>
+      </p:sp>
+      <p:sp>
+        <p:nvSpPr>
+          <p:cNvPr id="23" name="TextBox 22">
+            <a:extLst>
+              <a:ext uri="{FF2B5EF4-FFF2-40B4-BE49-F238E27FC236}">
+                <a16:creationId xmlns:a16="http://schemas.microsoft.com/office/drawing/2014/main" id="{380975C9-AFD7-9B02-0193-B68D8F327ED9}"/>
+              </a:ext>
+            </a:extLst>
+          </p:cNvPr>
+          <p:cNvSpPr txBox="1"/>
+          <p:nvPr/>
+        </p:nvSpPr>
+        <p:spPr>
+          <a:xfrm>
+            <a:off x="6623476" y="2662803"/>
+            <a:ext cx="1107997" cy="369332"/>
+          </a:xfrm>
+          <a:prstGeom prst="rect">
+            <a:avLst/>
+          </a:prstGeom>
+          <a:noFill/>
+        </p:spPr>
+        <p:txBody>
+          <a:bodyPr wrap="none" rtlCol="0">
+            <a:spAutoFit/>
+          </a:bodyPr>
+          <a:lstStyle/>
+          <a:p>
+            <a:pPr algn="ctr"/>
+            <a:r>
+              <a:rPr kumimoji="1" lang="ko-KR" altLang="en-US" b="1" dirty="0">
+                <a:solidFill>
+                  <a:srgbClr val="FF0000"/>
+                </a:solidFill>
+              </a:rPr>
+              <a:t>분석완료</a:t>
+            </a:r>
+          </a:p>
+        </p:txBody>
+      </p:sp>
+      <p:sp>
+        <p:nvSpPr>
+          <p:cNvPr id="24" name="TextBox 23">
+            <a:extLst>
+              <a:ext uri="{FF2B5EF4-FFF2-40B4-BE49-F238E27FC236}">
+                <a16:creationId xmlns:a16="http://schemas.microsoft.com/office/drawing/2014/main" id="{A925C847-A9A1-F440-09A9-AC8F1E804B27}"/>
+              </a:ext>
+            </a:extLst>
+          </p:cNvPr>
+          <p:cNvSpPr txBox="1"/>
+          <p:nvPr/>
+        </p:nvSpPr>
+        <p:spPr>
+          <a:xfrm>
+            <a:off x="6688924" y="3603809"/>
+            <a:ext cx="1107997" cy="369332"/>
+          </a:xfrm>
+          <a:prstGeom prst="rect">
+            <a:avLst/>
+          </a:prstGeom>
+          <a:noFill/>
+        </p:spPr>
+        <p:txBody>
+          <a:bodyPr wrap="none" rtlCol="0">
+            <a:spAutoFit/>
+          </a:bodyPr>
+          <a:lstStyle/>
+          <a:p>
+            <a:pPr algn="ctr"/>
+            <a:r>
+              <a:rPr kumimoji="1" lang="ko-KR" altLang="en-US" i="1" dirty="0">
+                <a:solidFill>
+                  <a:srgbClr val="0070C0"/>
+                </a:solidFill>
+              </a:rPr>
+              <a:t>재검실행</a:t>
+            </a:r>
+          </a:p>
+        </p:txBody>
+      </p:sp>
+      <p:sp>
+        <p:nvSpPr>
+          <p:cNvPr id="25" name="TextBox 24">
+            <a:extLst>
+              <a:ext uri="{FF2B5EF4-FFF2-40B4-BE49-F238E27FC236}">
+                <a16:creationId xmlns:a16="http://schemas.microsoft.com/office/drawing/2014/main" id="{5668C4F3-02B9-DA6C-C34F-C257F54452FA}"/>
+              </a:ext>
+            </a:extLst>
+          </p:cNvPr>
+          <p:cNvSpPr txBox="1"/>
+          <p:nvPr/>
+        </p:nvSpPr>
+        <p:spPr>
+          <a:xfrm>
+            <a:off x="6754372" y="4544815"/>
+            <a:ext cx="1107997" cy="369332"/>
+          </a:xfrm>
+          <a:prstGeom prst="rect">
+            <a:avLst/>
+          </a:prstGeom>
+          <a:noFill/>
+        </p:spPr>
+        <p:txBody>
+          <a:bodyPr wrap="none" rtlCol="0">
+            <a:spAutoFit/>
+          </a:bodyPr>
+          <a:lstStyle/>
+          <a:p>
+            <a:pPr algn="ctr"/>
+            <a:r>
+              <a:rPr kumimoji="1" lang="ko-KR" altLang="en-US" b="1" dirty="0">
+                <a:solidFill>
+                  <a:srgbClr val="FF0000"/>
+                </a:solidFill>
+              </a:rPr>
+              <a:t>폐기완료</a:t>
             </a:r>
           </a:p>
         </p:txBody>
@@ -8477,7 +10959,7 @@
     </p:spTree>
     <p:extLst>
       <p:ext uri="{BB962C8B-B14F-4D97-AF65-F5344CB8AC3E}">
-        <p14:creationId xmlns:p14="http://schemas.microsoft.com/office/powerpoint/2010/main" val="3710579494"/>
+        <p14:creationId xmlns:p14="http://schemas.microsoft.com/office/powerpoint/2010/main" val="2433334478"/>
       </p:ext>
     </p:extLst>
   </p:cSld>
@@ -8535,7 +11017,7 @@
             </a:r>
             <a:r>
               <a:rPr kumimoji="1" lang="en-US" altLang="ko-KR" dirty="0"/>
-              <a:t>#4</a:t>
+              <a:t>#1</a:t>
             </a:r>
             <a:endParaRPr kumimoji="1" lang="ko-KR" altLang="en-US" dirty="0"/>
           </a:p>
@@ -8586,6 +11068,429 @@
         <p:spPr>
           <a:xfrm>
             <a:off x="3478641" y="3105833"/>
+            <a:ext cx="1691489" cy="646331"/>
+          </a:xfrm>
+          <a:prstGeom prst="rect">
+            <a:avLst/>
+          </a:prstGeom>
+          <a:noFill/>
+        </p:spPr>
+        <p:txBody>
+          <a:bodyPr wrap="none" rtlCol="0">
+            <a:spAutoFit/>
+          </a:bodyPr>
+          <a:lstStyle/>
+          <a:p>
+            <a:pPr marL="285750" indent="-285750">
+              <a:buFont typeface="Wingdings" pitchFamily="2" charset="2"/>
+              <a:buChar char="l"/>
+            </a:pPr>
+            <a:r>
+              <a:rPr kumimoji="1" lang="en-US" altLang="ko-KR" dirty="0"/>
+              <a:t>No Pack</a:t>
+            </a:r>
+          </a:p>
+          <a:p>
+            <a:pPr marL="285750" indent="-285750">
+              <a:buFont typeface="Wingdings" pitchFamily="2" charset="2"/>
+              <a:buChar char="l"/>
+            </a:pPr>
+            <a:r>
+              <a:rPr kumimoji="1" lang="ko-KR" altLang="en-US" dirty="0"/>
+              <a:t>개별 </a:t>
+            </a:r>
+            <a:r>
+              <a:rPr kumimoji="1" lang="en-US" altLang="ko-KR" dirty="0"/>
+              <a:t>Bottles</a:t>
+            </a:r>
+            <a:endParaRPr kumimoji="1" lang="ko-KR" altLang="en-US" dirty="0"/>
+          </a:p>
+        </p:txBody>
+      </p:sp>
+    </p:spTree>
+    <p:extLst>
+      <p:ext uri="{BB962C8B-B14F-4D97-AF65-F5344CB8AC3E}">
+        <p14:creationId xmlns:p14="http://schemas.microsoft.com/office/powerpoint/2010/main" val="1975535796"/>
+      </p:ext>
+    </p:extLst>
+  </p:cSld>
+  <p:clrMapOvr>
+    <a:masterClrMapping/>
+  </p:clrMapOvr>
+</p:sld>
+</file>
+
+<file path=ppt/slides/slide16.xml><?xml version="1.0" encoding="utf-8"?>
+<p:sld xmlns:a="http://schemas.openxmlformats.org/drawingml/2006/main" xmlns:r="http://schemas.openxmlformats.org/officeDocument/2006/relationships" xmlns:p="http://schemas.openxmlformats.org/presentationml/2006/main">
+  <p:cSld>
+    <p:spTree>
+      <p:nvGrpSpPr>
+        <p:cNvPr id="1" name=""/>
+        <p:cNvGrpSpPr/>
+        <p:nvPr/>
+      </p:nvGrpSpPr>
+      <p:grpSpPr>
+        <a:xfrm>
+          <a:off x="0" y="0"/>
+          <a:ext cx="0" cy="0"/>
+          <a:chOff x="0" y="0"/>
+          <a:chExt cx="0" cy="0"/>
+        </a:xfrm>
+      </p:grpSpPr>
+      <p:sp>
+        <p:nvSpPr>
+          <p:cNvPr id="2" name="제목 1">
+            <a:extLst>
+              <a:ext uri="{FF2B5EF4-FFF2-40B4-BE49-F238E27FC236}">
+                <a16:creationId xmlns:a16="http://schemas.microsoft.com/office/drawing/2014/main" id="{848F61B5-40C6-1F59-A8DC-C3CBB48F093D}"/>
+              </a:ext>
+            </a:extLst>
+          </p:cNvPr>
+          <p:cNvSpPr>
+            <a:spLocks noGrp="1"/>
+          </p:cNvSpPr>
+          <p:nvPr>
+            <p:ph type="title"/>
+          </p:nvPr>
+        </p:nvSpPr>
+        <p:spPr/>
+        <p:txBody>
+          <a:bodyPr/>
+          <a:lstStyle/>
+          <a:p>
+            <a:r>
+              <a:rPr kumimoji="1" lang="en-US" altLang="ko-KR" dirty="0"/>
+              <a:t>Pack Scenario</a:t>
+            </a:r>
+            <a:r>
+              <a:rPr kumimoji="1" lang="ko-KR" altLang="en-US" dirty="0"/>
+              <a:t> </a:t>
+            </a:r>
+            <a:r>
+              <a:rPr kumimoji="1" lang="en-US" altLang="ko-KR" dirty="0"/>
+              <a:t>#2</a:t>
+            </a:r>
+            <a:endParaRPr kumimoji="1" lang="ko-KR" altLang="en-US" dirty="0"/>
+          </a:p>
+        </p:txBody>
+      </p:sp>
+      <p:pic>
+        <p:nvPicPr>
+          <p:cNvPr id="10" name="그림 9">
+            <a:extLst>
+              <a:ext uri="{FF2B5EF4-FFF2-40B4-BE49-F238E27FC236}">
+                <a16:creationId xmlns:a16="http://schemas.microsoft.com/office/drawing/2014/main" id="{E2F4ED31-DD67-9DC6-460B-AAD6FAD589A7}"/>
+              </a:ext>
+            </a:extLst>
+          </p:cNvPr>
+          <p:cNvPicPr>
+            <a:picLocks noChangeAspect="1"/>
+          </p:cNvPicPr>
+          <p:nvPr/>
+        </p:nvPicPr>
+        <p:blipFill>
+          <a:blip r:embed="rId2" cstate="print"/>
+          <a:stretch>
+            <a:fillRect/>
+          </a:stretch>
+        </p:blipFill>
+        <p:spPr>
+          <a:xfrm>
+            <a:off x="1898119" y="2281089"/>
+            <a:ext cx="1432910" cy="2295821"/>
+          </a:xfrm>
+          <a:prstGeom prst="rect">
+            <a:avLst/>
+          </a:prstGeom>
+        </p:spPr>
+      </p:pic>
+      <p:sp>
+        <p:nvSpPr>
+          <p:cNvPr id="12" name="TextBox 11">
+            <a:extLst>
+              <a:ext uri="{FF2B5EF4-FFF2-40B4-BE49-F238E27FC236}">
+                <a16:creationId xmlns:a16="http://schemas.microsoft.com/office/drawing/2014/main" id="{22F9667E-59CB-0ABB-4EE2-EBB5D1DEF3EB}"/>
+              </a:ext>
+            </a:extLst>
+          </p:cNvPr>
+          <p:cNvSpPr txBox="1"/>
+          <p:nvPr/>
+        </p:nvSpPr>
+        <p:spPr>
+          <a:xfrm>
+            <a:off x="3478641" y="3105833"/>
+            <a:ext cx="1125886" cy="369332"/>
+          </a:xfrm>
+          <a:prstGeom prst="rect">
+            <a:avLst/>
+          </a:prstGeom>
+          <a:noFill/>
+        </p:spPr>
+        <p:txBody>
+          <a:bodyPr wrap="none" rtlCol="0">
+            <a:spAutoFit/>
+          </a:bodyPr>
+          <a:lstStyle/>
+          <a:p>
+            <a:pPr marL="285750" indent="-285750">
+              <a:buFont typeface="Wingdings" pitchFamily="2" charset="2"/>
+              <a:buChar char="l"/>
+            </a:pPr>
+            <a:r>
+              <a:rPr kumimoji="1" lang="en-US" altLang="ko-KR" dirty="0"/>
+              <a:t>1 Pack</a:t>
+            </a:r>
+          </a:p>
+        </p:txBody>
+      </p:sp>
+    </p:spTree>
+    <p:extLst>
+      <p:ext uri="{BB962C8B-B14F-4D97-AF65-F5344CB8AC3E}">
+        <p14:creationId xmlns:p14="http://schemas.microsoft.com/office/powerpoint/2010/main" val="1692057448"/>
+      </p:ext>
+    </p:extLst>
+  </p:cSld>
+  <p:clrMapOvr>
+    <a:masterClrMapping/>
+  </p:clrMapOvr>
+</p:sld>
+</file>
+
+<file path=ppt/slides/slide17.xml><?xml version="1.0" encoding="utf-8"?>
+<p:sld xmlns:a="http://schemas.openxmlformats.org/drawingml/2006/main" xmlns:r="http://schemas.openxmlformats.org/officeDocument/2006/relationships" xmlns:p="http://schemas.openxmlformats.org/presentationml/2006/main">
+  <p:cSld>
+    <p:spTree>
+      <p:nvGrpSpPr>
+        <p:cNvPr id="1" name=""/>
+        <p:cNvGrpSpPr/>
+        <p:nvPr/>
+      </p:nvGrpSpPr>
+      <p:grpSpPr>
+        <a:xfrm>
+          <a:off x="0" y="0"/>
+          <a:ext cx="0" cy="0"/>
+          <a:chOff x="0" y="0"/>
+          <a:chExt cx="0" cy="0"/>
+        </a:xfrm>
+      </p:grpSpPr>
+      <p:sp>
+        <p:nvSpPr>
+          <p:cNvPr id="2" name="제목 1">
+            <a:extLst>
+              <a:ext uri="{FF2B5EF4-FFF2-40B4-BE49-F238E27FC236}">
+                <a16:creationId xmlns:a16="http://schemas.microsoft.com/office/drawing/2014/main" id="{848F61B5-40C6-1F59-A8DC-C3CBB48F093D}"/>
+              </a:ext>
+            </a:extLst>
+          </p:cNvPr>
+          <p:cNvSpPr>
+            <a:spLocks noGrp="1"/>
+          </p:cNvSpPr>
+          <p:nvPr>
+            <p:ph type="title"/>
+          </p:nvPr>
+        </p:nvSpPr>
+        <p:spPr/>
+        <p:txBody>
+          <a:bodyPr/>
+          <a:lstStyle/>
+          <a:p>
+            <a:r>
+              <a:rPr kumimoji="1" lang="en-US" altLang="ko-KR" dirty="0"/>
+              <a:t>Pack Scenario</a:t>
+            </a:r>
+            <a:r>
+              <a:rPr kumimoji="1" lang="ko-KR" altLang="en-US" dirty="0"/>
+              <a:t> </a:t>
+            </a:r>
+            <a:r>
+              <a:rPr kumimoji="1" lang="en-US" altLang="ko-KR" dirty="0"/>
+              <a:t>#3</a:t>
+            </a:r>
+            <a:endParaRPr kumimoji="1" lang="ko-KR" altLang="en-US" dirty="0"/>
+          </a:p>
+        </p:txBody>
+      </p:sp>
+      <p:pic>
+        <p:nvPicPr>
+          <p:cNvPr id="10" name="그림 9">
+            <a:extLst>
+              <a:ext uri="{FF2B5EF4-FFF2-40B4-BE49-F238E27FC236}">
+                <a16:creationId xmlns:a16="http://schemas.microsoft.com/office/drawing/2014/main" id="{E2F4ED31-DD67-9DC6-460B-AAD6FAD589A7}"/>
+              </a:ext>
+            </a:extLst>
+          </p:cNvPr>
+          <p:cNvPicPr>
+            <a:picLocks noChangeAspect="1"/>
+          </p:cNvPicPr>
+          <p:nvPr/>
+        </p:nvPicPr>
+        <p:blipFill>
+          <a:blip r:embed="rId2" cstate="print"/>
+          <a:stretch>
+            <a:fillRect/>
+          </a:stretch>
+        </p:blipFill>
+        <p:spPr>
+          <a:xfrm>
+            <a:off x="1898119" y="2281089"/>
+            <a:ext cx="1432910" cy="2295821"/>
+          </a:xfrm>
+          <a:prstGeom prst="rect">
+            <a:avLst/>
+          </a:prstGeom>
+        </p:spPr>
+      </p:pic>
+      <p:sp>
+        <p:nvSpPr>
+          <p:cNvPr id="12" name="TextBox 11">
+            <a:extLst>
+              <a:ext uri="{FF2B5EF4-FFF2-40B4-BE49-F238E27FC236}">
+                <a16:creationId xmlns:a16="http://schemas.microsoft.com/office/drawing/2014/main" id="{22F9667E-59CB-0ABB-4EE2-EBB5D1DEF3EB}"/>
+              </a:ext>
+            </a:extLst>
+          </p:cNvPr>
+          <p:cNvSpPr txBox="1"/>
+          <p:nvPr/>
+        </p:nvSpPr>
+        <p:spPr>
+          <a:xfrm>
+            <a:off x="3478641" y="3105833"/>
+            <a:ext cx="1249316" cy="369332"/>
+          </a:xfrm>
+          <a:prstGeom prst="rect">
+            <a:avLst/>
+          </a:prstGeom>
+          <a:noFill/>
+        </p:spPr>
+        <p:txBody>
+          <a:bodyPr wrap="none" rtlCol="0">
+            <a:spAutoFit/>
+          </a:bodyPr>
+          <a:lstStyle/>
+          <a:p>
+            <a:pPr marL="285750" indent="-285750">
+              <a:buFont typeface="Wingdings" pitchFamily="2" charset="2"/>
+              <a:buChar char="l"/>
+            </a:pPr>
+            <a:r>
+              <a:rPr kumimoji="1" lang="en-US" altLang="ko-KR" dirty="0"/>
+              <a:t>&gt;1 Pack</a:t>
+            </a:r>
+          </a:p>
+        </p:txBody>
+      </p:sp>
+    </p:spTree>
+    <p:extLst>
+      <p:ext uri="{BB962C8B-B14F-4D97-AF65-F5344CB8AC3E}">
+        <p14:creationId xmlns:p14="http://schemas.microsoft.com/office/powerpoint/2010/main" val="4138651919"/>
+      </p:ext>
+    </p:extLst>
+  </p:cSld>
+  <p:clrMapOvr>
+    <a:masterClrMapping/>
+  </p:clrMapOvr>
+</p:sld>
+</file>
+
+<file path=ppt/slides/slide18.xml><?xml version="1.0" encoding="utf-8"?>
+<p:sld xmlns:a="http://schemas.openxmlformats.org/drawingml/2006/main" xmlns:r="http://schemas.openxmlformats.org/officeDocument/2006/relationships" xmlns:p="http://schemas.openxmlformats.org/presentationml/2006/main">
+  <p:cSld>
+    <p:spTree>
+      <p:nvGrpSpPr>
+        <p:cNvPr id="1" name=""/>
+        <p:cNvGrpSpPr/>
+        <p:nvPr/>
+      </p:nvGrpSpPr>
+      <p:grpSpPr>
+        <a:xfrm>
+          <a:off x="0" y="0"/>
+          <a:ext cx="0" cy="0"/>
+          <a:chOff x="0" y="0"/>
+          <a:chExt cx="0" cy="0"/>
+        </a:xfrm>
+      </p:grpSpPr>
+      <p:sp>
+        <p:nvSpPr>
+          <p:cNvPr id="2" name="제목 1">
+            <a:extLst>
+              <a:ext uri="{FF2B5EF4-FFF2-40B4-BE49-F238E27FC236}">
+                <a16:creationId xmlns:a16="http://schemas.microsoft.com/office/drawing/2014/main" id="{848F61B5-40C6-1F59-A8DC-C3CBB48F093D}"/>
+              </a:ext>
+            </a:extLst>
+          </p:cNvPr>
+          <p:cNvSpPr>
+            <a:spLocks noGrp="1"/>
+          </p:cNvSpPr>
+          <p:nvPr>
+            <p:ph type="title"/>
+          </p:nvPr>
+        </p:nvSpPr>
+        <p:spPr/>
+        <p:txBody>
+          <a:bodyPr/>
+          <a:lstStyle/>
+          <a:p>
+            <a:r>
+              <a:rPr kumimoji="1" lang="en-US" altLang="ko-KR" dirty="0"/>
+              <a:t>Pack Scenario</a:t>
+            </a:r>
+            <a:r>
+              <a:rPr kumimoji="1" lang="ko-KR" altLang="en-US" dirty="0"/>
+              <a:t> </a:t>
+            </a:r>
+            <a:r>
+              <a:rPr kumimoji="1" lang="en-US" altLang="ko-KR" dirty="0"/>
+              <a:t>#4</a:t>
+            </a:r>
+            <a:endParaRPr kumimoji="1" lang="ko-KR" altLang="en-US" dirty="0"/>
+          </a:p>
+        </p:txBody>
+      </p:sp>
+      <p:pic>
+        <p:nvPicPr>
+          <p:cNvPr id="10" name="그림 9">
+            <a:extLst>
+              <a:ext uri="{FF2B5EF4-FFF2-40B4-BE49-F238E27FC236}">
+                <a16:creationId xmlns:a16="http://schemas.microsoft.com/office/drawing/2014/main" id="{E2F4ED31-DD67-9DC6-460B-AAD6FAD589A7}"/>
+              </a:ext>
+            </a:extLst>
+          </p:cNvPr>
+          <p:cNvPicPr>
+            <a:picLocks noChangeAspect="1"/>
+          </p:cNvPicPr>
+          <p:nvPr/>
+        </p:nvPicPr>
+        <p:blipFill>
+          <a:blip r:embed="rId2" cstate="print"/>
+          <a:stretch>
+            <a:fillRect/>
+          </a:stretch>
+        </p:blipFill>
+        <p:spPr>
+          <a:xfrm>
+            <a:off x="1898119" y="2281089"/>
+            <a:ext cx="1432910" cy="2295821"/>
+          </a:xfrm>
+          <a:prstGeom prst="rect">
+            <a:avLst/>
+          </a:prstGeom>
+        </p:spPr>
+      </p:pic>
+      <p:sp>
+        <p:nvSpPr>
+          <p:cNvPr id="12" name="TextBox 11">
+            <a:extLst>
+              <a:ext uri="{FF2B5EF4-FFF2-40B4-BE49-F238E27FC236}">
+                <a16:creationId xmlns:a16="http://schemas.microsoft.com/office/drawing/2014/main" id="{22F9667E-59CB-0ABB-4EE2-EBB5D1DEF3EB}"/>
+              </a:ext>
+            </a:extLst>
+          </p:cNvPr>
+          <p:cNvSpPr txBox="1"/>
+          <p:nvPr/>
+        </p:nvSpPr>
+        <p:spPr>
+          <a:xfrm>
+            <a:off x="3478641" y="3105833"/>
             <a:ext cx="2199641" cy="646331"/>
           </a:xfrm>
           <a:prstGeom prst="rect">
@@ -8639,7 +11544,7 @@
     </p:spTree>
     <p:extLst>
       <p:ext uri="{BB962C8B-B14F-4D97-AF65-F5344CB8AC3E}">
-        <p14:creationId xmlns:p14="http://schemas.microsoft.com/office/powerpoint/2010/main" val="1150330569"/>
+        <p14:creationId xmlns:p14="http://schemas.microsoft.com/office/powerpoint/2010/main" val="1632386273"/>
       </p:ext>
     </p:extLst>
   </p:cSld>

--- a/허종원/Travel Scenario.pptx
+++ b/허종원/Travel Scenario.pptx
@@ -10028,8 +10028,8 @@
         </p:nvSpPr>
         <p:spPr>
           <a:xfrm>
-            <a:off x="413961" y="2179024"/>
-            <a:ext cx="4641014" cy="2957861"/>
+            <a:off x="413961" y="3217769"/>
+            <a:ext cx="4250202" cy="880369"/>
           </a:xfrm>
           <a:prstGeom prst="rect">
             <a:avLst/>
@@ -10100,24 +10100,28 @@
               <a:buAutoNum type="arabicParenR"/>
             </a:pPr>
             <a:r>
+              <a:rPr kumimoji="1" lang="ko-KR" altLang="en-US" b="1" dirty="0" err="1">
+                <a:solidFill>
+                  <a:srgbClr val="FF0000"/>
+                </a:solidFill>
+              </a:rPr>
+              <a:t>실병</a:t>
+            </a:r>
+            <a:r>
+              <a:rPr kumimoji="1" lang="ko-KR" altLang="en-US" dirty="0" err="1"/>
+              <a:t>을</a:t>
+            </a:r>
+            <a:r>
+              <a:rPr kumimoji="1" lang="ko-KR" altLang="en-US" dirty="0"/>
+              <a:t> </a:t>
+            </a:r>
+            <a:r>
               <a:rPr kumimoji="1" lang="ko-KR" altLang="en-US" b="1" dirty="0">
                 <a:solidFill>
                   <a:srgbClr val="FF0000"/>
                 </a:solidFill>
               </a:rPr>
-              <a:t>재검</a:t>
-            </a:r>
-            <a:r>
-              <a:rPr kumimoji="1" lang="ko-KR" altLang="en-US" dirty="0"/>
-              <a:t> 병을 </a:t>
-            </a:r>
-            <a:r>
-              <a:rPr kumimoji="1" lang="ko-KR" altLang="en-US" b="1" dirty="0">
-                <a:solidFill>
-                  <a:srgbClr val="FF0000"/>
-                </a:solidFill>
-              </a:rPr>
-              <a:t>분석기</a:t>
+              <a:t>반출입기</a:t>
             </a:r>
             <a:r>
               <a:rPr kumimoji="1" lang="ko-KR" altLang="en-US" dirty="0"/>
@@ -10136,247 +10140,6 @@
               <a:t>로 이동</a:t>
             </a:r>
             <a:endParaRPr kumimoji="1" lang="en-US" altLang="ko-KR" dirty="0"/>
-          </a:p>
-          <a:p>
-            <a:pPr marL="342900" indent="-342900">
-              <a:lnSpc>
-                <a:spcPct val="150000"/>
-              </a:lnSpc>
-              <a:buFont typeface="+mj-lt"/>
-              <a:buAutoNum type="arabicParenR"/>
-            </a:pPr>
-            <a:r>
-              <a:rPr kumimoji="1" lang="ko-KR" altLang="en-US" b="1" dirty="0">
-                <a:solidFill>
-                  <a:srgbClr val="FF0000"/>
-                </a:solidFill>
-              </a:rPr>
-              <a:t>완료된 병</a:t>
-            </a:r>
-            <a:r>
-              <a:rPr kumimoji="1" lang="ko-KR" altLang="en-US" dirty="0"/>
-              <a:t>을 </a:t>
-            </a:r>
-            <a:r>
-              <a:rPr kumimoji="1" lang="ko-KR" altLang="en-US" b="1" dirty="0">
-                <a:solidFill>
-                  <a:srgbClr val="FF0000"/>
-                </a:solidFill>
-              </a:rPr>
-              <a:t>분석기</a:t>
-            </a:r>
-            <a:r>
-              <a:rPr kumimoji="1" lang="ko-KR" altLang="en-US" dirty="0"/>
-              <a:t>에서 </a:t>
-            </a:r>
-            <a:r>
-              <a:rPr kumimoji="1" lang="ko-KR" altLang="en-US" b="1" dirty="0">
-                <a:solidFill>
-                  <a:srgbClr val="FF0000"/>
-                </a:solidFill>
-              </a:rPr>
-              <a:t>폐기설비</a:t>
-            </a:r>
-            <a:r>
-              <a:rPr kumimoji="1" lang="ko-KR" altLang="en-US" dirty="0"/>
-              <a:t>로 이동</a:t>
-            </a:r>
-            <a:endParaRPr kumimoji="1" lang="en-US" altLang="ko-KR" dirty="0"/>
-          </a:p>
-          <a:p>
-            <a:pPr marL="342900" indent="-342900">
-              <a:lnSpc>
-                <a:spcPct val="150000"/>
-              </a:lnSpc>
-              <a:buFont typeface="+mj-lt"/>
-              <a:buAutoNum type="arabicParenR"/>
-            </a:pPr>
-            <a:r>
-              <a:rPr kumimoji="1" lang="ko-KR" altLang="en-US" b="1" dirty="0">
-                <a:solidFill>
-                  <a:srgbClr val="FF0000"/>
-                </a:solidFill>
-              </a:rPr>
-              <a:t>재검병</a:t>
-            </a:r>
-            <a:r>
-              <a:rPr kumimoji="1" lang="ko-KR" altLang="en-US" dirty="0"/>
-              <a:t>을 </a:t>
-            </a:r>
-            <a:r>
-              <a:rPr kumimoji="1" lang="en-US" altLang="ko-KR" b="1" dirty="0">
-                <a:solidFill>
-                  <a:srgbClr val="FF0000"/>
-                </a:solidFill>
-              </a:rPr>
-              <a:t>Stocker</a:t>
-            </a:r>
-            <a:r>
-              <a:rPr kumimoji="1" lang="ko-KR" altLang="en-US" dirty="0"/>
-              <a:t>에서 </a:t>
-            </a:r>
-            <a:r>
-              <a:rPr kumimoji="1" lang="ko-KR" altLang="en-US" b="1" dirty="0">
-                <a:solidFill>
-                  <a:srgbClr val="FF0000"/>
-                </a:solidFill>
-              </a:rPr>
-              <a:t>분석기</a:t>
-            </a:r>
-            <a:r>
-              <a:rPr kumimoji="1" lang="ko-KR" altLang="en-US" dirty="0"/>
-              <a:t>로 이동</a:t>
-            </a:r>
-            <a:endParaRPr kumimoji="1" lang="en-US" altLang="ko-KR" dirty="0"/>
-          </a:p>
-          <a:p>
-            <a:pPr marL="342900" indent="-342900">
-              <a:lnSpc>
-                <a:spcPct val="150000"/>
-              </a:lnSpc>
-              <a:buFont typeface="+mj-lt"/>
-              <a:buAutoNum type="arabicParenR"/>
-            </a:pPr>
-            <a:r>
-              <a:rPr kumimoji="1" lang="ko-KR" altLang="en-US" b="1" dirty="0" err="1">
-                <a:solidFill>
-                  <a:srgbClr val="FF0000"/>
-                </a:solidFill>
-              </a:rPr>
-              <a:t>빈병</a:t>
-            </a:r>
-            <a:r>
-              <a:rPr kumimoji="1" lang="ko-KR" altLang="en-US" dirty="0" err="1"/>
-              <a:t>을</a:t>
-            </a:r>
-            <a:r>
-              <a:rPr kumimoji="1" lang="ko-KR" altLang="en-US" dirty="0"/>
-              <a:t> </a:t>
-            </a:r>
-            <a:r>
-              <a:rPr kumimoji="1" lang="ko-KR" altLang="en-US" b="1" dirty="0">
-                <a:solidFill>
-                  <a:srgbClr val="FF0000"/>
-                </a:solidFill>
-              </a:rPr>
-              <a:t>폐기설비</a:t>
-            </a:r>
-            <a:r>
-              <a:rPr kumimoji="1" lang="ko-KR" altLang="en-US" dirty="0"/>
-              <a:t>에서 </a:t>
-            </a:r>
-            <a:r>
-              <a:rPr kumimoji="1" lang="ko-KR" altLang="en-US" b="1" dirty="0">
-                <a:solidFill>
-                  <a:srgbClr val="FF0000"/>
-                </a:solidFill>
-              </a:rPr>
-              <a:t>반출입기</a:t>
-            </a:r>
-            <a:r>
-              <a:rPr kumimoji="1" lang="ko-KR" altLang="en-US" dirty="0"/>
-              <a:t>로 이동</a:t>
-            </a:r>
-            <a:endParaRPr kumimoji="1" lang="en-US" altLang="ko-KR" dirty="0"/>
-          </a:p>
-          <a:p>
-            <a:pPr marL="342900" indent="-342900">
-              <a:lnSpc>
-                <a:spcPct val="150000"/>
-              </a:lnSpc>
-              <a:buFont typeface="+mj-lt"/>
-              <a:buAutoNum type="arabicParenR"/>
-            </a:pPr>
-            <a:r>
-              <a:rPr kumimoji="1" lang="ko-KR" altLang="en-US" b="1" dirty="0" err="1">
-                <a:solidFill>
-                  <a:srgbClr val="FF0000"/>
-                </a:solidFill>
-              </a:rPr>
-              <a:t>실병</a:t>
-            </a:r>
-            <a:r>
-              <a:rPr kumimoji="1" lang="ko-KR" altLang="en-US" dirty="0" err="1"/>
-              <a:t>을</a:t>
-            </a:r>
-            <a:r>
-              <a:rPr kumimoji="1" lang="ko-KR" altLang="en-US" dirty="0"/>
-              <a:t> </a:t>
-            </a:r>
-            <a:r>
-              <a:rPr kumimoji="1" lang="ko-KR" altLang="en-US" b="1" dirty="0">
-                <a:solidFill>
-                  <a:srgbClr val="FF0000"/>
-                </a:solidFill>
-              </a:rPr>
-              <a:t>반출입기</a:t>
-            </a:r>
-            <a:r>
-              <a:rPr kumimoji="1" lang="ko-KR" altLang="en-US" dirty="0"/>
-              <a:t>에서 </a:t>
-            </a:r>
-            <a:r>
-              <a:rPr kumimoji="1" lang="en-US" altLang="ko-KR" b="1" dirty="0">
-                <a:solidFill>
-                  <a:srgbClr val="FF0000"/>
-                </a:solidFill>
-              </a:rPr>
-              <a:t>Stocker</a:t>
-            </a:r>
-            <a:r>
-              <a:rPr kumimoji="1" lang="ko-KR" altLang="en-US" dirty="0"/>
-              <a:t>로 이동</a:t>
-            </a:r>
-            <a:endParaRPr kumimoji="1" lang="en-US" altLang="ko-KR" dirty="0"/>
-          </a:p>
-          <a:p>
-            <a:pPr marL="342900" indent="-342900">
-              <a:lnSpc>
-                <a:spcPct val="150000"/>
-              </a:lnSpc>
-              <a:buFont typeface="+mj-lt"/>
-              <a:buAutoNum type="arabicParenR"/>
-            </a:pPr>
-            <a:r>
-              <a:rPr kumimoji="1" lang="ko-KR" altLang="en-US" b="1" dirty="0" err="1">
-                <a:solidFill>
-                  <a:srgbClr val="FF0000"/>
-                </a:solidFill>
-              </a:rPr>
-              <a:t>빈병</a:t>
-            </a:r>
-            <a:r>
-              <a:rPr kumimoji="1" lang="ko-KR" altLang="en-US" dirty="0" err="1"/>
-              <a:t>을</a:t>
-            </a:r>
-            <a:r>
-              <a:rPr kumimoji="1" lang="ko-KR" altLang="en-US" dirty="0"/>
-              <a:t> </a:t>
-            </a:r>
-            <a:r>
-              <a:rPr kumimoji="1" lang="en-US" altLang="ko-KR" b="1" dirty="0">
-                <a:solidFill>
-                  <a:srgbClr val="FF0000"/>
-                </a:solidFill>
-              </a:rPr>
-              <a:t>Stocker</a:t>
-            </a:r>
-            <a:r>
-              <a:rPr kumimoji="1" lang="ko-KR" altLang="en-US" dirty="0"/>
-              <a:t>에서 </a:t>
-            </a:r>
-            <a:r>
-              <a:rPr kumimoji="1" lang="ko-KR" altLang="en-US" b="1" dirty="0">
-                <a:solidFill>
-                  <a:srgbClr val="FF0000"/>
-                </a:solidFill>
-              </a:rPr>
-              <a:t>반출입기</a:t>
-            </a:r>
-            <a:r>
-              <a:rPr kumimoji="1" lang="ko-KR" altLang="en-US" dirty="0"/>
-              <a:t>로 이동</a:t>
-            </a:r>
           </a:p>
         </p:txBody>
       </p:sp>

--- a/허종원/Travel Scenario.pptx
+++ b/허종원/Travel Scenario.pptx
@@ -5,7 +5,7 @@
     <p:sldMasterId id="2147483681" r:id="rId1"/>
   </p:sldMasterIdLst>
   <p:notesMasterIdLst>
-    <p:notesMasterId r:id="rId20"/>
+    <p:notesMasterId r:id="rId23"/>
   </p:notesMasterIdLst>
   <p:sldIdLst>
     <p:sldId id="448" r:id="rId2"/>
@@ -22,10 +22,13 @@
     <p:sldId id="463" r:id="rId13"/>
     <p:sldId id="464" r:id="rId14"/>
     <p:sldId id="465" r:id="rId15"/>
-    <p:sldId id="459" r:id="rId16"/>
-    <p:sldId id="460" r:id="rId17"/>
-    <p:sldId id="461" r:id="rId18"/>
-    <p:sldId id="462" r:id="rId19"/>
+    <p:sldId id="466" r:id="rId16"/>
+    <p:sldId id="468" r:id="rId17"/>
+    <p:sldId id="467" r:id="rId18"/>
+    <p:sldId id="459" r:id="rId19"/>
+    <p:sldId id="460" r:id="rId20"/>
+    <p:sldId id="461" r:id="rId21"/>
+    <p:sldId id="462" r:id="rId22"/>
   </p:sldIdLst>
   <p:sldSz cx="9906000" cy="6858000" type="A4"/>
   <p:notesSz cx="6858000" cy="9144000"/>
@@ -8548,7 +8551,7 @@
         <p:spPr>
           <a:xfrm>
             <a:off x="5148873" y="3872378"/>
-            <a:ext cx="4641014" cy="2031325"/>
+            <a:ext cx="4641014" cy="2585323"/>
           </a:xfrm>
           <a:prstGeom prst="rect">
             <a:avLst/>
@@ -8742,6 +8745,49 @@
               <a:buAutoNum type="arabicParenR"/>
             </a:pPr>
             <a:r>
+              <a:rPr kumimoji="1" lang="ko-KR" altLang="en-US" b="1" dirty="0">
+                <a:solidFill>
+                  <a:srgbClr val="FF0000"/>
+                </a:solidFill>
+              </a:rPr>
+              <a:t>재검병</a:t>
+            </a:r>
+            <a:r>
+              <a:rPr kumimoji="1" lang="ko-KR" altLang="en-US" dirty="0"/>
+              <a:t>을 </a:t>
+            </a:r>
+            <a:r>
+              <a:rPr kumimoji="1" lang="en-US" altLang="ko-KR" b="1" dirty="0">
+                <a:solidFill>
+                  <a:srgbClr val="FF0000"/>
+                </a:solidFill>
+              </a:rPr>
+              <a:t>Stocker</a:t>
+            </a:r>
+            <a:r>
+              <a:rPr kumimoji="1" lang="ko-KR" altLang="en-US" dirty="0"/>
+              <a:t>에서 </a:t>
+            </a:r>
+            <a:r>
+              <a:rPr kumimoji="1" lang="ko-KR" altLang="en-US" b="1" dirty="0">
+                <a:solidFill>
+                  <a:srgbClr val="FF0000"/>
+                </a:solidFill>
+              </a:rPr>
+              <a:t>폐기설비</a:t>
+            </a:r>
+            <a:r>
+              <a:rPr kumimoji="1" lang="ko-KR" altLang="en-US" dirty="0"/>
+              <a:t>로 이동</a:t>
+            </a:r>
+            <a:endParaRPr kumimoji="1" lang="en-US" altLang="ko-KR" dirty="0"/>
+          </a:p>
+          <a:p>
+            <a:pPr marL="342900" indent="-342900">
+              <a:buFont typeface="+mj-lt"/>
+              <a:buAutoNum type="arabicParenR"/>
+            </a:pPr>
+            <a:r>
               <a:rPr kumimoji="1" lang="ko-KR" altLang="en-US" b="1" dirty="0" err="1">
                 <a:solidFill>
                   <a:srgbClr val="FF0000"/>
@@ -8811,6 +8857,53 @@
                 </a:solidFill>
               </a:rPr>
               <a:t>반출입기</a:t>
+            </a:r>
+            <a:r>
+              <a:rPr kumimoji="1" lang="ko-KR" altLang="en-US" dirty="0"/>
+              <a:t>에서 </a:t>
+            </a:r>
+            <a:r>
+              <a:rPr kumimoji="1" lang="en-US" altLang="ko-KR" b="1" dirty="0">
+                <a:solidFill>
+                  <a:srgbClr val="FF0000"/>
+                </a:solidFill>
+              </a:rPr>
+              <a:t>Stocker</a:t>
+            </a:r>
+            <a:r>
+              <a:rPr kumimoji="1" lang="ko-KR" altLang="en-US" dirty="0"/>
+              <a:t>로 이동</a:t>
+            </a:r>
+            <a:endParaRPr kumimoji="1" lang="en-US" altLang="ko-KR" dirty="0"/>
+          </a:p>
+          <a:p>
+            <a:pPr marL="342900" indent="-342900">
+              <a:buFont typeface="+mj-lt"/>
+              <a:buAutoNum type="arabicParenR"/>
+            </a:pPr>
+            <a:r>
+              <a:rPr kumimoji="1" lang="ko-KR" altLang="en-US" b="1" dirty="0" err="1">
+                <a:solidFill>
+                  <a:srgbClr val="FF0000"/>
+                </a:solidFill>
+              </a:rPr>
+              <a:t>빈병</a:t>
+            </a:r>
+            <a:r>
+              <a:rPr kumimoji="1" lang="ko-KR" altLang="en-US" dirty="0" err="1"/>
+              <a:t>을</a:t>
+            </a:r>
+            <a:r>
+              <a:rPr kumimoji="1" lang="ko-KR" altLang="en-US" dirty="0"/>
+              <a:t> </a:t>
+            </a:r>
+            <a:r>
+              <a:rPr kumimoji="1" lang="ko-KR" altLang="en-US" b="1" dirty="0">
+                <a:solidFill>
+                  <a:srgbClr val="FF0000"/>
+                </a:solidFill>
+              </a:rPr>
+              <a:t>폐기설비</a:t>
             </a:r>
             <a:r>
               <a:rPr kumimoji="1" lang="ko-KR" altLang="en-US" dirty="0"/>
@@ -8985,8 +9078,8 @@
         </p:nvSpPr>
         <p:spPr>
           <a:xfrm>
-            <a:off x="413961" y="2179024"/>
-            <a:ext cx="4641014" cy="2957861"/>
+            <a:off x="413961" y="1763526"/>
+            <a:ext cx="4641014" cy="3788858"/>
           </a:xfrm>
           <a:prstGeom prst="rect">
             <a:avLst/>
@@ -9195,20 +9288,28 @@
               <a:buAutoNum type="arabicParenR"/>
             </a:pPr>
             <a:r>
-              <a:rPr kumimoji="1" lang="ko-KR" altLang="en-US" b="1" dirty="0" err="1">
+              <a:rPr kumimoji="1" lang="ko-KR" altLang="en-US" b="1" dirty="0">
                 <a:solidFill>
                   <a:srgbClr val="FF0000"/>
                 </a:solidFill>
               </a:rPr>
-              <a:t>빈병</a:t>
-            </a:r>
-            <a:r>
-              <a:rPr kumimoji="1" lang="ko-KR" altLang="en-US" dirty="0" err="1"/>
-              <a:t>을</a:t>
+              <a:t>재검병</a:t>
             </a:r>
             <a:r>
               <a:rPr kumimoji="1" lang="ko-KR" altLang="en-US" dirty="0"/>
-              <a:t> </a:t>
+              <a:t>을 </a:t>
+            </a:r>
+            <a:r>
+              <a:rPr kumimoji="1" lang="en-US" altLang="ko-KR" b="1" dirty="0">
+                <a:solidFill>
+                  <a:srgbClr val="FF0000"/>
+                </a:solidFill>
+              </a:rPr>
+              <a:t>Stocker</a:t>
+            </a:r>
+            <a:r>
+              <a:rPr kumimoji="1" lang="ko-KR" altLang="en-US" dirty="0"/>
+              <a:t>에서 </a:t>
             </a:r>
             <a:r>
               <a:rPr kumimoji="1" lang="ko-KR" altLang="en-US" b="1" dirty="0">
@@ -9217,18 +9318,6 @@
                 </a:solidFill>
               </a:rPr>
               <a:t>폐기설비</a:t>
-            </a:r>
-            <a:r>
-              <a:rPr kumimoji="1" lang="ko-KR" altLang="en-US" dirty="0"/>
-              <a:t>에서 </a:t>
-            </a:r>
-            <a:r>
-              <a:rPr kumimoji="1" lang="ko-KR" altLang="en-US" b="1" dirty="0">
-                <a:solidFill>
-                  <a:srgbClr val="FF0000"/>
-                </a:solidFill>
-              </a:rPr>
-              <a:t>반출입기</a:t>
             </a:r>
             <a:r>
               <a:rPr kumimoji="1" lang="ko-KR" altLang="en-US" dirty="0"/>
@@ -9250,7 +9339,7 @@
                   <a:srgbClr val="FF0000"/>
                 </a:solidFill>
               </a:rPr>
-              <a:t>실병</a:t>
+              <a:t>빈병</a:t>
             </a:r>
             <a:r>
               <a:rPr kumimoji="1" lang="ko-KR" altLang="en-US" dirty="0" err="1"/>
@@ -9259,6 +9348,18 @@
             <a:r>
               <a:rPr kumimoji="1" lang="ko-KR" altLang="en-US" dirty="0"/>
               <a:t> </a:t>
+            </a:r>
+            <a:r>
+              <a:rPr kumimoji="1" lang="ko-KR" altLang="en-US" b="1" dirty="0">
+                <a:solidFill>
+                  <a:srgbClr val="FF0000"/>
+                </a:solidFill>
+              </a:rPr>
+              <a:t>폐기설비</a:t>
+            </a:r>
+            <a:r>
+              <a:rPr kumimoji="1" lang="ko-KR" altLang="en-US" dirty="0"/>
+              <a:t>에서 </a:t>
             </a:r>
             <a:r>
               <a:rPr kumimoji="1" lang="ko-KR" altLang="en-US" b="1" dirty="0">
@@ -9267,6 +9368,94 @@
                 </a:solidFill>
               </a:rPr>
               <a:t>반출입기</a:t>
+            </a:r>
+            <a:r>
+              <a:rPr kumimoji="1" lang="ko-KR" altLang="en-US" dirty="0"/>
+              <a:t>로 이동</a:t>
+            </a:r>
+            <a:endParaRPr kumimoji="1" lang="en-US" altLang="ko-KR" dirty="0"/>
+          </a:p>
+          <a:p>
+            <a:pPr marL="342900" indent="-342900">
+              <a:lnSpc>
+                <a:spcPct val="150000"/>
+              </a:lnSpc>
+              <a:buFont typeface="+mj-lt"/>
+              <a:buAutoNum type="arabicParenR"/>
+            </a:pPr>
+            <a:r>
+              <a:rPr kumimoji="1" lang="ko-KR" altLang="en-US" b="1" dirty="0" err="1">
+                <a:solidFill>
+                  <a:srgbClr val="FF0000"/>
+                </a:solidFill>
+              </a:rPr>
+              <a:t>실병</a:t>
+            </a:r>
+            <a:r>
+              <a:rPr kumimoji="1" lang="ko-KR" altLang="en-US" dirty="0" err="1"/>
+              <a:t>을</a:t>
+            </a:r>
+            <a:r>
+              <a:rPr kumimoji="1" lang="ko-KR" altLang="en-US" dirty="0"/>
+              <a:t> </a:t>
+            </a:r>
+            <a:r>
+              <a:rPr kumimoji="1" lang="ko-KR" altLang="en-US" b="1" dirty="0">
+                <a:solidFill>
+                  <a:srgbClr val="FF0000"/>
+                </a:solidFill>
+              </a:rPr>
+              <a:t>반출입기</a:t>
+            </a:r>
+            <a:r>
+              <a:rPr kumimoji="1" lang="ko-KR" altLang="en-US" dirty="0"/>
+              <a:t>에서 </a:t>
+            </a:r>
+            <a:r>
+              <a:rPr kumimoji="1" lang="en-US" altLang="ko-KR" b="1" dirty="0">
+                <a:solidFill>
+                  <a:srgbClr val="FF0000"/>
+                </a:solidFill>
+              </a:rPr>
+              <a:t>Stocker</a:t>
+            </a:r>
+            <a:r>
+              <a:rPr kumimoji="1" lang="ko-KR" altLang="en-US" dirty="0"/>
+              <a:t>로 이동</a:t>
+            </a:r>
+            <a:endParaRPr kumimoji="1" lang="en-US" altLang="ko-KR" dirty="0"/>
+          </a:p>
+          <a:p>
+            <a:pPr marL="342900" indent="-342900">
+              <a:lnSpc>
+                <a:spcPct val="150000"/>
+              </a:lnSpc>
+              <a:buFont typeface="+mj-lt"/>
+              <a:buAutoNum type="arabicParenR"/>
+            </a:pPr>
+            <a:r>
+              <a:rPr kumimoji="1" lang="ko-KR" altLang="en-US" b="1" dirty="0" err="1">
+                <a:solidFill>
+                  <a:srgbClr val="FF0000"/>
+                </a:solidFill>
+              </a:rPr>
+              <a:t>빈병</a:t>
+            </a:r>
+            <a:r>
+              <a:rPr kumimoji="1" lang="ko-KR" altLang="en-US" dirty="0" err="1"/>
+              <a:t>을</a:t>
+            </a:r>
+            <a:r>
+              <a:rPr kumimoji="1" lang="ko-KR" altLang="en-US" dirty="0"/>
+              <a:t> </a:t>
+            </a:r>
+            <a:r>
+              <a:rPr kumimoji="1" lang="ko-KR" altLang="en-US" b="1" dirty="0">
+                <a:solidFill>
+                  <a:srgbClr val="FF0000"/>
+                </a:solidFill>
+              </a:rPr>
+              <a:t>폐기설비</a:t>
             </a:r>
             <a:r>
               <a:rPr kumimoji="1" lang="ko-KR" altLang="en-US" dirty="0"/>
@@ -10719,6 +10908,168 @@
           </a:p>
         </p:txBody>
       </p:sp>
+      <p:sp>
+        <p:nvSpPr>
+          <p:cNvPr id="10" name="직사각형 9">
+            <a:extLst>
+              <a:ext uri="{FF2B5EF4-FFF2-40B4-BE49-F238E27FC236}">
+                <a16:creationId xmlns:a16="http://schemas.microsoft.com/office/drawing/2014/main" id="{3A04C9B4-DADA-81F5-E9D5-7822C120AFB3}"/>
+              </a:ext>
+            </a:extLst>
+          </p:cNvPr>
+          <p:cNvSpPr/>
+          <p:nvPr/>
+        </p:nvSpPr>
+        <p:spPr>
+          <a:xfrm>
+            <a:off x="7456713" y="2335859"/>
+            <a:ext cx="1807029" cy="3651284"/>
+          </a:xfrm>
+          <a:prstGeom prst="rect">
+            <a:avLst/>
+          </a:prstGeom>
+          <a:solidFill>
+            <a:srgbClr val="FFFFFF">
+              <a:alpha val="80000"/>
+            </a:srgbClr>
+          </a:solidFill>
+          <a:ln>
+            <a:noFill/>
+          </a:ln>
+        </p:spPr>
+        <p:style>
+          <a:lnRef idx="2">
+            <a:schemeClr val="accent1">
+              <a:shade val="15000"/>
+            </a:schemeClr>
+          </a:lnRef>
+          <a:fillRef idx="1">
+            <a:schemeClr val="accent1"/>
+          </a:fillRef>
+          <a:effectRef idx="0">
+            <a:schemeClr val="accent1"/>
+          </a:effectRef>
+          <a:fontRef idx="minor">
+            <a:schemeClr val="lt1"/>
+          </a:fontRef>
+        </p:style>
+        <p:txBody>
+          <a:bodyPr wrap="none" rtlCol="0" anchor="ctr"/>
+          <a:lstStyle/>
+          <a:p>
+            <a:pPr algn="ctr"/>
+            <a:endParaRPr kumimoji="1" lang="ko-KR" altLang="en-US" dirty="0"/>
+          </a:p>
+        </p:txBody>
+      </p:sp>
+      <p:sp>
+        <p:nvSpPr>
+          <p:cNvPr id="13" name="직사각형 12">
+            <a:extLst>
+              <a:ext uri="{FF2B5EF4-FFF2-40B4-BE49-F238E27FC236}">
+                <a16:creationId xmlns:a16="http://schemas.microsoft.com/office/drawing/2014/main" id="{04151AC6-9B4C-380F-E0C1-A9191B11135F}"/>
+              </a:ext>
+            </a:extLst>
+          </p:cNvPr>
+          <p:cNvSpPr/>
+          <p:nvPr/>
+        </p:nvSpPr>
+        <p:spPr>
+          <a:xfrm>
+            <a:off x="6564352" y="2566673"/>
+            <a:ext cx="892361" cy="3115669"/>
+          </a:xfrm>
+          <a:prstGeom prst="rect">
+            <a:avLst/>
+          </a:prstGeom>
+          <a:solidFill>
+            <a:srgbClr val="FFFFFF">
+              <a:alpha val="80000"/>
+            </a:srgbClr>
+          </a:solidFill>
+          <a:ln>
+            <a:noFill/>
+          </a:ln>
+        </p:spPr>
+        <p:style>
+          <a:lnRef idx="2">
+            <a:schemeClr val="accent1">
+              <a:shade val="15000"/>
+            </a:schemeClr>
+          </a:lnRef>
+          <a:fillRef idx="1">
+            <a:schemeClr val="accent1"/>
+          </a:fillRef>
+          <a:effectRef idx="0">
+            <a:schemeClr val="accent1"/>
+          </a:effectRef>
+          <a:fontRef idx="minor">
+            <a:schemeClr val="lt1"/>
+          </a:fontRef>
+        </p:style>
+        <p:txBody>
+          <a:bodyPr wrap="none" rtlCol="0" anchor="ctr"/>
+          <a:lstStyle/>
+          <a:p>
+            <a:pPr algn="ctr"/>
+            <a:endParaRPr kumimoji="1" lang="ko-KR" altLang="en-US" dirty="0"/>
+          </a:p>
+        </p:txBody>
+      </p:sp>
+      <p:sp>
+        <p:nvSpPr>
+          <p:cNvPr id="14" name="직사각형 13">
+            <a:extLst>
+              <a:ext uri="{FF2B5EF4-FFF2-40B4-BE49-F238E27FC236}">
+                <a16:creationId xmlns:a16="http://schemas.microsoft.com/office/drawing/2014/main" id="{A4DEBB1B-B532-6B6B-95CF-CE45A98B4B7B}"/>
+              </a:ext>
+            </a:extLst>
+          </p:cNvPr>
+          <p:cNvSpPr/>
+          <p:nvPr/>
+        </p:nvSpPr>
+        <p:spPr>
+          <a:xfrm>
+            <a:off x="6433458" y="4705525"/>
+            <a:ext cx="110780" cy="225488"/>
+          </a:xfrm>
+          <a:prstGeom prst="rect">
+            <a:avLst/>
+          </a:prstGeom>
+          <a:solidFill>
+            <a:srgbClr val="FFFFFF">
+              <a:alpha val="80000"/>
+            </a:srgbClr>
+          </a:solidFill>
+          <a:ln>
+            <a:noFill/>
+          </a:ln>
+        </p:spPr>
+        <p:style>
+          <a:lnRef idx="2">
+            <a:schemeClr val="accent1">
+              <a:shade val="15000"/>
+            </a:schemeClr>
+          </a:lnRef>
+          <a:fillRef idx="1">
+            <a:schemeClr val="accent1"/>
+          </a:fillRef>
+          <a:effectRef idx="0">
+            <a:schemeClr val="accent1"/>
+          </a:effectRef>
+          <a:fontRef idx="minor">
+            <a:schemeClr val="lt1"/>
+          </a:fontRef>
+        </p:style>
+        <p:txBody>
+          <a:bodyPr wrap="none" rtlCol="0" anchor="ctr"/>
+          <a:lstStyle/>
+          <a:p>
+            <a:pPr algn="ctr"/>
+            <a:endParaRPr kumimoji="1" lang="ko-KR" altLang="en-US" dirty="0"/>
+          </a:p>
+        </p:txBody>
+      </p:sp>
     </p:spTree>
     <p:extLst>
       <p:ext uri="{BB962C8B-B14F-4D97-AF65-F5344CB8AC3E}">
@@ -10754,7 +11105,7 @@
           <p:cNvPr id="2" name="제목 1">
             <a:extLst>
               <a:ext uri="{FF2B5EF4-FFF2-40B4-BE49-F238E27FC236}">
-                <a16:creationId xmlns:a16="http://schemas.microsoft.com/office/drawing/2014/main" id="{848F61B5-40C6-1F59-A8DC-C3CBB48F093D}"/>
+                <a16:creationId xmlns:a16="http://schemas.microsoft.com/office/drawing/2014/main" id="{CE37E7E9-F3DB-1E9F-3E06-671D5CE03719}"/>
               </a:ext>
             </a:extLst>
           </p:cNvPr>
@@ -10772,15 +11123,19 @@
           <a:p>
             <a:r>
               <a:rPr kumimoji="1" lang="en-US" altLang="ko-KR" dirty="0"/>
-              <a:t>Pack Scenario</a:t>
+              <a:t>Realtime Events from </a:t>
             </a:r>
             <a:r>
               <a:rPr kumimoji="1" lang="ko-KR" altLang="en-US" dirty="0"/>
-              <a:t> </a:t>
+              <a:t>분석기 </a:t>
             </a:r>
             <a:r>
               <a:rPr kumimoji="1" lang="en-US" altLang="ko-KR" dirty="0"/>
-              <a:t>#1</a:t>
+              <a:t>to </a:t>
+            </a:r>
+            <a:r>
+              <a:rPr kumimoji="1" lang="en-US" altLang="ko-KR" dirty="0" err="1"/>
+              <a:t>MoMa</a:t>
             </a:r>
             <a:endParaRPr kumimoji="1" lang="ko-KR" altLang="en-US" dirty="0"/>
           </a:p>
@@ -10788,10 +11143,10 @@
       </p:sp>
       <p:pic>
         <p:nvPicPr>
-          <p:cNvPr id="10" name="그림 9">
-            <a:extLst>
-              <a:ext uri="{FF2B5EF4-FFF2-40B4-BE49-F238E27FC236}">
-                <a16:creationId xmlns:a16="http://schemas.microsoft.com/office/drawing/2014/main" id="{E2F4ED31-DD67-9DC6-460B-AAD6FAD589A7}"/>
+          <p:cNvPr id="3" name="그림 2">
+            <a:extLst>
+              <a:ext uri="{FF2B5EF4-FFF2-40B4-BE49-F238E27FC236}">
+                <a16:creationId xmlns:a16="http://schemas.microsoft.com/office/drawing/2014/main" id="{78245034-EE28-E352-3417-334C83EF5FE4}"/>
               </a:ext>
             </a:extLst>
           </p:cNvPr>
@@ -10808,8 +11163,8 @@
         </p:blipFill>
         <p:spPr>
           <a:xfrm>
-            <a:off x="1898119" y="2281089"/>
-            <a:ext cx="1432910" cy="2295821"/>
+            <a:off x="5054975" y="2765208"/>
+            <a:ext cx="943054" cy="1510969"/>
           </a:xfrm>
           <a:prstGeom prst="rect">
             <a:avLst/>
@@ -10818,10 +11173,10 @@
       </p:pic>
       <p:sp>
         <p:nvSpPr>
-          <p:cNvPr id="12" name="TextBox 11">
-            <a:extLst>
-              <a:ext uri="{FF2B5EF4-FFF2-40B4-BE49-F238E27FC236}">
-                <a16:creationId xmlns:a16="http://schemas.microsoft.com/office/drawing/2014/main" id="{22F9667E-59CB-0ABB-4EE2-EBB5D1DEF3EB}"/>
+          <p:cNvPr id="4" name="TextBox 3">
+            <a:extLst>
+              <a:ext uri="{FF2B5EF4-FFF2-40B4-BE49-F238E27FC236}">
+                <a16:creationId xmlns:a16="http://schemas.microsoft.com/office/drawing/2014/main" id="{CAB68C7C-33CF-14FF-AD9E-6FCD8C1472B0}"/>
               </a:ext>
             </a:extLst>
           </p:cNvPr>
@@ -10830,8 +11185,545 @@
         </p:nvSpPr>
         <p:spPr>
           <a:xfrm>
-            <a:off x="3478641" y="3105833"/>
-            <a:ext cx="1691489" cy="646331"/>
+            <a:off x="413961" y="3217769"/>
+            <a:ext cx="4641014" cy="880369"/>
+          </a:xfrm>
+          <a:prstGeom prst="rect">
+            <a:avLst/>
+          </a:prstGeom>
+          <a:noFill/>
+        </p:spPr>
+        <p:txBody>
+          <a:bodyPr wrap="none" rtlCol="0" anchor="ctr">
+            <a:spAutoFit/>
+          </a:bodyPr>
+          <a:lstStyle/>
+          <a:p>
+            <a:pPr marL="342900" indent="-342900">
+              <a:lnSpc>
+                <a:spcPct val="150000"/>
+              </a:lnSpc>
+              <a:buFont typeface="+mj-lt"/>
+              <a:buAutoNum type="arabicParenR"/>
+            </a:pPr>
+            <a:r>
+              <a:rPr kumimoji="1" lang="ko-KR" altLang="en-US" b="1" dirty="0">
+                <a:solidFill>
+                  <a:srgbClr val="FF0000"/>
+                </a:solidFill>
+              </a:rPr>
+              <a:t>재검</a:t>
+            </a:r>
+            <a:r>
+              <a:rPr kumimoji="1" lang="ko-KR" altLang="en-US" dirty="0"/>
+              <a:t> 병을 </a:t>
+            </a:r>
+            <a:r>
+              <a:rPr kumimoji="1" lang="ko-KR" altLang="en-US" b="1" dirty="0">
+                <a:solidFill>
+                  <a:srgbClr val="FF0000"/>
+                </a:solidFill>
+              </a:rPr>
+              <a:t>분석기</a:t>
+            </a:r>
+            <a:r>
+              <a:rPr kumimoji="1" lang="ko-KR" altLang="en-US" dirty="0"/>
+              <a:t>에서 </a:t>
+            </a:r>
+            <a:r>
+              <a:rPr kumimoji="1" lang="en-US" altLang="ko-KR" b="1" dirty="0">
+                <a:solidFill>
+                  <a:srgbClr val="FF0000"/>
+                </a:solidFill>
+              </a:rPr>
+              <a:t>Stocker</a:t>
+            </a:r>
+            <a:r>
+              <a:rPr kumimoji="1" lang="ko-KR" altLang="en-US" dirty="0"/>
+              <a:t>로 이동</a:t>
+            </a:r>
+            <a:endParaRPr kumimoji="1" lang="en-US" altLang="ko-KR" dirty="0"/>
+          </a:p>
+          <a:p>
+            <a:pPr marL="342900" indent="-342900">
+              <a:lnSpc>
+                <a:spcPct val="150000"/>
+              </a:lnSpc>
+              <a:buFont typeface="+mj-lt"/>
+              <a:buAutoNum type="arabicParenR"/>
+            </a:pPr>
+            <a:r>
+              <a:rPr kumimoji="1" lang="ko-KR" altLang="en-US" b="1" dirty="0">
+                <a:solidFill>
+                  <a:srgbClr val="FF0000"/>
+                </a:solidFill>
+              </a:rPr>
+              <a:t>완료된 병</a:t>
+            </a:r>
+            <a:r>
+              <a:rPr kumimoji="1" lang="ko-KR" altLang="en-US" dirty="0"/>
+              <a:t>을 </a:t>
+            </a:r>
+            <a:r>
+              <a:rPr kumimoji="1" lang="ko-KR" altLang="en-US" b="1" dirty="0">
+                <a:solidFill>
+                  <a:srgbClr val="FF0000"/>
+                </a:solidFill>
+              </a:rPr>
+              <a:t>분석기</a:t>
+            </a:r>
+            <a:r>
+              <a:rPr kumimoji="1" lang="ko-KR" altLang="en-US" dirty="0"/>
+              <a:t>에서 </a:t>
+            </a:r>
+            <a:r>
+              <a:rPr kumimoji="1" lang="ko-KR" altLang="en-US" b="1" dirty="0">
+                <a:solidFill>
+                  <a:srgbClr val="FF0000"/>
+                </a:solidFill>
+              </a:rPr>
+              <a:t>폐기설비</a:t>
+            </a:r>
+            <a:r>
+              <a:rPr kumimoji="1" lang="ko-KR" altLang="en-US" dirty="0"/>
+              <a:t>로 이동</a:t>
+            </a:r>
+            <a:endParaRPr kumimoji="1" lang="en-US" altLang="ko-KR" dirty="0"/>
+          </a:p>
+        </p:txBody>
+      </p:sp>
+      <p:sp>
+        <p:nvSpPr>
+          <p:cNvPr id="5" name="호 4">
+            <a:extLst>
+              <a:ext uri="{FF2B5EF4-FFF2-40B4-BE49-F238E27FC236}">
+                <a16:creationId xmlns:a16="http://schemas.microsoft.com/office/drawing/2014/main" id="{B20CD12A-A420-A77C-2590-3A325D07BBF6}"/>
+              </a:ext>
+            </a:extLst>
+          </p:cNvPr>
+          <p:cNvSpPr/>
+          <p:nvPr/>
+        </p:nvSpPr>
+        <p:spPr>
+          <a:xfrm>
+            <a:off x="5621298" y="2295011"/>
+            <a:ext cx="914400" cy="2725885"/>
+          </a:xfrm>
+          <a:prstGeom prst="arc">
+            <a:avLst>
+              <a:gd name="adj1" fmla="val 14650009"/>
+              <a:gd name="adj2" fmla="val 7355272"/>
+            </a:avLst>
+          </a:prstGeom>
+          <a:ln>
+            <a:headEnd type="none" w="med" len="med"/>
+            <a:tailEnd type="triangle" w="med" len="med"/>
+          </a:ln>
+        </p:spPr>
+        <p:style>
+          <a:lnRef idx="2">
+            <a:schemeClr val="accent1"/>
+          </a:lnRef>
+          <a:fillRef idx="0">
+            <a:schemeClr val="accent1"/>
+          </a:fillRef>
+          <a:effectRef idx="1">
+            <a:schemeClr val="accent1"/>
+          </a:effectRef>
+          <a:fontRef idx="minor">
+            <a:schemeClr val="tx1"/>
+          </a:fontRef>
+        </p:style>
+        <p:txBody>
+          <a:bodyPr rtlCol="0" anchor="ctr"/>
+          <a:lstStyle/>
+          <a:p>
+            <a:pPr algn="ctr"/>
+            <a:endParaRPr kumimoji="1" lang="ko-KR" altLang="en-US"/>
+          </a:p>
+        </p:txBody>
+      </p:sp>
+      <p:sp>
+        <p:nvSpPr>
+          <p:cNvPr id="6" name="타원 5">
+            <a:extLst>
+              <a:ext uri="{FF2B5EF4-FFF2-40B4-BE49-F238E27FC236}">
+                <a16:creationId xmlns:a16="http://schemas.microsoft.com/office/drawing/2014/main" id="{AB982352-4ACD-F216-F6EB-7CDA1BB0C55D}"/>
+              </a:ext>
+            </a:extLst>
+          </p:cNvPr>
+          <p:cNvSpPr/>
+          <p:nvPr/>
+        </p:nvSpPr>
+        <p:spPr>
+          <a:xfrm>
+            <a:off x="7921493" y="1203745"/>
+            <a:ext cx="1132114" cy="1132114"/>
+          </a:xfrm>
+          <a:prstGeom prst="ellipse">
+            <a:avLst/>
+          </a:prstGeom>
+        </p:spPr>
+        <p:style>
+          <a:lnRef idx="2">
+            <a:schemeClr val="accent1">
+              <a:shade val="15000"/>
+            </a:schemeClr>
+          </a:lnRef>
+          <a:fillRef idx="1">
+            <a:schemeClr val="accent1"/>
+          </a:fillRef>
+          <a:effectRef idx="0">
+            <a:schemeClr val="accent1"/>
+          </a:effectRef>
+          <a:fontRef idx="minor">
+            <a:schemeClr val="lt1"/>
+          </a:fontRef>
+        </p:style>
+        <p:txBody>
+          <a:bodyPr wrap="none" rtlCol="0" anchor="ctr"/>
+          <a:lstStyle/>
+          <a:p>
+            <a:pPr algn="ctr"/>
+            <a:r>
+              <a:rPr kumimoji="1" lang="ko-KR" altLang="en-US" dirty="0"/>
+              <a:t>반출입기</a:t>
+            </a:r>
+          </a:p>
+        </p:txBody>
+      </p:sp>
+      <p:sp>
+        <p:nvSpPr>
+          <p:cNvPr id="7" name="타원 6">
+            <a:extLst>
+              <a:ext uri="{FF2B5EF4-FFF2-40B4-BE49-F238E27FC236}">
+                <a16:creationId xmlns:a16="http://schemas.microsoft.com/office/drawing/2014/main" id="{1956C48A-3A28-1E07-1691-99182D9C4518}"/>
+              </a:ext>
+            </a:extLst>
+          </p:cNvPr>
+          <p:cNvSpPr/>
+          <p:nvPr/>
+        </p:nvSpPr>
+        <p:spPr>
+          <a:xfrm>
+            <a:off x="7921493" y="2388578"/>
+            <a:ext cx="1132114" cy="1132114"/>
+          </a:xfrm>
+          <a:prstGeom prst="ellipse">
+            <a:avLst/>
+          </a:prstGeom>
+        </p:spPr>
+        <p:style>
+          <a:lnRef idx="2">
+            <a:schemeClr val="accent1">
+              <a:shade val="15000"/>
+            </a:schemeClr>
+          </a:lnRef>
+          <a:fillRef idx="1">
+            <a:schemeClr val="accent1"/>
+          </a:fillRef>
+          <a:effectRef idx="0">
+            <a:schemeClr val="accent1"/>
+          </a:effectRef>
+          <a:fontRef idx="minor">
+            <a:schemeClr val="lt1"/>
+          </a:fontRef>
+        </p:style>
+        <p:txBody>
+          <a:bodyPr wrap="none" rtlCol="0" anchor="ctr"/>
+          <a:lstStyle/>
+          <a:p>
+            <a:pPr algn="ctr"/>
+            <a:r>
+              <a:rPr kumimoji="1" lang="ko-KR" altLang="en-US" dirty="0"/>
+              <a:t>분석기</a:t>
+            </a:r>
+          </a:p>
+        </p:txBody>
+      </p:sp>
+      <p:sp>
+        <p:nvSpPr>
+          <p:cNvPr id="8" name="타원 7">
+            <a:extLst>
+              <a:ext uri="{FF2B5EF4-FFF2-40B4-BE49-F238E27FC236}">
+                <a16:creationId xmlns:a16="http://schemas.microsoft.com/office/drawing/2014/main" id="{49D4F0DF-9AA5-6726-8304-271932B4CD36}"/>
+              </a:ext>
+            </a:extLst>
+          </p:cNvPr>
+          <p:cNvSpPr/>
+          <p:nvPr/>
+        </p:nvSpPr>
+        <p:spPr>
+          <a:xfrm>
+            <a:off x="7921493" y="4758244"/>
+            <a:ext cx="1132114" cy="1132114"/>
+          </a:xfrm>
+          <a:prstGeom prst="ellipse">
+            <a:avLst/>
+          </a:prstGeom>
+        </p:spPr>
+        <p:style>
+          <a:lnRef idx="2">
+            <a:schemeClr val="accent1">
+              <a:shade val="15000"/>
+            </a:schemeClr>
+          </a:lnRef>
+          <a:fillRef idx="1">
+            <a:schemeClr val="accent1"/>
+          </a:fillRef>
+          <a:effectRef idx="0">
+            <a:schemeClr val="accent1"/>
+          </a:effectRef>
+          <a:fontRef idx="minor">
+            <a:schemeClr val="lt1"/>
+          </a:fontRef>
+        </p:style>
+        <p:txBody>
+          <a:bodyPr wrap="none" rtlCol="0" anchor="ctr"/>
+          <a:lstStyle/>
+          <a:p>
+            <a:pPr algn="ctr"/>
+            <a:r>
+              <a:rPr kumimoji="1" lang="ko-KR" altLang="en-US" dirty="0"/>
+              <a:t>폐기설비</a:t>
+            </a:r>
+          </a:p>
+        </p:txBody>
+      </p:sp>
+      <p:sp>
+        <p:nvSpPr>
+          <p:cNvPr id="9" name="타원 8">
+            <a:extLst>
+              <a:ext uri="{FF2B5EF4-FFF2-40B4-BE49-F238E27FC236}">
+                <a16:creationId xmlns:a16="http://schemas.microsoft.com/office/drawing/2014/main" id="{D97B48F4-68BA-3EEA-2341-5D8BFD089E77}"/>
+              </a:ext>
+            </a:extLst>
+          </p:cNvPr>
+          <p:cNvSpPr/>
+          <p:nvPr/>
+        </p:nvSpPr>
+        <p:spPr>
+          <a:xfrm>
+            <a:off x="7921493" y="3573411"/>
+            <a:ext cx="1132114" cy="1132114"/>
+          </a:xfrm>
+          <a:prstGeom prst="ellipse">
+            <a:avLst/>
+          </a:prstGeom>
+        </p:spPr>
+        <p:style>
+          <a:lnRef idx="2">
+            <a:schemeClr val="accent1">
+              <a:shade val="15000"/>
+            </a:schemeClr>
+          </a:lnRef>
+          <a:fillRef idx="1">
+            <a:schemeClr val="accent1"/>
+          </a:fillRef>
+          <a:effectRef idx="0">
+            <a:schemeClr val="accent1"/>
+          </a:effectRef>
+          <a:fontRef idx="minor">
+            <a:schemeClr val="lt1"/>
+          </a:fontRef>
+        </p:style>
+        <p:txBody>
+          <a:bodyPr wrap="none" rtlCol="0" anchor="ctr"/>
+          <a:lstStyle/>
+          <a:p>
+            <a:pPr algn="ctr"/>
+            <a:r>
+              <a:rPr kumimoji="1" lang="en-US" altLang="ko-KR" dirty="0"/>
+              <a:t>Stocker</a:t>
+            </a:r>
+            <a:endParaRPr kumimoji="1" lang="ko-KR" altLang="en-US" dirty="0"/>
+          </a:p>
+        </p:txBody>
+      </p:sp>
+      <p:cxnSp>
+        <p:nvCxnSpPr>
+          <p:cNvPr id="11" name="직선 화살표 연결선 10">
+            <a:extLst>
+              <a:ext uri="{FF2B5EF4-FFF2-40B4-BE49-F238E27FC236}">
+                <a16:creationId xmlns:a16="http://schemas.microsoft.com/office/drawing/2014/main" id="{C3703671-2FD6-0D30-086F-DCBE3E356F8B}"/>
+              </a:ext>
+            </a:extLst>
+          </p:cNvPr>
+          <p:cNvCxnSpPr>
+            <a:cxnSpLocks/>
+            <a:stCxn id="6" idx="2"/>
+          </p:cNvCxnSpPr>
+          <p:nvPr/>
+        </p:nvCxnSpPr>
+        <p:spPr>
+          <a:xfrm flipH="1">
+            <a:off x="6433457" y="1769802"/>
+            <a:ext cx="1488036" cy="768279"/>
+          </a:xfrm>
+          <a:prstGeom prst="straightConnector1">
+            <a:avLst/>
+          </a:prstGeom>
+          <a:ln>
+            <a:tailEnd type="triangle"/>
+          </a:ln>
+        </p:spPr>
+        <p:style>
+          <a:lnRef idx="2">
+            <a:schemeClr val="accent1"/>
+          </a:lnRef>
+          <a:fillRef idx="0">
+            <a:schemeClr val="accent1"/>
+          </a:fillRef>
+          <a:effectRef idx="1">
+            <a:schemeClr val="accent1"/>
+          </a:effectRef>
+          <a:fontRef idx="minor">
+            <a:schemeClr val="tx1"/>
+          </a:fontRef>
+        </p:style>
+      </p:cxnSp>
+      <p:cxnSp>
+        <p:nvCxnSpPr>
+          <p:cNvPr id="12" name="직선 화살표 연결선 11">
+            <a:extLst>
+              <a:ext uri="{FF2B5EF4-FFF2-40B4-BE49-F238E27FC236}">
+                <a16:creationId xmlns:a16="http://schemas.microsoft.com/office/drawing/2014/main" id="{741DE6C2-0329-8BFD-0972-19C834A58ADE}"/>
+              </a:ext>
+            </a:extLst>
+          </p:cNvPr>
+          <p:cNvCxnSpPr>
+            <a:cxnSpLocks/>
+            <a:stCxn id="7" idx="2"/>
+          </p:cNvCxnSpPr>
+          <p:nvPr/>
+        </p:nvCxnSpPr>
+        <p:spPr>
+          <a:xfrm flipH="1">
+            <a:off x="6564352" y="2954635"/>
+            <a:ext cx="1357141" cy="202222"/>
+          </a:xfrm>
+          <a:prstGeom prst="straightConnector1">
+            <a:avLst/>
+          </a:prstGeom>
+          <a:ln>
+            <a:tailEnd type="triangle"/>
+          </a:ln>
+        </p:spPr>
+        <p:style>
+          <a:lnRef idx="2">
+            <a:schemeClr val="accent1"/>
+          </a:lnRef>
+          <a:fillRef idx="0">
+            <a:schemeClr val="accent1"/>
+          </a:fillRef>
+          <a:effectRef idx="1">
+            <a:schemeClr val="accent1"/>
+          </a:effectRef>
+          <a:fontRef idx="minor">
+            <a:schemeClr val="tx1"/>
+          </a:fontRef>
+        </p:style>
+      </p:cxnSp>
+      <p:cxnSp>
+        <p:nvCxnSpPr>
+          <p:cNvPr id="15" name="직선 화살표 연결선 14">
+            <a:extLst>
+              <a:ext uri="{FF2B5EF4-FFF2-40B4-BE49-F238E27FC236}">
+                <a16:creationId xmlns:a16="http://schemas.microsoft.com/office/drawing/2014/main" id="{059F7D8F-C214-D600-FBD9-D16B5F454B3E}"/>
+              </a:ext>
+            </a:extLst>
+          </p:cNvPr>
+          <p:cNvCxnSpPr>
+            <a:cxnSpLocks/>
+            <a:stCxn id="9" idx="2"/>
+          </p:cNvCxnSpPr>
+          <p:nvPr/>
+        </p:nvCxnSpPr>
+        <p:spPr>
+          <a:xfrm flipH="1" flipV="1">
+            <a:off x="6564352" y="3913980"/>
+            <a:ext cx="1357141" cy="225488"/>
+          </a:xfrm>
+          <a:prstGeom prst="straightConnector1">
+            <a:avLst/>
+          </a:prstGeom>
+          <a:ln>
+            <a:tailEnd type="triangle"/>
+          </a:ln>
+        </p:spPr>
+        <p:style>
+          <a:lnRef idx="2">
+            <a:schemeClr val="accent1"/>
+          </a:lnRef>
+          <a:fillRef idx="0">
+            <a:schemeClr val="accent1"/>
+          </a:fillRef>
+          <a:effectRef idx="1">
+            <a:schemeClr val="accent1"/>
+          </a:effectRef>
+          <a:fontRef idx="minor">
+            <a:schemeClr val="tx1"/>
+          </a:fontRef>
+        </p:style>
+      </p:cxnSp>
+      <p:cxnSp>
+        <p:nvCxnSpPr>
+          <p:cNvPr id="18" name="직선 화살표 연결선 17">
+            <a:extLst>
+              <a:ext uri="{FF2B5EF4-FFF2-40B4-BE49-F238E27FC236}">
+                <a16:creationId xmlns:a16="http://schemas.microsoft.com/office/drawing/2014/main" id="{2A05B08A-67C1-2D22-6E16-AA43DC997151}"/>
+              </a:ext>
+            </a:extLst>
+          </p:cNvPr>
+          <p:cNvCxnSpPr>
+            <a:cxnSpLocks/>
+            <a:stCxn id="8" idx="2"/>
+          </p:cNvCxnSpPr>
+          <p:nvPr/>
+        </p:nvCxnSpPr>
+        <p:spPr>
+          <a:xfrm flipH="1" flipV="1">
+            <a:off x="6433457" y="4789425"/>
+            <a:ext cx="1488036" cy="534876"/>
+          </a:xfrm>
+          <a:prstGeom prst="straightConnector1">
+            <a:avLst/>
+          </a:prstGeom>
+          <a:ln>
+            <a:tailEnd type="triangle"/>
+          </a:ln>
+        </p:spPr>
+        <p:style>
+          <a:lnRef idx="2">
+            <a:schemeClr val="accent1"/>
+          </a:lnRef>
+          <a:fillRef idx="0">
+            <a:schemeClr val="accent1"/>
+          </a:fillRef>
+          <a:effectRef idx="1">
+            <a:schemeClr val="accent1"/>
+          </a:effectRef>
+          <a:fontRef idx="minor">
+            <a:schemeClr val="tx1"/>
+          </a:fontRef>
+        </p:style>
+      </p:cxnSp>
+      <p:sp>
+        <p:nvSpPr>
+          <p:cNvPr id="22" name="TextBox 21">
+            <a:extLst>
+              <a:ext uri="{FF2B5EF4-FFF2-40B4-BE49-F238E27FC236}">
+                <a16:creationId xmlns:a16="http://schemas.microsoft.com/office/drawing/2014/main" id="{26BB613E-0174-5150-BE3B-2FB4ECF493E9}"/>
+              </a:ext>
+            </a:extLst>
+          </p:cNvPr>
+          <p:cNvSpPr txBox="1"/>
+          <p:nvPr/>
+        </p:nvSpPr>
+        <p:spPr>
+          <a:xfrm>
+            <a:off x="6535698" y="1631285"/>
+            <a:ext cx="1107997" cy="369332"/>
           </a:xfrm>
           <a:prstGeom prst="rect">
             <a:avLst/>
@@ -10844,28 +11736,404 @@
           </a:bodyPr>
           <a:lstStyle/>
           <a:p>
-            <a:pPr marL="285750" indent="-285750">
-              <a:buFont typeface="Wingdings" pitchFamily="2" charset="2"/>
-              <a:buChar char="l"/>
-            </a:pPr>
-            <a:r>
-              <a:rPr kumimoji="1" lang="en-US" altLang="ko-KR" dirty="0"/>
-              <a:t>No Pack</a:t>
-            </a:r>
-          </a:p>
-          <a:p>
-            <a:pPr marL="285750" indent="-285750">
-              <a:buFont typeface="Wingdings" pitchFamily="2" charset="2"/>
-              <a:buChar char="l"/>
-            </a:pPr>
-            <a:r>
-              <a:rPr kumimoji="1" lang="ko-KR" altLang="en-US" dirty="0"/>
-              <a:t>개별 </a:t>
-            </a:r>
-            <a:r>
-              <a:rPr kumimoji="1" lang="en-US" altLang="ko-KR" dirty="0"/>
-              <a:t>Bottles</a:t>
-            </a:r>
+            <a:pPr algn="ctr"/>
+            <a:r>
+              <a:rPr kumimoji="1" lang="ko-KR" altLang="en-US" b="1" dirty="0">
+                <a:solidFill>
+                  <a:srgbClr val="FF0000"/>
+                </a:solidFill>
+              </a:rPr>
+              <a:t>실병투입</a:t>
+            </a:r>
+          </a:p>
+        </p:txBody>
+      </p:sp>
+      <p:sp>
+        <p:nvSpPr>
+          <p:cNvPr id="23" name="TextBox 22">
+            <a:extLst>
+              <a:ext uri="{FF2B5EF4-FFF2-40B4-BE49-F238E27FC236}">
+                <a16:creationId xmlns:a16="http://schemas.microsoft.com/office/drawing/2014/main" id="{380975C9-AFD7-9B02-0193-B68D8F327ED9}"/>
+              </a:ext>
+            </a:extLst>
+          </p:cNvPr>
+          <p:cNvSpPr txBox="1"/>
+          <p:nvPr/>
+        </p:nvSpPr>
+        <p:spPr>
+          <a:xfrm>
+            <a:off x="6623476" y="2662803"/>
+            <a:ext cx="1107997" cy="369332"/>
+          </a:xfrm>
+          <a:prstGeom prst="rect">
+            <a:avLst/>
+          </a:prstGeom>
+          <a:noFill/>
+        </p:spPr>
+        <p:txBody>
+          <a:bodyPr wrap="none" rtlCol="0">
+            <a:spAutoFit/>
+          </a:bodyPr>
+          <a:lstStyle/>
+          <a:p>
+            <a:pPr algn="ctr"/>
+            <a:r>
+              <a:rPr kumimoji="1" lang="ko-KR" altLang="en-US" b="1" dirty="0">
+                <a:solidFill>
+                  <a:srgbClr val="FF0000"/>
+                </a:solidFill>
+              </a:rPr>
+              <a:t>분석완료</a:t>
+            </a:r>
+          </a:p>
+        </p:txBody>
+      </p:sp>
+      <p:sp>
+        <p:nvSpPr>
+          <p:cNvPr id="24" name="TextBox 23">
+            <a:extLst>
+              <a:ext uri="{FF2B5EF4-FFF2-40B4-BE49-F238E27FC236}">
+                <a16:creationId xmlns:a16="http://schemas.microsoft.com/office/drawing/2014/main" id="{A925C847-A9A1-F440-09A9-AC8F1E804B27}"/>
+              </a:ext>
+            </a:extLst>
+          </p:cNvPr>
+          <p:cNvSpPr txBox="1"/>
+          <p:nvPr/>
+        </p:nvSpPr>
+        <p:spPr>
+          <a:xfrm>
+            <a:off x="6688924" y="3603809"/>
+            <a:ext cx="1107997" cy="369332"/>
+          </a:xfrm>
+          <a:prstGeom prst="rect">
+            <a:avLst/>
+          </a:prstGeom>
+          <a:noFill/>
+        </p:spPr>
+        <p:txBody>
+          <a:bodyPr wrap="none" rtlCol="0">
+            <a:spAutoFit/>
+          </a:bodyPr>
+          <a:lstStyle/>
+          <a:p>
+            <a:pPr algn="ctr"/>
+            <a:r>
+              <a:rPr kumimoji="1" lang="ko-KR" altLang="en-US" i="1" dirty="0">
+                <a:solidFill>
+                  <a:srgbClr val="0070C0"/>
+                </a:solidFill>
+              </a:rPr>
+              <a:t>재검실행</a:t>
+            </a:r>
+          </a:p>
+        </p:txBody>
+      </p:sp>
+      <p:sp>
+        <p:nvSpPr>
+          <p:cNvPr id="25" name="TextBox 24">
+            <a:extLst>
+              <a:ext uri="{FF2B5EF4-FFF2-40B4-BE49-F238E27FC236}">
+                <a16:creationId xmlns:a16="http://schemas.microsoft.com/office/drawing/2014/main" id="{5668C4F3-02B9-DA6C-C34F-C257F54452FA}"/>
+              </a:ext>
+            </a:extLst>
+          </p:cNvPr>
+          <p:cNvSpPr txBox="1"/>
+          <p:nvPr/>
+        </p:nvSpPr>
+        <p:spPr>
+          <a:xfrm>
+            <a:off x="6754372" y="4544815"/>
+            <a:ext cx="1107997" cy="369332"/>
+          </a:xfrm>
+          <a:prstGeom prst="rect">
+            <a:avLst/>
+          </a:prstGeom>
+          <a:noFill/>
+        </p:spPr>
+        <p:txBody>
+          <a:bodyPr wrap="none" rtlCol="0">
+            <a:spAutoFit/>
+          </a:bodyPr>
+          <a:lstStyle/>
+          <a:p>
+            <a:pPr algn="ctr"/>
+            <a:r>
+              <a:rPr kumimoji="1" lang="ko-KR" altLang="en-US" b="1" dirty="0">
+                <a:solidFill>
+                  <a:srgbClr val="FF0000"/>
+                </a:solidFill>
+              </a:rPr>
+              <a:t>폐기완료</a:t>
+            </a:r>
+          </a:p>
+        </p:txBody>
+      </p:sp>
+      <p:sp>
+        <p:nvSpPr>
+          <p:cNvPr id="10" name="직사각형 9">
+            <a:extLst>
+              <a:ext uri="{FF2B5EF4-FFF2-40B4-BE49-F238E27FC236}">
+                <a16:creationId xmlns:a16="http://schemas.microsoft.com/office/drawing/2014/main" id="{3A7C2532-FB38-2E78-9B74-F7E151D6F5EC}"/>
+              </a:ext>
+            </a:extLst>
+          </p:cNvPr>
+          <p:cNvSpPr/>
+          <p:nvPr/>
+        </p:nvSpPr>
+        <p:spPr>
+          <a:xfrm>
+            <a:off x="7456713" y="3573411"/>
+            <a:ext cx="1807029" cy="2413732"/>
+          </a:xfrm>
+          <a:prstGeom prst="rect">
+            <a:avLst/>
+          </a:prstGeom>
+          <a:solidFill>
+            <a:srgbClr val="FFFFFF">
+              <a:alpha val="80000"/>
+            </a:srgbClr>
+          </a:solidFill>
+          <a:ln>
+            <a:noFill/>
+          </a:ln>
+        </p:spPr>
+        <p:style>
+          <a:lnRef idx="2">
+            <a:schemeClr val="accent1">
+              <a:shade val="15000"/>
+            </a:schemeClr>
+          </a:lnRef>
+          <a:fillRef idx="1">
+            <a:schemeClr val="accent1"/>
+          </a:fillRef>
+          <a:effectRef idx="0">
+            <a:schemeClr val="accent1"/>
+          </a:effectRef>
+          <a:fontRef idx="minor">
+            <a:schemeClr val="lt1"/>
+          </a:fontRef>
+        </p:style>
+        <p:txBody>
+          <a:bodyPr wrap="none" rtlCol="0" anchor="ctr"/>
+          <a:lstStyle/>
+          <a:p>
+            <a:pPr algn="ctr"/>
+            <a:endParaRPr kumimoji="1" lang="ko-KR" altLang="en-US" dirty="0"/>
+          </a:p>
+        </p:txBody>
+      </p:sp>
+      <p:sp>
+        <p:nvSpPr>
+          <p:cNvPr id="13" name="직사각형 12">
+            <a:extLst>
+              <a:ext uri="{FF2B5EF4-FFF2-40B4-BE49-F238E27FC236}">
+                <a16:creationId xmlns:a16="http://schemas.microsoft.com/office/drawing/2014/main" id="{2A7C56FA-1D47-6F12-9F5D-843A93EEAE79}"/>
+              </a:ext>
+            </a:extLst>
+          </p:cNvPr>
+          <p:cNvSpPr/>
+          <p:nvPr/>
+        </p:nvSpPr>
+        <p:spPr>
+          <a:xfrm>
+            <a:off x="6564352" y="3520169"/>
+            <a:ext cx="892361" cy="2413732"/>
+          </a:xfrm>
+          <a:prstGeom prst="rect">
+            <a:avLst/>
+          </a:prstGeom>
+          <a:solidFill>
+            <a:srgbClr val="FFFFFF">
+              <a:alpha val="80000"/>
+            </a:srgbClr>
+          </a:solidFill>
+          <a:ln>
+            <a:noFill/>
+          </a:ln>
+        </p:spPr>
+        <p:style>
+          <a:lnRef idx="2">
+            <a:schemeClr val="accent1">
+              <a:shade val="15000"/>
+            </a:schemeClr>
+          </a:lnRef>
+          <a:fillRef idx="1">
+            <a:schemeClr val="accent1"/>
+          </a:fillRef>
+          <a:effectRef idx="0">
+            <a:schemeClr val="accent1"/>
+          </a:effectRef>
+          <a:fontRef idx="minor">
+            <a:schemeClr val="lt1"/>
+          </a:fontRef>
+        </p:style>
+        <p:txBody>
+          <a:bodyPr wrap="none" rtlCol="0" anchor="ctr"/>
+          <a:lstStyle/>
+          <a:p>
+            <a:pPr algn="ctr"/>
+            <a:endParaRPr kumimoji="1" lang="ko-KR" altLang="en-US" dirty="0"/>
+          </a:p>
+        </p:txBody>
+      </p:sp>
+      <p:sp>
+        <p:nvSpPr>
+          <p:cNvPr id="14" name="직사각형 13">
+            <a:extLst>
+              <a:ext uri="{FF2B5EF4-FFF2-40B4-BE49-F238E27FC236}">
+                <a16:creationId xmlns:a16="http://schemas.microsoft.com/office/drawing/2014/main" id="{8CC9FA45-0CF1-6F55-5439-F1665D4C8D17}"/>
+              </a:ext>
+            </a:extLst>
+          </p:cNvPr>
+          <p:cNvSpPr/>
+          <p:nvPr/>
+        </p:nvSpPr>
+        <p:spPr>
+          <a:xfrm flipH="1">
+            <a:off x="6414165" y="4705525"/>
+            <a:ext cx="150187" cy="559981"/>
+          </a:xfrm>
+          <a:prstGeom prst="rect">
+            <a:avLst/>
+          </a:prstGeom>
+          <a:solidFill>
+            <a:srgbClr val="FFFFFF">
+              <a:alpha val="80000"/>
+            </a:srgbClr>
+          </a:solidFill>
+          <a:ln>
+            <a:noFill/>
+          </a:ln>
+        </p:spPr>
+        <p:style>
+          <a:lnRef idx="2">
+            <a:schemeClr val="accent1">
+              <a:shade val="15000"/>
+            </a:schemeClr>
+          </a:lnRef>
+          <a:fillRef idx="1">
+            <a:schemeClr val="accent1"/>
+          </a:fillRef>
+          <a:effectRef idx="0">
+            <a:schemeClr val="accent1"/>
+          </a:effectRef>
+          <a:fontRef idx="minor">
+            <a:schemeClr val="lt1"/>
+          </a:fontRef>
+        </p:style>
+        <p:txBody>
+          <a:bodyPr wrap="none" rtlCol="0" anchor="ctr"/>
+          <a:lstStyle/>
+          <a:p>
+            <a:pPr algn="ctr"/>
+            <a:endParaRPr kumimoji="1" lang="ko-KR" altLang="en-US" dirty="0"/>
+          </a:p>
+        </p:txBody>
+      </p:sp>
+      <p:sp>
+        <p:nvSpPr>
+          <p:cNvPr id="16" name="직사각형 15">
+            <a:extLst>
+              <a:ext uri="{FF2B5EF4-FFF2-40B4-BE49-F238E27FC236}">
+                <a16:creationId xmlns:a16="http://schemas.microsoft.com/office/drawing/2014/main" id="{087F9A14-8D8D-D6BB-6AC9-88554CBEC566}"/>
+              </a:ext>
+            </a:extLst>
+          </p:cNvPr>
+          <p:cNvSpPr/>
+          <p:nvPr/>
+        </p:nvSpPr>
+        <p:spPr>
+          <a:xfrm>
+            <a:off x="6414166" y="1012678"/>
+            <a:ext cx="2761932" cy="1338257"/>
+          </a:xfrm>
+          <a:prstGeom prst="rect">
+            <a:avLst/>
+          </a:prstGeom>
+          <a:solidFill>
+            <a:srgbClr val="FFFFFF">
+              <a:alpha val="80000"/>
+            </a:srgbClr>
+          </a:solidFill>
+          <a:ln>
+            <a:noFill/>
+          </a:ln>
+        </p:spPr>
+        <p:style>
+          <a:lnRef idx="2">
+            <a:schemeClr val="accent1">
+              <a:shade val="15000"/>
+            </a:schemeClr>
+          </a:lnRef>
+          <a:fillRef idx="1">
+            <a:schemeClr val="accent1"/>
+          </a:fillRef>
+          <a:effectRef idx="0">
+            <a:schemeClr val="accent1"/>
+          </a:effectRef>
+          <a:fontRef idx="minor">
+            <a:schemeClr val="lt1"/>
+          </a:fontRef>
+        </p:style>
+        <p:txBody>
+          <a:bodyPr wrap="none" rtlCol="0" anchor="ctr"/>
+          <a:lstStyle/>
+          <a:p>
+            <a:pPr algn="ctr"/>
+            <a:endParaRPr kumimoji="1" lang="ko-KR" altLang="en-US" dirty="0"/>
+          </a:p>
+        </p:txBody>
+      </p:sp>
+      <p:sp>
+        <p:nvSpPr>
+          <p:cNvPr id="17" name="직사각형 16">
+            <a:extLst>
+              <a:ext uri="{FF2B5EF4-FFF2-40B4-BE49-F238E27FC236}">
+                <a16:creationId xmlns:a16="http://schemas.microsoft.com/office/drawing/2014/main" id="{A458752E-BEFB-EF4F-C259-AE2D0F0ABB01}"/>
+              </a:ext>
+            </a:extLst>
+          </p:cNvPr>
+          <p:cNvSpPr/>
+          <p:nvPr/>
+        </p:nvSpPr>
+        <p:spPr>
+          <a:xfrm>
+            <a:off x="6457990" y="2335859"/>
+            <a:ext cx="535455" cy="328796"/>
+          </a:xfrm>
+          <a:prstGeom prst="rect">
+            <a:avLst/>
+          </a:prstGeom>
+          <a:solidFill>
+            <a:srgbClr val="FFFFFF">
+              <a:alpha val="80000"/>
+            </a:srgbClr>
+          </a:solidFill>
+          <a:ln>
+            <a:noFill/>
+          </a:ln>
+        </p:spPr>
+        <p:style>
+          <a:lnRef idx="2">
+            <a:schemeClr val="accent1">
+              <a:shade val="15000"/>
+            </a:schemeClr>
+          </a:lnRef>
+          <a:fillRef idx="1">
+            <a:schemeClr val="accent1"/>
+          </a:fillRef>
+          <a:effectRef idx="0">
+            <a:schemeClr val="accent1"/>
+          </a:effectRef>
+          <a:fontRef idx="minor">
+            <a:schemeClr val="lt1"/>
+          </a:fontRef>
+        </p:style>
+        <p:txBody>
+          <a:bodyPr wrap="none" rtlCol="0" anchor="ctr"/>
+          <a:lstStyle/>
+          <a:p>
+            <a:pPr algn="ctr"/>
             <a:endParaRPr kumimoji="1" lang="ko-KR" altLang="en-US" dirty="0"/>
           </a:p>
         </p:txBody>
@@ -10873,7 +12141,7 @@
     </p:spTree>
     <p:extLst>
       <p:ext uri="{BB962C8B-B14F-4D97-AF65-F5344CB8AC3E}">
-        <p14:creationId xmlns:p14="http://schemas.microsoft.com/office/powerpoint/2010/main" val="1975535796"/>
+        <p14:creationId xmlns:p14="http://schemas.microsoft.com/office/powerpoint/2010/main" val="685374803"/>
       </p:ext>
     </p:extLst>
   </p:cSld>
@@ -10905,7 +12173,7 @@
           <p:cNvPr id="2" name="제목 1">
             <a:extLst>
               <a:ext uri="{FF2B5EF4-FFF2-40B4-BE49-F238E27FC236}">
-                <a16:creationId xmlns:a16="http://schemas.microsoft.com/office/drawing/2014/main" id="{848F61B5-40C6-1F59-A8DC-C3CBB48F093D}"/>
+                <a16:creationId xmlns:a16="http://schemas.microsoft.com/office/drawing/2014/main" id="{CE37E7E9-F3DB-1E9F-3E06-671D5CE03719}"/>
               </a:ext>
             </a:extLst>
           </p:cNvPr>
@@ -10923,15 +12191,11 @@
           <a:p>
             <a:r>
               <a:rPr kumimoji="1" lang="en-US" altLang="ko-KR" dirty="0"/>
-              <a:t>Pack Scenario</a:t>
-            </a:r>
-            <a:r>
-              <a:rPr kumimoji="1" lang="ko-KR" altLang="en-US" dirty="0"/>
-              <a:t> </a:t>
-            </a:r>
-            <a:r>
-              <a:rPr kumimoji="1" lang="en-US" altLang="ko-KR" dirty="0"/>
-              <a:t>#2</a:t>
+              <a:t>Realtime Events from Stocker to </a:t>
+            </a:r>
+            <a:r>
+              <a:rPr kumimoji="1" lang="en-US" altLang="ko-KR" dirty="0" err="1"/>
+              <a:t>MoMa</a:t>
             </a:r>
             <a:endParaRPr kumimoji="1" lang="ko-KR" altLang="en-US" dirty="0"/>
           </a:p>
@@ -10939,10 +12203,10 @@
       </p:sp>
       <p:pic>
         <p:nvPicPr>
-          <p:cNvPr id="10" name="그림 9">
-            <a:extLst>
-              <a:ext uri="{FF2B5EF4-FFF2-40B4-BE49-F238E27FC236}">
-                <a16:creationId xmlns:a16="http://schemas.microsoft.com/office/drawing/2014/main" id="{E2F4ED31-DD67-9DC6-460B-AAD6FAD589A7}"/>
+          <p:cNvPr id="3" name="그림 2">
+            <a:extLst>
+              <a:ext uri="{FF2B5EF4-FFF2-40B4-BE49-F238E27FC236}">
+                <a16:creationId xmlns:a16="http://schemas.microsoft.com/office/drawing/2014/main" id="{78245034-EE28-E352-3417-334C83EF5FE4}"/>
               </a:ext>
             </a:extLst>
           </p:cNvPr>
@@ -10959,8 +12223,8 @@
         </p:blipFill>
         <p:spPr>
           <a:xfrm>
-            <a:off x="1898119" y="2281089"/>
-            <a:ext cx="1432910" cy="2295821"/>
+            <a:off x="5054975" y="2765208"/>
+            <a:ext cx="943054" cy="1510969"/>
           </a:xfrm>
           <a:prstGeom prst="rect">
             <a:avLst/>
@@ -10969,10 +12233,10 @@
       </p:pic>
       <p:sp>
         <p:nvSpPr>
-          <p:cNvPr id="12" name="TextBox 11">
-            <a:extLst>
-              <a:ext uri="{FF2B5EF4-FFF2-40B4-BE49-F238E27FC236}">
-                <a16:creationId xmlns:a16="http://schemas.microsoft.com/office/drawing/2014/main" id="{22F9667E-59CB-0ABB-4EE2-EBB5D1DEF3EB}"/>
+          <p:cNvPr id="4" name="TextBox 3">
+            <a:extLst>
+              <a:ext uri="{FF2B5EF4-FFF2-40B4-BE49-F238E27FC236}">
+                <a16:creationId xmlns:a16="http://schemas.microsoft.com/office/drawing/2014/main" id="{CAB68C7C-33CF-14FF-AD9E-6FCD8C1472B0}"/>
               </a:ext>
             </a:extLst>
           </p:cNvPr>
@@ -10981,8 +12245,598 @@
         </p:nvSpPr>
         <p:spPr>
           <a:xfrm>
-            <a:off x="3478641" y="3105833"/>
-            <a:ext cx="1125886" cy="369332"/>
+            <a:off x="413961" y="2986938"/>
+            <a:ext cx="4924361" cy="1342034"/>
+          </a:xfrm>
+          <a:prstGeom prst="rect">
+            <a:avLst/>
+          </a:prstGeom>
+          <a:noFill/>
+        </p:spPr>
+        <p:txBody>
+          <a:bodyPr wrap="none" rtlCol="0" anchor="ctr">
+            <a:spAutoFit/>
+          </a:bodyPr>
+          <a:lstStyle/>
+          <a:p>
+            <a:pPr marL="342900" indent="-342900">
+              <a:lnSpc>
+                <a:spcPct val="150000"/>
+              </a:lnSpc>
+              <a:buFont typeface="+mj-lt"/>
+              <a:buAutoNum type="arabicParenR"/>
+            </a:pPr>
+            <a:r>
+              <a:rPr kumimoji="1" lang="ko-KR" altLang="en-US" b="1" dirty="0">
+                <a:solidFill>
+                  <a:srgbClr val="FF0000"/>
+                </a:solidFill>
+              </a:rPr>
+              <a:t>재검병</a:t>
+            </a:r>
+            <a:r>
+              <a:rPr kumimoji="1" lang="ko-KR" altLang="en-US" dirty="0"/>
+              <a:t>을 </a:t>
+            </a:r>
+            <a:r>
+              <a:rPr kumimoji="1" lang="en-US" altLang="ko-KR" b="1" dirty="0">
+                <a:solidFill>
+                  <a:srgbClr val="FF0000"/>
+                </a:solidFill>
+              </a:rPr>
+              <a:t>Stocker</a:t>
+            </a:r>
+            <a:r>
+              <a:rPr kumimoji="1" lang="ko-KR" altLang="en-US" dirty="0"/>
+              <a:t>에서 </a:t>
+            </a:r>
+            <a:r>
+              <a:rPr kumimoji="1" lang="ko-KR" altLang="en-US" b="1" dirty="0">
+                <a:solidFill>
+                  <a:srgbClr val="FF0000"/>
+                </a:solidFill>
+              </a:rPr>
+              <a:t>분석기</a:t>
+            </a:r>
+            <a:r>
+              <a:rPr kumimoji="1" lang="ko-KR" altLang="en-US" dirty="0"/>
+              <a:t>로 이동</a:t>
+            </a:r>
+            <a:endParaRPr kumimoji="1" lang="en-US" altLang="ko-KR" dirty="0"/>
+          </a:p>
+          <a:p>
+            <a:pPr marL="342900" indent="-342900">
+              <a:lnSpc>
+                <a:spcPct val="150000"/>
+              </a:lnSpc>
+              <a:buFont typeface="+mj-lt"/>
+              <a:buAutoNum type="arabicParenR"/>
+            </a:pPr>
+            <a:r>
+              <a:rPr kumimoji="1" lang="ko-KR" altLang="en-US" sz="2000" b="1" dirty="0">
+                <a:solidFill>
+                  <a:srgbClr val="FF0000"/>
+                </a:solidFill>
+              </a:rPr>
+              <a:t>재검병</a:t>
+            </a:r>
+            <a:r>
+              <a:rPr kumimoji="1" lang="ko-KR" altLang="en-US" sz="2000" dirty="0"/>
+              <a:t>을 </a:t>
+            </a:r>
+            <a:r>
+              <a:rPr kumimoji="1" lang="en-US" altLang="ko-KR" sz="2000" b="1" dirty="0">
+                <a:solidFill>
+                  <a:srgbClr val="FF0000"/>
+                </a:solidFill>
+              </a:rPr>
+              <a:t>Stocker</a:t>
+            </a:r>
+            <a:r>
+              <a:rPr kumimoji="1" lang="ko-KR" altLang="en-US" sz="2000" dirty="0"/>
+              <a:t>에서 </a:t>
+            </a:r>
+            <a:r>
+              <a:rPr kumimoji="1" lang="ko-KR" altLang="en-US" sz="2000" b="1" dirty="0">
+                <a:solidFill>
+                  <a:srgbClr val="FF0000"/>
+                </a:solidFill>
+              </a:rPr>
+              <a:t>폐기설비</a:t>
+            </a:r>
+            <a:r>
+              <a:rPr kumimoji="1" lang="ko-KR" altLang="en-US" sz="2000" dirty="0"/>
+              <a:t>로 이동</a:t>
+            </a:r>
+            <a:endParaRPr kumimoji="1" lang="en-US" altLang="ko-KR" sz="2000" b="1" i="1" dirty="0">
+              <a:solidFill>
+                <a:srgbClr val="0070C0"/>
+              </a:solidFill>
+            </a:endParaRPr>
+          </a:p>
+          <a:p>
+            <a:pPr marL="342900" indent="-342900">
+              <a:lnSpc>
+                <a:spcPct val="150000"/>
+              </a:lnSpc>
+              <a:buFont typeface="+mj-lt"/>
+              <a:buAutoNum type="arabicParenR"/>
+            </a:pPr>
+            <a:r>
+              <a:rPr kumimoji="1" lang="ko-KR" altLang="en-US" b="1" dirty="0" err="1">
+                <a:solidFill>
+                  <a:srgbClr val="FF0000"/>
+                </a:solidFill>
+              </a:rPr>
+              <a:t>빈병</a:t>
+            </a:r>
+            <a:r>
+              <a:rPr kumimoji="1" lang="ko-KR" altLang="en-US" dirty="0" err="1"/>
+              <a:t>을</a:t>
+            </a:r>
+            <a:r>
+              <a:rPr kumimoji="1" lang="ko-KR" altLang="en-US" dirty="0"/>
+              <a:t> </a:t>
+            </a:r>
+            <a:r>
+              <a:rPr kumimoji="1" lang="en-US" altLang="ko-KR" b="1" dirty="0">
+                <a:solidFill>
+                  <a:srgbClr val="FF0000"/>
+                </a:solidFill>
+              </a:rPr>
+              <a:t>Stocker</a:t>
+            </a:r>
+            <a:r>
+              <a:rPr kumimoji="1" lang="ko-KR" altLang="en-US" dirty="0"/>
+              <a:t>에서 </a:t>
+            </a:r>
+            <a:r>
+              <a:rPr kumimoji="1" lang="ko-KR" altLang="en-US" b="1" dirty="0">
+                <a:solidFill>
+                  <a:srgbClr val="FF0000"/>
+                </a:solidFill>
+              </a:rPr>
+              <a:t>반출입기</a:t>
+            </a:r>
+            <a:r>
+              <a:rPr kumimoji="1" lang="ko-KR" altLang="en-US" dirty="0"/>
+              <a:t>로 이동</a:t>
+            </a:r>
+          </a:p>
+        </p:txBody>
+      </p:sp>
+      <p:sp>
+        <p:nvSpPr>
+          <p:cNvPr id="5" name="호 4">
+            <a:extLst>
+              <a:ext uri="{FF2B5EF4-FFF2-40B4-BE49-F238E27FC236}">
+                <a16:creationId xmlns:a16="http://schemas.microsoft.com/office/drawing/2014/main" id="{B20CD12A-A420-A77C-2590-3A325D07BBF6}"/>
+              </a:ext>
+            </a:extLst>
+          </p:cNvPr>
+          <p:cNvSpPr/>
+          <p:nvPr/>
+        </p:nvSpPr>
+        <p:spPr>
+          <a:xfrm>
+            <a:off x="5621298" y="2295011"/>
+            <a:ext cx="914400" cy="2725885"/>
+          </a:xfrm>
+          <a:prstGeom prst="arc">
+            <a:avLst>
+              <a:gd name="adj1" fmla="val 14650009"/>
+              <a:gd name="adj2" fmla="val 7355272"/>
+            </a:avLst>
+          </a:prstGeom>
+          <a:ln>
+            <a:headEnd type="none" w="med" len="med"/>
+            <a:tailEnd type="triangle" w="med" len="med"/>
+          </a:ln>
+        </p:spPr>
+        <p:style>
+          <a:lnRef idx="2">
+            <a:schemeClr val="accent1"/>
+          </a:lnRef>
+          <a:fillRef idx="0">
+            <a:schemeClr val="accent1"/>
+          </a:fillRef>
+          <a:effectRef idx="1">
+            <a:schemeClr val="accent1"/>
+          </a:effectRef>
+          <a:fontRef idx="minor">
+            <a:schemeClr val="tx1"/>
+          </a:fontRef>
+        </p:style>
+        <p:txBody>
+          <a:bodyPr rtlCol="0" anchor="ctr"/>
+          <a:lstStyle/>
+          <a:p>
+            <a:pPr algn="ctr"/>
+            <a:endParaRPr kumimoji="1" lang="ko-KR" altLang="en-US"/>
+          </a:p>
+        </p:txBody>
+      </p:sp>
+      <p:sp>
+        <p:nvSpPr>
+          <p:cNvPr id="6" name="타원 5">
+            <a:extLst>
+              <a:ext uri="{FF2B5EF4-FFF2-40B4-BE49-F238E27FC236}">
+                <a16:creationId xmlns:a16="http://schemas.microsoft.com/office/drawing/2014/main" id="{AB982352-4ACD-F216-F6EB-7CDA1BB0C55D}"/>
+              </a:ext>
+            </a:extLst>
+          </p:cNvPr>
+          <p:cNvSpPr/>
+          <p:nvPr/>
+        </p:nvSpPr>
+        <p:spPr>
+          <a:xfrm>
+            <a:off x="7921493" y="1203745"/>
+            <a:ext cx="1132114" cy="1132114"/>
+          </a:xfrm>
+          <a:prstGeom prst="ellipse">
+            <a:avLst/>
+          </a:prstGeom>
+        </p:spPr>
+        <p:style>
+          <a:lnRef idx="2">
+            <a:schemeClr val="accent1">
+              <a:shade val="15000"/>
+            </a:schemeClr>
+          </a:lnRef>
+          <a:fillRef idx="1">
+            <a:schemeClr val="accent1"/>
+          </a:fillRef>
+          <a:effectRef idx="0">
+            <a:schemeClr val="accent1"/>
+          </a:effectRef>
+          <a:fontRef idx="minor">
+            <a:schemeClr val="lt1"/>
+          </a:fontRef>
+        </p:style>
+        <p:txBody>
+          <a:bodyPr wrap="none" rtlCol="0" anchor="ctr"/>
+          <a:lstStyle/>
+          <a:p>
+            <a:pPr algn="ctr"/>
+            <a:r>
+              <a:rPr kumimoji="1" lang="ko-KR" altLang="en-US" dirty="0"/>
+              <a:t>반출입기</a:t>
+            </a:r>
+          </a:p>
+        </p:txBody>
+      </p:sp>
+      <p:sp>
+        <p:nvSpPr>
+          <p:cNvPr id="7" name="타원 6">
+            <a:extLst>
+              <a:ext uri="{FF2B5EF4-FFF2-40B4-BE49-F238E27FC236}">
+                <a16:creationId xmlns:a16="http://schemas.microsoft.com/office/drawing/2014/main" id="{1956C48A-3A28-1E07-1691-99182D9C4518}"/>
+              </a:ext>
+            </a:extLst>
+          </p:cNvPr>
+          <p:cNvSpPr/>
+          <p:nvPr/>
+        </p:nvSpPr>
+        <p:spPr>
+          <a:xfrm>
+            <a:off x="7921493" y="2388578"/>
+            <a:ext cx="1132114" cy="1132114"/>
+          </a:xfrm>
+          <a:prstGeom prst="ellipse">
+            <a:avLst/>
+          </a:prstGeom>
+        </p:spPr>
+        <p:style>
+          <a:lnRef idx="2">
+            <a:schemeClr val="accent1">
+              <a:shade val="15000"/>
+            </a:schemeClr>
+          </a:lnRef>
+          <a:fillRef idx="1">
+            <a:schemeClr val="accent1"/>
+          </a:fillRef>
+          <a:effectRef idx="0">
+            <a:schemeClr val="accent1"/>
+          </a:effectRef>
+          <a:fontRef idx="minor">
+            <a:schemeClr val="lt1"/>
+          </a:fontRef>
+        </p:style>
+        <p:txBody>
+          <a:bodyPr wrap="none" rtlCol="0" anchor="ctr"/>
+          <a:lstStyle/>
+          <a:p>
+            <a:pPr algn="ctr"/>
+            <a:r>
+              <a:rPr kumimoji="1" lang="ko-KR" altLang="en-US" dirty="0"/>
+              <a:t>분석기</a:t>
+            </a:r>
+          </a:p>
+        </p:txBody>
+      </p:sp>
+      <p:sp>
+        <p:nvSpPr>
+          <p:cNvPr id="8" name="타원 7">
+            <a:extLst>
+              <a:ext uri="{FF2B5EF4-FFF2-40B4-BE49-F238E27FC236}">
+                <a16:creationId xmlns:a16="http://schemas.microsoft.com/office/drawing/2014/main" id="{49D4F0DF-9AA5-6726-8304-271932B4CD36}"/>
+              </a:ext>
+            </a:extLst>
+          </p:cNvPr>
+          <p:cNvSpPr/>
+          <p:nvPr/>
+        </p:nvSpPr>
+        <p:spPr>
+          <a:xfrm>
+            <a:off x="7921493" y="4758244"/>
+            <a:ext cx="1132114" cy="1132114"/>
+          </a:xfrm>
+          <a:prstGeom prst="ellipse">
+            <a:avLst/>
+          </a:prstGeom>
+        </p:spPr>
+        <p:style>
+          <a:lnRef idx="2">
+            <a:schemeClr val="accent1">
+              <a:shade val="15000"/>
+            </a:schemeClr>
+          </a:lnRef>
+          <a:fillRef idx="1">
+            <a:schemeClr val="accent1"/>
+          </a:fillRef>
+          <a:effectRef idx="0">
+            <a:schemeClr val="accent1"/>
+          </a:effectRef>
+          <a:fontRef idx="minor">
+            <a:schemeClr val="lt1"/>
+          </a:fontRef>
+        </p:style>
+        <p:txBody>
+          <a:bodyPr wrap="none" rtlCol="0" anchor="ctr"/>
+          <a:lstStyle/>
+          <a:p>
+            <a:pPr algn="ctr"/>
+            <a:r>
+              <a:rPr kumimoji="1" lang="ko-KR" altLang="en-US" dirty="0"/>
+              <a:t>폐기설비</a:t>
+            </a:r>
+          </a:p>
+        </p:txBody>
+      </p:sp>
+      <p:sp>
+        <p:nvSpPr>
+          <p:cNvPr id="9" name="타원 8">
+            <a:extLst>
+              <a:ext uri="{FF2B5EF4-FFF2-40B4-BE49-F238E27FC236}">
+                <a16:creationId xmlns:a16="http://schemas.microsoft.com/office/drawing/2014/main" id="{D97B48F4-68BA-3EEA-2341-5D8BFD089E77}"/>
+              </a:ext>
+            </a:extLst>
+          </p:cNvPr>
+          <p:cNvSpPr/>
+          <p:nvPr/>
+        </p:nvSpPr>
+        <p:spPr>
+          <a:xfrm>
+            <a:off x="7921493" y="3573411"/>
+            <a:ext cx="1132114" cy="1132114"/>
+          </a:xfrm>
+          <a:prstGeom prst="ellipse">
+            <a:avLst/>
+          </a:prstGeom>
+        </p:spPr>
+        <p:style>
+          <a:lnRef idx="2">
+            <a:schemeClr val="accent1">
+              <a:shade val="15000"/>
+            </a:schemeClr>
+          </a:lnRef>
+          <a:fillRef idx="1">
+            <a:schemeClr val="accent1"/>
+          </a:fillRef>
+          <a:effectRef idx="0">
+            <a:schemeClr val="accent1"/>
+          </a:effectRef>
+          <a:fontRef idx="minor">
+            <a:schemeClr val="lt1"/>
+          </a:fontRef>
+        </p:style>
+        <p:txBody>
+          <a:bodyPr wrap="none" rtlCol="0" anchor="ctr"/>
+          <a:lstStyle/>
+          <a:p>
+            <a:pPr algn="ctr"/>
+            <a:r>
+              <a:rPr kumimoji="1" lang="en-US" altLang="ko-KR" dirty="0"/>
+              <a:t>Stocker</a:t>
+            </a:r>
+            <a:endParaRPr kumimoji="1" lang="ko-KR" altLang="en-US" dirty="0"/>
+          </a:p>
+        </p:txBody>
+      </p:sp>
+      <p:cxnSp>
+        <p:nvCxnSpPr>
+          <p:cNvPr id="11" name="직선 화살표 연결선 10">
+            <a:extLst>
+              <a:ext uri="{FF2B5EF4-FFF2-40B4-BE49-F238E27FC236}">
+                <a16:creationId xmlns:a16="http://schemas.microsoft.com/office/drawing/2014/main" id="{C3703671-2FD6-0D30-086F-DCBE3E356F8B}"/>
+              </a:ext>
+            </a:extLst>
+          </p:cNvPr>
+          <p:cNvCxnSpPr>
+            <a:cxnSpLocks/>
+            <a:stCxn id="6" idx="2"/>
+          </p:cNvCxnSpPr>
+          <p:nvPr/>
+        </p:nvCxnSpPr>
+        <p:spPr>
+          <a:xfrm flipH="1">
+            <a:off x="6433457" y="1769802"/>
+            <a:ext cx="1488036" cy="768279"/>
+          </a:xfrm>
+          <a:prstGeom prst="straightConnector1">
+            <a:avLst/>
+          </a:prstGeom>
+          <a:ln>
+            <a:tailEnd type="triangle"/>
+          </a:ln>
+        </p:spPr>
+        <p:style>
+          <a:lnRef idx="2">
+            <a:schemeClr val="accent1"/>
+          </a:lnRef>
+          <a:fillRef idx="0">
+            <a:schemeClr val="accent1"/>
+          </a:fillRef>
+          <a:effectRef idx="1">
+            <a:schemeClr val="accent1"/>
+          </a:effectRef>
+          <a:fontRef idx="minor">
+            <a:schemeClr val="tx1"/>
+          </a:fontRef>
+        </p:style>
+      </p:cxnSp>
+      <p:cxnSp>
+        <p:nvCxnSpPr>
+          <p:cNvPr id="12" name="직선 화살표 연결선 11">
+            <a:extLst>
+              <a:ext uri="{FF2B5EF4-FFF2-40B4-BE49-F238E27FC236}">
+                <a16:creationId xmlns:a16="http://schemas.microsoft.com/office/drawing/2014/main" id="{741DE6C2-0329-8BFD-0972-19C834A58ADE}"/>
+              </a:ext>
+            </a:extLst>
+          </p:cNvPr>
+          <p:cNvCxnSpPr>
+            <a:cxnSpLocks/>
+            <a:stCxn id="7" idx="2"/>
+          </p:cNvCxnSpPr>
+          <p:nvPr/>
+        </p:nvCxnSpPr>
+        <p:spPr>
+          <a:xfrm flipH="1">
+            <a:off x="6564352" y="2954635"/>
+            <a:ext cx="1357141" cy="202222"/>
+          </a:xfrm>
+          <a:prstGeom prst="straightConnector1">
+            <a:avLst/>
+          </a:prstGeom>
+          <a:ln>
+            <a:tailEnd type="triangle"/>
+          </a:ln>
+        </p:spPr>
+        <p:style>
+          <a:lnRef idx="2">
+            <a:schemeClr val="accent1"/>
+          </a:lnRef>
+          <a:fillRef idx="0">
+            <a:schemeClr val="accent1"/>
+          </a:fillRef>
+          <a:effectRef idx="1">
+            <a:schemeClr val="accent1"/>
+          </a:effectRef>
+          <a:fontRef idx="minor">
+            <a:schemeClr val="tx1"/>
+          </a:fontRef>
+        </p:style>
+      </p:cxnSp>
+      <p:cxnSp>
+        <p:nvCxnSpPr>
+          <p:cNvPr id="15" name="직선 화살표 연결선 14">
+            <a:extLst>
+              <a:ext uri="{FF2B5EF4-FFF2-40B4-BE49-F238E27FC236}">
+                <a16:creationId xmlns:a16="http://schemas.microsoft.com/office/drawing/2014/main" id="{059F7D8F-C214-D600-FBD9-D16B5F454B3E}"/>
+              </a:ext>
+            </a:extLst>
+          </p:cNvPr>
+          <p:cNvCxnSpPr>
+            <a:cxnSpLocks/>
+            <a:stCxn id="9" idx="2"/>
+          </p:cNvCxnSpPr>
+          <p:nvPr/>
+        </p:nvCxnSpPr>
+        <p:spPr>
+          <a:xfrm flipH="1" flipV="1">
+            <a:off x="6564352" y="3913980"/>
+            <a:ext cx="1357141" cy="225488"/>
+          </a:xfrm>
+          <a:prstGeom prst="straightConnector1">
+            <a:avLst/>
+          </a:prstGeom>
+          <a:ln>
+            <a:tailEnd type="triangle"/>
+          </a:ln>
+        </p:spPr>
+        <p:style>
+          <a:lnRef idx="2">
+            <a:schemeClr val="accent1"/>
+          </a:lnRef>
+          <a:fillRef idx="0">
+            <a:schemeClr val="accent1"/>
+          </a:fillRef>
+          <a:effectRef idx="1">
+            <a:schemeClr val="accent1"/>
+          </a:effectRef>
+          <a:fontRef idx="minor">
+            <a:schemeClr val="tx1"/>
+          </a:fontRef>
+        </p:style>
+      </p:cxnSp>
+      <p:cxnSp>
+        <p:nvCxnSpPr>
+          <p:cNvPr id="18" name="직선 화살표 연결선 17">
+            <a:extLst>
+              <a:ext uri="{FF2B5EF4-FFF2-40B4-BE49-F238E27FC236}">
+                <a16:creationId xmlns:a16="http://schemas.microsoft.com/office/drawing/2014/main" id="{2A05B08A-67C1-2D22-6E16-AA43DC997151}"/>
+              </a:ext>
+            </a:extLst>
+          </p:cNvPr>
+          <p:cNvCxnSpPr>
+            <a:cxnSpLocks/>
+            <a:stCxn id="8" idx="2"/>
+          </p:cNvCxnSpPr>
+          <p:nvPr/>
+        </p:nvCxnSpPr>
+        <p:spPr>
+          <a:xfrm flipH="1" flipV="1">
+            <a:off x="6433457" y="4789425"/>
+            <a:ext cx="1488036" cy="534876"/>
+          </a:xfrm>
+          <a:prstGeom prst="straightConnector1">
+            <a:avLst/>
+          </a:prstGeom>
+          <a:ln>
+            <a:tailEnd type="triangle"/>
+          </a:ln>
+        </p:spPr>
+        <p:style>
+          <a:lnRef idx="2">
+            <a:schemeClr val="accent1"/>
+          </a:lnRef>
+          <a:fillRef idx="0">
+            <a:schemeClr val="accent1"/>
+          </a:fillRef>
+          <a:effectRef idx="1">
+            <a:schemeClr val="accent1"/>
+          </a:effectRef>
+          <a:fontRef idx="minor">
+            <a:schemeClr val="tx1"/>
+          </a:fontRef>
+        </p:style>
+      </p:cxnSp>
+      <p:sp>
+        <p:nvSpPr>
+          <p:cNvPr id="22" name="TextBox 21">
+            <a:extLst>
+              <a:ext uri="{FF2B5EF4-FFF2-40B4-BE49-F238E27FC236}">
+                <a16:creationId xmlns:a16="http://schemas.microsoft.com/office/drawing/2014/main" id="{26BB613E-0174-5150-BE3B-2FB4ECF493E9}"/>
+              </a:ext>
+            </a:extLst>
+          </p:cNvPr>
+          <p:cNvSpPr txBox="1"/>
+          <p:nvPr/>
+        </p:nvSpPr>
+        <p:spPr>
+          <a:xfrm>
+            <a:off x="6535698" y="1631285"/>
+            <a:ext cx="1107997" cy="369332"/>
           </a:xfrm>
           <a:prstGeom prst="rect">
             <a:avLst/>
@@ -10995,21 +12849,358 @@
           </a:bodyPr>
           <a:lstStyle/>
           <a:p>
-            <a:pPr marL="285750" indent="-285750">
-              <a:buFont typeface="Wingdings" pitchFamily="2" charset="2"/>
-              <a:buChar char="l"/>
-            </a:pPr>
-            <a:r>
-              <a:rPr kumimoji="1" lang="en-US" altLang="ko-KR" dirty="0"/>
-              <a:t>1 Pack</a:t>
-            </a:r>
+            <a:pPr algn="ctr"/>
+            <a:r>
+              <a:rPr kumimoji="1" lang="ko-KR" altLang="en-US" b="1" dirty="0">
+                <a:solidFill>
+                  <a:srgbClr val="FF0000"/>
+                </a:solidFill>
+              </a:rPr>
+              <a:t>실병투입</a:t>
+            </a:r>
+          </a:p>
+        </p:txBody>
+      </p:sp>
+      <p:sp>
+        <p:nvSpPr>
+          <p:cNvPr id="23" name="TextBox 22">
+            <a:extLst>
+              <a:ext uri="{FF2B5EF4-FFF2-40B4-BE49-F238E27FC236}">
+                <a16:creationId xmlns:a16="http://schemas.microsoft.com/office/drawing/2014/main" id="{380975C9-AFD7-9B02-0193-B68D8F327ED9}"/>
+              </a:ext>
+            </a:extLst>
+          </p:cNvPr>
+          <p:cNvSpPr txBox="1"/>
+          <p:nvPr/>
+        </p:nvSpPr>
+        <p:spPr>
+          <a:xfrm>
+            <a:off x="6623476" y="2662803"/>
+            <a:ext cx="1107997" cy="369332"/>
+          </a:xfrm>
+          <a:prstGeom prst="rect">
+            <a:avLst/>
+          </a:prstGeom>
+          <a:noFill/>
+        </p:spPr>
+        <p:txBody>
+          <a:bodyPr wrap="none" rtlCol="0">
+            <a:spAutoFit/>
+          </a:bodyPr>
+          <a:lstStyle/>
+          <a:p>
+            <a:pPr algn="ctr"/>
+            <a:r>
+              <a:rPr kumimoji="1" lang="ko-KR" altLang="en-US" b="1" dirty="0">
+                <a:solidFill>
+                  <a:srgbClr val="FF0000"/>
+                </a:solidFill>
+              </a:rPr>
+              <a:t>분석완료</a:t>
+            </a:r>
+          </a:p>
+        </p:txBody>
+      </p:sp>
+      <p:sp>
+        <p:nvSpPr>
+          <p:cNvPr id="24" name="TextBox 23">
+            <a:extLst>
+              <a:ext uri="{FF2B5EF4-FFF2-40B4-BE49-F238E27FC236}">
+                <a16:creationId xmlns:a16="http://schemas.microsoft.com/office/drawing/2014/main" id="{A925C847-A9A1-F440-09A9-AC8F1E804B27}"/>
+              </a:ext>
+            </a:extLst>
+          </p:cNvPr>
+          <p:cNvSpPr txBox="1"/>
+          <p:nvPr/>
+        </p:nvSpPr>
+        <p:spPr>
+          <a:xfrm>
+            <a:off x="6688924" y="3603809"/>
+            <a:ext cx="1107997" cy="369332"/>
+          </a:xfrm>
+          <a:prstGeom prst="rect">
+            <a:avLst/>
+          </a:prstGeom>
+          <a:noFill/>
+        </p:spPr>
+        <p:txBody>
+          <a:bodyPr wrap="none" rtlCol="0">
+            <a:spAutoFit/>
+          </a:bodyPr>
+          <a:lstStyle/>
+          <a:p>
+            <a:pPr algn="ctr"/>
+            <a:r>
+              <a:rPr kumimoji="1" lang="ko-KR" altLang="en-US" i="1" dirty="0">
+                <a:solidFill>
+                  <a:srgbClr val="0070C0"/>
+                </a:solidFill>
+              </a:rPr>
+              <a:t>재검실행</a:t>
+            </a:r>
+          </a:p>
+        </p:txBody>
+      </p:sp>
+      <p:sp>
+        <p:nvSpPr>
+          <p:cNvPr id="25" name="TextBox 24">
+            <a:extLst>
+              <a:ext uri="{FF2B5EF4-FFF2-40B4-BE49-F238E27FC236}">
+                <a16:creationId xmlns:a16="http://schemas.microsoft.com/office/drawing/2014/main" id="{5668C4F3-02B9-DA6C-C34F-C257F54452FA}"/>
+              </a:ext>
+            </a:extLst>
+          </p:cNvPr>
+          <p:cNvSpPr txBox="1"/>
+          <p:nvPr/>
+        </p:nvSpPr>
+        <p:spPr>
+          <a:xfrm>
+            <a:off x="6754372" y="4544815"/>
+            <a:ext cx="1107997" cy="369332"/>
+          </a:xfrm>
+          <a:prstGeom prst="rect">
+            <a:avLst/>
+          </a:prstGeom>
+          <a:noFill/>
+        </p:spPr>
+        <p:txBody>
+          <a:bodyPr wrap="none" rtlCol="0">
+            <a:spAutoFit/>
+          </a:bodyPr>
+          <a:lstStyle/>
+          <a:p>
+            <a:pPr algn="ctr"/>
+            <a:r>
+              <a:rPr kumimoji="1" lang="ko-KR" altLang="en-US" b="1" dirty="0">
+                <a:solidFill>
+                  <a:srgbClr val="FF0000"/>
+                </a:solidFill>
+              </a:rPr>
+              <a:t>폐기완료</a:t>
+            </a:r>
+          </a:p>
+        </p:txBody>
+      </p:sp>
+      <p:sp>
+        <p:nvSpPr>
+          <p:cNvPr id="10" name="직사각형 9">
+            <a:extLst>
+              <a:ext uri="{FF2B5EF4-FFF2-40B4-BE49-F238E27FC236}">
+                <a16:creationId xmlns:a16="http://schemas.microsoft.com/office/drawing/2014/main" id="{4201831F-8C8C-794C-2F4F-E53C35660128}"/>
+              </a:ext>
+            </a:extLst>
+          </p:cNvPr>
+          <p:cNvSpPr/>
+          <p:nvPr/>
+        </p:nvSpPr>
+        <p:spPr>
+          <a:xfrm>
+            <a:off x="6564352" y="1099457"/>
+            <a:ext cx="2634077" cy="2421235"/>
+          </a:xfrm>
+          <a:prstGeom prst="rect">
+            <a:avLst/>
+          </a:prstGeom>
+          <a:solidFill>
+            <a:srgbClr val="FFFFFF">
+              <a:alpha val="80000"/>
+            </a:srgbClr>
+          </a:solidFill>
+          <a:ln>
+            <a:noFill/>
+          </a:ln>
+        </p:spPr>
+        <p:style>
+          <a:lnRef idx="2">
+            <a:schemeClr val="accent1">
+              <a:shade val="15000"/>
+            </a:schemeClr>
+          </a:lnRef>
+          <a:fillRef idx="1">
+            <a:schemeClr val="accent1"/>
+          </a:fillRef>
+          <a:effectRef idx="0">
+            <a:schemeClr val="accent1"/>
+          </a:effectRef>
+          <a:fontRef idx="minor">
+            <a:schemeClr val="lt1"/>
+          </a:fontRef>
+        </p:style>
+        <p:txBody>
+          <a:bodyPr wrap="none" rtlCol="0" anchor="ctr"/>
+          <a:lstStyle/>
+          <a:p>
+            <a:pPr algn="ctr"/>
+            <a:endParaRPr kumimoji="1" lang="ko-KR" altLang="en-US" dirty="0"/>
+          </a:p>
+        </p:txBody>
+      </p:sp>
+      <p:sp>
+        <p:nvSpPr>
+          <p:cNvPr id="13" name="직사각형 12">
+            <a:extLst>
+              <a:ext uri="{FF2B5EF4-FFF2-40B4-BE49-F238E27FC236}">
+                <a16:creationId xmlns:a16="http://schemas.microsoft.com/office/drawing/2014/main" id="{633BCBBA-E43A-A484-CC15-C92F730895C6}"/>
+              </a:ext>
+            </a:extLst>
+          </p:cNvPr>
+          <p:cNvSpPr/>
+          <p:nvPr/>
+        </p:nvSpPr>
+        <p:spPr>
+          <a:xfrm>
+            <a:off x="7796920" y="4758244"/>
+            <a:ext cx="1401509" cy="1190837"/>
+          </a:xfrm>
+          <a:prstGeom prst="rect">
+            <a:avLst/>
+          </a:prstGeom>
+          <a:solidFill>
+            <a:srgbClr val="FFFFFF">
+              <a:alpha val="80000"/>
+            </a:srgbClr>
+          </a:solidFill>
+          <a:ln>
+            <a:noFill/>
+          </a:ln>
+        </p:spPr>
+        <p:style>
+          <a:lnRef idx="2">
+            <a:schemeClr val="accent1">
+              <a:shade val="15000"/>
+            </a:schemeClr>
+          </a:lnRef>
+          <a:fillRef idx="1">
+            <a:schemeClr val="accent1"/>
+          </a:fillRef>
+          <a:effectRef idx="0">
+            <a:schemeClr val="accent1"/>
+          </a:effectRef>
+          <a:fontRef idx="minor">
+            <a:schemeClr val="lt1"/>
+          </a:fontRef>
+        </p:style>
+        <p:txBody>
+          <a:bodyPr wrap="none" rtlCol="0" anchor="ctr"/>
+          <a:lstStyle/>
+          <a:p>
+            <a:pPr algn="ctr"/>
+            <a:endParaRPr kumimoji="1" lang="ko-KR" altLang="en-US" dirty="0"/>
+          </a:p>
+        </p:txBody>
+      </p:sp>
+      <p:sp>
+        <p:nvSpPr>
+          <p:cNvPr id="14" name="직사각형 13">
+            <a:extLst>
+              <a:ext uri="{FF2B5EF4-FFF2-40B4-BE49-F238E27FC236}">
+                <a16:creationId xmlns:a16="http://schemas.microsoft.com/office/drawing/2014/main" id="{2FE23771-F863-2D5D-5D4F-5A44CBB297E3}"/>
+              </a:ext>
+            </a:extLst>
+          </p:cNvPr>
+          <p:cNvSpPr/>
+          <p:nvPr/>
+        </p:nvSpPr>
+        <p:spPr>
+          <a:xfrm>
+            <a:off x="6460860" y="4544815"/>
+            <a:ext cx="1315812" cy="892635"/>
+          </a:xfrm>
+          <a:prstGeom prst="rect">
+            <a:avLst/>
+          </a:prstGeom>
+          <a:solidFill>
+            <a:srgbClr val="FFFFFF">
+              <a:alpha val="80000"/>
+            </a:srgbClr>
+          </a:solidFill>
+          <a:ln>
+            <a:noFill/>
+          </a:ln>
+        </p:spPr>
+        <p:style>
+          <a:lnRef idx="2">
+            <a:schemeClr val="accent1">
+              <a:shade val="15000"/>
+            </a:schemeClr>
+          </a:lnRef>
+          <a:fillRef idx="1">
+            <a:schemeClr val="accent1"/>
+          </a:fillRef>
+          <a:effectRef idx="0">
+            <a:schemeClr val="accent1"/>
+          </a:effectRef>
+          <a:fontRef idx="minor">
+            <a:schemeClr val="lt1"/>
+          </a:fontRef>
+        </p:style>
+        <p:txBody>
+          <a:bodyPr wrap="none" rtlCol="0" anchor="ctr"/>
+          <a:lstStyle/>
+          <a:p>
+            <a:pPr algn="ctr"/>
+            <a:endParaRPr kumimoji="1" lang="ko-KR" altLang="en-US" dirty="0"/>
+          </a:p>
+        </p:txBody>
+      </p:sp>
+      <p:sp>
+        <p:nvSpPr>
+          <p:cNvPr id="16" name="직사각형 15">
+            <a:extLst>
+              <a:ext uri="{FF2B5EF4-FFF2-40B4-BE49-F238E27FC236}">
+                <a16:creationId xmlns:a16="http://schemas.microsoft.com/office/drawing/2014/main" id="{13CDCA1D-B3B0-74CD-494E-9AF25569039C}"/>
+              </a:ext>
+            </a:extLst>
+          </p:cNvPr>
+          <p:cNvSpPr/>
+          <p:nvPr/>
+        </p:nvSpPr>
+        <p:spPr>
+          <a:xfrm flipH="1">
+            <a:off x="6433456" y="2271479"/>
+            <a:ext cx="104832" cy="418901"/>
+          </a:xfrm>
+          <a:prstGeom prst="rect">
+            <a:avLst/>
+          </a:prstGeom>
+          <a:solidFill>
+            <a:srgbClr val="FFFFFF">
+              <a:alpha val="80000"/>
+            </a:srgbClr>
+          </a:solidFill>
+          <a:ln>
+            <a:noFill/>
+          </a:ln>
+        </p:spPr>
+        <p:style>
+          <a:lnRef idx="2">
+            <a:schemeClr val="accent1">
+              <a:shade val="15000"/>
+            </a:schemeClr>
+          </a:lnRef>
+          <a:fillRef idx="1">
+            <a:schemeClr val="accent1"/>
+          </a:fillRef>
+          <a:effectRef idx="0">
+            <a:schemeClr val="accent1"/>
+          </a:effectRef>
+          <a:fontRef idx="minor">
+            <a:schemeClr val="lt1"/>
+          </a:fontRef>
+        </p:style>
+        <p:txBody>
+          <a:bodyPr wrap="none" rtlCol="0" anchor="ctr"/>
+          <a:lstStyle/>
+          <a:p>
+            <a:pPr algn="ctr"/>
+            <a:endParaRPr kumimoji="1" lang="ko-KR" altLang="en-US" dirty="0"/>
           </a:p>
         </p:txBody>
       </p:sp>
     </p:spTree>
     <p:extLst>
       <p:ext uri="{BB962C8B-B14F-4D97-AF65-F5344CB8AC3E}">
-        <p14:creationId xmlns:p14="http://schemas.microsoft.com/office/powerpoint/2010/main" val="1692057448"/>
+        <p14:creationId xmlns:p14="http://schemas.microsoft.com/office/powerpoint/2010/main" val="4272083738"/>
       </p:ext>
     </p:extLst>
   </p:cSld>
@@ -11041,7 +13232,7 @@
           <p:cNvPr id="2" name="제목 1">
             <a:extLst>
               <a:ext uri="{FF2B5EF4-FFF2-40B4-BE49-F238E27FC236}">
-                <a16:creationId xmlns:a16="http://schemas.microsoft.com/office/drawing/2014/main" id="{848F61B5-40C6-1F59-A8DC-C3CBB48F093D}"/>
+                <a16:creationId xmlns:a16="http://schemas.microsoft.com/office/drawing/2014/main" id="{CE37E7E9-F3DB-1E9F-3E06-671D5CE03719}"/>
               </a:ext>
             </a:extLst>
           </p:cNvPr>
@@ -11059,15 +13250,19 @@
           <a:p>
             <a:r>
               <a:rPr kumimoji="1" lang="en-US" altLang="ko-KR" dirty="0"/>
-              <a:t>Pack Scenario</a:t>
+              <a:t>Realtime Events from </a:t>
             </a:r>
             <a:r>
               <a:rPr kumimoji="1" lang="ko-KR" altLang="en-US" dirty="0"/>
-              <a:t> </a:t>
+              <a:t>폐기설비 </a:t>
             </a:r>
             <a:r>
               <a:rPr kumimoji="1" lang="en-US" altLang="ko-KR" dirty="0"/>
-              <a:t>#3</a:t>
+              <a:t>to </a:t>
+            </a:r>
+            <a:r>
+              <a:rPr kumimoji="1" lang="en-US" altLang="ko-KR" dirty="0" err="1"/>
+              <a:t>MoMa</a:t>
             </a:r>
             <a:endParaRPr kumimoji="1" lang="ko-KR" altLang="en-US" dirty="0"/>
           </a:p>
@@ -11075,10 +13270,10 @@
       </p:sp>
       <p:pic>
         <p:nvPicPr>
-          <p:cNvPr id="10" name="그림 9">
-            <a:extLst>
-              <a:ext uri="{FF2B5EF4-FFF2-40B4-BE49-F238E27FC236}">
-                <a16:creationId xmlns:a16="http://schemas.microsoft.com/office/drawing/2014/main" id="{E2F4ED31-DD67-9DC6-460B-AAD6FAD589A7}"/>
+          <p:cNvPr id="3" name="그림 2">
+            <a:extLst>
+              <a:ext uri="{FF2B5EF4-FFF2-40B4-BE49-F238E27FC236}">
+                <a16:creationId xmlns:a16="http://schemas.microsoft.com/office/drawing/2014/main" id="{78245034-EE28-E352-3417-334C83EF5FE4}"/>
               </a:ext>
             </a:extLst>
           </p:cNvPr>
@@ -11095,8 +13290,8 @@
         </p:blipFill>
         <p:spPr>
           <a:xfrm>
-            <a:off x="1898119" y="2281089"/>
-            <a:ext cx="1432910" cy="2295821"/>
+            <a:off x="5054975" y="2765208"/>
+            <a:ext cx="943054" cy="1510969"/>
           </a:xfrm>
           <a:prstGeom prst="rect">
             <a:avLst/>
@@ -11105,10 +13300,10 @@
       </p:pic>
       <p:sp>
         <p:nvSpPr>
-          <p:cNvPr id="12" name="TextBox 11">
-            <a:extLst>
-              <a:ext uri="{FF2B5EF4-FFF2-40B4-BE49-F238E27FC236}">
-                <a16:creationId xmlns:a16="http://schemas.microsoft.com/office/drawing/2014/main" id="{22F9667E-59CB-0ABB-4EE2-EBB5D1DEF3EB}"/>
+          <p:cNvPr id="4" name="TextBox 3">
+            <a:extLst>
+              <a:ext uri="{FF2B5EF4-FFF2-40B4-BE49-F238E27FC236}">
+                <a16:creationId xmlns:a16="http://schemas.microsoft.com/office/drawing/2014/main" id="{CAB68C7C-33CF-14FF-AD9E-6FCD8C1472B0}"/>
               </a:ext>
             </a:extLst>
           </p:cNvPr>
@@ -11117,8 +13312,553 @@
         </p:nvSpPr>
         <p:spPr>
           <a:xfrm>
-            <a:off x="3478641" y="3105833"/>
-            <a:ext cx="1249316" cy="369332"/>
+            <a:off x="413961" y="3216262"/>
+            <a:ext cx="4363695" cy="883383"/>
+          </a:xfrm>
+          <a:prstGeom prst="rect">
+            <a:avLst/>
+          </a:prstGeom>
+          <a:noFill/>
+        </p:spPr>
+        <p:txBody>
+          <a:bodyPr wrap="none" rtlCol="0" anchor="ctr">
+            <a:spAutoFit/>
+          </a:bodyPr>
+          <a:lstStyle/>
+          <a:p>
+            <a:pPr marL="342900" indent="-342900">
+              <a:lnSpc>
+                <a:spcPct val="150000"/>
+              </a:lnSpc>
+              <a:buFont typeface="+mj-lt"/>
+              <a:buAutoNum type="arabicParenR"/>
+            </a:pPr>
+            <a:r>
+              <a:rPr kumimoji="1" lang="ko-KR" altLang="en-US" b="1" dirty="0" err="1">
+                <a:solidFill>
+                  <a:srgbClr val="FF0000"/>
+                </a:solidFill>
+              </a:rPr>
+              <a:t>빈병</a:t>
+            </a:r>
+            <a:r>
+              <a:rPr kumimoji="1" lang="ko-KR" altLang="en-US" dirty="0" err="1"/>
+              <a:t>을</a:t>
+            </a:r>
+            <a:r>
+              <a:rPr kumimoji="1" lang="ko-KR" altLang="en-US" dirty="0"/>
+              <a:t> </a:t>
+            </a:r>
+            <a:r>
+              <a:rPr kumimoji="1" lang="ko-KR" altLang="en-US" b="1" dirty="0">
+                <a:solidFill>
+                  <a:srgbClr val="FF0000"/>
+                </a:solidFill>
+              </a:rPr>
+              <a:t>폐기설비</a:t>
+            </a:r>
+            <a:r>
+              <a:rPr kumimoji="1" lang="ko-KR" altLang="en-US" dirty="0"/>
+              <a:t>에서 </a:t>
+            </a:r>
+            <a:r>
+              <a:rPr kumimoji="1" lang="ko-KR" altLang="en-US" b="1" dirty="0">
+                <a:solidFill>
+                  <a:srgbClr val="FF0000"/>
+                </a:solidFill>
+              </a:rPr>
+              <a:t>반출입기</a:t>
+            </a:r>
+            <a:r>
+              <a:rPr kumimoji="1" lang="ko-KR" altLang="en-US" dirty="0"/>
+              <a:t>로 이동</a:t>
+            </a:r>
+            <a:endParaRPr kumimoji="1" lang="en-US" altLang="ko-KR" dirty="0"/>
+          </a:p>
+          <a:p>
+            <a:pPr marL="342900" indent="-342900">
+              <a:lnSpc>
+                <a:spcPct val="150000"/>
+              </a:lnSpc>
+              <a:buFont typeface="+mj-lt"/>
+              <a:buAutoNum type="arabicParenR"/>
+            </a:pPr>
+            <a:r>
+              <a:rPr kumimoji="1" lang="ko-KR" altLang="en-US" b="1" dirty="0" err="1">
+                <a:solidFill>
+                  <a:srgbClr val="FF0000"/>
+                </a:solidFill>
+              </a:rPr>
+              <a:t>빈병</a:t>
+            </a:r>
+            <a:r>
+              <a:rPr kumimoji="1" lang="ko-KR" altLang="en-US" dirty="0" err="1"/>
+              <a:t>을</a:t>
+            </a:r>
+            <a:r>
+              <a:rPr kumimoji="1" lang="ko-KR" altLang="en-US" dirty="0"/>
+              <a:t> </a:t>
+            </a:r>
+            <a:r>
+              <a:rPr kumimoji="1" lang="ko-KR" altLang="en-US" b="1" dirty="0">
+                <a:solidFill>
+                  <a:srgbClr val="FF0000"/>
+                </a:solidFill>
+              </a:rPr>
+              <a:t>폐기설비</a:t>
+            </a:r>
+            <a:r>
+              <a:rPr kumimoji="1" lang="ko-KR" altLang="en-US" dirty="0"/>
+              <a:t>에서 </a:t>
+            </a:r>
+            <a:r>
+              <a:rPr kumimoji="1" lang="en-US" altLang="ko-KR" b="1" dirty="0">
+                <a:solidFill>
+                  <a:srgbClr val="FF0000"/>
+                </a:solidFill>
+              </a:rPr>
+              <a:t>Stocker</a:t>
+            </a:r>
+            <a:r>
+              <a:rPr kumimoji="1" lang="ko-KR" altLang="en-US" dirty="0"/>
+              <a:t>로 이동</a:t>
+            </a:r>
+            <a:endParaRPr kumimoji="1" lang="en-US" altLang="ko-KR" dirty="0"/>
+          </a:p>
+        </p:txBody>
+      </p:sp>
+      <p:sp>
+        <p:nvSpPr>
+          <p:cNvPr id="5" name="호 4">
+            <a:extLst>
+              <a:ext uri="{FF2B5EF4-FFF2-40B4-BE49-F238E27FC236}">
+                <a16:creationId xmlns:a16="http://schemas.microsoft.com/office/drawing/2014/main" id="{B20CD12A-A420-A77C-2590-3A325D07BBF6}"/>
+              </a:ext>
+            </a:extLst>
+          </p:cNvPr>
+          <p:cNvSpPr/>
+          <p:nvPr/>
+        </p:nvSpPr>
+        <p:spPr>
+          <a:xfrm>
+            <a:off x="5621298" y="2295011"/>
+            <a:ext cx="914400" cy="2725885"/>
+          </a:xfrm>
+          <a:prstGeom prst="arc">
+            <a:avLst>
+              <a:gd name="adj1" fmla="val 14650009"/>
+              <a:gd name="adj2" fmla="val 7355272"/>
+            </a:avLst>
+          </a:prstGeom>
+          <a:ln>
+            <a:headEnd type="none" w="med" len="med"/>
+            <a:tailEnd type="triangle" w="med" len="med"/>
+          </a:ln>
+        </p:spPr>
+        <p:style>
+          <a:lnRef idx="2">
+            <a:schemeClr val="accent1"/>
+          </a:lnRef>
+          <a:fillRef idx="0">
+            <a:schemeClr val="accent1"/>
+          </a:fillRef>
+          <a:effectRef idx="1">
+            <a:schemeClr val="accent1"/>
+          </a:effectRef>
+          <a:fontRef idx="minor">
+            <a:schemeClr val="tx1"/>
+          </a:fontRef>
+        </p:style>
+        <p:txBody>
+          <a:bodyPr rtlCol="0" anchor="ctr"/>
+          <a:lstStyle/>
+          <a:p>
+            <a:pPr algn="ctr"/>
+            <a:endParaRPr kumimoji="1" lang="ko-KR" altLang="en-US"/>
+          </a:p>
+        </p:txBody>
+      </p:sp>
+      <p:sp>
+        <p:nvSpPr>
+          <p:cNvPr id="6" name="타원 5">
+            <a:extLst>
+              <a:ext uri="{FF2B5EF4-FFF2-40B4-BE49-F238E27FC236}">
+                <a16:creationId xmlns:a16="http://schemas.microsoft.com/office/drawing/2014/main" id="{AB982352-4ACD-F216-F6EB-7CDA1BB0C55D}"/>
+              </a:ext>
+            </a:extLst>
+          </p:cNvPr>
+          <p:cNvSpPr/>
+          <p:nvPr/>
+        </p:nvSpPr>
+        <p:spPr>
+          <a:xfrm>
+            <a:off x="7921493" y="1203745"/>
+            <a:ext cx="1132114" cy="1132114"/>
+          </a:xfrm>
+          <a:prstGeom prst="ellipse">
+            <a:avLst/>
+          </a:prstGeom>
+        </p:spPr>
+        <p:style>
+          <a:lnRef idx="2">
+            <a:schemeClr val="accent1">
+              <a:shade val="15000"/>
+            </a:schemeClr>
+          </a:lnRef>
+          <a:fillRef idx="1">
+            <a:schemeClr val="accent1"/>
+          </a:fillRef>
+          <a:effectRef idx="0">
+            <a:schemeClr val="accent1"/>
+          </a:effectRef>
+          <a:fontRef idx="minor">
+            <a:schemeClr val="lt1"/>
+          </a:fontRef>
+        </p:style>
+        <p:txBody>
+          <a:bodyPr wrap="none" rtlCol="0" anchor="ctr"/>
+          <a:lstStyle/>
+          <a:p>
+            <a:pPr algn="ctr"/>
+            <a:r>
+              <a:rPr kumimoji="1" lang="ko-KR" altLang="en-US" dirty="0"/>
+              <a:t>반출입기</a:t>
+            </a:r>
+          </a:p>
+        </p:txBody>
+      </p:sp>
+      <p:sp>
+        <p:nvSpPr>
+          <p:cNvPr id="7" name="타원 6">
+            <a:extLst>
+              <a:ext uri="{FF2B5EF4-FFF2-40B4-BE49-F238E27FC236}">
+                <a16:creationId xmlns:a16="http://schemas.microsoft.com/office/drawing/2014/main" id="{1956C48A-3A28-1E07-1691-99182D9C4518}"/>
+              </a:ext>
+            </a:extLst>
+          </p:cNvPr>
+          <p:cNvSpPr/>
+          <p:nvPr/>
+        </p:nvSpPr>
+        <p:spPr>
+          <a:xfrm>
+            <a:off x="7921493" y="2388578"/>
+            <a:ext cx="1132114" cy="1132114"/>
+          </a:xfrm>
+          <a:prstGeom prst="ellipse">
+            <a:avLst/>
+          </a:prstGeom>
+        </p:spPr>
+        <p:style>
+          <a:lnRef idx="2">
+            <a:schemeClr val="accent1">
+              <a:shade val="15000"/>
+            </a:schemeClr>
+          </a:lnRef>
+          <a:fillRef idx="1">
+            <a:schemeClr val="accent1"/>
+          </a:fillRef>
+          <a:effectRef idx="0">
+            <a:schemeClr val="accent1"/>
+          </a:effectRef>
+          <a:fontRef idx="minor">
+            <a:schemeClr val="lt1"/>
+          </a:fontRef>
+        </p:style>
+        <p:txBody>
+          <a:bodyPr wrap="none" rtlCol="0" anchor="ctr"/>
+          <a:lstStyle/>
+          <a:p>
+            <a:pPr algn="ctr"/>
+            <a:r>
+              <a:rPr kumimoji="1" lang="ko-KR" altLang="en-US" dirty="0"/>
+              <a:t>분석기</a:t>
+            </a:r>
+          </a:p>
+        </p:txBody>
+      </p:sp>
+      <p:sp>
+        <p:nvSpPr>
+          <p:cNvPr id="8" name="타원 7">
+            <a:extLst>
+              <a:ext uri="{FF2B5EF4-FFF2-40B4-BE49-F238E27FC236}">
+                <a16:creationId xmlns:a16="http://schemas.microsoft.com/office/drawing/2014/main" id="{49D4F0DF-9AA5-6726-8304-271932B4CD36}"/>
+              </a:ext>
+            </a:extLst>
+          </p:cNvPr>
+          <p:cNvSpPr/>
+          <p:nvPr/>
+        </p:nvSpPr>
+        <p:spPr>
+          <a:xfrm>
+            <a:off x="7921493" y="4758244"/>
+            <a:ext cx="1132114" cy="1132114"/>
+          </a:xfrm>
+          <a:prstGeom prst="ellipse">
+            <a:avLst/>
+          </a:prstGeom>
+        </p:spPr>
+        <p:style>
+          <a:lnRef idx="2">
+            <a:schemeClr val="accent1">
+              <a:shade val="15000"/>
+            </a:schemeClr>
+          </a:lnRef>
+          <a:fillRef idx="1">
+            <a:schemeClr val="accent1"/>
+          </a:fillRef>
+          <a:effectRef idx="0">
+            <a:schemeClr val="accent1"/>
+          </a:effectRef>
+          <a:fontRef idx="minor">
+            <a:schemeClr val="lt1"/>
+          </a:fontRef>
+        </p:style>
+        <p:txBody>
+          <a:bodyPr wrap="none" rtlCol="0" anchor="ctr"/>
+          <a:lstStyle/>
+          <a:p>
+            <a:pPr algn="ctr"/>
+            <a:r>
+              <a:rPr kumimoji="1" lang="ko-KR" altLang="en-US" dirty="0"/>
+              <a:t>폐기설비</a:t>
+            </a:r>
+          </a:p>
+        </p:txBody>
+      </p:sp>
+      <p:sp>
+        <p:nvSpPr>
+          <p:cNvPr id="9" name="타원 8">
+            <a:extLst>
+              <a:ext uri="{FF2B5EF4-FFF2-40B4-BE49-F238E27FC236}">
+                <a16:creationId xmlns:a16="http://schemas.microsoft.com/office/drawing/2014/main" id="{D97B48F4-68BA-3EEA-2341-5D8BFD089E77}"/>
+              </a:ext>
+            </a:extLst>
+          </p:cNvPr>
+          <p:cNvSpPr/>
+          <p:nvPr/>
+        </p:nvSpPr>
+        <p:spPr>
+          <a:xfrm>
+            <a:off x="7921493" y="3573411"/>
+            <a:ext cx="1132114" cy="1132114"/>
+          </a:xfrm>
+          <a:prstGeom prst="ellipse">
+            <a:avLst/>
+          </a:prstGeom>
+        </p:spPr>
+        <p:style>
+          <a:lnRef idx="2">
+            <a:schemeClr val="accent1">
+              <a:shade val="15000"/>
+            </a:schemeClr>
+          </a:lnRef>
+          <a:fillRef idx="1">
+            <a:schemeClr val="accent1"/>
+          </a:fillRef>
+          <a:effectRef idx="0">
+            <a:schemeClr val="accent1"/>
+          </a:effectRef>
+          <a:fontRef idx="minor">
+            <a:schemeClr val="lt1"/>
+          </a:fontRef>
+        </p:style>
+        <p:txBody>
+          <a:bodyPr wrap="none" rtlCol="0" anchor="ctr"/>
+          <a:lstStyle/>
+          <a:p>
+            <a:pPr algn="ctr"/>
+            <a:r>
+              <a:rPr kumimoji="1" lang="en-US" altLang="ko-KR" dirty="0"/>
+              <a:t>Stocker</a:t>
+            </a:r>
+            <a:endParaRPr kumimoji="1" lang="ko-KR" altLang="en-US" dirty="0"/>
+          </a:p>
+        </p:txBody>
+      </p:sp>
+      <p:cxnSp>
+        <p:nvCxnSpPr>
+          <p:cNvPr id="11" name="직선 화살표 연결선 10">
+            <a:extLst>
+              <a:ext uri="{FF2B5EF4-FFF2-40B4-BE49-F238E27FC236}">
+                <a16:creationId xmlns:a16="http://schemas.microsoft.com/office/drawing/2014/main" id="{C3703671-2FD6-0D30-086F-DCBE3E356F8B}"/>
+              </a:ext>
+            </a:extLst>
+          </p:cNvPr>
+          <p:cNvCxnSpPr>
+            <a:cxnSpLocks/>
+            <a:stCxn id="6" idx="2"/>
+          </p:cNvCxnSpPr>
+          <p:nvPr/>
+        </p:nvCxnSpPr>
+        <p:spPr>
+          <a:xfrm flipH="1">
+            <a:off x="6433457" y="1769802"/>
+            <a:ext cx="1488036" cy="768279"/>
+          </a:xfrm>
+          <a:prstGeom prst="straightConnector1">
+            <a:avLst/>
+          </a:prstGeom>
+          <a:ln>
+            <a:tailEnd type="triangle"/>
+          </a:ln>
+        </p:spPr>
+        <p:style>
+          <a:lnRef idx="2">
+            <a:schemeClr val="accent1"/>
+          </a:lnRef>
+          <a:fillRef idx="0">
+            <a:schemeClr val="accent1"/>
+          </a:fillRef>
+          <a:effectRef idx="1">
+            <a:schemeClr val="accent1"/>
+          </a:effectRef>
+          <a:fontRef idx="minor">
+            <a:schemeClr val="tx1"/>
+          </a:fontRef>
+        </p:style>
+      </p:cxnSp>
+      <p:cxnSp>
+        <p:nvCxnSpPr>
+          <p:cNvPr id="12" name="직선 화살표 연결선 11">
+            <a:extLst>
+              <a:ext uri="{FF2B5EF4-FFF2-40B4-BE49-F238E27FC236}">
+                <a16:creationId xmlns:a16="http://schemas.microsoft.com/office/drawing/2014/main" id="{741DE6C2-0329-8BFD-0972-19C834A58ADE}"/>
+              </a:ext>
+            </a:extLst>
+          </p:cNvPr>
+          <p:cNvCxnSpPr>
+            <a:cxnSpLocks/>
+            <a:stCxn id="7" idx="2"/>
+          </p:cNvCxnSpPr>
+          <p:nvPr/>
+        </p:nvCxnSpPr>
+        <p:spPr>
+          <a:xfrm flipH="1">
+            <a:off x="6564352" y="2954635"/>
+            <a:ext cx="1357141" cy="202222"/>
+          </a:xfrm>
+          <a:prstGeom prst="straightConnector1">
+            <a:avLst/>
+          </a:prstGeom>
+          <a:ln>
+            <a:tailEnd type="triangle"/>
+          </a:ln>
+        </p:spPr>
+        <p:style>
+          <a:lnRef idx="2">
+            <a:schemeClr val="accent1"/>
+          </a:lnRef>
+          <a:fillRef idx="0">
+            <a:schemeClr val="accent1"/>
+          </a:fillRef>
+          <a:effectRef idx="1">
+            <a:schemeClr val="accent1"/>
+          </a:effectRef>
+          <a:fontRef idx="minor">
+            <a:schemeClr val="tx1"/>
+          </a:fontRef>
+        </p:style>
+      </p:cxnSp>
+      <p:cxnSp>
+        <p:nvCxnSpPr>
+          <p:cNvPr id="15" name="직선 화살표 연결선 14">
+            <a:extLst>
+              <a:ext uri="{FF2B5EF4-FFF2-40B4-BE49-F238E27FC236}">
+                <a16:creationId xmlns:a16="http://schemas.microsoft.com/office/drawing/2014/main" id="{059F7D8F-C214-D600-FBD9-D16B5F454B3E}"/>
+              </a:ext>
+            </a:extLst>
+          </p:cNvPr>
+          <p:cNvCxnSpPr>
+            <a:cxnSpLocks/>
+            <a:stCxn id="9" idx="2"/>
+          </p:cNvCxnSpPr>
+          <p:nvPr/>
+        </p:nvCxnSpPr>
+        <p:spPr>
+          <a:xfrm flipH="1" flipV="1">
+            <a:off x="6564352" y="3913980"/>
+            <a:ext cx="1357141" cy="225488"/>
+          </a:xfrm>
+          <a:prstGeom prst="straightConnector1">
+            <a:avLst/>
+          </a:prstGeom>
+          <a:ln>
+            <a:tailEnd type="triangle"/>
+          </a:ln>
+        </p:spPr>
+        <p:style>
+          <a:lnRef idx="2">
+            <a:schemeClr val="accent1"/>
+          </a:lnRef>
+          <a:fillRef idx="0">
+            <a:schemeClr val="accent1"/>
+          </a:fillRef>
+          <a:effectRef idx="1">
+            <a:schemeClr val="accent1"/>
+          </a:effectRef>
+          <a:fontRef idx="minor">
+            <a:schemeClr val="tx1"/>
+          </a:fontRef>
+        </p:style>
+      </p:cxnSp>
+      <p:cxnSp>
+        <p:nvCxnSpPr>
+          <p:cNvPr id="18" name="직선 화살표 연결선 17">
+            <a:extLst>
+              <a:ext uri="{FF2B5EF4-FFF2-40B4-BE49-F238E27FC236}">
+                <a16:creationId xmlns:a16="http://schemas.microsoft.com/office/drawing/2014/main" id="{2A05B08A-67C1-2D22-6E16-AA43DC997151}"/>
+              </a:ext>
+            </a:extLst>
+          </p:cNvPr>
+          <p:cNvCxnSpPr>
+            <a:cxnSpLocks/>
+            <a:stCxn id="8" idx="2"/>
+          </p:cNvCxnSpPr>
+          <p:nvPr/>
+        </p:nvCxnSpPr>
+        <p:spPr>
+          <a:xfrm flipH="1" flipV="1">
+            <a:off x="6433457" y="4789425"/>
+            <a:ext cx="1488036" cy="534876"/>
+          </a:xfrm>
+          <a:prstGeom prst="straightConnector1">
+            <a:avLst/>
+          </a:prstGeom>
+          <a:ln>
+            <a:tailEnd type="triangle"/>
+          </a:ln>
+        </p:spPr>
+        <p:style>
+          <a:lnRef idx="2">
+            <a:schemeClr val="accent1"/>
+          </a:lnRef>
+          <a:fillRef idx="0">
+            <a:schemeClr val="accent1"/>
+          </a:fillRef>
+          <a:effectRef idx="1">
+            <a:schemeClr val="accent1"/>
+          </a:effectRef>
+          <a:fontRef idx="minor">
+            <a:schemeClr val="tx1"/>
+          </a:fontRef>
+        </p:style>
+      </p:cxnSp>
+      <p:sp>
+        <p:nvSpPr>
+          <p:cNvPr id="22" name="TextBox 21">
+            <a:extLst>
+              <a:ext uri="{FF2B5EF4-FFF2-40B4-BE49-F238E27FC236}">
+                <a16:creationId xmlns:a16="http://schemas.microsoft.com/office/drawing/2014/main" id="{26BB613E-0174-5150-BE3B-2FB4ECF493E9}"/>
+              </a:ext>
+            </a:extLst>
+          </p:cNvPr>
+          <p:cNvSpPr txBox="1"/>
+          <p:nvPr/>
+        </p:nvSpPr>
+        <p:spPr>
+          <a:xfrm>
+            <a:off x="6535698" y="1631285"/>
+            <a:ext cx="1107997" cy="369332"/>
           </a:xfrm>
           <a:prstGeom prst="rect">
             <a:avLst/>
@@ -11131,21 +13871,304 @@
           </a:bodyPr>
           <a:lstStyle/>
           <a:p>
-            <a:pPr marL="285750" indent="-285750">
-              <a:buFont typeface="Wingdings" pitchFamily="2" charset="2"/>
-              <a:buChar char="l"/>
-            </a:pPr>
-            <a:r>
-              <a:rPr kumimoji="1" lang="en-US" altLang="ko-KR" dirty="0"/>
-              <a:t>&gt;1 Pack</a:t>
-            </a:r>
+            <a:pPr algn="ctr"/>
+            <a:r>
+              <a:rPr kumimoji="1" lang="ko-KR" altLang="en-US" b="1" dirty="0">
+                <a:solidFill>
+                  <a:srgbClr val="FF0000"/>
+                </a:solidFill>
+              </a:rPr>
+              <a:t>실병투입</a:t>
+            </a:r>
+          </a:p>
+        </p:txBody>
+      </p:sp>
+      <p:sp>
+        <p:nvSpPr>
+          <p:cNvPr id="23" name="TextBox 22">
+            <a:extLst>
+              <a:ext uri="{FF2B5EF4-FFF2-40B4-BE49-F238E27FC236}">
+                <a16:creationId xmlns:a16="http://schemas.microsoft.com/office/drawing/2014/main" id="{380975C9-AFD7-9B02-0193-B68D8F327ED9}"/>
+              </a:ext>
+            </a:extLst>
+          </p:cNvPr>
+          <p:cNvSpPr txBox="1"/>
+          <p:nvPr/>
+        </p:nvSpPr>
+        <p:spPr>
+          <a:xfrm>
+            <a:off x="6623476" y="2662803"/>
+            <a:ext cx="1107997" cy="369332"/>
+          </a:xfrm>
+          <a:prstGeom prst="rect">
+            <a:avLst/>
+          </a:prstGeom>
+          <a:noFill/>
+        </p:spPr>
+        <p:txBody>
+          <a:bodyPr wrap="none" rtlCol="0">
+            <a:spAutoFit/>
+          </a:bodyPr>
+          <a:lstStyle/>
+          <a:p>
+            <a:pPr algn="ctr"/>
+            <a:r>
+              <a:rPr kumimoji="1" lang="ko-KR" altLang="en-US" b="1" dirty="0">
+                <a:solidFill>
+                  <a:srgbClr val="FF0000"/>
+                </a:solidFill>
+              </a:rPr>
+              <a:t>분석완료</a:t>
+            </a:r>
+          </a:p>
+        </p:txBody>
+      </p:sp>
+      <p:sp>
+        <p:nvSpPr>
+          <p:cNvPr id="24" name="TextBox 23">
+            <a:extLst>
+              <a:ext uri="{FF2B5EF4-FFF2-40B4-BE49-F238E27FC236}">
+                <a16:creationId xmlns:a16="http://schemas.microsoft.com/office/drawing/2014/main" id="{A925C847-A9A1-F440-09A9-AC8F1E804B27}"/>
+              </a:ext>
+            </a:extLst>
+          </p:cNvPr>
+          <p:cNvSpPr txBox="1"/>
+          <p:nvPr/>
+        </p:nvSpPr>
+        <p:spPr>
+          <a:xfrm>
+            <a:off x="6688924" y="3603809"/>
+            <a:ext cx="1107997" cy="369332"/>
+          </a:xfrm>
+          <a:prstGeom prst="rect">
+            <a:avLst/>
+          </a:prstGeom>
+          <a:noFill/>
+        </p:spPr>
+        <p:txBody>
+          <a:bodyPr wrap="none" rtlCol="0">
+            <a:spAutoFit/>
+          </a:bodyPr>
+          <a:lstStyle/>
+          <a:p>
+            <a:pPr algn="ctr"/>
+            <a:r>
+              <a:rPr kumimoji="1" lang="ko-KR" altLang="en-US" i="1" dirty="0">
+                <a:solidFill>
+                  <a:srgbClr val="0070C0"/>
+                </a:solidFill>
+              </a:rPr>
+              <a:t>재검실행</a:t>
+            </a:r>
+          </a:p>
+        </p:txBody>
+      </p:sp>
+      <p:sp>
+        <p:nvSpPr>
+          <p:cNvPr id="25" name="TextBox 24">
+            <a:extLst>
+              <a:ext uri="{FF2B5EF4-FFF2-40B4-BE49-F238E27FC236}">
+                <a16:creationId xmlns:a16="http://schemas.microsoft.com/office/drawing/2014/main" id="{5668C4F3-02B9-DA6C-C34F-C257F54452FA}"/>
+              </a:ext>
+            </a:extLst>
+          </p:cNvPr>
+          <p:cNvSpPr txBox="1"/>
+          <p:nvPr/>
+        </p:nvSpPr>
+        <p:spPr>
+          <a:xfrm>
+            <a:off x="6754372" y="4544815"/>
+            <a:ext cx="1107997" cy="369332"/>
+          </a:xfrm>
+          <a:prstGeom prst="rect">
+            <a:avLst/>
+          </a:prstGeom>
+          <a:noFill/>
+        </p:spPr>
+        <p:txBody>
+          <a:bodyPr wrap="none" rtlCol="0">
+            <a:spAutoFit/>
+          </a:bodyPr>
+          <a:lstStyle/>
+          <a:p>
+            <a:pPr algn="ctr"/>
+            <a:r>
+              <a:rPr kumimoji="1" lang="ko-KR" altLang="en-US" b="1" dirty="0">
+                <a:solidFill>
+                  <a:srgbClr val="FF0000"/>
+                </a:solidFill>
+              </a:rPr>
+              <a:t>폐기완료</a:t>
+            </a:r>
+          </a:p>
+        </p:txBody>
+      </p:sp>
+      <p:sp>
+        <p:nvSpPr>
+          <p:cNvPr id="10" name="직사각형 9">
+            <a:extLst>
+              <a:ext uri="{FF2B5EF4-FFF2-40B4-BE49-F238E27FC236}">
+                <a16:creationId xmlns:a16="http://schemas.microsoft.com/office/drawing/2014/main" id="{2F276EDB-5A4B-12A1-DC12-3EF8C3EA7ABD}"/>
+              </a:ext>
+            </a:extLst>
+          </p:cNvPr>
+          <p:cNvSpPr/>
+          <p:nvPr/>
+        </p:nvSpPr>
+        <p:spPr>
+          <a:xfrm>
+            <a:off x="7796921" y="1077686"/>
+            <a:ext cx="1640993" cy="3680558"/>
+          </a:xfrm>
+          <a:prstGeom prst="rect">
+            <a:avLst/>
+          </a:prstGeom>
+          <a:solidFill>
+            <a:srgbClr val="FFFFFF">
+              <a:alpha val="80000"/>
+            </a:srgbClr>
+          </a:solidFill>
+          <a:ln>
+            <a:noFill/>
+          </a:ln>
+        </p:spPr>
+        <p:style>
+          <a:lnRef idx="2">
+            <a:schemeClr val="accent1">
+              <a:shade val="15000"/>
+            </a:schemeClr>
+          </a:lnRef>
+          <a:fillRef idx="1">
+            <a:schemeClr val="accent1"/>
+          </a:fillRef>
+          <a:effectRef idx="0">
+            <a:schemeClr val="accent1"/>
+          </a:effectRef>
+          <a:fontRef idx="minor">
+            <a:schemeClr val="lt1"/>
+          </a:fontRef>
+        </p:style>
+        <p:txBody>
+          <a:bodyPr wrap="none" rtlCol="0" anchor="ctr"/>
+          <a:lstStyle/>
+          <a:p>
+            <a:pPr algn="ctr"/>
+            <a:endParaRPr kumimoji="1" lang="ko-KR" altLang="en-US" dirty="0"/>
+          </a:p>
+        </p:txBody>
+      </p:sp>
+      <p:sp>
+        <p:nvSpPr>
+          <p:cNvPr id="13" name="직사각형 12">
+            <a:extLst>
+              <a:ext uri="{FF2B5EF4-FFF2-40B4-BE49-F238E27FC236}">
+                <a16:creationId xmlns:a16="http://schemas.microsoft.com/office/drawing/2014/main" id="{EC9F177F-5C3F-32CC-EA2E-7983CB934B88}"/>
+              </a:ext>
+            </a:extLst>
+          </p:cNvPr>
+          <p:cNvSpPr/>
+          <p:nvPr/>
+        </p:nvSpPr>
+        <p:spPr>
+          <a:xfrm>
+            <a:off x="6535698" y="1533698"/>
+            <a:ext cx="1261223" cy="2952321"/>
+          </a:xfrm>
+          <a:prstGeom prst="rect">
+            <a:avLst/>
+          </a:prstGeom>
+          <a:solidFill>
+            <a:srgbClr val="FFFFFF">
+              <a:alpha val="80000"/>
+            </a:srgbClr>
+          </a:solidFill>
+          <a:ln>
+            <a:noFill/>
+          </a:ln>
+        </p:spPr>
+        <p:style>
+          <a:lnRef idx="2">
+            <a:schemeClr val="accent1">
+              <a:shade val="15000"/>
+            </a:schemeClr>
+          </a:lnRef>
+          <a:fillRef idx="1">
+            <a:schemeClr val="accent1"/>
+          </a:fillRef>
+          <a:effectRef idx="0">
+            <a:schemeClr val="accent1"/>
+          </a:effectRef>
+          <a:fontRef idx="minor">
+            <a:schemeClr val="lt1"/>
+          </a:fontRef>
+        </p:style>
+        <p:txBody>
+          <a:bodyPr wrap="none" rtlCol="0" anchor="ctr"/>
+          <a:lstStyle/>
+          <a:p>
+            <a:pPr algn="ctr"/>
+            <a:endParaRPr kumimoji="1" lang="ko-KR" altLang="en-US" dirty="0"/>
+          </a:p>
+        </p:txBody>
+      </p:sp>
+      <p:sp>
+        <p:nvSpPr>
+          <p:cNvPr id="14" name="직사각형 13">
+            <a:extLst>
+              <a:ext uri="{FF2B5EF4-FFF2-40B4-BE49-F238E27FC236}">
+                <a16:creationId xmlns:a16="http://schemas.microsoft.com/office/drawing/2014/main" id="{9CDDBA62-762C-47DE-FC18-12E57A3D8950}"/>
+              </a:ext>
+            </a:extLst>
+          </p:cNvPr>
+          <p:cNvSpPr/>
+          <p:nvPr/>
+        </p:nvSpPr>
+        <p:spPr>
+          <a:xfrm>
+            <a:off x="6433457" y="2187594"/>
+            <a:ext cx="102241" cy="463636"/>
+          </a:xfrm>
+          <a:prstGeom prst="rect">
+            <a:avLst/>
+          </a:prstGeom>
+          <a:solidFill>
+            <a:srgbClr val="FFFFFF">
+              <a:alpha val="80000"/>
+            </a:srgbClr>
+          </a:solidFill>
+          <a:ln>
+            <a:noFill/>
+          </a:ln>
+        </p:spPr>
+        <p:style>
+          <a:lnRef idx="2">
+            <a:schemeClr val="accent1">
+              <a:shade val="15000"/>
+            </a:schemeClr>
+          </a:lnRef>
+          <a:fillRef idx="1">
+            <a:schemeClr val="accent1"/>
+          </a:fillRef>
+          <a:effectRef idx="0">
+            <a:schemeClr val="accent1"/>
+          </a:effectRef>
+          <a:fontRef idx="minor">
+            <a:schemeClr val="lt1"/>
+          </a:fontRef>
+        </p:style>
+        <p:txBody>
+          <a:bodyPr wrap="none" rtlCol="0" anchor="ctr"/>
+          <a:lstStyle/>
+          <a:p>
+            <a:pPr algn="ctr"/>
+            <a:endParaRPr kumimoji="1" lang="ko-KR" altLang="en-US" dirty="0"/>
           </a:p>
         </p:txBody>
       </p:sp>
     </p:spTree>
     <p:extLst>
       <p:ext uri="{BB962C8B-B14F-4D97-AF65-F5344CB8AC3E}">
-        <p14:creationId xmlns:p14="http://schemas.microsoft.com/office/powerpoint/2010/main" val="4138651919"/>
+        <p14:creationId xmlns:p14="http://schemas.microsoft.com/office/powerpoint/2010/main" val="2025349589"/>
       </p:ext>
     </p:extLst>
   </p:cSld>
@@ -11203,7 +14226,7 @@
             </a:r>
             <a:r>
               <a:rPr kumimoji="1" lang="en-US" altLang="ko-KR" dirty="0"/>
-              <a:t>#4</a:t>
+              <a:t>#1</a:t>
             </a:r>
             <a:endParaRPr kumimoji="1" lang="ko-KR" altLang="en-US" dirty="0"/>
           </a:p>
@@ -11254,7 +14277,7 @@
         <p:spPr>
           <a:xfrm>
             <a:off x="3478641" y="3105833"/>
-            <a:ext cx="2199641" cy="646331"/>
+            <a:ext cx="1691489" cy="646331"/>
           </a:xfrm>
           <a:prstGeom prst="rect">
             <a:avLst/>
@@ -11273,7 +14296,7 @@
             </a:pPr>
             <a:r>
               <a:rPr kumimoji="1" lang="en-US" altLang="ko-KR" dirty="0"/>
-              <a:t>1 Pack</a:t>
+              <a:t>No Pack</a:t>
             </a:r>
           </a:p>
           <a:p>
@@ -11282,18 +14305,6 @@
               <a:buChar char="l"/>
             </a:pPr>
             <a:r>
-              <a:rPr kumimoji="1" lang="en-US" altLang="ko-KR" b="1" i="1" dirty="0">
-                <a:solidFill>
-                  <a:srgbClr val="FF0000"/>
-                </a:solidFill>
-              </a:rPr>
-              <a:t>Plus</a:t>
-            </a:r>
-            <a:r>
-              <a:rPr kumimoji="1" lang="en-US" altLang="ko-KR" dirty="0"/>
-              <a:t> </a:t>
-            </a:r>
-            <a:r>
               <a:rPr kumimoji="1" lang="ko-KR" altLang="en-US" dirty="0"/>
               <a:t>개별 </a:t>
             </a:r>
@@ -11301,13 +14312,150 @@
               <a:rPr kumimoji="1" lang="en-US" altLang="ko-KR" dirty="0"/>
               <a:t>Bottles</a:t>
             </a:r>
+            <a:endParaRPr kumimoji="1" lang="ko-KR" altLang="en-US" dirty="0"/>
           </a:p>
         </p:txBody>
       </p:sp>
     </p:spTree>
     <p:extLst>
       <p:ext uri="{BB962C8B-B14F-4D97-AF65-F5344CB8AC3E}">
-        <p14:creationId xmlns:p14="http://schemas.microsoft.com/office/powerpoint/2010/main" val="1632386273"/>
+        <p14:creationId xmlns:p14="http://schemas.microsoft.com/office/powerpoint/2010/main" val="1975535796"/>
+      </p:ext>
+    </p:extLst>
+  </p:cSld>
+  <p:clrMapOvr>
+    <a:masterClrMapping/>
+  </p:clrMapOvr>
+</p:sld>
+</file>
+
+<file path=ppt/slides/slide19.xml><?xml version="1.0" encoding="utf-8"?>
+<p:sld xmlns:a="http://schemas.openxmlformats.org/drawingml/2006/main" xmlns:r="http://schemas.openxmlformats.org/officeDocument/2006/relationships" xmlns:p="http://schemas.openxmlformats.org/presentationml/2006/main">
+  <p:cSld>
+    <p:spTree>
+      <p:nvGrpSpPr>
+        <p:cNvPr id="1" name=""/>
+        <p:cNvGrpSpPr/>
+        <p:nvPr/>
+      </p:nvGrpSpPr>
+      <p:grpSpPr>
+        <a:xfrm>
+          <a:off x="0" y="0"/>
+          <a:ext cx="0" cy="0"/>
+          <a:chOff x="0" y="0"/>
+          <a:chExt cx="0" cy="0"/>
+        </a:xfrm>
+      </p:grpSpPr>
+      <p:sp>
+        <p:nvSpPr>
+          <p:cNvPr id="2" name="제목 1">
+            <a:extLst>
+              <a:ext uri="{FF2B5EF4-FFF2-40B4-BE49-F238E27FC236}">
+                <a16:creationId xmlns:a16="http://schemas.microsoft.com/office/drawing/2014/main" id="{848F61B5-40C6-1F59-A8DC-C3CBB48F093D}"/>
+              </a:ext>
+            </a:extLst>
+          </p:cNvPr>
+          <p:cNvSpPr>
+            <a:spLocks noGrp="1"/>
+          </p:cNvSpPr>
+          <p:nvPr>
+            <p:ph type="title"/>
+          </p:nvPr>
+        </p:nvSpPr>
+        <p:spPr/>
+        <p:txBody>
+          <a:bodyPr/>
+          <a:lstStyle/>
+          <a:p>
+            <a:r>
+              <a:rPr kumimoji="1" lang="en-US" altLang="ko-KR" dirty="0"/>
+              <a:t>Pack Scenario</a:t>
+            </a:r>
+            <a:r>
+              <a:rPr kumimoji="1" lang="ko-KR" altLang="en-US" dirty="0"/>
+              <a:t> </a:t>
+            </a:r>
+            <a:r>
+              <a:rPr kumimoji="1" lang="en-US" altLang="ko-KR" dirty="0"/>
+              <a:t>#2</a:t>
+            </a:r>
+            <a:endParaRPr kumimoji="1" lang="ko-KR" altLang="en-US" dirty="0"/>
+          </a:p>
+        </p:txBody>
+      </p:sp>
+      <p:pic>
+        <p:nvPicPr>
+          <p:cNvPr id="10" name="그림 9">
+            <a:extLst>
+              <a:ext uri="{FF2B5EF4-FFF2-40B4-BE49-F238E27FC236}">
+                <a16:creationId xmlns:a16="http://schemas.microsoft.com/office/drawing/2014/main" id="{E2F4ED31-DD67-9DC6-460B-AAD6FAD589A7}"/>
+              </a:ext>
+            </a:extLst>
+          </p:cNvPr>
+          <p:cNvPicPr>
+            <a:picLocks noChangeAspect="1"/>
+          </p:cNvPicPr>
+          <p:nvPr/>
+        </p:nvPicPr>
+        <p:blipFill>
+          <a:blip r:embed="rId2" cstate="print"/>
+          <a:stretch>
+            <a:fillRect/>
+          </a:stretch>
+        </p:blipFill>
+        <p:spPr>
+          <a:xfrm>
+            <a:off x="1898119" y="2281089"/>
+            <a:ext cx="1432910" cy="2295821"/>
+          </a:xfrm>
+          <a:prstGeom prst="rect">
+            <a:avLst/>
+          </a:prstGeom>
+        </p:spPr>
+      </p:pic>
+      <p:sp>
+        <p:nvSpPr>
+          <p:cNvPr id="12" name="TextBox 11">
+            <a:extLst>
+              <a:ext uri="{FF2B5EF4-FFF2-40B4-BE49-F238E27FC236}">
+                <a16:creationId xmlns:a16="http://schemas.microsoft.com/office/drawing/2014/main" id="{22F9667E-59CB-0ABB-4EE2-EBB5D1DEF3EB}"/>
+              </a:ext>
+            </a:extLst>
+          </p:cNvPr>
+          <p:cNvSpPr txBox="1"/>
+          <p:nvPr/>
+        </p:nvSpPr>
+        <p:spPr>
+          <a:xfrm>
+            <a:off x="3478641" y="3105833"/>
+            <a:ext cx="1125886" cy="369332"/>
+          </a:xfrm>
+          <a:prstGeom prst="rect">
+            <a:avLst/>
+          </a:prstGeom>
+          <a:noFill/>
+        </p:spPr>
+        <p:txBody>
+          <a:bodyPr wrap="none" rtlCol="0">
+            <a:spAutoFit/>
+          </a:bodyPr>
+          <a:lstStyle/>
+          <a:p>
+            <a:pPr marL="285750" indent="-285750">
+              <a:buFont typeface="Wingdings" pitchFamily="2" charset="2"/>
+              <a:buChar char="l"/>
+            </a:pPr>
+            <a:r>
+              <a:rPr kumimoji="1" lang="en-US" altLang="ko-KR" dirty="0"/>
+              <a:t>1 Pack</a:t>
+            </a:r>
+          </a:p>
+        </p:txBody>
+      </p:sp>
+    </p:spTree>
+    <p:extLst>
+      <p:ext uri="{BB962C8B-B14F-4D97-AF65-F5344CB8AC3E}">
+        <p14:creationId xmlns:p14="http://schemas.microsoft.com/office/powerpoint/2010/main" val="1692057448"/>
       </p:ext>
     </p:extLst>
   </p:cSld>
@@ -11767,6 +14915,304 @@
     <p:extLst>
       <p:ext uri="{BB962C8B-B14F-4D97-AF65-F5344CB8AC3E}">
         <p14:creationId xmlns:p14="http://schemas.microsoft.com/office/powerpoint/2010/main" val="4592510"/>
+      </p:ext>
+    </p:extLst>
+  </p:cSld>
+  <p:clrMapOvr>
+    <a:masterClrMapping/>
+  </p:clrMapOvr>
+</p:sld>
+</file>
+
+<file path=ppt/slides/slide20.xml><?xml version="1.0" encoding="utf-8"?>
+<p:sld xmlns:a="http://schemas.openxmlformats.org/drawingml/2006/main" xmlns:r="http://schemas.openxmlformats.org/officeDocument/2006/relationships" xmlns:p="http://schemas.openxmlformats.org/presentationml/2006/main">
+  <p:cSld>
+    <p:spTree>
+      <p:nvGrpSpPr>
+        <p:cNvPr id="1" name=""/>
+        <p:cNvGrpSpPr/>
+        <p:nvPr/>
+      </p:nvGrpSpPr>
+      <p:grpSpPr>
+        <a:xfrm>
+          <a:off x="0" y="0"/>
+          <a:ext cx="0" cy="0"/>
+          <a:chOff x="0" y="0"/>
+          <a:chExt cx="0" cy="0"/>
+        </a:xfrm>
+      </p:grpSpPr>
+      <p:sp>
+        <p:nvSpPr>
+          <p:cNvPr id="2" name="제목 1">
+            <a:extLst>
+              <a:ext uri="{FF2B5EF4-FFF2-40B4-BE49-F238E27FC236}">
+                <a16:creationId xmlns:a16="http://schemas.microsoft.com/office/drawing/2014/main" id="{848F61B5-40C6-1F59-A8DC-C3CBB48F093D}"/>
+              </a:ext>
+            </a:extLst>
+          </p:cNvPr>
+          <p:cNvSpPr>
+            <a:spLocks noGrp="1"/>
+          </p:cNvSpPr>
+          <p:nvPr>
+            <p:ph type="title"/>
+          </p:nvPr>
+        </p:nvSpPr>
+        <p:spPr/>
+        <p:txBody>
+          <a:bodyPr/>
+          <a:lstStyle/>
+          <a:p>
+            <a:r>
+              <a:rPr kumimoji="1" lang="en-US" altLang="ko-KR" dirty="0"/>
+              <a:t>Pack Scenario</a:t>
+            </a:r>
+            <a:r>
+              <a:rPr kumimoji="1" lang="ko-KR" altLang="en-US" dirty="0"/>
+              <a:t> </a:t>
+            </a:r>
+            <a:r>
+              <a:rPr kumimoji="1" lang="en-US" altLang="ko-KR" dirty="0"/>
+              <a:t>#3</a:t>
+            </a:r>
+            <a:endParaRPr kumimoji="1" lang="ko-KR" altLang="en-US" dirty="0"/>
+          </a:p>
+        </p:txBody>
+      </p:sp>
+      <p:pic>
+        <p:nvPicPr>
+          <p:cNvPr id="10" name="그림 9">
+            <a:extLst>
+              <a:ext uri="{FF2B5EF4-FFF2-40B4-BE49-F238E27FC236}">
+                <a16:creationId xmlns:a16="http://schemas.microsoft.com/office/drawing/2014/main" id="{E2F4ED31-DD67-9DC6-460B-AAD6FAD589A7}"/>
+              </a:ext>
+            </a:extLst>
+          </p:cNvPr>
+          <p:cNvPicPr>
+            <a:picLocks noChangeAspect="1"/>
+          </p:cNvPicPr>
+          <p:nvPr/>
+        </p:nvPicPr>
+        <p:blipFill>
+          <a:blip r:embed="rId2" cstate="print"/>
+          <a:stretch>
+            <a:fillRect/>
+          </a:stretch>
+        </p:blipFill>
+        <p:spPr>
+          <a:xfrm>
+            <a:off x="1898119" y="2281089"/>
+            <a:ext cx="1432910" cy="2295821"/>
+          </a:xfrm>
+          <a:prstGeom prst="rect">
+            <a:avLst/>
+          </a:prstGeom>
+        </p:spPr>
+      </p:pic>
+      <p:sp>
+        <p:nvSpPr>
+          <p:cNvPr id="12" name="TextBox 11">
+            <a:extLst>
+              <a:ext uri="{FF2B5EF4-FFF2-40B4-BE49-F238E27FC236}">
+                <a16:creationId xmlns:a16="http://schemas.microsoft.com/office/drawing/2014/main" id="{22F9667E-59CB-0ABB-4EE2-EBB5D1DEF3EB}"/>
+              </a:ext>
+            </a:extLst>
+          </p:cNvPr>
+          <p:cNvSpPr txBox="1"/>
+          <p:nvPr/>
+        </p:nvSpPr>
+        <p:spPr>
+          <a:xfrm>
+            <a:off x="3478641" y="3105833"/>
+            <a:ext cx="1249316" cy="369332"/>
+          </a:xfrm>
+          <a:prstGeom prst="rect">
+            <a:avLst/>
+          </a:prstGeom>
+          <a:noFill/>
+        </p:spPr>
+        <p:txBody>
+          <a:bodyPr wrap="none" rtlCol="0">
+            <a:spAutoFit/>
+          </a:bodyPr>
+          <a:lstStyle/>
+          <a:p>
+            <a:pPr marL="285750" indent="-285750">
+              <a:buFont typeface="Wingdings" pitchFamily="2" charset="2"/>
+              <a:buChar char="l"/>
+            </a:pPr>
+            <a:r>
+              <a:rPr kumimoji="1" lang="en-US" altLang="ko-KR" dirty="0"/>
+              <a:t>&gt;1 Pack</a:t>
+            </a:r>
+          </a:p>
+        </p:txBody>
+      </p:sp>
+    </p:spTree>
+    <p:extLst>
+      <p:ext uri="{BB962C8B-B14F-4D97-AF65-F5344CB8AC3E}">
+        <p14:creationId xmlns:p14="http://schemas.microsoft.com/office/powerpoint/2010/main" val="4138651919"/>
+      </p:ext>
+    </p:extLst>
+  </p:cSld>
+  <p:clrMapOvr>
+    <a:masterClrMapping/>
+  </p:clrMapOvr>
+</p:sld>
+</file>
+
+<file path=ppt/slides/slide21.xml><?xml version="1.0" encoding="utf-8"?>
+<p:sld xmlns:a="http://schemas.openxmlformats.org/drawingml/2006/main" xmlns:r="http://schemas.openxmlformats.org/officeDocument/2006/relationships" xmlns:p="http://schemas.openxmlformats.org/presentationml/2006/main">
+  <p:cSld>
+    <p:spTree>
+      <p:nvGrpSpPr>
+        <p:cNvPr id="1" name=""/>
+        <p:cNvGrpSpPr/>
+        <p:nvPr/>
+      </p:nvGrpSpPr>
+      <p:grpSpPr>
+        <a:xfrm>
+          <a:off x="0" y="0"/>
+          <a:ext cx="0" cy="0"/>
+          <a:chOff x="0" y="0"/>
+          <a:chExt cx="0" cy="0"/>
+        </a:xfrm>
+      </p:grpSpPr>
+      <p:sp>
+        <p:nvSpPr>
+          <p:cNvPr id="2" name="제목 1">
+            <a:extLst>
+              <a:ext uri="{FF2B5EF4-FFF2-40B4-BE49-F238E27FC236}">
+                <a16:creationId xmlns:a16="http://schemas.microsoft.com/office/drawing/2014/main" id="{848F61B5-40C6-1F59-A8DC-C3CBB48F093D}"/>
+              </a:ext>
+            </a:extLst>
+          </p:cNvPr>
+          <p:cNvSpPr>
+            <a:spLocks noGrp="1"/>
+          </p:cNvSpPr>
+          <p:nvPr>
+            <p:ph type="title"/>
+          </p:nvPr>
+        </p:nvSpPr>
+        <p:spPr/>
+        <p:txBody>
+          <a:bodyPr/>
+          <a:lstStyle/>
+          <a:p>
+            <a:r>
+              <a:rPr kumimoji="1" lang="en-US" altLang="ko-KR" dirty="0"/>
+              <a:t>Pack Scenario</a:t>
+            </a:r>
+            <a:r>
+              <a:rPr kumimoji="1" lang="ko-KR" altLang="en-US" dirty="0"/>
+              <a:t> </a:t>
+            </a:r>
+            <a:r>
+              <a:rPr kumimoji="1" lang="en-US" altLang="ko-KR" dirty="0"/>
+              <a:t>#4</a:t>
+            </a:r>
+            <a:endParaRPr kumimoji="1" lang="ko-KR" altLang="en-US" dirty="0"/>
+          </a:p>
+        </p:txBody>
+      </p:sp>
+      <p:pic>
+        <p:nvPicPr>
+          <p:cNvPr id="10" name="그림 9">
+            <a:extLst>
+              <a:ext uri="{FF2B5EF4-FFF2-40B4-BE49-F238E27FC236}">
+                <a16:creationId xmlns:a16="http://schemas.microsoft.com/office/drawing/2014/main" id="{E2F4ED31-DD67-9DC6-460B-AAD6FAD589A7}"/>
+              </a:ext>
+            </a:extLst>
+          </p:cNvPr>
+          <p:cNvPicPr>
+            <a:picLocks noChangeAspect="1"/>
+          </p:cNvPicPr>
+          <p:nvPr/>
+        </p:nvPicPr>
+        <p:blipFill>
+          <a:blip r:embed="rId2" cstate="print"/>
+          <a:stretch>
+            <a:fillRect/>
+          </a:stretch>
+        </p:blipFill>
+        <p:spPr>
+          <a:xfrm>
+            <a:off x="1898119" y="2281089"/>
+            <a:ext cx="1432910" cy="2295821"/>
+          </a:xfrm>
+          <a:prstGeom prst="rect">
+            <a:avLst/>
+          </a:prstGeom>
+        </p:spPr>
+      </p:pic>
+      <p:sp>
+        <p:nvSpPr>
+          <p:cNvPr id="12" name="TextBox 11">
+            <a:extLst>
+              <a:ext uri="{FF2B5EF4-FFF2-40B4-BE49-F238E27FC236}">
+                <a16:creationId xmlns:a16="http://schemas.microsoft.com/office/drawing/2014/main" id="{22F9667E-59CB-0ABB-4EE2-EBB5D1DEF3EB}"/>
+              </a:ext>
+            </a:extLst>
+          </p:cNvPr>
+          <p:cNvSpPr txBox="1"/>
+          <p:nvPr/>
+        </p:nvSpPr>
+        <p:spPr>
+          <a:xfrm>
+            <a:off x="3478641" y="3105833"/>
+            <a:ext cx="2199641" cy="646331"/>
+          </a:xfrm>
+          <a:prstGeom prst="rect">
+            <a:avLst/>
+          </a:prstGeom>
+          <a:noFill/>
+        </p:spPr>
+        <p:txBody>
+          <a:bodyPr wrap="none" rtlCol="0">
+            <a:spAutoFit/>
+          </a:bodyPr>
+          <a:lstStyle/>
+          <a:p>
+            <a:pPr marL="285750" indent="-285750">
+              <a:buFont typeface="Wingdings" pitchFamily="2" charset="2"/>
+              <a:buChar char="l"/>
+            </a:pPr>
+            <a:r>
+              <a:rPr kumimoji="1" lang="en-US" altLang="ko-KR" dirty="0"/>
+              <a:t>1 Pack</a:t>
+            </a:r>
+          </a:p>
+          <a:p>
+            <a:pPr marL="285750" indent="-285750">
+              <a:buFont typeface="Wingdings" pitchFamily="2" charset="2"/>
+              <a:buChar char="l"/>
+            </a:pPr>
+            <a:r>
+              <a:rPr kumimoji="1" lang="en-US" altLang="ko-KR" b="1" i="1" dirty="0">
+                <a:solidFill>
+                  <a:srgbClr val="FF0000"/>
+                </a:solidFill>
+              </a:rPr>
+              <a:t>Plus</a:t>
+            </a:r>
+            <a:r>
+              <a:rPr kumimoji="1" lang="en-US" altLang="ko-KR" dirty="0"/>
+              <a:t> </a:t>
+            </a:r>
+            <a:r>
+              <a:rPr kumimoji="1" lang="ko-KR" altLang="en-US" dirty="0"/>
+              <a:t>개별 </a:t>
+            </a:r>
+            <a:r>
+              <a:rPr kumimoji="1" lang="en-US" altLang="ko-KR" dirty="0"/>
+              <a:t>Bottles</a:t>
+            </a:r>
+          </a:p>
+        </p:txBody>
+      </p:sp>
+    </p:spTree>
+    <p:extLst>
+      <p:ext uri="{BB962C8B-B14F-4D97-AF65-F5344CB8AC3E}">
+        <p14:creationId xmlns:p14="http://schemas.microsoft.com/office/powerpoint/2010/main" val="1632386273"/>
       </p:ext>
     </p:extLst>
   </p:cSld>

--- a/허종원/Travel Scenario.pptx
+++ b/허종원/Travel Scenario.pptx
@@ -5,7 +5,7 @@
     <p:sldMasterId id="2147483681" r:id="rId1"/>
   </p:sldMasterIdLst>
   <p:notesMasterIdLst>
-    <p:notesMasterId r:id="rId26"/>
+    <p:notesMasterId r:id="rId29"/>
   </p:notesMasterIdLst>
   <p:sldIdLst>
     <p:sldId id="448" r:id="rId2"/>
@@ -27,11 +27,14 @@
     <p:sldId id="466" r:id="rId18"/>
     <p:sldId id="470" r:id="rId19"/>
     <p:sldId id="468" r:id="rId20"/>
-    <p:sldId id="467" r:id="rId21"/>
-    <p:sldId id="459" r:id="rId22"/>
-    <p:sldId id="460" r:id="rId23"/>
-    <p:sldId id="461" r:id="rId24"/>
-    <p:sldId id="462" r:id="rId25"/>
+    <p:sldId id="472" r:id="rId21"/>
+    <p:sldId id="474" r:id="rId22"/>
+    <p:sldId id="467" r:id="rId23"/>
+    <p:sldId id="473" r:id="rId24"/>
+    <p:sldId id="459" r:id="rId25"/>
+    <p:sldId id="460" r:id="rId26"/>
+    <p:sldId id="461" r:id="rId27"/>
+    <p:sldId id="462" r:id="rId28"/>
   </p:sldIdLst>
   <p:sldSz cx="9906000" cy="6858000" type="A4"/>
   <p:notesSz cx="6858000" cy="9144000"/>
@@ -11943,8 +11946,8 @@
         </p:nvSpPr>
         <p:spPr>
           <a:xfrm>
-            <a:off x="413961" y="749471"/>
-            <a:ext cx="4250202" cy="5816977"/>
+            <a:off x="413961" y="1021500"/>
+            <a:ext cx="4460645" cy="4524315"/>
           </a:xfrm>
           <a:prstGeom prst="rect">
             <a:avLst/>
@@ -11952,15 +11955,12 @@
           <a:noFill/>
         </p:spPr>
         <p:txBody>
-          <a:bodyPr wrap="none" rtlCol="0" anchor="ctr">
+          <a:bodyPr wrap="none" rtlCol="0" anchor="t">
             <a:spAutoFit/>
           </a:bodyPr>
           <a:lstStyle/>
           <a:p>
             <a:pPr marL="342900" indent="-342900">
-              <a:spcBef>
-                <a:spcPts val="3600"/>
-              </a:spcBef>
               <a:buFont typeface="+mj-lt"/>
               <a:buAutoNum type="arabicParenR"/>
             </a:pPr>
@@ -12004,17 +12004,13 @@
               <a:rPr kumimoji="1" lang="ko-KR" altLang="en-US" dirty="0"/>
               <a:t>로 이동</a:t>
             </a:r>
-            <a:br>
-              <a:rPr kumimoji="1" lang="en-US" altLang="ko-KR" dirty="0"/>
-            </a:br>
-            <a:r>
-              <a:rPr kumimoji="1" lang="en-US" altLang="ko-KR" dirty="0"/>
-              <a:t>1.</a:t>
-            </a:r>
-            <a:r>
-              <a:rPr kumimoji="1" lang="ko-KR" altLang="en-US" dirty="0"/>
-              <a:t> </a:t>
-            </a:r>
+            <a:endParaRPr kumimoji="1" lang="en-US" altLang="ko-KR" dirty="0"/>
+          </a:p>
+          <a:p>
+            <a:pPr marL="800100" lvl="1" indent="-342900">
+              <a:buFont typeface="+mj-lt"/>
+              <a:buAutoNum type="arabicPeriod"/>
+            </a:pPr>
             <a:r>
               <a:rPr kumimoji="1" lang="en-US" altLang="ko-KR" dirty="0"/>
               <a:t>Move </a:t>
@@ -12031,12 +12027,31 @@
               <a:rPr kumimoji="1" lang="ko-KR" altLang="en-US" dirty="0"/>
               <a:t>반출입기</a:t>
             </a:r>
-            <a:br>
-              <a:rPr kumimoji="1" lang="en-US" altLang="ko-KR" dirty="0"/>
-            </a:br>
-            <a:r>
-              <a:rPr kumimoji="1" lang="en-US" altLang="ko-KR" dirty="0"/>
-              <a:t>2.Pick </a:t>
+            <a:endParaRPr kumimoji="1" lang="en-US" altLang="ko-KR" dirty="0"/>
+          </a:p>
+          <a:p>
+            <a:pPr marL="800100" lvl="1" indent="-342900">
+              <a:buFont typeface="+mj-lt"/>
+              <a:buAutoNum type="arabicPeriod"/>
+            </a:pPr>
+            <a:r>
+              <a:rPr kumimoji="1" lang="en-US" altLang="ko-KR" dirty="0"/>
+              <a:t>Get Map from </a:t>
+            </a:r>
+            <a:r>
+              <a:rPr kumimoji="1" lang="ko-KR" altLang="en-US" dirty="0"/>
+              <a:t>반출입기</a:t>
+            </a:r>
+            <a:endParaRPr kumimoji="1" lang="en-US" altLang="ko-KR" dirty="0"/>
+          </a:p>
+          <a:p>
+            <a:pPr marL="1257300" lvl="2" indent="-342900">
+              <a:buFont typeface="+mj-ea"/>
+              <a:buAutoNum type="circleNumDbPlain"/>
+            </a:pPr>
+            <a:r>
+              <a:rPr kumimoji="1" lang="en-US" altLang="ko-KR" dirty="0"/>
+              <a:t>Pick </a:t>
             </a:r>
             <a:r>
               <a:rPr kumimoji="1" lang="ko-KR" altLang="en-US" dirty="0" err="1"/>
@@ -12048,23 +12063,64 @@
             </a:r>
             <a:r>
               <a:rPr kumimoji="1" lang="en-US" altLang="ko-KR" dirty="0"/>
+              <a:t>from </a:t>
+            </a:r>
+            <a:r>
+              <a:rPr kumimoji="1" lang="ko-KR" altLang="en-US" dirty="0"/>
+              <a:t>반출입기</a:t>
+            </a:r>
+            <a:endParaRPr kumimoji="1" lang="en-US" altLang="ko-KR" dirty="0"/>
+          </a:p>
+          <a:p>
+            <a:pPr marL="1257300" lvl="2" indent="-342900">
+              <a:buFont typeface="+mj-ea"/>
+              <a:buAutoNum type="circleNumDbPlain"/>
+            </a:pPr>
+            <a:r>
+              <a:rPr kumimoji="1" lang="en-US" altLang="ko-KR" dirty="0"/>
+              <a:t>Put  </a:t>
+            </a:r>
+            <a:r>
+              <a:rPr kumimoji="1" lang="ko-KR" altLang="en-US" dirty="0" err="1"/>
+              <a:t>실병</a:t>
+            </a:r>
+            <a:r>
+              <a:rPr kumimoji="1" lang="ko-KR" altLang="en-US" dirty="0"/>
+              <a:t> </a:t>
+            </a:r>
+            <a:r>
+              <a:rPr kumimoji="1" lang="en-US" altLang="ko-KR" dirty="0"/>
               <a:t>to </a:t>
             </a:r>
             <a:r>
               <a:rPr kumimoji="1" lang="en-US" altLang="ko-KR" dirty="0" err="1"/>
               <a:t>MoMa</a:t>
             </a:r>
+            <a:endParaRPr kumimoji="1" lang="en-US" altLang="ko-KR" dirty="0"/>
+          </a:p>
+          <a:p>
+            <a:pPr marL="800100" lvl="1" indent="-342900">
+              <a:buFont typeface="+mj-lt"/>
+              <a:buAutoNum type="arabicPeriod"/>
+            </a:pPr>
+            <a:r>
+              <a:rPr kumimoji="1" lang="en-US" altLang="ko-KR" dirty="0"/>
+              <a:t>Send Map to </a:t>
+            </a:r>
+            <a:r>
+              <a:rPr kumimoji="1" lang="ko-KR" altLang="en-US" dirty="0"/>
+              <a:t>반출입기</a:t>
+            </a:r>
             <a:br>
               <a:rPr kumimoji="1" lang="en-US" altLang="ko-KR" dirty="0"/>
             </a:br>
-            <a:r>
-              <a:rPr kumimoji="1" lang="en-US" altLang="ko-KR" dirty="0"/>
-              <a:t>3.</a:t>
-            </a:r>
-            <a:r>
-              <a:rPr kumimoji="1" lang="ko-KR" altLang="en-US" dirty="0"/>
-              <a:t> </a:t>
-            </a:r>
+            <a:endParaRPr kumimoji="1" lang="en-US" altLang="ko-KR" dirty="0"/>
+          </a:p>
+          <a:p>
+            <a:pPr marL="800100" lvl="1" indent="-342900">
+              <a:buFont typeface="+mj-lt"/>
+              <a:buAutoNum type="arabicPeriod"/>
+            </a:pPr>
             <a:r>
               <a:rPr kumimoji="1" lang="en-US" altLang="ko-KR" dirty="0"/>
               <a:t>Move </a:t>
@@ -12093,20 +12149,23 @@
               <a:rPr kumimoji="1" lang="en-US" altLang="ko-KR" dirty="0"/>
               <a:t>)</a:t>
             </a:r>
-            <a:br>
-              <a:rPr kumimoji="1" lang="en-US" altLang="ko-KR" dirty="0"/>
-            </a:br>
-            <a:r>
-              <a:rPr kumimoji="1" lang="en-US" altLang="ko-KR" dirty="0"/>
-              <a:t>4.</a:t>
-            </a:r>
-            <a:r>
-              <a:rPr kumimoji="1" lang="ko-KR" altLang="en-US" dirty="0"/>
+          </a:p>
+          <a:p>
+            <a:pPr marL="800100" lvl="1" indent="-342900">
+              <a:buFont typeface="+mj-lt"/>
+              <a:buAutoNum type="arabicPeriod"/>
+            </a:pPr>
+            <a:r>
+              <a:rPr kumimoji="1" lang="en-US" altLang="ko-KR" b="1" i="1" dirty="0">
+                <a:solidFill>
+                  <a:srgbClr val="FF0000"/>
+                </a:solidFill>
+              </a:rPr>
+              <a:t>Put</a:t>
+            </a:r>
+            <a:r>
+              <a:rPr kumimoji="1" lang="en-US" altLang="ko-KR" dirty="0"/>
               <a:t> </a:t>
-            </a:r>
-            <a:r>
-              <a:rPr kumimoji="1" lang="en-US" altLang="ko-KR" dirty="0"/>
-              <a:t>Put </a:t>
             </a:r>
             <a:r>
               <a:rPr kumimoji="1" lang="ko-KR" altLang="en-US" dirty="0" err="1"/>
@@ -12124,17 +12183,13 @@
               <a:rPr kumimoji="1" lang="ko-KR" altLang="en-US" dirty="0"/>
               <a:t>외부세척기</a:t>
             </a:r>
-            <a:br>
-              <a:rPr kumimoji="1" lang="en-US" altLang="ko-KR" dirty="0"/>
-            </a:br>
-            <a:r>
-              <a:rPr kumimoji="1" lang="en-US" altLang="ko-KR" dirty="0"/>
-              <a:t>5.</a:t>
-            </a:r>
-            <a:r>
-              <a:rPr kumimoji="1" lang="ko-KR" altLang="en-US" dirty="0"/>
-              <a:t> </a:t>
-            </a:r>
+            <a:endParaRPr kumimoji="1" lang="en-US" altLang="ko-KR" dirty="0"/>
+          </a:p>
+          <a:p>
+            <a:pPr marL="800100" lvl="1" indent="-342900">
+              <a:buFont typeface="+mj-lt"/>
+              <a:buAutoNum type="arabicPeriod"/>
+            </a:pPr>
             <a:r>
               <a:rPr kumimoji="1" lang="en-US" altLang="ko-KR" dirty="0"/>
               <a:t>Move </a:t>
@@ -12151,12 +12206,34 @@
               <a:rPr kumimoji="1" lang="ko-KR" altLang="en-US" dirty="0"/>
               <a:t>분석기</a:t>
             </a:r>
-            <a:br>
-              <a:rPr kumimoji="1" lang="en-US" altLang="ko-KR" dirty="0"/>
-            </a:br>
-            <a:r>
-              <a:rPr kumimoji="1" lang="en-US" altLang="ko-KR" dirty="0"/>
-              <a:t>6.</a:t>
+            <a:endParaRPr kumimoji="1" lang="en-US" altLang="ko-KR" dirty="0"/>
+          </a:p>
+          <a:p>
+            <a:pPr marL="800100" lvl="1" indent="-342900">
+              <a:buFont typeface="+mj-lt"/>
+              <a:buAutoNum type="arabicPeriod"/>
+            </a:pPr>
+            <a:r>
+              <a:rPr kumimoji="1" lang="en-US" altLang="ko-KR" dirty="0"/>
+              <a:t>Open </a:t>
+            </a:r>
+            <a:r>
+              <a:rPr kumimoji="1" lang="ko-KR" altLang="en-US" dirty="0"/>
+              <a:t>분석기 </a:t>
+            </a:r>
+            <a:r>
+              <a:rPr kumimoji="1" lang="en-US" altLang="ko-KR" dirty="0"/>
+              <a:t>Door</a:t>
+            </a:r>
+          </a:p>
+          <a:p>
+            <a:pPr marL="800100" lvl="1" indent="-342900">
+              <a:buFont typeface="+mj-lt"/>
+              <a:buAutoNum type="arabicPeriod"/>
+            </a:pPr>
+            <a:r>
+              <a:rPr kumimoji="1" lang="en-US" altLang="ko-KR" dirty="0"/>
+              <a:t>Get Map</a:t>
             </a:r>
             <a:r>
               <a:rPr kumimoji="1" lang="ko-KR" altLang="en-US" dirty="0"/>
@@ -12164,49 +12241,22 @@
             </a:r>
             <a:r>
               <a:rPr kumimoji="1" lang="en-US" altLang="ko-KR" dirty="0"/>
-              <a:t>Open </a:t>
-            </a:r>
-            <a:r>
-              <a:rPr kumimoji="1" lang="ko-KR" altLang="en-US" dirty="0"/>
-              <a:t>분석기 </a:t>
-            </a:r>
-            <a:r>
-              <a:rPr kumimoji="1" lang="en-US" altLang="ko-KR" dirty="0"/>
-              <a:t>Door</a:t>
-            </a:r>
-            <a:br>
-              <a:rPr kumimoji="1" lang="en-US" altLang="ko-KR" dirty="0"/>
-            </a:br>
-            <a:r>
-              <a:rPr kumimoji="1" lang="en-US" altLang="ko-KR" dirty="0"/>
-              <a:t>7. Get Map</a:t>
-            </a:r>
-            <a:r>
-              <a:rPr kumimoji="1" lang="ko-KR" altLang="en-US" dirty="0"/>
-              <a:t> </a:t>
-            </a:r>
-            <a:r>
-              <a:rPr kumimoji="1" lang="en-US" altLang="ko-KR" dirty="0"/>
               <a:t>at </a:t>
             </a:r>
             <a:r>
               <a:rPr kumimoji="1" lang="ko-KR" altLang="en-US" dirty="0"/>
               <a:t>분석기</a:t>
             </a:r>
-            <a:br>
-              <a:rPr kumimoji="1" lang="en-US" altLang="ko-KR" dirty="0"/>
-            </a:br>
-            <a:r>
-              <a:rPr kumimoji="1" lang="en-US" altLang="ko-KR" dirty="0"/>
-              <a:t>6.</a:t>
-            </a:r>
-            <a:r>
-              <a:rPr kumimoji="1" lang="ko-KR" altLang="en-US" dirty="0"/>
-              <a:t> </a:t>
-            </a:r>
-            <a:r>
-              <a:rPr kumimoji="1" lang="en-US" altLang="ko-KR" dirty="0"/>
-              <a:t>Put </a:t>
+            <a:endParaRPr kumimoji="1" lang="en-US" altLang="ko-KR" dirty="0"/>
+          </a:p>
+          <a:p>
+            <a:pPr marL="1257300" lvl="2" indent="-342900">
+              <a:buFont typeface="+mj-ea"/>
+              <a:buAutoNum type="circleNumDbPlain"/>
+            </a:pPr>
+            <a:r>
+              <a:rPr kumimoji="1" lang="en-US" altLang="ko-KR" dirty="0"/>
+              <a:t>Pick </a:t>
             </a:r>
             <a:r>
               <a:rPr kumimoji="1" lang="ko-KR" altLang="en-US" dirty="0" err="1"/>
@@ -12218,23 +12268,46 @@
             </a:r>
             <a:r>
               <a:rPr kumimoji="1" lang="en-US" altLang="ko-KR" dirty="0"/>
+              <a:t>from </a:t>
+            </a:r>
+            <a:r>
+              <a:rPr kumimoji="1" lang="en-US" altLang="ko-KR" dirty="0" err="1"/>
+              <a:t>MoMa</a:t>
+            </a:r>
+            <a:endParaRPr kumimoji="1" lang="en-US" altLang="ko-KR" dirty="0"/>
+          </a:p>
+          <a:p>
+            <a:pPr marL="1257300" lvl="2" indent="-342900">
+              <a:buFont typeface="+mj-ea"/>
+              <a:buAutoNum type="circleNumDbPlain"/>
+            </a:pPr>
+            <a:r>
+              <a:rPr kumimoji="1" lang="en-US" altLang="ko-KR" dirty="0"/>
+              <a:t>Put </a:t>
+            </a:r>
+            <a:r>
+              <a:rPr kumimoji="1" lang="ko-KR" altLang="en-US" dirty="0" err="1"/>
+              <a:t>실병</a:t>
+            </a:r>
+            <a:r>
+              <a:rPr kumimoji="1" lang="ko-KR" altLang="en-US" dirty="0"/>
+              <a:t> </a:t>
+            </a:r>
+            <a:r>
+              <a:rPr kumimoji="1" lang="en-US" altLang="ko-KR" dirty="0"/>
               <a:t>to </a:t>
             </a:r>
             <a:r>
               <a:rPr kumimoji="1" lang="ko-KR" altLang="en-US" dirty="0"/>
               <a:t>분석기</a:t>
             </a:r>
-            <a:br>
-              <a:rPr kumimoji="1" lang="en-US" altLang="ko-KR" dirty="0"/>
-            </a:br>
-            <a:r>
-              <a:rPr kumimoji="1" lang="en-US" altLang="ko-KR" dirty="0"/>
-              <a:t>7.</a:t>
-            </a:r>
-            <a:r>
-              <a:rPr kumimoji="1" lang="ko-KR" altLang="en-US" dirty="0"/>
-              <a:t> </a:t>
-            </a:r>
+            <a:endParaRPr kumimoji="1" lang="en-US" altLang="ko-KR" dirty="0"/>
+          </a:p>
+          <a:p>
+            <a:pPr marL="800100" lvl="1" indent="-342900">
+              <a:buFont typeface="+mj-lt"/>
+              <a:buAutoNum type="arabicPeriod"/>
+            </a:pPr>
             <a:r>
               <a:rPr kumimoji="1" lang="en-US" altLang="ko-KR" dirty="0"/>
               <a:t>Close </a:t>
@@ -12249,12 +12322,53 @@
             </a:r>
           </a:p>
           <a:p>
+            <a:pPr marL="800100" lvl="1" indent="-342900">
+              <a:buFont typeface="+mj-lt"/>
+              <a:buAutoNum type="arabicPeriod"/>
+            </a:pPr>
+            <a:r>
+              <a:rPr kumimoji="1" lang="en-US" altLang="ko-KR" dirty="0"/>
+              <a:t>Send Map to </a:t>
+            </a:r>
+            <a:r>
+              <a:rPr kumimoji="1" lang="ko-KR" altLang="en-US" dirty="0"/>
+              <a:t>분석기</a:t>
+            </a:r>
+            <a:endParaRPr kumimoji="1" lang="en-US" altLang="ko-KR" dirty="0"/>
+          </a:p>
+        </p:txBody>
+      </p:sp>
+      <p:sp>
+        <p:nvSpPr>
+          <p:cNvPr id="17" name="TextBox 16">
+            <a:extLst>
+              <a:ext uri="{FF2B5EF4-FFF2-40B4-BE49-F238E27FC236}">
+                <a16:creationId xmlns:a16="http://schemas.microsoft.com/office/drawing/2014/main" id="{0222E5B7-CDC4-86A6-AF5E-56BA7980AEC9}"/>
+              </a:ext>
+            </a:extLst>
+          </p:cNvPr>
+          <p:cNvSpPr txBox="1"/>
+          <p:nvPr/>
+        </p:nvSpPr>
+        <p:spPr>
+          <a:xfrm>
+            <a:off x="4920283" y="1021500"/>
+            <a:ext cx="4250202" cy="3970318"/>
+          </a:xfrm>
+          <a:prstGeom prst="rect">
+            <a:avLst/>
+          </a:prstGeom>
+          <a:noFill/>
+        </p:spPr>
+        <p:txBody>
+          <a:bodyPr wrap="none" rtlCol="0" anchor="t">
+            <a:spAutoFit/>
+          </a:bodyPr>
+          <a:lstStyle/>
+          <a:p>
             <a:pPr marL="342900" indent="-342900">
-              <a:spcBef>
-                <a:spcPts val="3600"/>
-              </a:spcBef>
               <a:buFont typeface="+mj-lt"/>
-              <a:buAutoNum type="arabicParenR"/>
+              <a:buAutoNum type="arabicParenR" startAt="2"/>
             </a:pPr>
             <a:r>
               <a:rPr kumimoji="1" lang="ko-KR" altLang="en-US" b="1" dirty="0" err="1">
@@ -12296,17 +12410,13 @@
               <a:rPr kumimoji="1" lang="ko-KR" altLang="en-US" dirty="0"/>
               <a:t>로 이동</a:t>
             </a:r>
-            <a:br>
-              <a:rPr kumimoji="1" lang="en-US" altLang="ko-KR" dirty="0"/>
-            </a:br>
-            <a:r>
-              <a:rPr kumimoji="1" lang="en-US" altLang="ko-KR" dirty="0"/>
-              <a:t>1.</a:t>
-            </a:r>
-            <a:r>
-              <a:rPr kumimoji="1" lang="ko-KR" altLang="en-US" dirty="0"/>
-              <a:t> </a:t>
-            </a:r>
+            <a:endParaRPr kumimoji="1" lang="en-US" altLang="ko-KR" dirty="0"/>
+          </a:p>
+          <a:p>
+            <a:pPr marL="800100" lvl="1" indent="-342900">
+              <a:buFont typeface="+mj-lt"/>
+              <a:buAutoNum type="arabicPeriod"/>
+            </a:pPr>
             <a:r>
               <a:rPr kumimoji="1" lang="en-US" altLang="ko-KR" dirty="0"/>
               <a:t>Move </a:t>
@@ -12323,17 +12433,13 @@
               <a:rPr kumimoji="1" lang="ko-KR" altLang="en-US" dirty="0"/>
               <a:t>반출입기</a:t>
             </a:r>
-            <a:br>
-              <a:rPr kumimoji="1" lang="en-US" altLang="ko-KR" dirty="0"/>
-            </a:br>
-            <a:r>
-              <a:rPr kumimoji="1" lang="en-US" altLang="ko-KR" dirty="0"/>
-              <a:t>2.</a:t>
-            </a:r>
-            <a:r>
-              <a:rPr kumimoji="1" lang="ko-KR" altLang="en-US" dirty="0"/>
-              <a:t> </a:t>
-            </a:r>
+            <a:endParaRPr kumimoji="1" lang="en-US" altLang="ko-KR" dirty="0"/>
+          </a:p>
+          <a:p>
+            <a:pPr marL="800100" lvl="1" indent="-342900">
+              <a:buFont typeface="+mj-lt"/>
+              <a:buAutoNum type="arabicPeriod"/>
+            </a:pPr>
             <a:r>
               <a:rPr kumimoji="1" lang="en-US" altLang="ko-KR" dirty="0"/>
               <a:t>Get Map from </a:t>
@@ -12342,17 +12448,13 @@
               <a:rPr kumimoji="1" lang="ko-KR" altLang="en-US" dirty="0"/>
               <a:t>반출입기</a:t>
             </a:r>
-            <a:br>
-              <a:rPr kumimoji="1" lang="en-US" altLang="ko-KR" dirty="0"/>
-            </a:br>
-            <a:r>
-              <a:rPr kumimoji="1" lang="en-US" altLang="ko-KR" dirty="0"/>
-              <a:t>3.</a:t>
-            </a:r>
-            <a:r>
-              <a:rPr kumimoji="1" lang="ko-KR" altLang="en-US" dirty="0"/>
-              <a:t> </a:t>
-            </a:r>
+            <a:endParaRPr kumimoji="1" lang="en-US" altLang="ko-KR" dirty="0"/>
+          </a:p>
+          <a:p>
+            <a:pPr marL="1257300" lvl="2" indent="-342900">
+              <a:buFont typeface="+mj-ea"/>
+              <a:buAutoNum type="circleNumDbPlain"/>
+            </a:pPr>
             <a:r>
               <a:rPr kumimoji="1" lang="en-US" altLang="ko-KR" dirty="0"/>
               <a:t>Pick </a:t>
@@ -12367,23 +12469,64 @@
             </a:r>
             <a:r>
               <a:rPr kumimoji="1" lang="en-US" altLang="ko-KR" dirty="0"/>
+              <a:t>from </a:t>
+            </a:r>
+            <a:r>
+              <a:rPr kumimoji="1" lang="ko-KR" altLang="en-US" dirty="0"/>
+              <a:t>반출입기</a:t>
+            </a:r>
+            <a:endParaRPr kumimoji="1" lang="en-US" altLang="ko-KR" dirty="0"/>
+          </a:p>
+          <a:p>
+            <a:pPr marL="1257300" lvl="2" indent="-342900">
+              <a:buFont typeface="+mj-ea"/>
+              <a:buAutoNum type="circleNumDbPlain"/>
+            </a:pPr>
+            <a:r>
+              <a:rPr kumimoji="1" lang="en-US" altLang="ko-KR" dirty="0"/>
+              <a:t>Put  </a:t>
+            </a:r>
+            <a:r>
+              <a:rPr kumimoji="1" lang="ko-KR" altLang="en-US" dirty="0" err="1"/>
+              <a:t>실병</a:t>
+            </a:r>
+            <a:r>
+              <a:rPr kumimoji="1" lang="ko-KR" altLang="en-US" dirty="0"/>
+              <a:t> </a:t>
+            </a:r>
+            <a:r>
+              <a:rPr kumimoji="1" lang="en-US" altLang="ko-KR" dirty="0"/>
               <a:t>to </a:t>
             </a:r>
             <a:r>
               <a:rPr kumimoji="1" lang="en-US" altLang="ko-KR" dirty="0" err="1"/>
               <a:t>MoMa</a:t>
             </a:r>
+            <a:endParaRPr kumimoji="1" lang="en-US" altLang="ko-KR" dirty="0"/>
+          </a:p>
+          <a:p>
+            <a:pPr marL="800100" lvl="1" indent="-342900">
+              <a:buFont typeface="+mj-lt"/>
+              <a:buAutoNum type="arabicPeriod"/>
+            </a:pPr>
+            <a:r>
+              <a:rPr kumimoji="1" lang="en-US" altLang="ko-KR" dirty="0"/>
+              <a:t>Send Map to </a:t>
+            </a:r>
+            <a:r>
+              <a:rPr kumimoji="1" lang="ko-KR" altLang="en-US" dirty="0"/>
+              <a:t>반출입기</a:t>
+            </a:r>
             <a:br>
               <a:rPr kumimoji="1" lang="en-US" altLang="ko-KR" dirty="0"/>
             </a:br>
-            <a:r>
-              <a:rPr kumimoji="1" lang="en-US" altLang="ko-KR" dirty="0"/>
-              <a:t>4.</a:t>
-            </a:r>
-            <a:r>
-              <a:rPr kumimoji="1" lang="ko-KR" altLang="en-US" dirty="0"/>
-              <a:t> </a:t>
-            </a:r>
+            <a:endParaRPr kumimoji="1" lang="en-US" altLang="ko-KR" dirty="0"/>
+          </a:p>
+          <a:p>
+            <a:pPr marL="800100" lvl="1" indent="-342900">
+              <a:buFont typeface="+mj-lt"/>
+              <a:buAutoNum type="arabicPeriod"/>
+            </a:pPr>
             <a:r>
               <a:rPr kumimoji="1" lang="en-US" altLang="ko-KR" dirty="0"/>
               <a:t>Move </a:t>
@@ -12396,12 +12539,15 @@
               <a:rPr kumimoji="1" lang="en-US" altLang="ko-KR" dirty="0"/>
               <a:t> to Stocker</a:t>
             </a:r>
-            <a:br>
-              <a:rPr kumimoji="1" lang="en-US" altLang="ko-KR" dirty="0"/>
-            </a:br>
-            <a:r>
-              <a:rPr kumimoji="1" lang="en-US" altLang="ko-KR" dirty="0"/>
-              <a:t>5.</a:t>
+          </a:p>
+          <a:p>
+            <a:pPr marL="800100" lvl="1" indent="-342900">
+              <a:buFont typeface="+mj-lt"/>
+              <a:buAutoNum type="arabicPeriod"/>
+            </a:pPr>
+            <a:r>
+              <a:rPr kumimoji="1" lang="en-US" altLang="ko-KR" dirty="0"/>
+              <a:t>Open Stocker</a:t>
             </a:r>
             <a:r>
               <a:rPr kumimoji="1" lang="ko-KR" altLang="en-US" dirty="0"/>
@@ -12409,7 +12555,17 @@
             </a:r>
             <a:r>
               <a:rPr kumimoji="1" lang="en-US" altLang="ko-KR" dirty="0"/>
-              <a:t>Open Stocker</a:t>
+              <a:t>Door</a:t>
+            </a:r>
+          </a:p>
+          <a:p>
+            <a:pPr marL="800100" lvl="1" indent="-342900">
+              <a:buFont typeface="+mj-lt"/>
+              <a:buAutoNum type="arabicPeriod"/>
+            </a:pPr>
+            <a:r>
+              <a:rPr kumimoji="1" lang="en-US" altLang="ko-KR" dirty="0"/>
+              <a:t>Get Map</a:t>
             </a:r>
             <a:r>
               <a:rPr kumimoji="1" lang="ko-KR" altLang="en-US" dirty="0"/>
@@ -12417,37 +12573,17 @@
             </a:r>
             <a:r>
               <a:rPr kumimoji="1" lang="en-US" altLang="ko-KR" dirty="0"/>
-              <a:t>Door</a:t>
-            </a:r>
-            <a:br>
-              <a:rPr kumimoji="1" lang="en-US" altLang="ko-KR" dirty="0"/>
-            </a:br>
-            <a:r>
-              <a:rPr kumimoji="1" lang="en-US" altLang="ko-KR" dirty="0"/>
-              <a:t>6. Get Map</a:t>
-            </a:r>
-            <a:r>
-              <a:rPr kumimoji="1" lang="ko-KR" altLang="en-US" dirty="0"/>
-              <a:t> </a:t>
-            </a:r>
-            <a:r>
-              <a:rPr kumimoji="1" lang="en-US" altLang="ko-KR" dirty="0"/>
               <a:t>at Stocker</a:t>
             </a:r>
-            <a:br>
-              <a:rPr kumimoji="1" lang="en-US" altLang="ko-KR" dirty="0"/>
-            </a:br>
-            <a:r>
-              <a:rPr kumimoji="1" lang="en-US" altLang="ko-KR" dirty="0"/>
-              <a:t>7.</a:t>
-            </a:r>
-            <a:r>
-              <a:rPr kumimoji="1" lang="ko-KR" altLang="en-US" dirty="0"/>
-              <a:t> </a:t>
-            </a:r>
-            <a:r>
-              <a:rPr kumimoji="1" lang="en-US" altLang="ko-KR" dirty="0"/>
-              <a:t>Put </a:t>
+          </a:p>
+          <a:p>
+            <a:pPr marL="1257300" lvl="2" indent="-342900">
+              <a:buFont typeface="+mj-ea"/>
+              <a:buAutoNum type="circleNumDbPlain"/>
+            </a:pPr>
+            <a:r>
+              <a:rPr kumimoji="1" lang="en-US" altLang="ko-KR" dirty="0"/>
+              <a:t>Pick </a:t>
             </a:r>
             <a:r>
               <a:rPr kumimoji="1" lang="ko-KR" altLang="en-US" dirty="0" err="1"/>
@@ -12459,14 +12595,54 @@
             </a:r>
             <a:r>
               <a:rPr kumimoji="1" lang="en-US" altLang="ko-KR" dirty="0"/>
+              <a:t>from </a:t>
+            </a:r>
+            <a:r>
+              <a:rPr kumimoji="1" lang="en-US" altLang="ko-KR" dirty="0" err="1"/>
+              <a:t>MoMa</a:t>
+            </a:r>
+            <a:endParaRPr kumimoji="1" lang="en-US" altLang="ko-KR" dirty="0"/>
+          </a:p>
+          <a:p>
+            <a:pPr marL="1257300" lvl="2" indent="-342900">
+              <a:buFont typeface="+mj-ea"/>
+              <a:buAutoNum type="circleNumDbPlain"/>
+            </a:pPr>
+            <a:r>
+              <a:rPr kumimoji="1" lang="en-US" altLang="ko-KR" dirty="0"/>
+              <a:t>Put </a:t>
+            </a:r>
+            <a:r>
+              <a:rPr kumimoji="1" lang="ko-KR" altLang="en-US" dirty="0" err="1"/>
+              <a:t>실병</a:t>
+            </a:r>
+            <a:r>
+              <a:rPr kumimoji="1" lang="ko-KR" altLang="en-US" dirty="0"/>
+              <a:t> </a:t>
+            </a:r>
+            <a:r>
+              <a:rPr kumimoji="1" lang="en-US" altLang="ko-KR" dirty="0"/>
               <a:t>to Stocker</a:t>
             </a:r>
-            <a:br>
-              <a:rPr kumimoji="1" lang="en-US" altLang="ko-KR" dirty="0"/>
-            </a:br>
-            <a:r>
-              <a:rPr kumimoji="1" lang="en-US" altLang="ko-KR" dirty="0"/>
-              <a:t>8. Close Stocker Door</a:t>
+          </a:p>
+          <a:p>
+            <a:pPr marL="800100" lvl="1" indent="-342900">
+              <a:buFont typeface="+mj-lt"/>
+              <a:buAutoNum type="arabicPeriod"/>
+            </a:pPr>
+            <a:r>
+              <a:rPr kumimoji="1" lang="en-US" altLang="ko-KR" dirty="0"/>
+              <a:t>Close Stocker Door</a:t>
+            </a:r>
+          </a:p>
+          <a:p>
+            <a:pPr marL="800100" lvl="1" indent="-342900">
+              <a:buFont typeface="+mj-lt"/>
+              <a:buAutoNum type="arabicPeriod"/>
+            </a:pPr>
+            <a:r>
+              <a:rPr kumimoji="1" lang="en-US" altLang="ko-KR" dirty="0"/>
+              <a:t>Send Map to Stocker</a:t>
             </a:r>
           </a:p>
         </p:txBody>
@@ -13624,8 +13800,8 @@
         </p:nvSpPr>
         <p:spPr>
           <a:xfrm>
-            <a:off x="413961" y="749472"/>
-            <a:ext cx="4641014" cy="5816977"/>
+            <a:off x="435429" y="1013630"/>
+            <a:ext cx="4250202" cy="4524315"/>
           </a:xfrm>
           <a:prstGeom prst="rect">
             <a:avLst/>
@@ -13633,15 +13809,12 @@
           <a:noFill/>
         </p:spPr>
         <p:txBody>
-          <a:bodyPr wrap="none" rtlCol="0" anchor="ctr">
+          <a:bodyPr wrap="none" rtlCol="0" anchor="t">
             <a:spAutoFit/>
           </a:bodyPr>
           <a:lstStyle/>
           <a:p>
             <a:pPr marL="342900" indent="-342900">
-              <a:spcBef>
-                <a:spcPts val="3600"/>
-              </a:spcBef>
               <a:buFont typeface="+mj-lt"/>
               <a:buAutoNum type="arabicParenR"/>
             </a:pPr>
@@ -13681,12 +13854,16 @@
               <a:rPr kumimoji="1" lang="ko-KR" altLang="en-US" dirty="0"/>
               <a:t>로 이동</a:t>
             </a:r>
-            <a:br>
-              <a:rPr kumimoji="1" lang="en-US" altLang="ko-KR" dirty="0"/>
-            </a:br>
-            <a:r>
-              <a:rPr kumimoji="1" lang="en-US" altLang="ko-KR" dirty="0"/>
-              <a:t>1. Move </a:t>
+            <a:endParaRPr kumimoji="1" lang="en-US" altLang="ko-KR" dirty="0"/>
+          </a:p>
+          <a:p>
+            <a:pPr marL="800100" lvl="1" indent="-342900">
+              <a:buFont typeface="+mj-lt"/>
+              <a:buAutoNum type="arabicPeriod"/>
+            </a:pPr>
+            <a:r>
+              <a:rPr kumimoji="1" lang="en-US" altLang="ko-KR" dirty="0"/>
+              <a:t>Move </a:t>
             </a:r>
             <a:r>
               <a:rPr kumimoji="1" lang="en-US" altLang="ko-KR" dirty="0" err="1"/>
@@ -13700,17 +13877,13 @@
               <a:rPr kumimoji="1" lang="ko-KR" altLang="en-US" dirty="0"/>
               <a:t>분석기</a:t>
             </a:r>
-            <a:br>
-              <a:rPr kumimoji="1" lang="en-US" altLang="ko-KR" dirty="0"/>
-            </a:br>
-            <a:r>
-              <a:rPr kumimoji="1" lang="en-US" altLang="ko-KR" dirty="0"/>
-              <a:t>2.</a:t>
-            </a:r>
-            <a:r>
-              <a:rPr kumimoji="1" lang="ko-KR" altLang="en-US" dirty="0"/>
-              <a:t> </a:t>
-            </a:r>
+            <a:endParaRPr kumimoji="1" lang="en-US" altLang="ko-KR" dirty="0"/>
+          </a:p>
+          <a:p>
+            <a:pPr marL="800100" lvl="1" indent="-342900">
+              <a:buFont typeface="+mj-lt"/>
+              <a:buAutoNum type="arabicPeriod"/>
+            </a:pPr>
             <a:r>
               <a:rPr kumimoji="1" lang="en-US" altLang="ko-KR" dirty="0"/>
               <a:t>Get Map from </a:t>
@@ -13719,17 +13892,13 @@
               <a:rPr kumimoji="1" lang="ko-KR" altLang="en-US" dirty="0"/>
               <a:t>분석기</a:t>
             </a:r>
-            <a:br>
-              <a:rPr kumimoji="1" lang="en-US" altLang="ko-KR" dirty="0"/>
-            </a:br>
-            <a:r>
-              <a:rPr kumimoji="1" lang="en-US" altLang="ko-KR" dirty="0"/>
-              <a:t>3.</a:t>
-            </a:r>
-            <a:r>
-              <a:rPr kumimoji="1" lang="ko-KR" altLang="en-US" dirty="0"/>
-              <a:t> </a:t>
-            </a:r>
+            <a:endParaRPr kumimoji="1" lang="en-US" altLang="ko-KR" dirty="0"/>
+          </a:p>
+          <a:p>
+            <a:pPr marL="800100" lvl="1" indent="-342900">
+              <a:buFont typeface="+mj-lt"/>
+              <a:buAutoNum type="arabicPeriod"/>
+            </a:pPr>
             <a:r>
               <a:rPr kumimoji="1" lang="en-US" altLang="ko-KR" dirty="0"/>
               <a:t>Open Door at </a:t>
@@ -13738,17 +13907,13 @@
               <a:rPr kumimoji="1" lang="ko-KR" altLang="en-US" dirty="0"/>
               <a:t>분석기</a:t>
             </a:r>
-            <a:br>
-              <a:rPr kumimoji="1" lang="en-US" altLang="ko-KR" dirty="0"/>
-            </a:br>
-            <a:r>
-              <a:rPr kumimoji="1" lang="en-US" altLang="ko-KR" dirty="0"/>
-              <a:t>4.</a:t>
-            </a:r>
-            <a:r>
-              <a:rPr kumimoji="1" lang="ko-KR" altLang="en-US" dirty="0"/>
-              <a:t> </a:t>
-            </a:r>
+            <a:endParaRPr kumimoji="1" lang="en-US" altLang="ko-KR" dirty="0"/>
+          </a:p>
+          <a:p>
+            <a:pPr marL="1257300" lvl="2" indent="-342900">
+              <a:buFont typeface="+mj-ea"/>
+              <a:buAutoNum type="circleNumDbPlain"/>
+            </a:pPr>
             <a:r>
               <a:rPr kumimoji="1" lang="en-US" altLang="ko-KR" dirty="0"/>
               <a:t>Pick </a:t>
@@ -13769,23 +13934,20 @@
               <a:rPr kumimoji="1" lang="ko-KR" altLang="en-US" dirty="0"/>
               <a:t>분석기</a:t>
             </a:r>
-            <a:br>
-              <a:rPr kumimoji="1" lang="en-US" altLang="ko-KR" dirty="0"/>
-            </a:br>
-            <a:r>
-              <a:rPr kumimoji="1" lang="en-US" altLang="ko-KR" dirty="0"/>
-              <a:t>5. Close Door at </a:t>
-            </a:r>
-            <a:r>
-              <a:rPr kumimoji="1" lang="ko-KR" altLang="en-US" dirty="0"/>
-              <a:t>분석기</a:t>
-            </a:r>
-            <a:br>
-              <a:rPr kumimoji="1" lang="en-US" altLang="ko-KR" dirty="0"/>
-            </a:br>
-            <a:r>
-              <a:rPr kumimoji="1" lang="en-US" altLang="ko-KR" dirty="0"/>
-              <a:t>6.</a:t>
+            <a:endParaRPr kumimoji="1" lang="en-US" altLang="ko-KR" dirty="0"/>
+          </a:p>
+          <a:p>
+            <a:pPr marL="1257300" lvl="2" indent="-342900">
+              <a:buFont typeface="+mj-ea"/>
+              <a:buAutoNum type="circleNumDbPlain"/>
+            </a:pPr>
+            <a:r>
+              <a:rPr kumimoji="1" lang="en-US" altLang="ko-KR" dirty="0"/>
+              <a:t>Put </a:t>
+            </a:r>
+            <a:r>
+              <a:rPr kumimoji="1" lang="ko-KR" altLang="en-US" dirty="0" err="1"/>
+              <a:t>재검병</a:t>
             </a:r>
             <a:r>
               <a:rPr kumimoji="1" lang="ko-KR" altLang="en-US" dirty="0"/>
@@ -13793,36 +13955,93 @@
             </a:r>
             <a:r>
               <a:rPr kumimoji="1" lang="en-US" altLang="ko-KR" dirty="0"/>
-              <a:t>Move </a:t>
+              <a:t>at </a:t>
             </a:r>
             <a:r>
               <a:rPr kumimoji="1" lang="en-US" altLang="ko-KR" dirty="0" err="1"/>
               <a:t>MoMa</a:t>
             </a:r>
+            <a:endParaRPr kumimoji="1" lang="en-US" altLang="ko-KR" dirty="0"/>
+          </a:p>
+          <a:p>
+            <a:pPr marL="800100" lvl="1" indent="-342900">
+              <a:buFont typeface="+mj-lt"/>
+              <a:buAutoNum type="arabicPeriod"/>
+            </a:pPr>
+            <a:r>
+              <a:rPr kumimoji="1" lang="en-US" altLang="ko-KR" dirty="0"/>
+              <a:t>Close Door at </a:t>
+            </a:r>
+            <a:r>
+              <a:rPr kumimoji="1" lang="ko-KR" altLang="en-US" dirty="0"/>
+              <a:t>분석기</a:t>
+            </a:r>
+            <a:endParaRPr kumimoji="1" lang="en-US" altLang="ko-KR" dirty="0"/>
+          </a:p>
+          <a:p>
+            <a:pPr marL="800100" lvl="1" indent="-342900">
+              <a:buFont typeface="+mj-lt"/>
+              <a:buAutoNum type="arabicPeriod"/>
+            </a:pPr>
+            <a:r>
+              <a:rPr kumimoji="1" lang="en-US" altLang="ko-KR" dirty="0"/>
+              <a:t>Send Map to </a:t>
+            </a:r>
+            <a:r>
+              <a:rPr kumimoji="1" lang="ko-KR" altLang="en-US" dirty="0"/>
+              <a:t>분석기</a:t>
+            </a:r>
+            <a:br>
+              <a:rPr kumimoji="1" lang="en-US" altLang="ko-KR" dirty="0"/>
+            </a:br>
+            <a:endParaRPr kumimoji="1" lang="en-US" altLang="ko-KR" dirty="0"/>
+          </a:p>
+          <a:p>
+            <a:pPr marL="800100" lvl="1" indent="-342900">
+              <a:buFont typeface="+mj-lt"/>
+              <a:buAutoNum type="arabicPeriod"/>
+            </a:pPr>
+            <a:r>
+              <a:rPr kumimoji="1" lang="en-US" altLang="ko-KR" dirty="0"/>
+              <a:t>Move </a:t>
+            </a:r>
+            <a:r>
+              <a:rPr kumimoji="1" lang="en-US" altLang="ko-KR" dirty="0" err="1"/>
+              <a:t>MoMa</a:t>
+            </a:r>
             <a:r>
               <a:rPr kumimoji="1" lang="en-US" altLang="ko-KR" dirty="0"/>
               <a:t> to Stocker</a:t>
             </a:r>
-            <a:br>
-              <a:rPr kumimoji="1" lang="en-US" altLang="ko-KR" dirty="0"/>
-            </a:br>
-            <a:r>
-              <a:rPr kumimoji="1" lang="en-US" altLang="ko-KR" dirty="0"/>
-              <a:t>7. Get Map from Stocker</a:t>
-            </a:r>
-            <a:br>
-              <a:rPr kumimoji="1" lang="en-US" altLang="ko-KR" dirty="0"/>
-            </a:br>
-            <a:r>
-              <a:rPr kumimoji="1" lang="en-US" altLang="ko-KR" dirty="0"/>
-              <a:t>8. Open Door at Stocker</a:t>
-            </a:r>
-            <a:br>
-              <a:rPr kumimoji="1" lang="en-US" altLang="ko-KR" dirty="0"/>
-            </a:br>
-            <a:r>
-              <a:rPr kumimoji="1" lang="en-US" altLang="ko-KR" dirty="0"/>
-              <a:t>9. Put </a:t>
+          </a:p>
+          <a:p>
+            <a:pPr marL="800100" lvl="1" indent="-342900">
+              <a:buFont typeface="+mj-lt"/>
+              <a:buAutoNum type="arabicPeriod"/>
+            </a:pPr>
+            <a:r>
+              <a:rPr kumimoji="1" lang="en-US" altLang="ko-KR" dirty="0"/>
+              <a:t>Get Map from Stocker</a:t>
+            </a:r>
+          </a:p>
+          <a:p>
+            <a:pPr marL="800100" lvl="1" indent="-342900">
+              <a:buFont typeface="+mj-lt"/>
+              <a:buAutoNum type="arabicPeriod"/>
+            </a:pPr>
+            <a:r>
+              <a:rPr kumimoji="1" lang="en-US" altLang="ko-KR" dirty="0"/>
+              <a:t>Open Door at Stocker</a:t>
+            </a:r>
+          </a:p>
+          <a:p>
+            <a:pPr marL="1257300" lvl="2" indent="-342900">
+              <a:buFont typeface="+mj-ea"/>
+              <a:buAutoNum type="circleNumDbPlain"/>
+            </a:pPr>
+            <a:r>
+              <a:rPr kumimoji="1" lang="en-US" altLang="ko-KR" dirty="0"/>
+              <a:t>Pick </a:t>
             </a:r>
             <a:r>
               <a:rPr kumimoji="1" lang="ko-KR" altLang="en-US" dirty="0" err="1"/>
@@ -13834,23 +14053,89 @@
             </a:r>
             <a:r>
               <a:rPr kumimoji="1" lang="en-US" altLang="ko-KR" dirty="0"/>
-              <a:t>to Stocker</a:t>
-            </a:r>
-            <a:br>
-              <a:rPr kumimoji="1" lang="en-US" altLang="ko-KR" dirty="0"/>
-            </a:br>
-            <a:r>
-              <a:rPr kumimoji="1" lang="en-US" altLang="ko-KR" dirty="0"/>
-              <a:t>10. Close Door at Stocker</a:t>
-            </a:r>
-          </a:p>
+              <a:t>at </a:t>
+            </a:r>
+            <a:r>
+              <a:rPr kumimoji="1" lang="en-US" altLang="ko-KR" dirty="0" err="1"/>
+              <a:t>MoMa</a:t>
+            </a:r>
+            <a:endParaRPr kumimoji="1" lang="en-US" altLang="ko-KR" dirty="0"/>
+          </a:p>
+          <a:p>
+            <a:pPr marL="1257300" lvl="2" indent="-342900">
+              <a:buFont typeface="+mj-ea"/>
+              <a:buAutoNum type="circleNumDbPlain"/>
+            </a:pPr>
+            <a:r>
+              <a:rPr kumimoji="1" lang="en-US" altLang="ko-KR" dirty="0"/>
+              <a:t>Put </a:t>
+            </a:r>
+            <a:r>
+              <a:rPr kumimoji="1" lang="ko-KR" altLang="en-US" dirty="0" err="1"/>
+              <a:t>재검병</a:t>
+            </a:r>
+            <a:r>
+              <a:rPr kumimoji="1" lang="ko-KR" altLang="en-US" dirty="0"/>
+              <a:t> </a:t>
+            </a:r>
+            <a:r>
+              <a:rPr kumimoji="1" lang="en-US" altLang="ko-KR" dirty="0"/>
+              <a:t>at Stocker</a:t>
+            </a:r>
+          </a:p>
+          <a:p>
+            <a:pPr marL="800100" lvl="1" indent="-342900">
+              <a:buFont typeface="+mj-lt"/>
+              <a:buAutoNum type="arabicPeriod"/>
+            </a:pPr>
+            <a:r>
+              <a:rPr kumimoji="1" lang="en-US" altLang="ko-KR" dirty="0"/>
+              <a:t>Close Door at Stocker</a:t>
+            </a:r>
+          </a:p>
+          <a:p>
+            <a:pPr marL="800100" lvl="1" indent="-342900">
+              <a:buFont typeface="+mj-lt"/>
+              <a:buAutoNum type="arabicPeriod"/>
+            </a:pPr>
+            <a:r>
+              <a:rPr kumimoji="1" lang="en-US" altLang="ko-KR" dirty="0"/>
+              <a:t>Send Map to Stocker</a:t>
+            </a:r>
+          </a:p>
+        </p:txBody>
+      </p:sp>
+      <p:sp>
+        <p:nvSpPr>
+          <p:cNvPr id="19" name="TextBox 18">
+            <a:extLst>
+              <a:ext uri="{FF2B5EF4-FFF2-40B4-BE49-F238E27FC236}">
+                <a16:creationId xmlns:a16="http://schemas.microsoft.com/office/drawing/2014/main" id="{FDFE0188-BC91-E526-5C5B-5581B5634C78}"/>
+              </a:ext>
+            </a:extLst>
+          </p:cNvPr>
+          <p:cNvSpPr txBox="1"/>
+          <p:nvPr/>
+        </p:nvSpPr>
+        <p:spPr>
+          <a:xfrm>
+            <a:off x="4920283" y="1034143"/>
+            <a:ext cx="4641014" cy="3416320"/>
+          </a:xfrm>
+          <a:prstGeom prst="rect">
+            <a:avLst/>
+          </a:prstGeom>
+          <a:noFill/>
+        </p:spPr>
+        <p:txBody>
+          <a:bodyPr wrap="square" rtlCol="0" anchor="t">
+            <a:spAutoFit/>
+          </a:bodyPr>
+          <a:lstStyle/>
           <a:p>
             <a:pPr marL="342900" indent="-342900">
-              <a:spcBef>
-                <a:spcPts val="3600"/>
-              </a:spcBef>
               <a:buFont typeface="+mj-lt"/>
-              <a:buAutoNum type="arabicParenR"/>
+              <a:buAutoNum type="arabicParenR" startAt="2"/>
             </a:pPr>
             <a:r>
               <a:rPr kumimoji="1" lang="ko-KR" altLang="en-US" b="1" dirty="0">
@@ -13888,12 +14173,16 @@
               <a:rPr kumimoji="1" lang="ko-KR" altLang="en-US" dirty="0"/>
               <a:t>로 이동</a:t>
             </a:r>
-            <a:br>
-              <a:rPr kumimoji="1" lang="en-US" altLang="ko-KR" dirty="0"/>
-            </a:br>
-            <a:r>
-              <a:rPr kumimoji="1" lang="en-US" altLang="ko-KR" dirty="0"/>
-              <a:t>1. Move </a:t>
+            <a:endParaRPr kumimoji="1" lang="en-US" altLang="ko-KR" dirty="0"/>
+          </a:p>
+          <a:p>
+            <a:pPr marL="800100" lvl="1" indent="-342900">
+              <a:buFont typeface="+mj-lt"/>
+              <a:buAutoNum type="arabicPeriod"/>
+            </a:pPr>
+            <a:r>
+              <a:rPr kumimoji="1" lang="en-US" altLang="ko-KR" dirty="0"/>
+              <a:t>Move </a:t>
             </a:r>
             <a:r>
               <a:rPr kumimoji="1" lang="en-US" altLang="ko-KR" dirty="0" err="1"/>
@@ -13907,17 +14196,13 @@
               <a:rPr kumimoji="1" lang="ko-KR" altLang="en-US" dirty="0"/>
               <a:t>분석기</a:t>
             </a:r>
-            <a:br>
-              <a:rPr kumimoji="1" lang="en-US" altLang="ko-KR" dirty="0"/>
-            </a:br>
-            <a:r>
-              <a:rPr kumimoji="1" lang="en-US" altLang="ko-KR" dirty="0"/>
-              <a:t>2.</a:t>
-            </a:r>
-            <a:r>
-              <a:rPr kumimoji="1" lang="ko-KR" altLang="en-US" dirty="0"/>
-              <a:t> </a:t>
-            </a:r>
+            <a:endParaRPr kumimoji="1" lang="en-US" altLang="ko-KR" dirty="0"/>
+          </a:p>
+          <a:p>
+            <a:pPr marL="800100" lvl="1" indent="-342900">
+              <a:buFont typeface="+mj-lt"/>
+              <a:buAutoNum type="arabicPeriod"/>
+            </a:pPr>
             <a:r>
               <a:rPr kumimoji="1" lang="en-US" altLang="ko-KR" dirty="0"/>
               <a:t>Get Map from </a:t>
@@ -13926,17 +14211,13 @@
               <a:rPr kumimoji="1" lang="ko-KR" altLang="en-US" dirty="0"/>
               <a:t>분석기</a:t>
             </a:r>
-            <a:br>
-              <a:rPr kumimoji="1" lang="en-US" altLang="ko-KR" dirty="0"/>
-            </a:br>
-            <a:r>
-              <a:rPr kumimoji="1" lang="en-US" altLang="ko-KR" dirty="0"/>
-              <a:t>3.</a:t>
-            </a:r>
-            <a:r>
-              <a:rPr kumimoji="1" lang="ko-KR" altLang="en-US" dirty="0"/>
-              <a:t> </a:t>
-            </a:r>
+            <a:endParaRPr kumimoji="1" lang="en-US" altLang="ko-KR" dirty="0"/>
+          </a:p>
+          <a:p>
+            <a:pPr marL="800100" lvl="1" indent="-342900">
+              <a:buFont typeface="+mj-lt"/>
+              <a:buAutoNum type="arabicPeriod"/>
+            </a:pPr>
             <a:r>
               <a:rPr kumimoji="1" lang="en-US" altLang="ko-KR" dirty="0"/>
               <a:t>Open Door at </a:t>
@@ -13945,12 +14226,16 @@
               <a:rPr kumimoji="1" lang="ko-KR" altLang="en-US" dirty="0"/>
               <a:t>분석기</a:t>
             </a:r>
-            <a:br>
-              <a:rPr kumimoji="1" lang="en-US" altLang="ko-KR" dirty="0"/>
-            </a:br>
-            <a:r>
-              <a:rPr kumimoji="1" lang="en-US" altLang="ko-KR" dirty="0"/>
-              <a:t>4. Pick </a:t>
+            <a:endParaRPr kumimoji="1" lang="en-US" altLang="ko-KR" dirty="0"/>
+          </a:p>
+          <a:p>
+            <a:pPr marL="1257300" lvl="2" indent="-342900">
+              <a:buFont typeface="+mj-ea"/>
+              <a:buAutoNum type="circleNumDbPlain"/>
+            </a:pPr>
+            <a:r>
+              <a:rPr kumimoji="1" lang="en-US" altLang="ko-KR" dirty="0"/>
+              <a:t>Pick </a:t>
             </a:r>
             <a:r>
               <a:rPr kumimoji="1" lang="ko-KR" altLang="en-US" dirty="0"/>
@@ -13964,44 +14249,77 @@
               <a:rPr kumimoji="1" lang="ko-KR" altLang="en-US" dirty="0"/>
               <a:t>분석기</a:t>
             </a:r>
-            <a:br>
-              <a:rPr kumimoji="1" lang="en-US" altLang="ko-KR" dirty="0"/>
-            </a:br>
-            <a:r>
-              <a:rPr kumimoji="1" lang="en-US" altLang="ko-KR" dirty="0"/>
-              <a:t>5.</a:t>
-            </a:r>
-            <a:r>
-              <a:rPr kumimoji="1" lang="ko-KR" altLang="en-US" dirty="0"/>
-              <a:t> </a:t>
-            </a:r>
-            <a:r>
-              <a:rPr kumimoji="1" lang="en-US" altLang="ko-KR" dirty="0"/>
-              <a:t>Close Door at </a:t>
-            </a:r>
-            <a:r>
-              <a:rPr kumimoji="1" lang="ko-KR" altLang="en-US" dirty="0"/>
-              <a:t>분석기</a:t>
-            </a:r>
-            <a:br>
-              <a:rPr kumimoji="1" lang="en-US" altLang="ko-KR" dirty="0"/>
-            </a:br>
-            <a:r>
-              <a:rPr kumimoji="1" lang="en-US" altLang="ko-KR" dirty="0"/>
-              <a:t>6.</a:t>
-            </a:r>
-            <a:r>
-              <a:rPr kumimoji="1" lang="ko-KR" altLang="en-US" dirty="0"/>
-              <a:t> </a:t>
-            </a:r>
-            <a:r>
-              <a:rPr kumimoji="1" lang="en-US" altLang="ko-KR" dirty="0"/>
-              <a:t>Move </a:t>
+            <a:endParaRPr kumimoji="1" lang="en-US" altLang="ko-KR" dirty="0"/>
+          </a:p>
+          <a:p>
+            <a:pPr marL="1257300" lvl="2" indent="-342900">
+              <a:buFont typeface="+mj-ea"/>
+              <a:buAutoNum type="circleNumDbPlain"/>
+            </a:pPr>
+            <a:r>
+              <a:rPr kumimoji="1" lang="en-US" altLang="ko-KR" dirty="0"/>
+              <a:t>Put </a:t>
+            </a:r>
+            <a:r>
+              <a:rPr kumimoji="1" lang="ko-KR" altLang="en-US" dirty="0"/>
+              <a:t>완료된 병 </a:t>
+            </a:r>
+            <a:r>
+              <a:rPr kumimoji="1" lang="en-US" altLang="ko-KR" dirty="0"/>
+              <a:t>at </a:t>
             </a:r>
             <a:r>
               <a:rPr kumimoji="1" lang="en-US" altLang="ko-KR" dirty="0" err="1"/>
               <a:t>MoMa</a:t>
             </a:r>
+            <a:endParaRPr kumimoji="1" lang="en-US" altLang="ko-KR" dirty="0"/>
+          </a:p>
+          <a:p>
+            <a:pPr marL="800100" lvl="1" indent="-342900">
+              <a:buFont typeface="+mj-lt"/>
+              <a:buAutoNum type="arabicPeriod"/>
+            </a:pPr>
+            <a:r>
+              <a:rPr kumimoji="1" lang="en-US" altLang="ko-KR" dirty="0"/>
+              <a:t>Close Door at </a:t>
+            </a:r>
+            <a:r>
+              <a:rPr kumimoji="1" lang="ko-KR" altLang="en-US" dirty="0"/>
+              <a:t>분석기</a:t>
+            </a:r>
+            <a:endParaRPr kumimoji="1" lang="en-US" altLang="ko-KR" dirty="0"/>
+          </a:p>
+          <a:p>
+            <a:pPr marL="800100" lvl="1" indent="-342900">
+              <a:buFont typeface="+mj-lt"/>
+              <a:buAutoNum type="arabicPeriod"/>
+            </a:pPr>
+            <a:r>
+              <a:rPr kumimoji="1" lang="en-US" altLang="ko-KR" dirty="0"/>
+              <a:t>Send Map to </a:t>
+            </a:r>
+            <a:r>
+              <a:rPr kumimoji="1" lang="ko-KR" altLang="en-US" dirty="0"/>
+              <a:t>분석기</a:t>
+            </a:r>
+            <a:br>
+              <a:rPr kumimoji="1" lang="en-US" altLang="ko-KR" dirty="0"/>
+            </a:br>
+            <a:endParaRPr kumimoji="1" lang="en-US" altLang="ko-KR" dirty="0"/>
+          </a:p>
+          <a:p>
+            <a:pPr marL="800100" lvl="1" indent="-342900">
+              <a:buFont typeface="+mj-lt"/>
+              <a:buAutoNum type="arabicPeriod"/>
+            </a:pPr>
+            <a:r>
+              <a:rPr kumimoji="1" lang="en-US" altLang="ko-KR" dirty="0"/>
+              <a:t>Move </a:t>
+            </a:r>
+            <a:r>
+              <a:rPr kumimoji="1" lang="en-US" altLang="ko-KR" dirty="0" err="1"/>
+              <a:t>MoMa</a:t>
+            </a:r>
             <a:r>
               <a:rPr kumimoji="1" lang="en-US" altLang="ko-KR" dirty="0"/>
               <a:t> to </a:t>
@@ -14010,12 +14328,20 @@
               <a:rPr kumimoji="1" lang="ko-KR" altLang="en-US" dirty="0"/>
               <a:t>폐기설비</a:t>
             </a:r>
-            <a:br>
-              <a:rPr kumimoji="1" lang="en-US" altLang="ko-KR" dirty="0"/>
-            </a:br>
-            <a:r>
-              <a:rPr kumimoji="1" lang="en-US" altLang="ko-KR" dirty="0"/>
-              <a:t>7.</a:t>
+            <a:endParaRPr kumimoji="1" lang="en-US" altLang="ko-KR" dirty="0"/>
+          </a:p>
+          <a:p>
+            <a:pPr marL="1257300" lvl="2" indent="-342900">
+              <a:buFont typeface="+mj-ea"/>
+              <a:buAutoNum type="circleNumDbPlain"/>
+            </a:pPr>
+            <a:r>
+              <a:rPr kumimoji="1" lang="en-US" altLang="ko-KR" dirty="0"/>
+              <a:t>Pick </a:t>
+            </a:r>
+            <a:r>
+              <a:rPr kumimoji="1" lang="ko-KR" altLang="en-US" dirty="0" err="1"/>
+              <a:t>완료된병</a:t>
             </a:r>
             <a:r>
               <a:rPr kumimoji="1" lang="ko-KR" altLang="en-US" dirty="0"/>
@@ -14023,6 +14349,21 @@
             </a:r>
             <a:r>
               <a:rPr kumimoji="1" lang="en-US" altLang="ko-KR" dirty="0"/>
+              <a:t>at </a:t>
+            </a:r>
+            <a:r>
+              <a:rPr kumimoji="1" lang="en-US" altLang="ko-KR" dirty="0" err="1"/>
+              <a:t>MoMa</a:t>
+            </a:r>
+            <a:endParaRPr kumimoji="1" lang="en-US" altLang="ko-KR" dirty="0"/>
+          </a:p>
+          <a:p>
+            <a:pPr marL="1257300" lvl="2" indent="-342900">
+              <a:buFont typeface="+mj-ea"/>
+              <a:buAutoNum type="circleNumDbPlain"/>
+            </a:pPr>
+            <a:r>
+              <a:rPr kumimoji="1" lang="en-US" altLang="ko-KR" dirty="0"/>
               <a:t>Put </a:t>
             </a:r>
             <a:r>
@@ -14038,6 +14379,59 @@
               <a:t>폐기설비</a:t>
             </a:r>
             <a:endParaRPr kumimoji="1" lang="en-US" altLang="ko-KR" dirty="0"/>
+          </a:p>
+        </p:txBody>
+      </p:sp>
+      <p:sp>
+        <p:nvSpPr>
+          <p:cNvPr id="20" name="TextBox 19">
+            <a:extLst>
+              <a:ext uri="{FF2B5EF4-FFF2-40B4-BE49-F238E27FC236}">
+                <a16:creationId xmlns:a16="http://schemas.microsoft.com/office/drawing/2014/main" id="{32BFBACD-1799-3BF5-4308-DEE0528D568A}"/>
+              </a:ext>
+            </a:extLst>
+          </p:cNvPr>
+          <p:cNvSpPr txBox="1"/>
+          <p:nvPr/>
+        </p:nvSpPr>
+        <p:spPr>
+          <a:xfrm>
+            <a:off x="5307457" y="4494244"/>
+            <a:ext cx="2694970" cy="369332"/>
+          </a:xfrm>
+          <a:prstGeom prst="rect">
+            <a:avLst/>
+          </a:prstGeom>
+          <a:noFill/>
+        </p:spPr>
+        <p:txBody>
+          <a:bodyPr wrap="none" rtlCol="0">
+            <a:spAutoFit/>
+          </a:bodyPr>
+          <a:lstStyle/>
+          <a:p>
+            <a:pPr algn="ctr"/>
+            <a:r>
+              <a:rPr kumimoji="1" lang="en-US" altLang="ko-KR" b="1" i="1" dirty="0"/>
+              <a:t>(</a:t>
+            </a:r>
+            <a:r>
+              <a:rPr kumimoji="1" lang="ko-KR" altLang="en-US" b="1" i="1" dirty="0"/>
+              <a:t>폐기설비는 </a:t>
+            </a:r>
+            <a:r>
+              <a:rPr kumimoji="1" lang="en-US" altLang="ko-KR" b="1" i="1" dirty="0"/>
+              <a:t>Map </a:t>
+            </a:r>
+            <a:r>
+              <a:rPr kumimoji="1" lang="ko-KR" altLang="en-US" b="1" i="1" dirty="0"/>
+              <a:t>불필요</a:t>
+            </a:r>
+            <a:r>
+              <a:rPr kumimoji="1" lang="en-US" altLang="ko-KR" b="1" i="1" dirty="0"/>
+              <a:t>)</a:t>
+            </a:r>
+            <a:endParaRPr kumimoji="1" lang="ko-KR" altLang="en-US" b="1" i="1" dirty="0"/>
           </a:p>
         </p:txBody>
       </p:sp>
@@ -15313,15 +15707,7 @@
           <a:p>
             <a:r>
               <a:rPr kumimoji="1" lang="en-US" altLang="ko-KR" dirty="0"/>
-              <a:t>Realtime Events from </a:t>
-            </a:r>
-            <a:r>
-              <a:rPr kumimoji="1" lang="ko-KR" altLang="en-US" dirty="0"/>
-              <a:t>폐기설비 </a:t>
-            </a:r>
-            <a:r>
-              <a:rPr kumimoji="1" lang="en-US" altLang="ko-KR" dirty="0"/>
-              <a:t>to </a:t>
+              <a:t>Realtime Events from Stocker to </a:t>
             </a:r>
             <a:r>
               <a:rPr kumimoji="1" lang="en-US" altLang="ko-KR" dirty="0" err="1"/>
@@ -15331,86 +15717,518 @@
           </a:p>
         </p:txBody>
       </p:sp>
-      <p:pic>
-        <p:nvPicPr>
-          <p:cNvPr id="3" name="그림 2">
-            <a:extLst>
-              <a:ext uri="{FF2B5EF4-FFF2-40B4-BE49-F238E27FC236}">
-                <a16:creationId xmlns:a16="http://schemas.microsoft.com/office/drawing/2014/main" id="{78245034-EE28-E352-3417-334C83EF5FE4}"/>
-              </a:ext>
-            </a:extLst>
-          </p:cNvPr>
-          <p:cNvPicPr>
-            <a:picLocks noChangeAspect="1"/>
-          </p:cNvPicPr>
-          <p:nvPr/>
-        </p:nvPicPr>
-        <p:blipFill>
-          <a:blip r:embed="rId2" cstate="print"/>
-          <a:stretch>
-            <a:fillRect/>
-          </a:stretch>
-        </p:blipFill>
-        <p:spPr>
-          <a:xfrm>
-            <a:off x="5054975" y="2765208"/>
-            <a:ext cx="943054" cy="1510969"/>
+      <p:sp>
+        <p:nvSpPr>
+          <p:cNvPr id="4" name="TextBox 3">
+            <a:extLst>
+              <a:ext uri="{FF2B5EF4-FFF2-40B4-BE49-F238E27FC236}">
+                <a16:creationId xmlns:a16="http://schemas.microsoft.com/office/drawing/2014/main" id="{CAB68C7C-33CF-14FF-AD9E-6FCD8C1472B0}"/>
+              </a:ext>
+            </a:extLst>
+          </p:cNvPr>
+          <p:cNvSpPr txBox="1"/>
+          <p:nvPr/>
+        </p:nvSpPr>
+        <p:spPr>
+          <a:xfrm>
+            <a:off x="435429" y="1023802"/>
+            <a:ext cx="4460645" cy="5632311"/>
           </a:xfrm>
           <a:prstGeom prst="rect">
             <a:avLst/>
           </a:prstGeom>
-        </p:spPr>
-      </p:pic>
-      <p:sp>
-        <p:nvSpPr>
-          <p:cNvPr id="4" name="TextBox 3">
-            <a:extLst>
-              <a:ext uri="{FF2B5EF4-FFF2-40B4-BE49-F238E27FC236}">
-                <a16:creationId xmlns:a16="http://schemas.microsoft.com/office/drawing/2014/main" id="{CAB68C7C-33CF-14FF-AD9E-6FCD8C1472B0}"/>
-              </a:ext>
-            </a:extLst>
-          </p:cNvPr>
-          <p:cNvSpPr txBox="1"/>
-          <p:nvPr/>
-        </p:nvSpPr>
-        <p:spPr>
-          <a:xfrm>
-            <a:off x="413961" y="3216262"/>
-            <a:ext cx="4363695" cy="883383"/>
-          </a:xfrm>
-          <a:prstGeom prst="rect">
-            <a:avLst/>
-          </a:prstGeom>
           <a:noFill/>
         </p:spPr>
         <p:txBody>
-          <a:bodyPr wrap="none" rtlCol="0" anchor="ctr">
+          <a:bodyPr wrap="none" rtlCol="0" anchor="t">
             <a:spAutoFit/>
           </a:bodyPr>
           <a:lstStyle/>
           <a:p>
             <a:pPr marL="342900" indent="-342900">
-              <a:lnSpc>
-                <a:spcPct val="150000"/>
-              </a:lnSpc>
               <a:buFont typeface="+mj-lt"/>
               <a:buAutoNum type="arabicParenR"/>
             </a:pPr>
             <a:r>
-              <a:rPr kumimoji="1" lang="ko-KR" altLang="en-US" b="1" dirty="0" err="1">
+              <a:rPr kumimoji="1" lang="ko-KR" altLang="en-US" b="1" dirty="0">
                 <a:solidFill>
                   <a:srgbClr val="FF0000"/>
                 </a:solidFill>
               </a:rPr>
-              <a:t>빈병</a:t>
+              <a:t>재검병</a:t>
+            </a:r>
+            <a:r>
+              <a:rPr kumimoji="1" lang="ko-KR" altLang="en-US" dirty="0"/>
+              <a:t>을 </a:t>
+            </a:r>
+            <a:r>
+              <a:rPr kumimoji="1" lang="en-US" altLang="ko-KR" b="1" dirty="0">
+                <a:solidFill>
+                  <a:srgbClr val="FF0000"/>
+                </a:solidFill>
+              </a:rPr>
+              <a:t>Stocker</a:t>
+            </a:r>
+            <a:r>
+              <a:rPr kumimoji="1" lang="ko-KR" altLang="en-US" dirty="0"/>
+              <a:t>에서 </a:t>
+            </a:r>
+            <a:r>
+              <a:rPr kumimoji="1" lang="ko-KR" altLang="en-US" b="1" dirty="0">
+                <a:solidFill>
+                  <a:srgbClr val="FF0000"/>
+                </a:solidFill>
+              </a:rPr>
+              <a:t>분석기</a:t>
+            </a:r>
+            <a:r>
+              <a:rPr kumimoji="1" lang="ko-KR" altLang="en-US" dirty="0"/>
+              <a:t>로 이동</a:t>
+            </a:r>
+            <a:endParaRPr kumimoji="1" lang="en-US" altLang="ko-KR" dirty="0"/>
+          </a:p>
+          <a:p>
+            <a:pPr marL="800100" lvl="1" indent="-342900">
+              <a:buFont typeface="+mj-lt"/>
+              <a:buAutoNum type="arabicPeriod"/>
+            </a:pPr>
+            <a:r>
+              <a:rPr kumimoji="1" lang="en-US" altLang="ko-KR" dirty="0"/>
+              <a:t>Move </a:t>
+            </a:r>
+            <a:r>
+              <a:rPr kumimoji="1" lang="en-US" altLang="ko-KR" dirty="0" err="1"/>
+              <a:t>MoMa</a:t>
+            </a:r>
+            <a:r>
+              <a:rPr kumimoji="1" lang="en-US" altLang="ko-KR" dirty="0"/>
+              <a:t> to Stocker</a:t>
+            </a:r>
+          </a:p>
+          <a:p>
+            <a:pPr marL="800100" lvl="1" indent="-342900">
+              <a:buFont typeface="+mj-lt"/>
+              <a:buAutoNum type="arabicPeriod"/>
+            </a:pPr>
+            <a:r>
+              <a:rPr kumimoji="1" lang="en-US" altLang="ko-KR" dirty="0"/>
+              <a:t>Get Map from Stocker</a:t>
+            </a:r>
+          </a:p>
+          <a:p>
+            <a:pPr marL="800100" lvl="1" indent="-342900">
+              <a:buFont typeface="+mj-lt"/>
+              <a:buAutoNum type="arabicPeriod"/>
+            </a:pPr>
+            <a:r>
+              <a:rPr kumimoji="1" lang="en-US" altLang="ko-KR" dirty="0"/>
+              <a:t>Open Door at Stocker</a:t>
+            </a:r>
+          </a:p>
+          <a:p>
+            <a:pPr marL="1257300" lvl="2" indent="-342900">
+              <a:buFont typeface="+mj-ea"/>
+              <a:buAutoNum type="circleNumDbPlain"/>
+            </a:pPr>
+            <a:r>
+              <a:rPr kumimoji="1" lang="en-US" altLang="ko-KR" dirty="0"/>
+              <a:t>Pick </a:t>
             </a:r>
             <a:r>
               <a:rPr kumimoji="1" lang="ko-KR" altLang="en-US" dirty="0" err="1"/>
-              <a:t>을</a:t>
+              <a:t>재검병</a:t>
             </a:r>
             <a:r>
               <a:rPr kumimoji="1" lang="ko-KR" altLang="en-US" dirty="0"/>
               <a:t> </a:t>
+            </a:r>
+            <a:r>
+              <a:rPr kumimoji="1" lang="en-US" altLang="ko-KR" dirty="0"/>
+              <a:t>at Stocker</a:t>
+            </a:r>
+          </a:p>
+          <a:p>
+            <a:pPr marL="1257300" lvl="2" indent="-342900">
+              <a:buFont typeface="+mj-ea"/>
+              <a:buAutoNum type="circleNumDbPlain"/>
+            </a:pPr>
+            <a:r>
+              <a:rPr kumimoji="1" lang="en-US" altLang="ko-KR" dirty="0"/>
+              <a:t>Put </a:t>
+            </a:r>
+            <a:r>
+              <a:rPr kumimoji="1" lang="ko-KR" altLang="en-US" dirty="0" err="1"/>
+              <a:t>재검병</a:t>
+            </a:r>
+            <a:r>
+              <a:rPr kumimoji="1" lang="ko-KR" altLang="en-US" dirty="0"/>
+              <a:t> </a:t>
+            </a:r>
+            <a:r>
+              <a:rPr kumimoji="1" lang="en-US" altLang="ko-KR" dirty="0"/>
+              <a:t>at </a:t>
+            </a:r>
+            <a:r>
+              <a:rPr kumimoji="1" lang="en-US" altLang="ko-KR" dirty="0" err="1"/>
+              <a:t>MoMa</a:t>
+            </a:r>
+            <a:endParaRPr kumimoji="1" lang="en-US" altLang="ko-KR" dirty="0"/>
+          </a:p>
+          <a:p>
+            <a:pPr marL="800100" lvl="1" indent="-342900">
+              <a:buFont typeface="+mj-lt"/>
+              <a:buAutoNum type="arabicPeriod"/>
+            </a:pPr>
+            <a:r>
+              <a:rPr kumimoji="1" lang="en-US" altLang="ko-KR" dirty="0"/>
+              <a:t>Close Door at Stocker</a:t>
+            </a:r>
+          </a:p>
+          <a:p>
+            <a:pPr marL="800100" lvl="1" indent="-342900">
+              <a:buFont typeface="+mj-lt"/>
+              <a:buAutoNum type="arabicPeriod"/>
+            </a:pPr>
+            <a:r>
+              <a:rPr kumimoji="1" lang="en-US" altLang="ko-KR" dirty="0"/>
+              <a:t>Send Map to Stocker</a:t>
+            </a:r>
+            <a:br>
+              <a:rPr kumimoji="1" lang="en-US" altLang="ko-KR" dirty="0"/>
+            </a:br>
+            <a:endParaRPr kumimoji="1" lang="en-US" altLang="ko-KR" dirty="0"/>
+          </a:p>
+          <a:p>
+            <a:pPr marL="800100" lvl="1" indent="-342900">
+              <a:buFont typeface="+mj-lt"/>
+              <a:buAutoNum type="arabicPeriod"/>
+            </a:pPr>
+            <a:r>
+              <a:rPr kumimoji="1" lang="en-US" altLang="ko-KR" dirty="0"/>
+              <a:t>Move </a:t>
+            </a:r>
+            <a:r>
+              <a:rPr kumimoji="1" lang="en-US" altLang="ko-KR" dirty="0" err="1"/>
+              <a:t>MoMa</a:t>
+            </a:r>
+            <a:r>
+              <a:rPr kumimoji="1" lang="en-US" altLang="ko-KR" dirty="0"/>
+              <a:t> to </a:t>
+            </a:r>
+            <a:r>
+              <a:rPr kumimoji="1" lang="ko-KR" altLang="en-US" dirty="0"/>
+              <a:t>외부세척기</a:t>
+            </a:r>
+            <a:r>
+              <a:rPr kumimoji="1" lang="en-US" altLang="ko-KR" dirty="0"/>
+              <a:t>(</a:t>
+            </a:r>
+            <a:r>
+              <a:rPr kumimoji="1" lang="ko-KR" altLang="en-US" dirty="0"/>
+              <a:t>분석기</a:t>
+            </a:r>
+            <a:r>
+              <a:rPr kumimoji="1" lang="en-US" altLang="ko-KR" dirty="0"/>
+              <a:t>)</a:t>
+            </a:r>
+          </a:p>
+          <a:p>
+            <a:pPr marL="1257300" lvl="2" indent="-342900">
+              <a:buFont typeface="+mj-ea"/>
+              <a:buAutoNum type="circleNumDbPlain"/>
+            </a:pPr>
+            <a:r>
+              <a:rPr kumimoji="1" lang="en-US" altLang="ko-KR" dirty="0"/>
+              <a:t>Pick </a:t>
+            </a:r>
+            <a:r>
+              <a:rPr kumimoji="1" lang="ko-KR" altLang="en-US" dirty="0" err="1"/>
+              <a:t>재검병</a:t>
+            </a:r>
+            <a:r>
+              <a:rPr kumimoji="1" lang="ko-KR" altLang="en-US" dirty="0"/>
+              <a:t> </a:t>
+            </a:r>
+            <a:r>
+              <a:rPr kumimoji="1" lang="en-US" altLang="ko-KR" dirty="0"/>
+              <a:t>at </a:t>
+            </a:r>
+            <a:r>
+              <a:rPr kumimoji="1" lang="en-US" altLang="ko-KR" dirty="0" err="1"/>
+              <a:t>MoMa</a:t>
+            </a:r>
+            <a:endParaRPr kumimoji="1" lang="en-US" altLang="ko-KR" dirty="0"/>
+          </a:p>
+          <a:p>
+            <a:pPr marL="1257300" lvl="2" indent="-342900">
+              <a:buFont typeface="+mj-ea"/>
+              <a:buAutoNum type="circleNumDbPlain"/>
+            </a:pPr>
+            <a:r>
+              <a:rPr kumimoji="1" lang="en-US" altLang="ko-KR" b="1" i="1" dirty="0">
+                <a:solidFill>
+                  <a:srgbClr val="FF0000"/>
+                </a:solidFill>
+              </a:rPr>
+              <a:t>Put</a:t>
+            </a:r>
+            <a:r>
+              <a:rPr kumimoji="1" lang="en-US" altLang="ko-KR" dirty="0"/>
+              <a:t> </a:t>
+            </a:r>
+            <a:r>
+              <a:rPr kumimoji="1" lang="ko-KR" altLang="en-US" dirty="0" err="1"/>
+              <a:t>재검병</a:t>
+            </a:r>
+            <a:r>
+              <a:rPr kumimoji="1" lang="ko-KR" altLang="en-US" dirty="0"/>
+              <a:t> </a:t>
+            </a:r>
+            <a:r>
+              <a:rPr kumimoji="1" lang="en-US" altLang="ko-KR" dirty="0"/>
+              <a:t>at </a:t>
+            </a:r>
+            <a:r>
+              <a:rPr kumimoji="1" lang="ko-KR" altLang="en-US" dirty="0"/>
+              <a:t>외부세척기</a:t>
+            </a:r>
+            <a:endParaRPr kumimoji="1" lang="en-US" altLang="ko-KR" dirty="0"/>
+          </a:p>
+          <a:p>
+            <a:pPr marL="1257300" lvl="2" indent="-342900">
+              <a:buFont typeface="+mj-ea"/>
+              <a:buAutoNum type="circleNumDbPlain"/>
+            </a:pPr>
+            <a:r>
+              <a:rPr kumimoji="1" lang="en-US" altLang="ko-KR" dirty="0"/>
+              <a:t>Put </a:t>
+            </a:r>
+            <a:r>
+              <a:rPr kumimoji="1" lang="ko-KR" altLang="en-US" dirty="0" err="1"/>
+              <a:t>재검병</a:t>
+            </a:r>
+            <a:r>
+              <a:rPr kumimoji="1" lang="ko-KR" altLang="en-US" dirty="0"/>
+              <a:t> </a:t>
+            </a:r>
+            <a:r>
+              <a:rPr kumimoji="1" lang="en-US" altLang="ko-KR" dirty="0"/>
+              <a:t>at </a:t>
+            </a:r>
+            <a:r>
+              <a:rPr kumimoji="1" lang="en-US" altLang="ko-KR" dirty="0" err="1"/>
+              <a:t>MoMa</a:t>
+            </a:r>
+            <a:endParaRPr kumimoji="1" lang="en-US" altLang="ko-KR" dirty="0"/>
+          </a:p>
+          <a:p>
+            <a:pPr marL="800100" lvl="1" indent="-342900">
+              <a:buFont typeface="+mj-lt"/>
+              <a:buAutoNum type="arabicPeriod"/>
+            </a:pPr>
+            <a:r>
+              <a:rPr kumimoji="1" lang="en-US" altLang="ko-KR" dirty="0"/>
+              <a:t>Move </a:t>
+            </a:r>
+            <a:r>
+              <a:rPr kumimoji="1" lang="en-US" altLang="ko-KR" dirty="0" err="1"/>
+              <a:t>MoMa</a:t>
+            </a:r>
+            <a:r>
+              <a:rPr kumimoji="1" lang="en-US" altLang="ko-KR" dirty="0"/>
+              <a:t> to </a:t>
+            </a:r>
+            <a:r>
+              <a:rPr kumimoji="1" lang="ko-KR" altLang="en-US" dirty="0"/>
+              <a:t>분석기</a:t>
+            </a:r>
+            <a:endParaRPr kumimoji="1" lang="en-US" altLang="ko-KR" dirty="0"/>
+          </a:p>
+          <a:p>
+            <a:pPr marL="800100" lvl="1" indent="-342900">
+              <a:buFont typeface="+mj-lt"/>
+              <a:buAutoNum type="arabicPeriod"/>
+            </a:pPr>
+            <a:r>
+              <a:rPr kumimoji="1" lang="en-US" altLang="ko-KR" dirty="0"/>
+              <a:t>Open </a:t>
+            </a:r>
+            <a:r>
+              <a:rPr kumimoji="1" lang="ko-KR" altLang="en-US" dirty="0"/>
+              <a:t>분석기 </a:t>
+            </a:r>
+            <a:r>
+              <a:rPr kumimoji="1" lang="en-US" altLang="ko-KR" dirty="0"/>
+              <a:t>Door</a:t>
+            </a:r>
+          </a:p>
+          <a:p>
+            <a:pPr marL="800100" lvl="1" indent="-342900">
+              <a:buFont typeface="+mj-lt"/>
+              <a:buAutoNum type="arabicPeriod"/>
+            </a:pPr>
+            <a:r>
+              <a:rPr kumimoji="1" lang="en-US" altLang="ko-KR" dirty="0"/>
+              <a:t>Get Map</a:t>
+            </a:r>
+            <a:r>
+              <a:rPr kumimoji="1" lang="ko-KR" altLang="en-US" dirty="0"/>
+              <a:t> </a:t>
+            </a:r>
+            <a:r>
+              <a:rPr kumimoji="1" lang="en-US" altLang="ko-KR" dirty="0"/>
+              <a:t>at </a:t>
+            </a:r>
+            <a:r>
+              <a:rPr kumimoji="1" lang="ko-KR" altLang="en-US" dirty="0"/>
+              <a:t>분석기</a:t>
+            </a:r>
+            <a:endParaRPr kumimoji="1" lang="en-US" altLang="ko-KR" dirty="0"/>
+          </a:p>
+          <a:p>
+            <a:pPr marL="1257300" lvl="2" indent="-342900">
+              <a:buFont typeface="+mj-ea"/>
+              <a:buAutoNum type="circleNumDbPlain"/>
+            </a:pPr>
+            <a:r>
+              <a:rPr kumimoji="1" lang="en-US" altLang="ko-KR" dirty="0"/>
+              <a:t>Pick </a:t>
+            </a:r>
+            <a:r>
+              <a:rPr kumimoji="1" lang="ko-KR" altLang="en-US" dirty="0" err="1"/>
+              <a:t>재검병</a:t>
+            </a:r>
+            <a:r>
+              <a:rPr kumimoji="1" lang="ko-KR" altLang="en-US" dirty="0"/>
+              <a:t> </a:t>
+            </a:r>
+            <a:r>
+              <a:rPr kumimoji="1" lang="en-US" altLang="ko-KR" dirty="0"/>
+              <a:t>at </a:t>
+            </a:r>
+            <a:r>
+              <a:rPr kumimoji="1" lang="en-US" altLang="ko-KR" dirty="0" err="1"/>
+              <a:t>MoMa</a:t>
+            </a:r>
+            <a:endParaRPr kumimoji="1" lang="en-US" altLang="ko-KR" dirty="0"/>
+          </a:p>
+          <a:p>
+            <a:pPr marL="1257300" lvl="2" indent="-342900">
+              <a:buFont typeface="+mj-ea"/>
+              <a:buAutoNum type="circleNumDbPlain"/>
+            </a:pPr>
+            <a:r>
+              <a:rPr kumimoji="1" lang="en-US" altLang="ko-KR" dirty="0"/>
+              <a:t>Put </a:t>
+            </a:r>
+            <a:r>
+              <a:rPr kumimoji="1" lang="ko-KR" altLang="en-US" dirty="0" err="1"/>
+              <a:t>재검병</a:t>
+            </a:r>
+            <a:r>
+              <a:rPr kumimoji="1" lang="ko-KR" altLang="en-US" dirty="0"/>
+              <a:t> </a:t>
+            </a:r>
+            <a:r>
+              <a:rPr kumimoji="1" lang="en-US" altLang="ko-KR" dirty="0"/>
+              <a:t>at </a:t>
+            </a:r>
+            <a:r>
+              <a:rPr kumimoji="1" lang="ko-KR" altLang="en-US" dirty="0"/>
+              <a:t>분석기</a:t>
+            </a:r>
+            <a:endParaRPr kumimoji="1" lang="en-US" altLang="ko-KR" dirty="0"/>
+          </a:p>
+          <a:p>
+            <a:pPr marL="800100" lvl="1" indent="-342900">
+              <a:buFont typeface="+mj-lt"/>
+              <a:buAutoNum type="arabicPeriod"/>
+            </a:pPr>
+            <a:r>
+              <a:rPr kumimoji="1" lang="en-US" altLang="ko-KR" dirty="0"/>
+              <a:t>Close </a:t>
+            </a:r>
+            <a:r>
+              <a:rPr kumimoji="1" lang="ko-KR" altLang="en-US" dirty="0"/>
+              <a:t>분석기 </a:t>
+            </a:r>
+            <a:r>
+              <a:rPr kumimoji="1" lang="en-US" altLang="ko-KR" dirty="0"/>
+              <a:t>Door</a:t>
+            </a:r>
+          </a:p>
+          <a:p>
+            <a:pPr marL="800100" lvl="1" indent="-342900">
+              <a:buFont typeface="+mj-lt"/>
+              <a:buAutoNum type="arabicPeriod"/>
+            </a:pPr>
+            <a:r>
+              <a:rPr kumimoji="1" lang="en-US" altLang="ko-KR" dirty="0"/>
+              <a:t>Send Map to </a:t>
+            </a:r>
+            <a:r>
+              <a:rPr kumimoji="1" lang="ko-KR" altLang="en-US" dirty="0"/>
+              <a:t>분석기</a:t>
+            </a:r>
+            <a:endParaRPr kumimoji="1" lang="en-US" altLang="ko-KR" dirty="0"/>
+          </a:p>
+        </p:txBody>
+      </p:sp>
+      <p:sp>
+        <p:nvSpPr>
+          <p:cNvPr id="17" name="TextBox 16">
+            <a:extLst>
+              <a:ext uri="{FF2B5EF4-FFF2-40B4-BE49-F238E27FC236}">
+                <a16:creationId xmlns:a16="http://schemas.microsoft.com/office/drawing/2014/main" id="{6F14BFB0-7EAE-9364-7B44-DF7A21336633}"/>
+              </a:ext>
+            </a:extLst>
+          </p:cNvPr>
+          <p:cNvSpPr txBox="1"/>
+          <p:nvPr/>
+        </p:nvSpPr>
+        <p:spPr>
+          <a:xfrm>
+            <a:off x="4920283" y="1023802"/>
+            <a:ext cx="4596451" cy="3416320"/>
+          </a:xfrm>
+          <a:prstGeom prst="rect">
+            <a:avLst/>
+          </a:prstGeom>
+          <a:noFill/>
+        </p:spPr>
+        <p:txBody>
+          <a:bodyPr wrap="none" rtlCol="0" anchor="t">
+            <a:spAutoFit/>
+          </a:bodyPr>
+          <a:lstStyle/>
+          <a:p>
+            <a:pPr marL="457200" indent="-457200">
+              <a:buFont typeface="+mj-lt"/>
+              <a:buAutoNum type="arabicParenR" startAt="2"/>
+            </a:pPr>
+            <a:r>
+              <a:rPr kumimoji="1" lang="ko-KR" altLang="en-US" b="1" dirty="0">
+                <a:solidFill>
+                  <a:srgbClr val="FF0000"/>
+                </a:solidFill>
+              </a:rPr>
+              <a:t>재검병</a:t>
+            </a:r>
+            <a:r>
+              <a:rPr kumimoji="1" lang="ko-KR" altLang="en-US" dirty="0"/>
+              <a:t>을 </a:t>
+            </a:r>
+            <a:r>
+              <a:rPr kumimoji="1" lang="en-US" altLang="ko-KR" b="1" dirty="0">
+                <a:solidFill>
+                  <a:srgbClr val="FF0000"/>
+                </a:solidFill>
+              </a:rPr>
+              <a:t>Stocker</a:t>
+            </a:r>
+            <a:r>
+              <a:rPr kumimoji="1" lang="ko-KR" altLang="en-US" dirty="0"/>
+              <a:t>에서 </a:t>
             </a:r>
             <a:r>
               <a:rPr kumimoji="1" lang="ko-KR" altLang="en-US" b="1" dirty="0">
@@ -15422,496 +16240,210 @@
             </a:r>
             <a:r>
               <a:rPr kumimoji="1" lang="ko-KR" altLang="en-US" dirty="0"/>
-              <a:t>에서 </a:t>
-            </a:r>
-            <a:r>
-              <a:rPr kumimoji="1" lang="ko-KR" altLang="en-US" b="1" dirty="0">
-                <a:solidFill>
-                  <a:srgbClr val="FF0000"/>
-                </a:solidFill>
-              </a:rPr>
-              <a:t>반출입기</a:t>
-            </a:r>
-            <a:r>
-              <a:rPr kumimoji="1" lang="ko-KR" altLang="en-US" dirty="0"/>
               <a:t>로 이동</a:t>
             </a:r>
             <a:endParaRPr kumimoji="1" lang="en-US" altLang="ko-KR" dirty="0"/>
           </a:p>
           <a:p>
-            <a:pPr marL="342900" indent="-342900">
-              <a:lnSpc>
-                <a:spcPct val="150000"/>
-              </a:lnSpc>
+            <a:pPr marL="800100" lvl="1" indent="-342900">
               <a:buFont typeface="+mj-lt"/>
-              <a:buAutoNum type="arabicParenR"/>
+              <a:buAutoNum type="arabicPeriod"/>
             </a:pPr>
             <a:r>
-              <a:rPr kumimoji="1" lang="ko-KR" altLang="en-US" b="1" dirty="0" err="1">
-                <a:solidFill>
-                  <a:srgbClr val="FF0000"/>
-                </a:solidFill>
-              </a:rPr>
-              <a:t>빈병</a:t>
+              <a:rPr kumimoji="1" lang="en-US" altLang="ko-KR" dirty="0"/>
+              <a:t>Move </a:t>
+            </a:r>
+            <a:r>
+              <a:rPr kumimoji="1" lang="en-US" altLang="ko-KR" dirty="0" err="1"/>
+              <a:t>MoMa</a:t>
+            </a:r>
+            <a:r>
+              <a:rPr kumimoji="1" lang="en-US" altLang="ko-KR" dirty="0"/>
+              <a:t> to Stocker</a:t>
+            </a:r>
+          </a:p>
+          <a:p>
+            <a:pPr marL="800100" lvl="1" indent="-342900">
+              <a:buFont typeface="+mj-lt"/>
+              <a:buAutoNum type="arabicPeriod"/>
+            </a:pPr>
+            <a:r>
+              <a:rPr kumimoji="1" lang="en-US" altLang="ko-KR" dirty="0"/>
+              <a:t>Get Map from Stocker</a:t>
+            </a:r>
+          </a:p>
+          <a:p>
+            <a:pPr marL="800100" lvl="1" indent="-342900">
+              <a:buFont typeface="+mj-lt"/>
+              <a:buAutoNum type="arabicPeriod"/>
+            </a:pPr>
+            <a:r>
+              <a:rPr kumimoji="1" lang="en-US" altLang="ko-KR" dirty="0"/>
+              <a:t>Open Door at Stocker</a:t>
+            </a:r>
+          </a:p>
+          <a:p>
+            <a:pPr marL="1257300" lvl="2" indent="-342900">
+              <a:buFont typeface="+mj-ea"/>
+              <a:buAutoNum type="circleNumDbPlain"/>
+            </a:pPr>
+            <a:r>
+              <a:rPr kumimoji="1" lang="en-US" altLang="ko-KR" dirty="0"/>
+              <a:t>Pick </a:t>
             </a:r>
             <a:r>
               <a:rPr kumimoji="1" lang="ko-KR" altLang="en-US" dirty="0" err="1"/>
-              <a:t>을</a:t>
+              <a:t>재검병</a:t>
             </a:r>
             <a:r>
               <a:rPr kumimoji="1" lang="ko-KR" altLang="en-US" dirty="0"/>
               <a:t> </a:t>
             </a:r>
             <a:r>
-              <a:rPr kumimoji="1" lang="ko-KR" altLang="en-US" b="1" dirty="0">
-                <a:solidFill>
-                  <a:srgbClr val="FF0000"/>
-                </a:solidFill>
-              </a:rPr>
+              <a:rPr kumimoji="1" lang="en-US" altLang="ko-KR" dirty="0"/>
+              <a:t>at Stocker</a:t>
+            </a:r>
+          </a:p>
+          <a:p>
+            <a:pPr marL="1257300" lvl="2" indent="-342900">
+              <a:buFont typeface="+mj-ea"/>
+              <a:buAutoNum type="circleNumDbPlain"/>
+            </a:pPr>
+            <a:r>
+              <a:rPr kumimoji="1" lang="en-US" altLang="ko-KR" dirty="0"/>
+              <a:t>Put </a:t>
+            </a:r>
+            <a:r>
+              <a:rPr kumimoji="1" lang="ko-KR" altLang="en-US" dirty="0" err="1"/>
+              <a:t>재검병</a:t>
+            </a:r>
+            <a:r>
+              <a:rPr kumimoji="1" lang="ko-KR" altLang="en-US" dirty="0"/>
+              <a:t> </a:t>
+            </a:r>
+            <a:r>
+              <a:rPr kumimoji="1" lang="en-US" altLang="ko-KR" dirty="0"/>
+              <a:t>at </a:t>
+            </a:r>
+            <a:r>
+              <a:rPr kumimoji="1" lang="en-US" altLang="ko-KR" dirty="0" err="1"/>
+              <a:t>MoMa</a:t>
+            </a:r>
+            <a:endParaRPr kumimoji="1" lang="en-US" altLang="ko-KR" dirty="0"/>
+          </a:p>
+          <a:p>
+            <a:pPr marL="800100" lvl="1" indent="-342900">
+              <a:buFont typeface="+mj-lt"/>
+              <a:buAutoNum type="arabicPeriod"/>
+            </a:pPr>
+            <a:r>
+              <a:rPr kumimoji="1" lang="en-US" altLang="ko-KR" dirty="0"/>
+              <a:t>Close Door at Stocker</a:t>
+            </a:r>
+          </a:p>
+          <a:p>
+            <a:pPr marL="800100" lvl="1" indent="-342900">
+              <a:buFont typeface="+mj-lt"/>
+              <a:buAutoNum type="arabicPeriod"/>
+            </a:pPr>
+            <a:r>
+              <a:rPr kumimoji="1" lang="en-US" altLang="ko-KR" dirty="0"/>
+              <a:t>Send Map to Stocker</a:t>
+            </a:r>
+            <a:br>
+              <a:rPr kumimoji="1" lang="en-US" altLang="ko-KR" dirty="0"/>
+            </a:br>
+            <a:endParaRPr kumimoji="1" lang="en-US" altLang="ko-KR" dirty="0"/>
+          </a:p>
+          <a:p>
+            <a:pPr marL="800100" lvl="1" indent="-342900">
+              <a:buFont typeface="+mj-lt"/>
+              <a:buAutoNum type="arabicPeriod"/>
+            </a:pPr>
+            <a:r>
+              <a:rPr kumimoji="1" lang="en-US" altLang="ko-KR" dirty="0"/>
+              <a:t>Move </a:t>
+            </a:r>
+            <a:r>
+              <a:rPr kumimoji="1" lang="en-US" altLang="ko-KR" dirty="0" err="1"/>
+              <a:t>MoMa</a:t>
+            </a:r>
+            <a:r>
+              <a:rPr kumimoji="1" lang="en-US" altLang="ko-KR" dirty="0"/>
+              <a:t> to </a:t>
+            </a:r>
+            <a:r>
+              <a:rPr kumimoji="1" lang="ko-KR" altLang="en-US" dirty="0"/>
               <a:t>폐기설비</a:t>
             </a:r>
-            <a:r>
-              <a:rPr kumimoji="1" lang="ko-KR" altLang="en-US" dirty="0"/>
-              <a:t>에서 </a:t>
-            </a:r>
-            <a:r>
-              <a:rPr kumimoji="1" lang="en-US" altLang="ko-KR" b="1" dirty="0">
-                <a:solidFill>
-                  <a:srgbClr val="FF0000"/>
-                </a:solidFill>
-              </a:rPr>
-              <a:t>Stocker</a:t>
-            </a:r>
-            <a:r>
-              <a:rPr kumimoji="1" lang="ko-KR" altLang="en-US" dirty="0"/>
-              <a:t>로 이동</a:t>
-            </a:r>
             <a:endParaRPr kumimoji="1" lang="en-US" altLang="ko-KR" dirty="0"/>
           </a:p>
-        </p:txBody>
-      </p:sp>
-      <p:sp>
-        <p:nvSpPr>
-          <p:cNvPr id="5" name="호 4">
-            <a:extLst>
-              <a:ext uri="{FF2B5EF4-FFF2-40B4-BE49-F238E27FC236}">
-                <a16:creationId xmlns:a16="http://schemas.microsoft.com/office/drawing/2014/main" id="{B20CD12A-A420-A77C-2590-3A325D07BBF6}"/>
-              </a:ext>
-            </a:extLst>
-          </p:cNvPr>
-          <p:cNvSpPr/>
-          <p:nvPr/>
-        </p:nvSpPr>
-        <p:spPr>
-          <a:xfrm>
-            <a:off x="5621298" y="2295011"/>
-            <a:ext cx="914400" cy="2725885"/>
-          </a:xfrm>
-          <a:prstGeom prst="arc">
-            <a:avLst>
-              <a:gd name="adj1" fmla="val 14650009"/>
-              <a:gd name="adj2" fmla="val 7355272"/>
-            </a:avLst>
-          </a:prstGeom>
-          <a:ln>
-            <a:headEnd type="none" w="med" len="med"/>
-            <a:tailEnd type="triangle" w="med" len="med"/>
-          </a:ln>
-        </p:spPr>
-        <p:style>
-          <a:lnRef idx="2">
-            <a:schemeClr val="accent1"/>
-          </a:lnRef>
-          <a:fillRef idx="0">
-            <a:schemeClr val="accent1"/>
-          </a:fillRef>
-          <a:effectRef idx="1">
-            <a:schemeClr val="accent1"/>
-          </a:effectRef>
-          <a:fontRef idx="minor">
-            <a:schemeClr val="tx1"/>
-          </a:fontRef>
-        </p:style>
-        <p:txBody>
-          <a:bodyPr rtlCol="0" anchor="ctr"/>
-          <a:lstStyle/>
-          <a:p>
-            <a:pPr algn="ctr"/>
-            <a:endParaRPr kumimoji="1" lang="ko-KR" altLang="en-US"/>
-          </a:p>
-        </p:txBody>
-      </p:sp>
-      <p:sp>
-        <p:nvSpPr>
-          <p:cNvPr id="6" name="타원 5">
-            <a:extLst>
-              <a:ext uri="{FF2B5EF4-FFF2-40B4-BE49-F238E27FC236}">
-                <a16:creationId xmlns:a16="http://schemas.microsoft.com/office/drawing/2014/main" id="{AB982352-4ACD-F216-F6EB-7CDA1BB0C55D}"/>
-              </a:ext>
-            </a:extLst>
-          </p:cNvPr>
-          <p:cNvSpPr/>
-          <p:nvPr/>
-        </p:nvSpPr>
-        <p:spPr>
-          <a:xfrm>
-            <a:off x="7921493" y="1203745"/>
-            <a:ext cx="1132114" cy="1132114"/>
-          </a:xfrm>
-          <a:prstGeom prst="ellipse">
-            <a:avLst/>
-          </a:prstGeom>
-        </p:spPr>
-        <p:style>
-          <a:lnRef idx="2">
-            <a:schemeClr val="accent1">
-              <a:shade val="15000"/>
-            </a:schemeClr>
-          </a:lnRef>
-          <a:fillRef idx="1">
-            <a:schemeClr val="accent1"/>
-          </a:fillRef>
-          <a:effectRef idx="0">
-            <a:schemeClr val="accent1"/>
-          </a:effectRef>
-          <a:fontRef idx="minor">
-            <a:schemeClr val="lt1"/>
-          </a:fontRef>
-        </p:style>
-        <p:txBody>
-          <a:bodyPr wrap="none" rtlCol="0" anchor="ctr"/>
-          <a:lstStyle/>
-          <a:p>
-            <a:pPr algn="ctr"/>
-            <a:r>
-              <a:rPr kumimoji="1" lang="ko-KR" altLang="en-US" dirty="0"/>
-              <a:t>반출입기</a:t>
-            </a:r>
-          </a:p>
-        </p:txBody>
-      </p:sp>
-      <p:sp>
-        <p:nvSpPr>
-          <p:cNvPr id="7" name="타원 6">
-            <a:extLst>
-              <a:ext uri="{FF2B5EF4-FFF2-40B4-BE49-F238E27FC236}">
-                <a16:creationId xmlns:a16="http://schemas.microsoft.com/office/drawing/2014/main" id="{1956C48A-3A28-1E07-1691-99182D9C4518}"/>
-              </a:ext>
-            </a:extLst>
-          </p:cNvPr>
-          <p:cNvSpPr/>
-          <p:nvPr/>
-        </p:nvSpPr>
-        <p:spPr>
-          <a:xfrm>
-            <a:off x="7921493" y="2388578"/>
-            <a:ext cx="1132114" cy="1132114"/>
-          </a:xfrm>
-          <a:prstGeom prst="ellipse">
-            <a:avLst/>
-          </a:prstGeom>
-        </p:spPr>
-        <p:style>
-          <a:lnRef idx="2">
-            <a:schemeClr val="accent1">
-              <a:shade val="15000"/>
-            </a:schemeClr>
-          </a:lnRef>
-          <a:fillRef idx="1">
-            <a:schemeClr val="accent1"/>
-          </a:fillRef>
-          <a:effectRef idx="0">
-            <a:schemeClr val="accent1"/>
-          </a:effectRef>
-          <a:fontRef idx="minor">
-            <a:schemeClr val="lt1"/>
-          </a:fontRef>
-        </p:style>
-        <p:txBody>
-          <a:bodyPr wrap="none" rtlCol="0" anchor="ctr"/>
-          <a:lstStyle/>
-          <a:p>
-            <a:pPr algn="ctr"/>
-            <a:r>
-              <a:rPr kumimoji="1" lang="ko-KR" altLang="en-US" dirty="0"/>
-              <a:t>분석기</a:t>
-            </a:r>
-          </a:p>
-        </p:txBody>
-      </p:sp>
-      <p:sp>
-        <p:nvSpPr>
-          <p:cNvPr id="8" name="타원 7">
-            <a:extLst>
-              <a:ext uri="{FF2B5EF4-FFF2-40B4-BE49-F238E27FC236}">
-                <a16:creationId xmlns:a16="http://schemas.microsoft.com/office/drawing/2014/main" id="{49D4F0DF-9AA5-6726-8304-271932B4CD36}"/>
-              </a:ext>
-            </a:extLst>
-          </p:cNvPr>
-          <p:cNvSpPr/>
-          <p:nvPr/>
-        </p:nvSpPr>
-        <p:spPr>
-          <a:xfrm>
-            <a:off x="7921493" y="4758244"/>
-            <a:ext cx="1132114" cy="1132114"/>
-          </a:xfrm>
-          <a:prstGeom prst="ellipse">
-            <a:avLst/>
-          </a:prstGeom>
-        </p:spPr>
-        <p:style>
-          <a:lnRef idx="2">
-            <a:schemeClr val="accent1">
-              <a:shade val="15000"/>
-            </a:schemeClr>
-          </a:lnRef>
-          <a:fillRef idx="1">
-            <a:schemeClr val="accent1"/>
-          </a:fillRef>
-          <a:effectRef idx="0">
-            <a:schemeClr val="accent1"/>
-          </a:effectRef>
-          <a:fontRef idx="minor">
-            <a:schemeClr val="lt1"/>
-          </a:fontRef>
-        </p:style>
-        <p:txBody>
-          <a:bodyPr wrap="none" rtlCol="0" anchor="ctr"/>
-          <a:lstStyle/>
-          <a:p>
-            <a:pPr algn="ctr"/>
+          <a:p>
+            <a:pPr marL="1257300" lvl="2" indent="-342900">
+              <a:buFont typeface="+mj-ea"/>
+              <a:buAutoNum type="circleNumDbPlain"/>
+            </a:pPr>
+            <a:r>
+              <a:rPr kumimoji="1" lang="en-US" altLang="ko-KR" dirty="0"/>
+              <a:t>Pick </a:t>
+            </a:r>
+            <a:r>
+              <a:rPr kumimoji="1" lang="ko-KR" altLang="en-US" dirty="0" err="1"/>
+              <a:t>재검병</a:t>
+            </a:r>
+            <a:r>
+              <a:rPr kumimoji="1" lang="ko-KR" altLang="en-US" dirty="0"/>
+              <a:t> </a:t>
+            </a:r>
+            <a:r>
+              <a:rPr kumimoji="1" lang="en-US" altLang="ko-KR" dirty="0"/>
+              <a:t>at </a:t>
+            </a:r>
+            <a:r>
+              <a:rPr kumimoji="1" lang="en-US" altLang="ko-KR" dirty="0" err="1"/>
+              <a:t>MoMa</a:t>
+            </a:r>
+            <a:endParaRPr kumimoji="1" lang="en-US" altLang="ko-KR" dirty="0"/>
+          </a:p>
+          <a:p>
+            <a:pPr marL="1257300" lvl="2" indent="-342900">
+              <a:buFont typeface="+mj-ea"/>
+              <a:buAutoNum type="circleNumDbPlain"/>
+            </a:pPr>
+            <a:r>
+              <a:rPr kumimoji="1" lang="en-US" altLang="ko-KR" dirty="0"/>
+              <a:t>Put </a:t>
+            </a:r>
+            <a:r>
+              <a:rPr kumimoji="1" lang="ko-KR" altLang="en-US" dirty="0" err="1"/>
+              <a:t>재검병</a:t>
+            </a:r>
+            <a:r>
+              <a:rPr kumimoji="1" lang="ko-KR" altLang="en-US" dirty="0"/>
+              <a:t> </a:t>
+            </a:r>
+            <a:r>
+              <a:rPr kumimoji="1" lang="en-US" altLang="ko-KR" dirty="0"/>
+              <a:t>at </a:t>
+            </a:r>
             <a:r>
               <a:rPr kumimoji="1" lang="ko-KR" altLang="en-US" dirty="0"/>
               <a:t>폐기설비</a:t>
             </a:r>
-          </a:p>
-        </p:txBody>
-      </p:sp>
-      <p:sp>
-        <p:nvSpPr>
-          <p:cNvPr id="9" name="타원 8">
-            <a:extLst>
-              <a:ext uri="{FF2B5EF4-FFF2-40B4-BE49-F238E27FC236}">
-                <a16:creationId xmlns:a16="http://schemas.microsoft.com/office/drawing/2014/main" id="{D97B48F4-68BA-3EEA-2341-5D8BFD089E77}"/>
-              </a:ext>
-            </a:extLst>
-          </p:cNvPr>
-          <p:cNvSpPr/>
-          <p:nvPr/>
-        </p:nvSpPr>
-        <p:spPr>
-          <a:xfrm>
-            <a:off x="7921493" y="3573411"/>
-            <a:ext cx="1132114" cy="1132114"/>
-          </a:xfrm>
-          <a:prstGeom prst="ellipse">
-            <a:avLst/>
-          </a:prstGeom>
-        </p:spPr>
-        <p:style>
-          <a:lnRef idx="2">
-            <a:schemeClr val="accent1">
-              <a:shade val="15000"/>
-            </a:schemeClr>
-          </a:lnRef>
-          <a:fillRef idx="1">
-            <a:schemeClr val="accent1"/>
-          </a:fillRef>
-          <a:effectRef idx="0">
-            <a:schemeClr val="accent1"/>
-          </a:effectRef>
-          <a:fontRef idx="minor">
-            <a:schemeClr val="lt1"/>
-          </a:fontRef>
-        </p:style>
-        <p:txBody>
-          <a:bodyPr wrap="none" rtlCol="0" anchor="ctr"/>
-          <a:lstStyle/>
-          <a:p>
-            <a:pPr algn="ctr"/>
-            <a:r>
-              <a:rPr kumimoji="1" lang="en-US" altLang="ko-KR" dirty="0"/>
-              <a:t>Stocker</a:t>
-            </a:r>
-            <a:endParaRPr kumimoji="1" lang="ko-KR" altLang="en-US" dirty="0"/>
-          </a:p>
-        </p:txBody>
-      </p:sp>
-      <p:cxnSp>
-        <p:nvCxnSpPr>
-          <p:cNvPr id="11" name="직선 화살표 연결선 10">
-            <a:extLst>
-              <a:ext uri="{FF2B5EF4-FFF2-40B4-BE49-F238E27FC236}">
-                <a16:creationId xmlns:a16="http://schemas.microsoft.com/office/drawing/2014/main" id="{C3703671-2FD6-0D30-086F-DCBE3E356F8B}"/>
-              </a:ext>
-            </a:extLst>
-          </p:cNvPr>
-          <p:cNvCxnSpPr>
-            <a:cxnSpLocks/>
-            <a:stCxn id="6" idx="2"/>
-          </p:cNvCxnSpPr>
-          <p:nvPr/>
-        </p:nvCxnSpPr>
-        <p:spPr>
-          <a:xfrm flipH="1">
-            <a:off x="6433457" y="1769802"/>
-            <a:ext cx="1488036" cy="768279"/>
-          </a:xfrm>
-          <a:prstGeom prst="straightConnector1">
-            <a:avLst/>
-          </a:prstGeom>
-          <a:ln>
-            <a:tailEnd type="triangle"/>
-          </a:ln>
-        </p:spPr>
-        <p:style>
-          <a:lnRef idx="2">
-            <a:schemeClr val="accent1"/>
-          </a:lnRef>
-          <a:fillRef idx="0">
-            <a:schemeClr val="accent1"/>
-          </a:fillRef>
-          <a:effectRef idx="1">
-            <a:schemeClr val="accent1"/>
-          </a:effectRef>
-          <a:fontRef idx="minor">
-            <a:schemeClr val="tx1"/>
-          </a:fontRef>
-        </p:style>
-      </p:cxnSp>
-      <p:cxnSp>
-        <p:nvCxnSpPr>
-          <p:cNvPr id="12" name="직선 화살표 연결선 11">
-            <a:extLst>
-              <a:ext uri="{FF2B5EF4-FFF2-40B4-BE49-F238E27FC236}">
-                <a16:creationId xmlns:a16="http://schemas.microsoft.com/office/drawing/2014/main" id="{741DE6C2-0329-8BFD-0972-19C834A58ADE}"/>
-              </a:ext>
-            </a:extLst>
-          </p:cNvPr>
-          <p:cNvCxnSpPr>
-            <a:cxnSpLocks/>
-            <a:stCxn id="7" idx="2"/>
-          </p:cNvCxnSpPr>
-          <p:nvPr/>
-        </p:nvCxnSpPr>
-        <p:spPr>
-          <a:xfrm flipH="1">
-            <a:off x="6564352" y="2954635"/>
-            <a:ext cx="1357141" cy="202222"/>
-          </a:xfrm>
-          <a:prstGeom prst="straightConnector1">
-            <a:avLst/>
-          </a:prstGeom>
-          <a:ln>
-            <a:tailEnd type="triangle"/>
-          </a:ln>
-        </p:spPr>
-        <p:style>
-          <a:lnRef idx="2">
-            <a:schemeClr val="accent1"/>
-          </a:lnRef>
-          <a:fillRef idx="0">
-            <a:schemeClr val="accent1"/>
-          </a:fillRef>
-          <a:effectRef idx="1">
-            <a:schemeClr val="accent1"/>
-          </a:effectRef>
-          <a:fontRef idx="minor">
-            <a:schemeClr val="tx1"/>
-          </a:fontRef>
-        </p:style>
-      </p:cxnSp>
-      <p:cxnSp>
-        <p:nvCxnSpPr>
-          <p:cNvPr id="15" name="직선 화살표 연결선 14">
-            <a:extLst>
-              <a:ext uri="{FF2B5EF4-FFF2-40B4-BE49-F238E27FC236}">
-                <a16:creationId xmlns:a16="http://schemas.microsoft.com/office/drawing/2014/main" id="{059F7D8F-C214-D600-FBD9-D16B5F454B3E}"/>
-              </a:ext>
-            </a:extLst>
-          </p:cNvPr>
-          <p:cNvCxnSpPr>
-            <a:cxnSpLocks/>
-            <a:stCxn id="9" idx="2"/>
-          </p:cNvCxnSpPr>
-          <p:nvPr/>
-        </p:nvCxnSpPr>
-        <p:spPr>
-          <a:xfrm flipH="1" flipV="1">
-            <a:off x="6564352" y="3913980"/>
-            <a:ext cx="1357141" cy="225488"/>
-          </a:xfrm>
-          <a:prstGeom prst="straightConnector1">
-            <a:avLst/>
-          </a:prstGeom>
-          <a:ln>
-            <a:tailEnd type="triangle"/>
-          </a:ln>
-        </p:spPr>
-        <p:style>
-          <a:lnRef idx="2">
-            <a:schemeClr val="accent1"/>
-          </a:lnRef>
-          <a:fillRef idx="0">
-            <a:schemeClr val="accent1"/>
-          </a:fillRef>
-          <a:effectRef idx="1">
-            <a:schemeClr val="accent1"/>
-          </a:effectRef>
-          <a:fontRef idx="minor">
-            <a:schemeClr val="tx1"/>
-          </a:fontRef>
-        </p:style>
-      </p:cxnSp>
-      <p:cxnSp>
-        <p:nvCxnSpPr>
-          <p:cNvPr id="18" name="직선 화살표 연결선 17">
-            <a:extLst>
-              <a:ext uri="{FF2B5EF4-FFF2-40B4-BE49-F238E27FC236}">
-                <a16:creationId xmlns:a16="http://schemas.microsoft.com/office/drawing/2014/main" id="{2A05B08A-67C1-2D22-6E16-AA43DC997151}"/>
-              </a:ext>
-            </a:extLst>
-          </p:cNvPr>
-          <p:cNvCxnSpPr>
-            <a:cxnSpLocks/>
-            <a:stCxn id="8" idx="2"/>
-          </p:cNvCxnSpPr>
-          <p:nvPr/>
-        </p:nvCxnSpPr>
-        <p:spPr>
-          <a:xfrm flipH="1" flipV="1">
-            <a:off x="6433457" y="4789425"/>
-            <a:ext cx="1488036" cy="534876"/>
-          </a:xfrm>
-          <a:prstGeom prst="straightConnector1">
-            <a:avLst/>
-          </a:prstGeom>
-          <a:ln>
-            <a:tailEnd type="triangle"/>
-          </a:ln>
-        </p:spPr>
-        <p:style>
-          <a:lnRef idx="2">
-            <a:schemeClr val="accent1"/>
-          </a:lnRef>
-          <a:fillRef idx="0">
-            <a:schemeClr val="accent1"/>
-          </a:fillRef>
-          <a:effectRef idx="1">
-            <a:schemeClr val="accent1"/>
-          </a:effectRef>
-          <a:fontRef idx="minor">
-            <a:schemeClr val="tx1"/>
-          </a:fontRef>
-        </p:style>
-      </p:cxnSp>
-      <p:sp>
-        <p:nvSpPr>
-          <p:cNvPr id="22" name="TextBox 21">
-            <a:extLst>
-              <a:ext uri="{FF2B5EF4-FFF2-40B4-BE49-F238E27FC236}">
-                <a16:creationId xmlns:a16="http://schemas.microsoft.com/office/drawing/2014/main" id="{26BB613E-0174-5150-BE3B-2FB4ECF493E9}"/>
+            <a:endParaRPr kumimoji="1" lang="en-US" altLang="ko-KR" b="1" i="1" dirty="0">
+              <a:solidFill>
+                <a:srgbClr val="0070C0"/>
+              </a:solidFill>
+            </a:endParaRPr>
+          </a:p>
+        </p:txBody>
+      </p:sp>
+      <p:sp>
+        <p:nvSpPr>
+          <p:cNvPr id="21" name="TextBox 20">
+            <a:extLst>
+              <a:ext uri="{FF2B5EF4-FFF2-40B4-BE49-F238E27FC236}">
+                <a16:creationId xmlns:a16="http://schemas.microsoft.com/office/drawing/2014/main" id="{59FF5AC3-19BF-5950-0817-6E8AE93102DA}"/>
               </a:ext>
             </a:extLst>
           </p:cNvPr>
@@ -15920,8 +16452,8 @@
         </p:nvSpPr>
         <p:spPr>
           <a:xfrm>
-            <a:off x="6535698" y="1631285"/>
-            <a:ext cx="1107997" cy="369332"/>
+            <a:off x="5296571" y="4482892"/>
+            <a:ext cx="2694970" cy="369332"/>
           </a:xfrm>
           <a:prstGeom prst="rect">
             <a:avLst/>
@@ -15936,302 +16468,33 @@
           <a:p>
             <a:pPr algn="ctr"/>
             <a:r>
-              <a:rPr kumimoji="1" lang="ko-KR" altLang="en-US" b="1" dirty="0">
-                <a:solidFill>
-                  <a:srgbClr val="FF0000"/>
-                </a:solidFill>
-              </a:rPr>
-              <a:t>실병투입</a:t>
-            </a:r>
-          </a:p>
-        </p:txBody>
-      </p:sp>
-      <p:sp>
-        <p:nvSpPr>
-          <p:cNvPr id="23" name="TextBox 22">
-            <a:extLst>
-              <a:ext uri="{FF2B5EF4-FFF2-40B4-BE49-F238E27FC236}">
-                <a16:creationId xmlns:a16="http://schemas.microsoft.com/office/drawing/2014/main" id="{380975C9-AFD7-9B02-0193-B68D8F327ED9}"/>
-              </a:ext>
-            </a:extLst>
-          </p:cNvPr>
-          <p:cNvSpPr txBox="1"/>
-          <p:nvPr/>
-        </p:nvSpPr>
-        <p:spPr>
-          <a:xfrm>
-            <a:off x="6623476" y="2662803"/>
-            <a:ext cx="1107997" cy="369332"/>
-          </a:xfrm>
-          <a:prstGeom prst="rect">
-            <a:avLst/>
-          </a:prstGeom>
-          <a:noFill/>
-        </p:spPr>
-        <p:txBody>
-          <a:bodyPr wrap="none" rtlCol="0">
-            <a:spAutoFit/>
-          </a:bodyPr>
-          <a:lstStyle/>
-          <a:p>
-            <a:pPr algn="ctr"/>
-            <a:r>
-              <a:rPr kumimoji="1" lang="ko-KR" altLang="en-US" b="1" dirty="0">
-                <a:solidFill>
-                  <a:srgbClr val="FF0000"/>
-                </a:solidFill>
-              </a:rPr>
-              <a:t>분석완료</a:t>
-            </a:r>
-          </a:p>
-        </p:txBody>
-      </p:sp>
-      <p:sp>
-        <p:nvSpPr>
-          <p:cNvPr id="24" name="TextBox 23">
-            <a:extLst>
-              <a:ext uri="{FF2B5EF4-FFF2-40B4-BE49-F238E27FC236}">
-                <a16:creationId xmlns:a16="http://schemas.microsoft.com/office/drawing/2014/main" id="{A925C847-A9A1-F440-09A9-AC8F1E804B27}"/>
-              </a:ext>
-            </a:extLst>
-          </p:cNvPr>
-          <p:cNvSpPr txBox="1"/>
-          <p:nvPr/>
-        </p:nvSpPr>
-        <p:spPr>
-          <a:xfrm>
-            <a:off x="6688924" y="3603809"/>
-            <a:ext cx="1107997" cy="369332"/>
-          </a:xfrm>
-          <a:prstGeom prst="rect">
-            <a:avLst/>
-          </a:prstGeom>
-          <a:noFill/>
-        </p:spPr>
-        <p:txBody>
-          <a:bodyPr wrap="none" rtlCol="0">
-            <a:spAutoFit/>
-          </a:bodyPr>
-          <a:lstStyle/>
-          <a:p>
-            <a:pPr algn="ctr"/>
-            <a:r>
-              <a:rPr kumimoji="1" lang="ko-KR" altLang="en-US" i="1" dirty="0">
-                <a:solidFill>
-                  <a:srgbClr val="0070C0"/>
-                </a:solidFill>
-              </a:rPr>
-              <a:t>재검실행</a:t>
-            </a:r>
-          </a:p>
-        </p:txBody>
-      </p:sp>
-      <p:sp>
-        <p:nvSpPr>
-          <p:cNvPr id="25" name="TextBox 24">
-            <a:extLst>
-              <a:ext uri="{FF2B5EF4-FFF2-40B4-BE49-F238E27FC236}">
-                <a16:creationId xmlns:a16="http://schemas.microsoft.com/office/drawing/2014/main" id="{5668C4F3-02B9-DA6C-C34F-C257F54452FA}"/>
-              </a:ext>
-            </a:extLst>
-          </p:cNvPr>
-          <p:cNvSpPr txBox="1"/>
-          <p:nvPr/>
-        </p:nvSpPr>
-        <p:spPr>
-          <a:xfrm>
-            <a:off x="6754372" y="4544815"/>
-            <a:ext cx="1107997" cy="369332"/>
-          </a:xfrm>
-          <a:prstGeom prst="rect">
-            <a:avLst/>
-          </a:prstGeom>
-          <a:noFill/>
-        </p:spPr>
-        <p:txBody>
-          <a:bodyPr wrap="none" rtlCol="0">
-            <a:spAutoFit/>
-          </a:bodyPr>
-          <a:lstStyle/>
-          <a:p>
-            <a:pPr algn="ctr"/>
-            <a:r>
-              <a:rPr kumimoji="1" lang="ko-KR" altLang="en-US" b="1" dirty="0">
-                <a:solidFill>
-                  <a:srgbClr val="FF0000"/>
-                </a:solidFill>
-              </a:rPr>
-              <a:t>폐기완료</a:t>
-            </a:r>
-          </a:p>
-        </p:txBody>
-      </p:sp>
-      <p:sp>
-        <p:nvSpPr>
-          <p:cNvPr id="10" name="직사각형 9">
-            <a:extLst>
-              <a:ext uri="{FF2B5EF4-FFF2-40B4-BE49-F238E27FC236}">
-                <a16:creationId xmlns:a16="http://schemas.microsoft.com/office/drawing/2014/main" id="{2F276EDB-5A4B-12A1-DC12-3EF8C3EA7ABD}"/>
-              </a:ext>
-            </a:extLst>
-          </p:cNvPr>
-          <p:cNvSpPr/>
-          <p:nvPr/>
-        </p:nvSpPr>
-        <p:spPr>
-          <a:xfrm>
-            <a:off x="7796921" y="1077686"/>
-            <a:ext cx="1640993" cy="3680558"/>
-          </a:xfrm>
-          <a:prstGeom prst="rect">
-            <a:avLst/>
-          </a:prstGeom>
-          <a:solidFill>
-            <a:srgbClr val="FFFFFF">
-              <a:alpha val="80000"/>
-            </a:srgbClr>
-          </a:solidFill>
-          <a:ln>
-            <a:noFill/>
-          </a:ln>
-        </p:spPr>
-        <p:style>
-          <a:lnRef idx="2">
-            <a:schemeClr val="accent1">
-              <a:shade val="15000"/>
-            </a:schemeClr>
-          </a:lnRef>
-          <a:fillRef idx="1">
-            <a:schemeClr val="accent1"/>
-          </a:fillRef>
-          <a:effectRef idx="0">
-            <a:schemeClr val="accent1"/>
-          </a:effectRef>
-          <a:fontRef idx="minor">
-            <a:schemeClr val="lt1"/>
-          </a:fontRef>
-        </p:style>
-        <p:txBody>
-          <a:bodyPr wrap="none" rtlCol="0" anchor="ctr"/>
-          <a:lstStyle/>
-          <a:p>
-            <a:pPr algn="ctr"/>
-            <a:endParaRPr kumimoji="1" lang="ko-KR" altLang="en-US" dirty="0"/>
-          </a:p>
-        </p:txBody>
-      </p:sp>
-      <p:sp>
-        <p:nvSpPr>
-          <p:cNvPr id="13" name="직사각형 12">
-            <a:extLst>
-              <a:ext uri="{FF2B5EF4-FFF2-40B4-BE49-F238E27FC236}">
-                <a16:creationId xmlns:a16="http://schemas.microsoft.com/office/drawing/2014/main" id="{EC9F177F-5C3F-32CC-EA2E-7983CB934B88}"/>
-              </a:ext>
-            </a:extLst>
-          </p:cNvPr>
-          <p:cNvSpPr/>
-          <p:nvPr/>
-        </p:nvSpPr>
-        <p:spPr>
-          <a:xfrm>
-            <a:off x="6535698" y="1533698"/>
-            <a:ext cx="1261223" cy="2952321"/>
-          </a:xfrm>
-          <a:prstGeom prst="rect">
-            <a:avLst/>
-          </a:prstGeom>
-          <a:solidFill>
-            <a:srgbClr val="FFFFFF">
-              <a:alpha val="80000"/>
-            </a:srgbClr>
-          </a:solidFill>
-          <a:ln>
-            <a:noFill/>
-          </a:ln>
-        </p:spPr>
-        <p:style>
-          <a:lnRef idx="2">
-            <a:schemeClr val="accent1">
-              <a:shade val="15000"/>
-            </a:schemeClr>
-          </a:lnRef>
-          <a:fillRef idx="1">
-            <a:schemeClr val="accent1"/>
-          </a:fillRef>
-          <a:effectRef idx="0">
-            <a:schemeClr val="accent1"/>
-          </a:effectRef>
-          <a:fontRef idx="minor">
-            <a:schemeClr val="lt1"/>
-          </a:fontRef>
-        </p:style>
-        <p:txBody>
-          <a:bodyPr wrap="none" rtlCol="0" anchor="ctr"/>
-          <a:lstStyle/>
-          <a:p>
-            <a:pPr algn="ctr"/>
-            <a:endParaRPr kumimoji="1" lang="ko-KR" altLang="en-US" dirty="0"/>
-          </a:p>
-        </p:txBody>
-      </p:sp>
-      <p:sp>
-        <p:nvSpPr>
-          <p:cNvPr id="14" name="직사각형 13">
-            <a:extLst>
-              <a:ext uri="{FF2B5EF4-FFF2-40B4-BE49-F238E27FC236}">
-                <a16:creationId xmlns:a16="http://schemas.microsoft.com/office/drawing/2014/main" id="{9CDDBA62-762C-47DE-FC18-12E57A3D8950}"/>
-              </a:ext>
-            </a:extLst>
-          </p:cNvPr>
-          <p:cNvSpPr/>
-          <p:nvPr/>
-        </p:nvSpPr>
-        <p:spPr>
-          <a:xfrm>
-            <a:off x="6433457" y="2187594"/>
-            <a:ext cx="102241" cy="463636"/>
-          </a:xfrm>
-          <a:prstGeom prst="rect">
-            <a:avLst/>
-          </a:prstGeom>
-          <a:solidFill>
-            <a:srgbClr val="FFFFFF">
-              <a:alpha val="80000"/>
-            </a:srgbClr>
-          </a:solidFill>
-          <a:ln>
-            <a:noFill/>
-          </a:ln>
-        </p:spPr>
-        <p:style>
-          <a:lnRef idx="2">
-            <a:schemeClr val="accent1">
-              <a:shade val="15000"/>
-            </a:schemeClr>
-          </a:lnRef>
-          <a:fillRef idx="1">
-            <a:schemeClr val="accent1"/>
-          </a:fillRef>
-          <a:effectRef idx="0">
-            <a:schemeClr val="accent1"/>
-          </a:effectRef>
-          <a:fontRef idx="minor">
-            <a:schemeClr val="lt1"/>
-          </a:fontRef>
-        </p:style>
-        <p:txBody>
-          <a:bodyPr wrap="none" rtlCol="0" anchor="ctr"/>
-          <a:lstStyle/>
-          <a:p>
-            <a:pPr algn="ctr"/>
-            <a:endParaRPr kumimoji="1" lang="ko-KR" altLang="en-US" dirty="0"/>
+              <a:rPr kumimoji="1" lang="en-US" altLang="ko-KR" b="1" i="1" dirty="0"/>
+              <a:t>(</a:t>
+            </a:r>
+            <a:r>
+              <a:rPr kumimoji="1" lang="ko-KR" altLang="en-US" b="1" i="1" dirty="0"/>
+              <a:t>폐기설비는 </a:t>
+            </a:r>
+            <a:r>
+              <a:rPr kumimoji="1" lang="en-US" altLang="ko-KR" b="1" i="1" dirty="0"/>
+              <a:t>Map </a:t>
+            </a:r>
+            <a:r>
+              <a:rPr kumimoji="1" lang="ko-KR" altLang="en-US" b="1" i="1" dirty="0"/>
+              <a:t>불필요</a:t>
+            </a:r>
+            <a:r>
+              <a:rPr kumimoji="1" lang="en-US" altLang="ko-KR" b="1" i="1" dirty="0"/>
+              <a:t>)</a:t>
+            </a:r>
+            <a:endParaRPr kumimoji="1" lang="ko-KR" altLang="en-US" b="1" i="1" dirty="0"/>
           </a:p>
         </p:txBody>
       </p:sp>
     </p:spTree>
     <p:extLst>
       <p:ext uri="{BB962C8B-B14F-4D97-AF65-F5344CB8AC3E}">
-        <p14:creationId xmlns:p14="http://schemas.microsoft.com/office/powerpoint/2010/main" val="2025349589"/>
+        <p14:creationId xmlns:p14="http://schemas.microsoft.com/office/powerpoint/2010/main" val="1874891648"/>
       </p:ext>
     </p:extLst>
   </p:cSld>
@@ -16263,7 +16526,7 @@
           <p:cNvPr id="2" name="제목 1">
             <a:extLst>
               <a:ext uri="{FF2B5EF4-FFF2-40B4-BE49-F238E27FC236}">
-                <a16:creationId xmlns:a16="http://schemas.microsoft.com/office/drawing/2014/main" id="{848F61B5-40C6-1F59-A8DC-C3CBB48F093D}"/>
+                <a16:creationId xmlns:a16="http://schemas.microsoft.com/office/drawing/2014/main" id="{CE37E7E9-F3DB-1E9F-3E06-671D5CE03719}"/>
               </a:ext>
             </a:extLst>
           </p:cNvPr>
@@ -16281,108 +16544,317 @@
           <a:p>
             <a:r>
               <a:rPr kumimoji="1" lang="en-US" altLang="ko-KR" dirty="0"/>
-              <a:t>Pack Scenario</a:t>
-            </a:r>
-            <a:r>
-              <a:rPr kumimoji="1" lang="ko-KR" altLang="en-US" dirty="0"/>
-              <a:t> </a:t>
-            </a:r>
-            <a:r>
-              <a:rPr kumimoji="1" lang="en-US" altLang="ko-KR" dirty="0"/>
-              <a:t>#1</a:t>
+              <a:t>Realtime Events from Stocker to </a:t>
+            </a:r>
+            <a:r>
+              <a:rPr kumimoji="1" lang="en-US" altLang="ko-KR" dirty="0" err="1"/>
+              <a:t>MoMa</a:t>
             </a:r>
             <a:endParaRPr kumimoji="1" lang="ko-KR" altLang="en-US" dirty="0"/>
           </a:p>
         </p:txBody>
       </p:sp>
-      <p:pic>
-        <p:nvPicPr>
-          <p:cNvPr id="10" name="그림 9">
-            <a:extLst>
-              <a:ext uri="{FF2B5EF4-FFF2-40B4-BE49-F238E27FC236}">
-                <a16:creationId xmlns:a16="http://schemas.microsoft.com/office/drawing/2014/main" id="{E2F4ED31-DD67-9DC6-460B-AAD6FAD589A7}"/>
-              </a:ext>
-            </a:extLst>
-          </p:cNvPr>
-          <p:cNvPicPr>
-            <a:picLocks noChangeAspect="1"/>
-          </p:cNvPicPr>
-          <p:nvPr/>
-        </p:nvPicPr>
-        <p:blipFill>
-          <a:blip r:embed="rId2" cstate="print"/>
-          <a:stretch>
-            <a:fillRect/>
-          </a:stretch>
-        </p:blipFill>
-        <p:spPr>
-          <a:xfrm>
-            <a:off x="1898119" y="2281089"/>
-            <a:ext cx="1432910" cy="2295821"/>
+      <p:sp>
+        <p:nvSpPr>
+          <p:cNvPr id="4" name="TextBox 3">
+            <a:extLst>
+              <a:ext uri="{FF2B5EF4-FFF2-40B4-BE49-F238E27FC236}">
+                <a16:creationId xmlns:a16="http://schemas.microsoft.com/office/drawing/2014/main" id="{CAB68C7C-33CF-14FF-AD9E-6FCD8C1472B0}"/>
+              </a:ext>
+            </a:extLst>
+          </p:cNvPr>
+          <p:cNvSpPr txBox="1"/>
+          <p:nvPr/>
+        </p:nvSpPr>
+        <p:spPr>
+          <a:xfrm>
+            <a:off x="435429" y="1023802"/>
+            <a:ext cx="4250202" cy="3970318"/>
           </a:xfrm>
           <a:prstGeom prst="rect">
             <a:avLst/>
           </a:prstGeom>
-        </p:spPr>
-      </p:pic>
-      <p:sp>
-        <p:nvSpPr>
-          <p:cNvPr id="12" name="TextBox 11">
-            <a:extLst>
-              <a:ext uri="{FF2B5EF4-FFF2-40B4-BE49-F238E27FC236}">
-                <a16:creationId xmlns:a16="http://schemas.microsoft.com/office/drawing/2014/main" id="{22F9667E-59CB-0ABB-4EE2-EBB5D1DEF3EB}"/>
-              </a:ext>
-            </a:extLst>
-          </p:cNvPr>
-          <p:cNvSpPr txBox="1"/>
-          <p:nvPr/>
-        </p:nvSpPr>
-        <p:spPr>
-          <a:xfrm>
-            <a:off x="3478641" y="3105833"/>
-            <a:ext cx="1691489" cy="646331"/>
-          </a:xfrm>
-          <a:prstGeom prst="rect">
-            <a:avLst/>
-          </a:prstGeom>
           <a:noFill/>
         </p:spPr>
         <p:txBody>
-          <a:bodyPr wrap="none" rtlCol="0">
+          <a:bodyPr wrap="none" rtlCol="0" anchor="t">
             <a:spAutoFit/>
           </a:bodyPr>
           <a:lstStyle/>
           <a:p>
-            <a:pPr marL="285750" indent="-285750">
-              <a:buFont typeface="Wingdings" pitchFamily="2" charset="2"/>
-              <a:buChar char="l"/>
+            <a:pPr marL="342900" indent="-342900">
+              <a:buFont typeface="+mj-lt"/>
+              <a:buAutoNum type="arabicParenR" startAt="3"/>
             </a:pPr>
             <a:r>
-              <a:rPr kumimoji="1" lang="en-US" altLang="ko-KR" dirty="0"/>
-              <a:t>No Pack</a:t>
-            </a:r>
-          </a:p>
-          <a:p>
-            <a:pPr marL="285750" indent="-285750">
-              <a:buFont typeface="Wingdings" pitchFamily="2" charset="2"/>
-              <a:buChar char="l"/>
+              <a:rPr kumimoji="1" lang="ko-KR" altLang="en-US" b="1" dirty="0" err="1">
+                <a:solidFill>
+                  <a:srgbClr val="FF0000"/>
+                </a:solidFill>
+              </a:rPr>
+              <a:t>빈병</a:t>
+            </a:r>
+            <a:r>
+              <a:rPr kumimoji="1" lang="ko-KR" altLang="en-US" dirty="0" err="1"/>
+              <a:t>을</a:t>
+            </a:r>
+            <a:r>
+              <a:rPr kumimoji="1" lang="ko-KR" altLang="en-US" dirty="0"/>
+              <a:t> </a:t>
+            </a:r>
+            <a:r>
+              <a:rPr kumimoji="1" lang="en-US" altLang="ko-KR" b="1" dirty="0">
+                <a:solidFill>
+                  <a:srgbClr val="FF0000"/>
+                </a:solidFill>
+              </a:rPr>
+              <a:t>Stocker</a:t>
+            </a:r>
+            <a:r>
+              <a:rPr kumimoji="1" lang="ko-KR" altLang="en-US" dirty="0"/>
+              <a:t>에서 </a:t>
+            </a:r>
+            <a:r>
+              <a:rPr kumimoji="1" lang="ko-KR" altLang="en-US" b="1" dirty="0">
+                <a:solidFill>
+                  <a:srgbClr val="FF0000"/>
+                </a:solidFill>
+              </a:rPr>
+              <a:t>반출입기</a:t>
+            </a:r>
+            <a:r>
+              <a:rPr kumimoji="1" lang="ko-KR" altLang="en-US" dirty="0"/>
+              <a:t>로 이동</a:t>
+            </a:r>
+          </a:p>
+          <a:p>
+            <a:pPr marL="800100" lvl="1" indent="-342900">
+              <a:buFont typeface="+mj-lt"/>
+              <a:buAutoNum type="arabicPeriod"/>
             </a:pPr>
             <a:r>
-              <a:rPr kumimoji="1" lang="ko-KR" altLang="en-US" dirty="0"/>
-              <a:t>개별 </a:t>
-            </a:r>
-            <a:r>
-              <a:rPr kumimoji="1" lang="en-US" altLang="ko-KR" dirty="0"/>
-              <a:t>Bottles</a:t>
-            </a:r>
-            <a:endParaRPr kumimoji="1" lang="ko-KR" altLang="en-US" dirty="0"/>
+              <a:rPr kumimoji="1" lang="en-US" altLang="ko-KR" dirty="0"/>
+              <a:t>Move </a:t>
+            </a:r>
+            <a:r>
+              <a:rPr kumimoji="1" lang="en-US" altLang="ko-KR" dirty="0" err="1"/>
+              <a:t>MoMa</a:t>
+            </a:r>
+            <a:r>
+              <a:rPr kumimoji="1" lang="en-US" altLang="ko-KR" dirty="0"/>
+              <a:t> to Stocker</a:t>
+            </a:r>
+          </a:p>
+          <a:p>
+            <a:pPr marL="800100" lvl="1" indent="-342900">
+              <a:buFont typeface="+mj-lt"/>
+              <a:buAutoNum type="arabicPeriod"/>
+            </a:pPr>
+            <a:r>
+              <a:rPr kumimoji="1" lang="en-US" altLang="ko-KR" dirty="0"/>
+              <a:t>Get Map from Stocker</a:t>
+            </a:r>
+          </a:p>
+          <a:p>
+            <a:pPr marL="800100" lvl="1" indent="-342900">
+              <a:buFont typeface="+mj-lt"/>
+              <a:buAutoNum type="arabicPeriod"/>
+            </a:pPr>
+            <a:r>
+              <a:rPr kumimoji="1" lang="en-US" altLang="ko-KR" dirty="0"/>
+              <a:t>Open Door at Stocker</a:t>
+            </a:r>
+          </a:p>
+          <a:p>
+            <a:pPr marL="1257300" lvl="2" indent="-342900">
+              <a:buFont typeface="+mj-ea"/>
+              <a:buAutoNum type="circleNumDbPlain"/>
+            </a:pPr>
+            <a:r>
+              <a:rPr kumimoji="1" lang="en-US" altLang="ko-KR" dirty="0"/>
+              <a:t>Pick </a:t>
+            </a:r>
+            <a:r>
+              <a:rPr kumimoji="1" lang="ko-KR" altLang="en-US" dirty="0" err="1"/>
+              <a:t>빈병</a:t>
+            </a:r>
+            <a:r>
+              <a:rPr kumimoji="1" lang="ko-KR" altLang="en-US" dirty="0"/>
+              <a:t> </a:t>
+            </a:r>
+            <a:r>
+              <a:rPr kumimoji="1" lang="en-US" altLang="ko-KR" dirty="0" err="1"/>
+              <a:t>st</a:t>
+            </a:r>
+            <a:r>
+              <a:rPr kumimoji="1" lang="en-US" altLang="ko-KR" dirty="0"/>
+              <a:t> Stocker</a:t>
+            </a:r>
+          </a:p>
+          <a:p>
+            <a:pPr marL="1257300" lvl="2" indent="-342900">
+              <a:buFont typeface="+mj-ea"/>
+              <a:buAutoNum type="circleNumDbPlain"/>
+            </a:pPr>
+            <a:r>
+              <a:rPr kumimoji="1" lang="en-US" altLang="ko-KR" dirty="0"/>
+              <a:t>Put </a:t>
+            </a:r>
+            <a:r>
+              <a:rPr kumimoji="1" lang="ko-KR" altLang="en-US" dirty="0" err="1"/>
+              <a:t>빈병</a:t>
+            </a:r>
+            <a:r>
+              <a:rPr kumimoji="1" lang="ko-KR" altLang="en-US" dirty="0"/>
+              <a:t> </a:t>
+            </a:r>
+            <a:r>
+              <a:rPr kumimoji="1" lang="en-US" altLang="ko-KR" dirty="0"/>
+              <a:t>at </a:t>
+            </a:r>
+            <a:r>
+              <a:rPr kumimoji="1" lang="en-US" altLang="ko-KR" dirty="0" err="1"/>
+              <a:t>MoMa</a:t>
+            </a:r>
+            <a:endParaRPr kumimoji="1" lang="en-US" altLang="ko-KR" dirty="0"/>
+          </a:p>
+          <a:p>
+            <a:pPr marL="800100" lvl="1" indent="-342900">
+              <a:buFont typeface="+mj-lt"/>
+              <a:buAutoNum type="arabicPeriod"/>
+            </a:pPr>
+            <a:r>
+              <a:rPr kumimoji="1" lang="en-US" altLang="ko-KR" dirty="0"/>
+              <a:t>Close Door at Stocker</a:t>
+            </a:r>
+          </a:p>
+          <a:p>
+            <a:pPr marL="800100" lvl="1" indent="-342900">
+              <a:buFont typeface="+mj-lt"/>
+              <a:buAutoNum type="arabicPeriod"/>
+            </a:pPr>
+            <a:r>
+              <a:rPr kumimoji="1" lang="en-US" altLang="ko-KR" dirty="0"/>
+              <a:t>Send Map to Stocker</a:t>
+            </a:r>
+            <a:br>
+              <a:rPr kumimoji="1" lang="en-US" altLang="ko-KR" dirty="0"/>
+            </a:br>
+            <a:endParaRPr kumimoji="1" lang="en-US" altLang="ko-KR" dirty="0"/>
+          </a:p>
+          <a:p>
+            <a:pPr marL="800100" lvl="1" indent="-342900">
+              <a:buFont typeface="+mj-lt"/>
+              <a:buAutoNum type="arabicPeriod"/>
+            </a:pPr>
+            <a:r>
+              <a:rPr kumimoji="1" lang="en-US" altLang="ko-KR" dirty="0"/>
+              <a:t>Move </a:t>
+            </a:r>
+            <a:r>
+              <a:rPr kumimoji="1" lang="en-US" altLang="ko-KR" dirty="0" err="1"/>
+              <a:t>MoMa</a:t>
+            </a:r>
+            <a:r>
+              <a:rPr kumimoji="1" lang="en-US" altLang="ko-KR" dirty="0"/>
+              <a:t> to </a:t>
+            </a:r>
+            <a:r>
+              <a:rPr kumimoji="1" lang="ko-KR" altLang="en-US" dirty="0"/>
+              <a:t>반출입기</a:t>
+            </a:r>
+            <a:endParaRPr kumimoji="1" lang="en-US" altLang="ko-KR" dirty="0"/>
+          </a:p>
+          <a:p>
+            <a:pPr marL="800100" lvl="1" indent="-342900">
+              <a:buFont typeface="+mj-lt"/>
+              <a:buAutoNum type="arabicPeriod"/>
+            </a:pPr>
+            <a:r>
+              <a:rPr kumimoji="1" lang="en-US" altLang="ko-KR" dirty="0"/>
+              <a:t>Get Map from </a:t>
+            </a:r>
+            <a:r>
+              <a:rPr kumimoji="1" lang="ko-KR" altLang="en-US" dirty="0"/>
+              <a:t>반출입기</a:t>
+            </a:r>
+            <a:endParaRPr kumimoji="1" lang="en-US" altLang="ko-KR" dirty="0"/>
+          </a:p>
+          <a:p>
+            <a:pPr marL="1257300" lvl="2" indent="-342900">
+              <a:buFont typeface="+mj-ea"/>
+              <a:buAutoNum type="circleNumDbPlain"/>
+            </a:pPr>
+            <a:r>
+              <a:rPr kumimoji="1" lang="en-US" altLang="ko-KR" dirty="0"/>
+              <a:t>Pick </a:t>
+            </a:r>
+            <a:r>
+              <a:rPr kumimoji="1" lang="ko-KR" altLang="en-US" dirty="0" err="1"/>
+              <a:t>빈병</a:t>
+            </a:r>
+            <a:r>
+              <a:rPr kumimoji="1" lang="ko-KR" altLang="en-US" dirty="0"/>
+              <a:t> </a:t>
+            </a:r>
+            <a:r>
+              <a:rPr kumimoji="1" lang="en-US" altLang="ko-KR" dirty="0"/>
+              <a:t>at </a:t>
+            </a:r>
+            <a:r>
+              <a:rPr kumimoji="1" lang="en-US" altLang="ko-KR" dirty="0" err="1"/>
+              <a:t>MoMa</a:t>
+            </a:r>
+            <a:endParaRPr kumimoji="1" lang="en-US" altLang="ko-KR" dirty="0"/>
+          </a:p>
+          <a:p>
+            <a:pPr marL="1257300" lvl="2" indent="-342900">
+              <a:buFont typeface="+mj-ea"/>
+              <a:buAutoNum type="circleNumDbPlain"/>
+            </a:pPr>
+            <a:r>
+              <a:rPr kumimoji="1" lang="en-US" altLang="ko-KR" dirty="0"/>
+              <a:t>Put </a:t>
+            </a:r>
+            <a:r>
+              <a:rPr kumimoji="1" lang="ko-KR" altLang="en-US" dirty="0" err="1"/>
+              <a:t>빈병</a:t>
+            </a:r>
+            <a:r>
+              <a:rPr kumimoji="1" lang="ko-KR" altLang="en-US" dirty="0"/>
+              <a:t> </a:t>
+            </a:r>
+            <a:r>
+              <a:rPr kumimoji="1" lang="en-US" altLang="ko-KR" dirty="0"/>
+              <a:t>to </a:t>
+            </a:r>
+            <a:r>
+              <a:rPr kumimoji="1" lang="ko-KR" altLang="en-US" dirty="0"/>
+              <a:t>반출입기</a:t>
+            </a:r>
+            <a:endParaRPr kumimoji="1" lang="en-US" altLang="ko-KR" dirty="0"/>
+          </a:p>
+          <a:p>
+            <a:pPr marL="800100" lvl="1" indent="-342900">
+              <a:buFont typeface="+mj-lt"/>
+              <a:buAutoNum type="arabicPeriod"/>
+            </a:pPr>
+            <a:r>
+              <a:rPr kumimoji="1" lang="en-US" altLang="ko-KR" dirty="0"/>
+              <a:t>Send Map to </a:t>
+            </a:r>
+            <a:r>
+              <a:rPr kumimoji="1" lang="ko-KR" altLang="en-US" dirty="0"/>
+              <a:t>반출입기</a:t>
+            </a:r>
+            <a:endParaRPr kumimoji="1" lang="en-US" altLang="ko-KR" dirty="0"/>
           </a:p>
         </p:txBody>
       </p:sp>
     </p:spTree>
     <p:extLst>
       <p:ext uri="{BB962C8B-B14F-4D97-AF65-F5344CB8AC3E}">
-        <p14:creationId xmlns:p14="http://schemas.microsoft.com/office/powerpoint/2010/main" val="1975535796"/>
+        <p14:creationId xmlns:p14="http://schemas.microsoft.com/office/powerpoint/2010/main" val="3087620631"/>
       </p:ext>
     </p:extLst>
   </p:cSld>
@@ -16414,7 +16886,7 @@
           <p:cNvPr id="2" name="제목 1">
             <a:extLst>
               <a:ext uri="{FF2B5EF4-FFF2-40B4-BE49-F238E27FC236}">
-                <a16:creationId xmlns:a16="http://schemas.microsoft.com/office/drawing/2014/main" id="{848F61B5-40C6-1F59-A8DC-C3CBB48F093D}"/>
+                <a16:creationId xmlns:a16="http://schemas.microsoft.com/office/drawing/2014/main" id="{CE37E7E9-F3DB-1E9F-3E06-671D5CE03719}"/>
               </a:ext>
             </a:extLst>
           </p:cNvPr>
@@ -16432,15 +16904,19 @@
           <a:p>
             <a:r>
               <a:rPr kumimoji="1" lang="en-US" altLang="ko-KR" dirty="0"/>
-              <a:t>Pack Scenario</a:t>
-            </a:r>
-            <a:r>
-              <a:rPr kumimoji="1" lang="ko-KR" altLang="en-US" dirty="0"/>
-              <a:t> </a:t>
-            </a:r>
-            <a:r>
-              <a:rPr kumimoji="1" lang="en-US" altLang="ko-KR" dirty="0"/>
-              <a:t>#2</a:t>
+              <a:t>Realtime Events from </a:t>
+            </a:r>
+            <a:r>
+              <a:rPr kumimoji="1" lang="ko-KR" altLang="en-US" dirty="0"/>
+              <a:t>폐기설비 </a:t>
+            </a:r>
+            <a:r>
+              <a:rPr kumimoji="1" lang="en-US" altLang="ko-KR" dirty="0"/>
+              <a:t>to </a:t>
+            </a:r>
+            <a:r>
+              <a:rPr kumimoji="1" lang="en-US" altLang="ko-KR" dirty="0" err="1"/>
+              <a:t>MoMa</a:t>
             </a:r>
             <a:endParaRPr kumimoji="1" lang="ko-KR" altLang="en-US" dirty="0"/>
           </a:p>
@@ -16448,10 +16924,10 @@
       </p:sp>
       <p:pic>
         <p:nvPicPr>
-          <p:cNvPr id="10" name="그림 9">
-            <a:extLst>
-              <a:ext uri="{FF2B5EF4-FFF2-40B4-BE49-F238E27FC236}">
-                <a16:creationId xmlns:a16="http://schemas.microsoft.com/office/drawing/2014/main" id="{E2F4ED31-DD67-9DC6-460B-AAD6FAD589A7}"/>
+          <p:cNvPr id="3" name="그림 2">
+            <a:extLst>
+              <a:ext uri="{FF2B5EF4-FFF2-40B4-BE49-F238E27FC236}">
+                <a16:creationId xmlns:a16="http://schemas.microsoft.com/office/drawing/2014/main" id="{78245034-EE28-E352-3417-334C83EF5FE4}"/>
               </a:ext>
             </a:extLst>
           </p:cNvPr>
@@ -16468,8 +16944,8 @@
         </p:blipFill>
         <p:spPr>
           <a:xfrm>
-            <a:off x="1898119" y="2281089"/>
-            <a:ext cx="1432910" cy="2295821"/>
+            <a:off x="5054975" y="2765208"/>
+            <a:ext cx="943054" cy="1510969"/>
           </a:xfrm>
           <a:prstGeom prst="rect">
             <a:avLst/>
@@ -16478,10 +16954,10 @@
       </p:pic>
       <p:sp>
         <p:nvSpPr>
-          <p:cNvPr id="12" name="TextBox 11">
-            <a:extLst>
-              <a:ext uri="{FF2B5EF4-FFF2-40B4-BE49-F238E27FC236}">
-                <a16:creationId xmlns:a16="http://schemas.microsoft.com/office/drawing/2014/main" id="{22F9667E-59CB-0ABB-4EE2-EBB5D1DEF3EB}"/>
+          <p:cNvPr id="4" name="TextBox 3">
+            <a:extLst>
+              <a:ext uri="{FF2B5EF4-FFF2-40B4-BE49-F238E27FC236}">
+                <a16:creationId xmlns:a16="http://schemas.microsoft.com/office/drawing/2014/main" id="{CAB68C7C-33CF-14FF-AD9E-6FCD8C1472B0}"/>
               </a:ext>
             </a:extLst>
           </p:cNvPr>
@@ -16490,8 +16966,553 @@
         </p:nvSpPr>
         <p:spPr>
           <a:xfrm>
-            <a:off x="3478641" y="3105833"/>
-            <a:ext cx="1125886" cy="369332"/>
+            <a:off x="413961" y="3216262"/>
+            <a:ext cx="4363695" cy="883383"/>
+          </a:xfrm>
+          <a:prstGeom prst="rect">
+            <a:avLst/>
+          </a:prstGeom>
+          <a:noFill/>
+        </p:spPr>
+        <p:txBody>
+          <a:bodyPr wrap="none" rtlCol="0" anchor="ctr">
+            <a:spAutoFit/>
+          </a:bodyPr>
+          <a:lstStyle/>
+          <a:p>
+            <a:pPr marL="342900" indent="-342900">
+              <a:lnSpc>
+                <a:spcPct val="150000"/>
+              </a:lnSpc>
+              <a:buFont typeface="+mj-lt"/>
+              <a:buAutoNum type="arabicParenR"/>
+            </a:pPr>
+            <a:r>
+              <a:rPr kumimoji="1" lang="ko-KR" altLang="en-US" b="1" dirty="0" err="1">
+                <a:solidFill>
+                  <a:srgbClr val="FF0000"/>
+                </a:solidFill>
+              </a:rPr>
+              <a:t>빈병</a:t>
+            </a:r>
+            <a:r>
+              <a:rPr kumimoji="1" lang="ko-KR" altLang="en-US" dirty="0" err="1"/>
+              <a:t>을</a:t>
+            </a:r>
+            <a:r>
+              <a:rPr kumimoji="1" lang="ko-KR" altLang="en-US" dirty="0"/>
+              <a:t> </a:t>
+            </a:r>
+            <a:r>
+              <a:rPr kumimoji="1" lang="ko-KR" altLang="en-US" b="1" dirty="0">
+                <a:solidFill>
+                  <a:srgbClr val="FF0000"/>
+                </a:solidFill>
+              </a:rPr>
+              <a:t>폐기설비</a:t>
+            </a:r>
+            <a:r>
+              <a:rPr kumimoji="1" lang="ko-KR" altLang="en-US" dirty="0"/>
+              <a:t>에서 </a:t>
+            </a:r>
+            <a:r>
+              <a:rPr kumimoji="1" lang="ko-KR" altLang="en-US" b="1" dirty="0">
+                <a:solidFill>
+                  <a:srgbClr val="FF0000"/>
+                </a:solidFill>
+              </a:rPr>
+              <a:t>반출입기</a:t>
+            </a:r>
+            <a:r>
+              <a:rPr kumimoji="1" lang="ko-KR" altLang="en-US" dirty="0"/>
+              <a:t>로 이동</a:t>
+            </a:r>
+            <a:endParaRPr kumimoji="1" lang="en-US" altLang="ko-KR" dirty="0"/>
+          </a:p>
+          <a:p>
+            <a:pPr marL="342900" indent="-342900">
+              <a:lnSpc>
+                <a:spcPct val="150000"/>
+              </a:lnSpc>
+              <a:buFont typeface="+mj-lt"/>
+              <a:buAutoNum type="arabicParenR"/>
+            </a:pPr>
+            <a:r>
+              <a:rPr kumimoji="1" lang="ko-KR" altLang="en-US" b="1" dirty="0" err="1">
+                <a:solidFill>
+                  <a:srgbClr val="FF0000"/>
+                </a:solidFill>
+              </a:rPr>
+              <a:t>빈병</a:t>
+            </a:r>
+            <a:r>
+              <a:rPr kumimoji="1" lang="ko-KR" altLang="en-US" dirty="0" err="1"/>
+              <a:t>을</a:t>
+            </a:r>
+            <a:r>
+              <a:rPr kumimoji="1" lang="ko-KR" altLang="en-US" dirty="0"/>
+              <a:t> </a:t>
+            </a:r>
+            <a:r>
+              <a:rPr kumimoji="1" lang="ko-KR" altLang="en-US" b="1" dirty="0">
+                <a:solidFill>
+                  <a:srgbClr val="FF0000"/>
+                </a:solidFill>
+              </a:rPr>
+              <a:t>폐기설비</a:t>
+            </a:r>
+            <a:r>
+              <a:rPr kumimoji="1" lang="ko-KR" altLang="en-US" dirty="0"/>
+              <a:t>에서 </a:t>
+            </a:r>
+            <a:r>
+              <a:rPr kumimoji="1" lang="en-US" altLang="ko-KR" b="1" dirty="0">
+                <a:solidFill>
+                  <a:srgbClr val="FF0000"/>
+                </a:solidFill>
+              </a:rPr>
+              <a:t>Stocker</a:t>
+            </a:r>
+            <a:r>
+              <a:rPr kumimoji="1" lang="ko-KR" altLang="en-US" dirty="0"/>
+              <a:t>로 이동</a:t>
+            </a:r>
+            <a:endParaRPr kumimoji="1" lang="en-US" altLang="ko-KR" dirty="0"/>
+          </a:p>
+        </p:txBody>
+      </p:sp>
+      <p:sp>
+        <p:nvSpPr>
+          <p:cNvPr id="5" name="호 4">
+            <a:extLst>
+              <a:ext uri="{FF2B5EF4-FFF2-40B4-BE49-F238E27FC236}">
+                <a16:creationId xmlns:a16="http://schemas.microsoft.com/office/drawing/2014/main" id="{B20CD12A-A420-A77C-2590-3A325D07BBF6}"/>
+              </a:ext>
+            </a:extLst>
+          </p:cNvPr>
+          <p:cNvSpPr/>
+          <p:nvPr/>
+        </p:nvSpPr>
+        <p:spPr>
+          <a:xfrm>
+            <a:off x="5621298" y="2295011"/>
+            <a:ext cx="914400" cy="2725885"/>
+          </a:xfrm>
+          <a:prstGeom prst="arc">
+            <a:avLst>
+              <a:gd name="adj1" fmla="val 14650009"/>
+              <a:gd name="adj2" fmla="val 7355272"/>
+            </a:avLst>
+          </a:prstGeom>
+          <a:ln>
+            <a:headEnd type="none" w="med" len="med"/>
+            <a:tailEnd type="triangle" w="med" len="med"/>
+          </a:ln>
+        </p:spPr>
+        <p:style>
+          <a:lnRef idx="2">
+            <a:schemeClr val="accent1"/>
+          </a:lnRef>
+          <a:fillRef idx="0">
+            <a:schemeClr val="accent1"/>
+          </a:fillRef>
+          <a:effectRef idx="1">
+            <a:schemeClr val="accent1"/>
+          </a:effectRef>
+          <a:fontRef idx="minor">
+            <a:schemeClr val="tx1"/>
+          </a:fontRef>
+        </p:style>
+        <p:txBody>
+          <a:bodyPr rtlCol="0" anchor="ctr"/>
+          <a:lstStyle/>
+          <a:p>
+            <a:pPr algn="ctr"/>
+            <a:endParaRPr kumimoji="1" lang="ko-KR" altLang="en-US"/>
+          </a:p>
+        </p:txBody>
+      </p:sp>
+      <p:sp>
+        <p:nvSpPr>
+          <p:cNvPr id="6" name="타원 5">
+            <a:extLst>
+              <a:ext uri="{FF2B5EF4-FFF2-40B4-BE49-F238E27FC236}">
+                <a16:creationId xmlns:a16="http://schemas.microsoft.com/office/drawing/2014/main" id="{AB982352-4ACD-F216-F6EB-7CDA1BB0C55D}"/>
+              </a:ext>
+            </a:extLst>
+          </p:cNvPr>
+          <p:cNvSpPr/>
+          <p:nvPr/>
+        </p:nvSpPr>
+        <p:spPr>
+          <a:xfrm>
+            <a:off x="7921493" y="1203745"/>
+            <a:ext cx="1132114" cy="1132114"/>
+          </a:xfrm>
+          <a:prstGeom prst="ellipse">
+            <a:avLst/>
+          </a:prstGeom>
+        </p:spPr>
+        <p:style>
+          <a:lnRef idx="2">
+            <a:schemeClr val="accent1">
+              <a:shade val="15000"/>
+            </a:schemeClr>
+          </a:lnRef>
+          <a:fillRef idx="1">
+            <a:schemeClr val="accent1"/>
+          </a:fillRef>
+          <a:effectRef idx="0">
+            <a:schemeClr val="accent1"/>
+          </a:effectRef>
+          <a:fontRef idx="minor">
+            <a:schemeClr val="lt1"/>
+          </a:fontRef>
+        </p:style>
+        <p:txBody>
+          <a:bodyPr wrap="none" rtlCol="0" anchor="ctr"/>
+          <a:lstStyle/>
+          <a:p>
+            <a:pPr algn="ctr"/>
+            <a:r>
+              <a:rPr kumimoji="1" lang="ko-KR" altLang="en-US" dirty="0"/>
+              <a:t>반출입기</a:t>
+            </a:r>
+          </a:p>
+        </p:txBody>
+      </p:sp>
+      <p:sp>
+        <p:nvSpPr>
+          <p:cNvPr id="7" name="타원 6">
+            <a:extLst>
+              <a:ext uri="{FF2B5EF4-FFF2-40B4-BE49-F238E27FC236}">
+                <a16:creationId xmlns:a16="http://schemas.microsoft.com/office/drawing/2014/main" id="{1956C48A-3A28-1E07-1691-99182D9C4518}"/>
+              </a:ext>
+            </a:extLst>
+          </p:cNvPr>
+          <p:cNvSpPr/>
+          <p:nvPr/>
+        </p:nvSpPr>
+        <p:spPr>
+          <a:xfrm>
+            <a:off x="7921493" y="2388578"/>
+            <a:ext cx="1132114" cy="1132114"/>
+          </a:xfrm>
+          <a:prstGeom prst="ellipse">
+            <a:avLst/>
+          </a:prstGeom>
+        </p:spPr>
+        <p:style>
+          <a:lnRef idx="2">
+            <a:schemeClr val="accent1">
+              <a:shade val="15000"/>
+            </a:schemeClr>
+          </a:lnRef>
+          <a:fillRef idx="1">
+            <a:schemeClr val="accent1"/>
+          </a:fillRef>
+          <a:effectRef idx="0">
+            <a:schemeClr val="accent1"/>
+          </a:effectRef>
+          <a:fontRef idx="minor">
+            <a:schemeClr val="lt1"/>
+          </a:fontRef>
+        </p:style>
+        <p:txBody>
+          <a:bodyPr wrap="none" rtlCol="0" anchor="ctr"/>
+          <a:lstStyle/>
+          <a:p>
+            <a:pPr algn="ctr"/>
+            <a:r>
+              <a:rPr kumimoji="1" lang="ko-KR" altLang="en-US" dirty="0"/>
+              <a:t>분석기</a:t>
+            </a:r>
+          </a:p>
+        </p:txBody>
+      </p:sp>
+      <p:sp>
+        <p:nvSpPr>
+          <p:cNvPr id="8" name="타원 7">
+            <a:extLst>
+              <a:ext uri="{FF2B5EF4-FFF2-40B4-BE49-F238E27FC236}">
+                <a16:creationId xmlns:a16="http://schemas.microsoft.com/office/drawing/2014/main" id="{49D4F0DF-9AA5-6726-8304-271932B4CD36}"/>
+              </a:ext>
+            </a:extLst>
+          </p:cNvPr>
+          <p:cNvSpPr/>
+          <p:nvPr/>
+        </p:nvSpPr>
+        <p:spPr>
+          <a:xfrm>
+            <a:off x="7921493" y="4758244"/>
+            <a:ext cx="1132114" cy="1132114"/>
+          </a:xfrm>
+          <a:prstGeom prst="ellipse">
+            <a:avLst/>
+          </a:prstGeom>
+        </p:spPr>
+        <p:style>
+          <a:lnRef idx="2">
+            <a:schemeClr val="accent1">
+              <a:shade val="15000"/>
+            </a:schemeClr>
+          </a:lnRef>
+          <a:fillRef idx="1">
+            <a:schemeClr val="accent1"/>
+          </a:fillRef>
+          <a:effectRef idx="0">
+            <a:schemeClr val="accent1"/>
+          </a:effectRef>
+          <a:fontRef idx="minor">
+            <a:schemeClr val="lt1"/>
+          </a:fontRef>
+        </p:style>
+        <p:txBody>
+          <a:bodyPr wrap="none" rtlCol="0" anchor="ctr"/>
+          <a:lstStyle/>
+          <a:p>
+            <a:pPr algn="ctr"/>
+            <a:r>
+              <a:rPr kumimoji="1" lang="ko-KR" altLang="en-US" dirty="0"/>
+              <a:t>폐기설비</a:t>
+            </a:r>
+          </a:p>
+        </p:txBody>
+      </p:sp>
+      <p:sp>
+        <p:nvSpPr>
+          <p:cNvPr id="9" name="타원 8">
+            <a:extLst>
+              <a:ext uri="{FF2B5EF4-FFF2-40B4-BE49-F238E27FC236}">
+                <a16:creationId xmlns:a16="http://schemas.microsoft.com/office/drawing/2014/main" id="{D97B48F4-68BA-3EEA-2341-5D8BFD089E77}"/>
+              </a:ext>
+            </a:extLst>
+          </p:cNvPr>
+          <p:cNvSpPr/>
+          <p:nvPr/>
+        </p:nvSpPr>
+        <p:spPr>
+          <a:xfrm>
+            <a:off x="7921493" y="3573411"/>
+            <a:ext cx="1132114" cy="1132114"/>
+          </a:xfrm>
+          <a:prstGeom prst="ellipse">
+            <a:avLst/>
+          </a:prstGeom>
+        </p:spPr>
+        <p:style>
+          <a:lnRef idx="2">
+            <a:schemeClr val="accent1">
+              <a:shade val="15000"/>
+            </a:schemeClr>
+          </a:lnRef>
+          <a:fillRef idx="1">
+            <a:schemeClr val="accent1"/>
+          </a:fillRef>
+          <a:effectRef idx="0">
+            <a:schemeClr val="accent1"/>
+          </a:effectRef>
+          <a:fontRef idx="minor">
+            <a:schemeClr val="lt1"/>
+          </a:fontRef>
+        </p:style>
+        <p:txBody>
+          <a:bodyPr wrap="none" rtlCol="0" anchor="ctr"/>
+          <a:lstStyle/>
+          <a:p>
+            <a:pPr algn="ctr"/>
+            <a:r>
+              <a:rPr kumimoji="1" lang="en-US" altLang="ko-KR" dirty="0"/>
+              <a:t>Stocker</a:t>
+            </a:r>
+            <a:endParaRPr kumimoji="1" lang="ko-KR" altLang="en-US" dirty="0"/>
+          </a:p>
+        </p:txBody>
+      </p:sp>
+      <p:cxnSp>
+        <p:nvCxnSpPr>
+          <p:cNvPr id="11" name="직선 화살표 연결선 10">
+            <a:extLst>
+              <a:ext uri="{FF2B5EF4-FFF2-40B4-BE49-F238E27FC236}">
+                <a16:creationId xmlns:a16="http://schemas.microsoft.com/office/drawing/2014/main" id="{C3703671-2FD6-0D30-086F-DCBE3E356F8B}"/>
+              </a:ext>
+            </a:extLst>
+          </p:cNvPr>
+          <p:cNvCxnSpPr>
+            <a:cxnSpLocks/>
+            <a:stCxn id="6" idx="2"/>
+          </p:cNvCxnSpPr>
+          <p:nvPr/>
+        </p:nvCxnSpPr>
+        <p:spPr>
+          <a:xfrm flipH="1">
+            <a:off x="6433457" y="1769802"/>
+            <a:ext cx="1488036" cy="768279"/>
+          </a:xfrm>
+          <a:prstGeom prst="straightConnector1">
+            <a:avLst/>
+          </a:prstGeom>
+          <a:ln>
+            <a:tailEnd type="triangle"/>
+          </a:ln>
+        </p:spPr>
+        <p:style>
+          <a:lnRef idx="2">
+            <a:schemeClr val="accent1"/>
+          </a:lnRef>
+          <a:fillRef idx="0">
+            <a:schemeClr val="accent1"/>
+          </a:fillRef>
+          <a:effectRef idx="1">
+            <a:schemeClr val="accent1"/>
+          </a:effectRef>
+          <a:fontRef idx="minor">
+            <a:schemeClr val="tx1"/>
+          </a:fontRef>
+        </p:style>
+      </p:cxnSp>
+      <p:cxnSp>
+        <p:nvCxnSpPr>
+          <p:cNvPr id="12" name="직선 화살표 연결선 11">
+            <a:extLst>
+              <a:ext uri="{FF2B5EF4-FFF2-40B4-BE49-F238E27FC236}">
+                <a16:creationId xmlns:a16="http://schemas.microsoft.com/office/drawing/2014/main" id="{741DE6C2-0329-8BFD-0972-19C834A58ADE}"/>
+              </a:ext>
+            </a:extLst>
+          </p:cNvPr>
+          <p:cNvCxnSpPr>
+            <a:cxnSpLocks/>
+            <a:stCxn id="7" idx="2"/>
+          </p:cNvCxnSpPr>
+          <p:nvPr/>
+        </p:nvCxnSpPr>
+        <p:spPr>
+          <a:xfrm flipH="1">
+            <a:off x="6564352" y="2954635"/>
+            <a:ext cx="1357141" cy="202222"/>
+          </a:xfrm>
+          <a:prstGeom prst="straightConnector1">
+            <a:avLst/>
+          </a:prstGeom>
+          <a:ln>
+            <a:tailEnd type="triangle"/>
+          </a:ln>
+        </p:spPr>
+        <p:style>
+          <a:lnRef idx="2">
+            <a:schemeClr val="accent1"/>
+          </a:lnRef>
+          <a:fillRef idx="0">
+            <a:schemeClr val="accent1"/>
+          </a:fillRef>
+          <a:effectRef idx="1">
+            <a:schemeClr val="accent1"/>
+          </a:effectRef>
+          <a:fontRef idx="minor">
+            <a:schemeClr val="tx1"/>
+          </a:fontRef>
+        </p:style>
+      </p:cxnSp>
+      <p:cxnSp>
+        <p:nvCxnSpPr>
+          <p:cNvPr id="15" name="직선 화살표 연결선 14">
+            <a:extLst>
+              <a:ext uri="{FF2B5EF4-FFF2-40B4-BE49-F238E27FC236}">
+                <a16:creationId xmlns:a16="http://schemas.microsoft.com/office/drawing/2014/main" id="{059F7D8F-C214-D600-FBD9-D16B5F454B3E}"/>
+              </a:ext>
+            </a:extLst>
+          </p:cNvPr>
+          <p:cNvCxnSpPr>
+            <a:cxnSpLocks/>
+            <a:stCxn id="9" idx="2"/>
+          </p:cNvCxnSpPr>
+          <p:nvPr/>
+        </p:nvCxnSpPr>
+        <p:spPr>
+          <a:xfrm flipH="1" flipV="1">
+            <a:off x="6564352" y="3913980"/>
+            <a:ext cx="1357141" cy="225488"/>
+          </a:xfrm>
+          <a:prstGeom prst="straightConnector1">
+            <a:avLst/>
+          </a:prstGeom>
+          <a:ln>
+            <a:tailEnd type="triangle"/>
+          </a:ln>
+        </p:spPr>
+        <p:style>
+          <a:lnRef idx="2">
+            <a:schemeClr val="accent1"/>
+          </a:lnRef>
+          <a:fillRef idx="0">
+            <a:schemeClr val="accent1"/>
+          </a:fillRef>
+          <a:effectRef idx="1">
+            <a:schemeClr val="accent1"/>
+          </a:effectRef>
+          <a:fontRef idx="minor">
+            <a:schemeClr val="tx1"/>
+          </a:fontRef>
+        </p:style>
+      </p:cxnSp>
+      <p:cxnSp>
+        <p:nvCxnSpPr>
+          <p:cNvPr id="18" name="직선 화살표 연결선 17">
+            <a:extLst>
+              <a:ext uri="{FF2B5EF4-FFF2-40B4-BE49-F238E27FC236}">
+                <a16:creationId xmlns:a16="http://schemas.microsoft.com/office/drawing/2014/main" id="{2A05B08A-67C1-2D22-6E16-AA43DC997151}"/>
+              </a:ext>
+            </a:extLst>
+          </p:cNvPr>
+          <p:cNvCxnSpPr>
+            <a:cxnSpLocks/>
+            <a:stCxn id="8" idx="2"/>
+          </p:cNvCxnSpPr>
+          <p:nvPr/>
+        </p:nvCxnSpPr>
+        <p:spPr>
+          <a:xfrm flipH="1" flipV="1">
+            <a:off x="6433457" y="4789425"/>
+            <a:ext cx="1488036" cy="534876"/>
+          </a:xfrm>
+          <a:prstGeom prst="straightConnector1">
+            <a:avLst/>
+          </a:prstGeom>
+          <a:ln>
+            <a:tailEnd type="triangle"/>
+          </a:ln>
+        </p:spPr>
+        <p:style>
+          <a:lnRef idx="2">
+            <a:schemeClr val="accent1"/>
+          </a:lnRef>
+          <a:fillRef idx="0">
+            <a:schemeClr val="accent1"/>
+          </a:fillRef>
+          <a:effectRef idx="1">
+            <a:schemeClr val="accent1"/>
+          </a:effectRef>
+          <a:fontRef idx="minor">
+            <a:schemeClr val="tx1"/>
+          </a:fontRef>
+        </p:style>
+      </p:cxnSp>
+      <p:sp>
+        <p:nvSpPr>
+          <p:cNvPr id="22" name="TextBox 21">
+            <a:extLst>
+              <a:ext uri="{FF2B5EF4-FFF2-40B4-BE49-F238E27FC236}">
+                <a16:creationId xmlns:a16="http://schemas.microsoft.com/office/drawing/2014/main" id="{26BB613E-0174-5150-BE3B-2FB4ECF493E9}"/>
+              </a:ext>
+            </a:extLst>
+          </p:cNvPr>
+          <p:cNvSpPr txBox="1"/>
+          <p:nvPr/>
+        </p:nvSpPr>
+        <p:spPr>
+          <a:xfrm>
+            <a:off x="6535698" y="1631285"/>
+            <a:ext cx="1107997" cy="369332"/>
           </a:xfrm>
           <a:prstGeom prst="rect">
             <a:avLst/>
@@ -16504,21 +17525,304 @@
           </a:bodyPr>
           <a:lstStyle/>
           <a:p>
-            <a:pPr marL="285750" indent="-285750">
-              <a:buFont typeface="Wingdings" pitchFamily="2" charset="2"/>
-              <a:buChar char="l"/>
-            </a:pPr>
-            <a:r>
-              <a:rPr kumimoji="1" lang="en-US" altLang="ko-KR" dirty="0"/>
-              <a:t>1 Pack</a:t>
-            </a:r>
+            <a:pPr algn="ctr"/>
+            <a:r>
+              <a:rPr kumimoji="1" lang="ko-KR" altLang="en-US" b="1" dirty="0">
+                <a:solidFill>
+                  <a:srgbClr val="FF0000"/>
+                </a:solidFill>
+              </a:rPr>
+              <a:t>실병투입</a:t>
+            </a:r>
+          </a:p>
+        </p:txBody>
+      </p:sp>
+      <p:sp>
+        <p:nvSpPr>
+          <p:cNvPr id="23" name="TextBox 22">
+            <a:extLst>
+              <a:ext uri="{FF2B5EF4-FFF2-40B4-BE49-F238E27FC236}">
+                <a16:creationId xmlns:a16="http://schemas.microsoft.com/office/drawing/2014/main" id="{380975C9-AFD7-9B02-0193-B68D8F327ED9}"/>
+              </a:ext>
+            </a:extLst>
+          </p:cNvPr>
+          <p:cNvSpPr txBox="1"/>
+          <p:nvPr/>
+        </p:nvSpPr>
+        <p:spPr>
+          <a:xfrm>
+            <a:off x="6623476" y="2662803"/>
+            <a:ext cx="1107997" cy="369332"/>
+          </a:xfrm>
+          <a:prstGeom prst="rect">
+            <a:avLst/>
+          </a:prstGeom>
+          <a:noFill/>
+        </p:spPr>
+        <p:txBody>
+          <a:bodyPr wrap="none" rtlCol="0">
+            <a:spAutoFit/>
+          </a:bodyPr>
+          <a:lstStyle/>
+          <a:p>
+            <a:pPr algn="ctr"/>
+            <a:r>
+              <a:rPr kumimoji="1" lang="ko-KR" altLang="en-US" b="1" dirty="0">
+                <a:solidFill>
+                  <a:srgbClr val="FF0000"/>
+                </a:solidFill>
+              </a:rPr>
+              <a:t>분석완료</a:t>
+            </a:r>
+          </a:p>
+        </p:txBody>
+      </p:sp>
+      <p:sp>
+        <p:nvSpPr>
+          <p:cNvPr id="24" name="TextBox 23">
+            <a:extLst>
+              <a:ext uri="{FF2B5EF4-FFF2-40B4-BE49-F238E27FC236}">
+                <a16:creationId xmlns:a16="http://schemas.microsoft.com/office/drawing/2014/main" id="{A925C847-A9A1-F440-09A9-AC8F1E804B27}"/>
+              </a:ext>
+            </a:extLst>
+          </p:cNvPr>
+          <p:cNvSpPr txBox="1"/>
+          <p:nvPr/>
+        </p:nvSpPr>
+        <p:spPr>
+          <a:xfrm>
+            <a:off x="6688924" y="3603809"/>
+            <a:ext cx="1107997" cy="369332"/>
+          </a:xfrm>
+          <a:prstGeom prst="rect">
+            <a:avLst/>
+          </a:prstGeom>
+          <a:noFill/>
+        </p:spPr>
+        <p:txBody>
+          <a:bodyPr wrap="none" rtlCol="0">
+            <a:spAutoFit/>
+          </a:bodyPr>
+          <a:lstStyle/>
+          <a:p>
+            <a:pPr algn="ctr"/>
+            <a:r>
+              <a:rPr kumimoji="1" lang="ko-KR" altLang="en-US" i="1" dirty="0">
+                <a:solidFill>
+                  <a:srgbClr val="0070C0"/>
+                </a:solidFill>
+              </a:rPr>
+              <a:t>재검실행</a:t>
+            </a:r>
+          </a:p>
+        </p:txBody>
+      </p:sp>
+      <p:sp>
+        <p:nvSpPr>
+          <p:cNvPr id="25" name="TextBox 24">
+            <a:extLst>
+              <a:ext uri="{FF2B5EF4-FFF2-40B4-BE49-F238E27FC236}">
+                <a16:creationId xmlns:a16="http://schemas.microsoft.com/office/drawing/2014/main" id="{5668C4F3-02B9-DA6C-C34F-C257F54452FA}"/>
+              </a:ext>
+            </a:extLst>
+          </p:cNvPr>
+          <p:cNvSpPr txBox="1"/>
+          <p:nvPr/>
+        </p:nvSpPr>
+        <p:spPr>
+          <a:xfrm>
+            <a:off x="6754372" y="4544815"/>
+            <a:ext cx="1107997" cy="369332"/>
+          </a:xfrm>
+          <a:prstGeom prst="rect">
+            <a:avLst/>
+          </a:prstGeom>
+          <a:noFill/>
+        </p:spPr>
+        <p:txBody>
+          <a:bodyPr wrap="none" rtlCol="0">
+            <a:spAutoFit/>
+          </a:bodyPr>
+          <a:lstStyle/>
+          <a:p>
+            <a:pPr algn="ctr"/>
+            <a:r>
+              <a:rPr kumimoji="1" lang="ko-KR" altLang="en-US" b="1" dirty="0">
+                <a:solidFill>
+                  <a:srgbClr val="FF0000"/>
+                </a:solidFill>
+              </a:rPr>
+              <a:t>폐기완료</a:t>
+            </a:r>
+          </a:p>
+        </p:txBody>
+      </p:sp>
+      <p:sp>
+        <p:nvSpPr>
+          <p:cNvPr id="10" name="직사각형 9">
+            <a:extLst>
+              <a:ext uri="{FF2B5EF4-FFF2-40B4-BE49-F238E27FC236}">
+                <a16:creationId xmlns:a16="http://schemas.microsoft.com/office/drawing/2014/main" id="{2F276EDB-5A4B-12A1-DC12-3EF8C3EA7ABD}"/>
+              </a:ext>
+            </a:extLst>
+          </p:cNvPr>
+          <p:cNvSpPr/>
+          <p:nvPr/>
+        </p:nvSpPr>
+        <p:spPr>
+          <a:xfrm>
+            <a:off x="7796921" y="1077686"/>
+            <a:ext cx="1640993" cy="3680558"/>
+          </a:xfrm>
+          <a:prstGeom prst="rect">
+            <a:avLst/>
+          </a:prstGeom>
+          <a:solidFill>
+            <a:srgbClr val="FFFFFF">
+              <a:alpha val="80000"/>
+            </a:srgbClr>
+          </a:solidFill>
+          <a:ln>
+            <a:noFill/>
+          </a:ln>
+        </p:spPr>
+        <p:style>
+          <a:lnRef idx="2">
+            <a:schemeClr val="accent1">
+              <a:shade val="15000"/>
+            </a:schemeClr>
+          </a:lnRef>
+          <a:fillRef idx="1">
+            <a:schemeClr val="accent1"/>
+          </a:fillRef>
+          <a:effectRef idx="0">
+            <a:schemeClr val="accent1"/>
+          </a:effectRef>
+          <a:fontRef idx="minor">
+            <a:schemeClr val="lt1"/>
+          </a:fontRef>
+        </p:style>
+        <p:txBody>
+          <a:bodyPr wrap="none" rtlCol="0" anchor="ctr"/>
+          <a:lstStyle/>
+          <a:p>
+            <a:pPr algn="ctr"/>
+            <a:endParaRPr kumimoji="1" lang="ko-KR" altLang="en-US" dirty="0"/>
+          </a:p>
+        </p:txBody>
+      </p:sp>
+      <p:sp>
+        <p:nvSpPr>
+          <p:cNvPr id="13" name="직사각형 12">
+            <a:extLst>
+              <a:ext uri="{FF2B5EF4-FFF2-40B4-BE49-F238E27FC236}">
+                <a16:creationId xmlns:a16="http://schemas.microsoft.com/office/drawing/2014/main" id="{EC9F177F-5C3F-32CC-EA2E-7983CB934B88}"/>
+              </a:ext>
+            </a:extLst>
+          </p:cNvPr>
+          <p:cNvSpPr/>
+          <p:nvPr/>
+        </p:nvSpPr>
+        <p:spPr>
+          <a:xfrm>
+            <a:off x="6535698" y="1533698"/>
+            <a:ext cx="1261223" cy="2952321"/>
+          </a:xfrm>
+          <a:prstGeom prst="rect">
+            <a:avLst/>
+          </a:prstGeom>
+          <a:solidFill>
+            <a:srgbClr val="FFFFFF">
+              <a:alpha val="80000"/>
+            </a:srgbClr>
+          </a:solidFill>
+          <a:ln>
+            <a:noFill/>
+          </a:ln>
+        </p:spPr>
+        <p:style>
+          <a:lnRef idx="2">
+            <a:schemeClr val="accent1">
+              <a:shade val="15000"/>
+            </a:schemeClr>
+          </a:lnRef>
+          <a:fillRef idx="1">
+            <a:schemeClr val="accent1"/>
+          </a:fillRef>
+          <a:effectRef idx="0">
+            <a:schemeClr val="accent1"/>
+          </a:effectRef>
+          <a:fontRef idx="minor">
+            <a:schemeClr val="lt1"/>
+          </a:fontRef>
+        </p:style>
+        <p:txBody>
+          <a:bodyPr wrap="none" rtlCol="0" anchor="ctr"/>
+          <a:lstStyle/>
+          <a:p>
+            <a:pPr algn="ctr"/>
+            <a:endParaRPr kumimoji="1" lang="ko-KR" altLang="en-US" dirty="0"/>
+          </a:p>
+        </p:txBody>
+      </p:sp>
+      <p:sp>
+        <p:nvSpPr>
+          <p:cNvPr id="14" name="직사각형 13">
+            <a:extLst>
+              <a:ext uri="{FF2B5EF4-FFF2-40B4-BE49-F238E27FC236}">
+                <a16:creationId xmlns:a16="http://schemas.microsoft.com/office/drawing/2014/main" id="{9CDDBA62-762C-47DE-FC18-12E57A3D8950}"/>
+              </a:ext>
+            </a:extLst>
+          </p:cNvPr>
+          <p:cNvSpPr/>
+          <p:nvPr/>
+        </p:nvSpPr>
+        <p:spPr>
+          <a:xfrm>
+            <a:off x="6433457" y="2187594"/>
+            <a:ext cx="102241" cy="463636"/>
+          </a:xfrm>
+          <a:prstGeom prst="rect">
+            <a:avLst/>
+          </a:prstGeom>
+          <a:solidFill>
+            <a:srgbClr val="FFFFFF">
+              <a:alpha val="80000"/>
+            </a:srgbClr>
+          </a:solidFill>
+          <a:ln>
+            <a:noFill/>
+          </a:ln>
+        </p:spPr>
+        <p:style>
+          <a:lnRef idx="2">
+            <a:schemeClr val="accent1">
+              <a:shade val="15000"/>
+            </a:schemeClr>
+          </a:lnRef>
+          <a:fillRef idx="1">
+            <a:schemeClr val="accent1"/>
+          </a:fillRef>
+          <a:effectRef idx="0">
+            <a:schemeClr val="accent1"/>
+          </a:effectRef>
+          <a:fontRef idx="minor">
+            <a:schemeClr val="lt1"/>
+          </a:fontRef>
+        </p:style>
+        <p:txBody>
+          <a:bodyPr wrap="none" rtlCol="0" anchor="ctr"/>
+          <a:lstStyle/>
+          <a:p>
+            <a:pPr algn="ctr"/>
+            <a:endParaRPr kumimoji="1" lang="ko-KR" altLang="en-US" dirty="0"/>
           </a:p>
         </p:txBody>
       </p:sp>
     </p:spTree>
     <p:extLst>
       <p:ext uri="{BB962C8B-B14F-4D97-AF65-F5344CB8AC3E}">
-        <p14:creationId xmlns:p14="http://schemas.microsoft.com/office/powerpoint/2010/main" val="1692057448"/>
+        <p14:creationId xmlns:p14="http://schemas.microsoft.com/office/powerpoint/2010/main" val="2025349589"/>
       </p:ext>
     </p:extLst>
   </p:cSld>
@@ -16550,6 +17854,924 @@
           <p:cNvPr id="2" name="제목 1">
             <a:extLst>
               <a:ext uri="{FF2B5EF4-FFF2-40B4-BE49-F238E27FC236}">
+                <a16:creationId xmlns:a16="http://schemas.microsoft.com/office/drawing/2014/main" id="{CE37E7E9-F3DB-1E9F-3E06-671D5CE03719}"/>
+              </a:ext>
+            </a:extLst>
+          </p:cNvPr>
+          <p:cNvSpPr>
+            <a:spLocks noGrp="1"/>
+          </p:cNvSpPr>
+          <p:nvPr>
+            <p:ph type="title"/>
+          </p:nvPr>
+        </p:nvSpPr>
+        <p:spPr/>
+        <p:txBody>
+          <a:bodyPr/>
+          <a:lstStyle/>
+          <a:p>
+            <a:r>
+              <a:rPr kumimoji="1" lang="en-US" altLang="ko-KR" dirty="0"/>
+              <a:t>Realtime Events from </a:t>
+            </a:r>
+            <a:r>
+              <a:rPr kumimoji="1" lang="ko-KR" altLang="en-US" dirty="0"/>
+              <a:t>폐기설비 </a:t>
+            </a:r>
+            <a:r>
+              <a:rPr kumimoji="1" lang="en-US" altLang="ko-KR" dirty="0"/>
+              <a:t>to </a:t>
+            </a:r>
+            <a:r>
+              <a:rPr kumimoji="1" lang="en-US" altLang="ko-KR" dirty="0" err="1"/>
+              <a:t>MoMa</a:t>
+            </a:r>
+            <a:endParaRPr kumimoji="1" lang="ko-KR" altLang="en-US" dirty="0"/>
+          </a:p>
+        </p:txBody>
+      </p:sp>
+      <p:sp>
+        <p:nvSpPr>
+          <p:cNvPr id="4" name="TextBox 3">
+            <a:extLst>
+              <a:ext uri="{FF2B5EF4-FFF2-40B4-BE49-F238E27FC236}">
+                <a16:creationId xmlns:a16="http://schemas.microsoft.com/office/drawing/2014/main" id="{CAB68C7C-33CF-14FF-AD9E-6FCD8C1472B0}"/>
+              </a:ext>
+            </a:extLst>
+          </p:cNvPr>
+          <p:cNvSpPr txBox="1"/>
+          <p:nvPr/>
+        </p:nvSpPr>
+        <p:spPr>
+          <a:xfrm>
+            <a:off x="435429" y="1034143"/>
+            <a:ext cx="4363695" cy="3277820"/>
+          </a:xfrm>
+          <a:prstGeom prst="rect">
+            <a:avLst/>
+          </a:prstGeom>
+          <a:noFill/>
+        </p:spPr>
+        <p:txBody>
+          <a:bodyPr wrap="none" rtlCol="0" anchor="t">
+            <a:spAutoFit/>
+          </a:bodyPr>
+          <a:lstStyle/>
+          <a:p>
+            <a:pPr marL="342900" indent="-342900">
+              <a:lnSpc>
+                <a:spcPct val="150000"/>
+              </a:lnSpc>
+              <a:buFont typeface="+mj-lt"/>
+              <a:buAutoNum type="arabicParenR"/>
+            </a:pPr>
+            <a:r>
+              <a:rPr kumimoji="1" lang="ko-KR" altLang="en-US" b="1" dirty="0" err="1">
+                <a:solidFill>
+                  <a:srgbClr val="FF0000"/>
+                </a:solidFill>
+              </a:rPr>
+              <a:t>빈병</a:t>
+            </a:r>
+            <a:r>
+              <a:rPr kumimoji="1" lang="ko-KR" altLang="en-US" dirty="0" err="1"/>
+              <a:t>을</a:t>
+            </a:r>
+            <a:r>
+              <a:rPr kumimoji="1" lang="ko-KR" altLang="en-US" dirty="0"/>
+              <a:t> </a:t>
+            </a:r>
+            <a:r>
+              <a:rPr kumimoji="1" lang="ko-KR" altLang="en-US" b="1" dirty="0">
+                <a:solidFill>
+                  <a:srgbClr val="FF0000"/>
+                </a:solidFill>
+              </a:rPr>
+              <a:t>폐기설비</a:t>
+            </a:r>
+            <a:r>
+              <a:rPr kumimoji="1" lang="ko-KR" altLang="en-US" dirty="0"/>
+              <a:t>에서 </a:t>
+            </a:r>
+            <a:r>
+              <a:rPr kumimoji="1" lang="ko-KR" altLang="en-US" b="1" dirty="0">
+                <a:solidFill>
+                  <a:srgbClr val="FF0000"/>
+                </a:solidFill>
+              </a:rPr>
+              <a:t>반출입기</a:t>
+            </a:r>
+            <a:r>
+              <a:rPr kumimoji="1" lang="ko-KR" altLang="en-US" dirty="0"/>
+              <a:t>로 이동</a:t>
+            </a:r>
+            <a:endParaRPr kumimoji="1" lang="en-US" altLang="ko-KR" dirty="0"/>
+          </a:p>
+          <a:p>
+            <a:pPr marL="800100" lvl="1" indent="-342900">
+              <a:buFont typeface="+mj-lt"/>
+              <a:buAutoNum type="arabicPeriod"/>
+            </a:pPr>
+            <a:r>
+              <a:rPr kumimoji="1" lang="en-US" altLang="ko-KR" dirty="0"/>
+              <a:t>Move </a:t>
+            </a:r>
+            <a:r>
+              <a:rPr kumimoji="1" lang="en-US" altLang="ko-KR" dirty="0" err="1"/>
+              <a:t>MoMa</a:t>
+            </a:r>
+            <a:r>
+              <a:rPr kumimoji="1" lang="en-US" altLang="ko-KR" dirty="0"/>
+              <a:t> to </a:t>
+            </a:r>
+            <a:r>
+              <a:rPr kumimoji="1" lang="ko-KR" altLang="en-US" dirty="0"/>
+              <a:t>폐기설비</a:t>
+            </a:r>
+            <a:endParaRPr kumimoji="1" lang="en-US" altLang="ko-KR" dirty="0"/>
+          </a:p>
+          <a:p>
+            <a:pPr marL="800100" lvl="1" indent="-342900">
+              <a:buFont typeface="+mj-lt"/>
+              <a:buAutoNum type="arabicPeriod"/>
+            </a:pPr>
+            <a:r>
+              <a:rPr kumimoji="1" lang="en-US" altLang="ko-KR" dirty="0"/>
+              <a:t>Get Map from </a:t>
+            </a:r>
+            <a:r>
+              <a:rPr kumimoji="1" lang="ko-KR" altLang="en-US" dirty="0"/>
+              <a:t>폐기설비</a:t>
+            </a:r>
+            <a:endParaRPr kumimoji="1" lang="en-US" altLang="ko-KR" dirty="0"/>
+          </a:p>
+          <a:p>
+            <a:pPr marL="1257300" lvl="2" indent="-342900">
+              <a:buFont typeface="+mj-ea"/>
+              <a:buAutoNum type="circleNumDbPlain"/>
+            </a:pPr>
+            <a:r>
+              <a:rPr kumimoji="1" lang="en-US" altLang="ko-KR" dirty="0"/>
+              <a:t>Pick </a:t>
+            </a:r>
+            <a:r>
+              <a:rPr kumimoji="1" lang="ko-KR" altLang="en-US" dirty="0" err="1"/>
+              <a:t>빈병</a:t>
+            </a:r>
+            <a:r>
+              <a:rPr kumimoji="1" lang="ko-KR" altLang="en-US" dirty="0"/>
+              <a:t> </a:t>
+            </a:r>
+            <a:r>
+              <a:rPr kumimoji="1" lang="en-US" altLang="ko-KR" dirty="0"/>
+              <a:t>at Stocker</a:t>
+            </a:r>
+          </a:p>
+          <a:p>
+            <a:pPr marL="1257300" lvl="2" indent="-342900">
+              <a:buFont typeface="+mj-ea"/>
+              <a:buAutoNum type="circleNumDbPlain"/>
+            </a:pPr>
+            <a:r>
+              <a:rPr kumimoji="1" lang="en-US" altLang="ko-KR" dirty="0"/>
+              <a:t>Put </a:t>
+            </a:r>
+            <a:r>
+              <a:rPr kumimoji="1" lang="ko-KR" altLang="en-US" dirty="0" err="1"/>
+              <a:t>빈병</a:t>
+            </a:r>
+            <a:r>
+              <a:rPr kumimoji="1" lang="ko-KR" altLang="en-US" dirty="0"/>
+              <a:t> </a:t>
+            </a:r>
+            <a:r>
+              <a:rPr kumimoji="1" lang="en-US" altLang="ko-KR" dirty="0"/>
+              <a:t>at </a:t>
+            </a:r>
+            <a:r>
+              <a:rPr kumimoji="1" lang="en-US" altLang="ko-KR" dirty="0" err="1"/>
+              <a:t>MoMa</a:t>
+            </a:r>
+            <a:br>
+              <a:rPr kumimoji="1" lang="en-US" altLang="ko-KR" dirty="0"/>
+            </a:br>
+            <a:endParaRPr kumimoji="1" lang="en-US" altLang="ko-KR" dirty="0"/>
+          </a:p>
+          <a:p>
+            <a:pPr marL="800100" lvl="1" indent="-342900">
+              <a:buFont typeface="+mj-lt"/>
+              <a:buAutoNum type="arabicPeriod"/>
+            </a:pPr>
+            <a:r>
+              <a:rPr kumimoji="1" lang="en-US" altLang="ko-KR" dirty="0"/>
+              <a:t>Move </a:t>
+            </a:r>
+            <a:r>
+              <a:rPr kumimoji="1" lang="en-US" altLang="ko-KR" dirty="0" err="1"/>
+              <a:t>MoMa</a:t>
+            </a:r>
+            <a:r>
+              <a:rPr kumimoji="1" lang="en-US" altLang="ko-KR" dirty="0"/>
+              <a:t> to </a:t>
+            </a:r>
+            <a:r>
+              <a:rPr kumimoji="1" lang="ko-KR" altLang="en-US" dirty="0"/>
+              <a:t>반출입기</a:t>
+            </a:r>
+            <a:endParaRPr kumimoji="1" lang="en-US" altLang="ko-KR" dirty="0"/>
+          </a:p>
+          <a:p>
+            <a:pPr marL="800100" lvl="1" indent="-342900">
+              <a:buFont typeface="+mj-lt"/>
+              <a:buAutoNum type="arabicPeriod"/>
+            </a:pPr>
+            <a:r>
+              <a:rPr kumimoji="1" lang="en-US" altLang="ko-KR" dirty="0"/>
+              <a:t>Get Map from </a:t>
+            </a:r>
+            <a:r>
+              <a:rPr kumimoji="1" lang="ko-KR" altLang="en-US" dirty="0"/>
+              <a:t>반출입기</a:t>
+            </a:r>
+            <a:endParaRPr kumimoji="1" lang="en-US" altLang="ko-KR" dirty="0"/>
+          </a:p>
+          <a:p>
+            <a:pPr marL="1257300" lvl="2" indent="-342900">
+              <a:buFont typeface="+mj-ea"/>
+              <a:buAutoNum type="circleNumDbPlain"/>
+            </a:pPr>
+            <a:r>
+              <a:rPr kumimoji="1" lang="en-US" altLang="ko-KR" dirty="0"/>
+              <a:t>Pick  </a:t>
+            </a:r>
+            <a:r>
+              <a:rPr kumimoji="1" lang="ko-KR" altLang="en-US" dirty="0" err="1"/>
+              <a:t>빈병</a:t>
+            </a:r>
+            <a:r>
+              <a:rPr kumimoji="1" lang="ko-KR" altLang="en-US" dirty="0"/>
+              <a:t> </a:t>
+            </a:r>
+            <a:r>
+              <a:rPr kumimoji="1" lang="en-US" altLang="ko-KR" dirty="0"/>
+              <a:t>at </a:t>
+            </a:r>
+            <a:r>
+              <a:rPr kumimoji="1" lang="en-US" altLang="ko-KR" dirty="0" err="1"/>
+              <a:t>MoMa</a:t>
+            </a:r>
+            <a:endParaRPr kumimoji="1" lang="en-US" altLang="ko-KR" dirty="0"/>
+          </a:p>
+          <a:p>
+            <a:pPr marL="1257300" lvl="2" indent="-342900">
+              <a:buFont typeface="+mj-ea"/>
+              <a:buAutoNum type="circleNumDbPlain"/>
+            </a:pPr>
+            <a:r>
+              <a:rPr kumimoji="1" lang="en-US" altLang="ko-KR" dirty="0"/>
+              <a:t>Put </a:t>
+            </a:r>
+            <a:r>
+              <a:rPr kumimoji="1" lang="ko-KR" altLang="en-US" dirty="0" err="1"/>
+              <a:t>빈병</a:t>
+            </a:r>
+            <a:r>
+              <a:rPr kumimoji="1" lang="ko-KR" altLang="en-US" dirty="0"/>
+              <a:t> </a:t>
+            </a:r>
+            <a:r>
+              <a:rPr kumimoji="1" lang="en-US" altLang="ko-KR" dirty="0"/>
+              <a:t>at </a:t>
+            </a:r>
+            <a:r>
+              <a:rPr kumimoji="1" lang="ko-KR" altLang="en-US" dirty="0"/>
+              <a:t>반출입기</a:t>
+            </a:r>
+            <a:endParaRPr kumimoji="1" lang="en-US" altLang="ko-KR" dirty="0"/>
+          </a:p>
+          <a:p>
+            <a:pPr marL="800100" lvl="1" indent="-342900">
+              <a:buFont typeface="+mj-lt"/>
+              <a:buAutoNum type="arabicPeriod"/>
+            </a:pPr>
+            <a:r>
+              <a:rPr kumimoji="1" lang="en-US" altLang="ko-KR" dirty="0"/>
+              <a:t>Send Map to </a:t>
+            </a:r>
+            <a:r>
+              <a:rPr kumimoji="1" lang="ko-KR" altLang="en-US" dirty="0"/>
+              <a:t>반출입기</a:t>
+            </a:r>
+          </a:p>
+        </p:txBody>
+      </p:sp>
+      <p:sp>
+        <p:nvSpPr>
+          <p:cNvPr id="19" name="TextBox 18">
+            <a:extLst>
+              <a:ext uri="{FF2B5EF4-FFF2-40B4-BE49-F238E27FC236}">
+                <a16:creationId xmlns:a16="http://schemas.microsoft.com/office/drawing/2014/main" id="{3E67645F-89DD-E6F4-14FD-3D8A37C2D58A}"/>
+              </a:ext>
+            </a:extLst>
+          </p:cNvPr>
+          <p:cNvSpPr txBox="1"/>
+          <p:nvPr/>
+        </p:nvSpPr>
+        <p:spPr>
+          <a:xfrm>
+            <a:off x="4920283" y="1034142"/>
+            <a:ext cx="4250202" cy="3831818"/>
+          </a:xfrm>
+          <a:prstGeom prst="rect">
+            <a:avLst/>
+          </a:prstGeom>
+          <a:noFill/>
+        </p:spPr>
+        <p:txBody>
+          <a:bodyPr wrap="none" rtlCol="0" anchor="t">
+            <a:spAutoFit/>
+          </a:bodyPr>
+          <a:lstStyle/>
+          <a:p>
+            <a:pPr marL="342900" indent="-342900">
+              <a:lnSpc>
+                <a:spcPct val="150000"/>
+              </a:lnSpc>
+              <a:buFont typeface="+mj-lt"/>
+              <a:buAutoNum type="arabicParenR" startAt="2"/>
+            </a:pPr>
+            <a:r>
+              <a:rPr kumimoji="1" lang="ko-KR" altLang="en-US" b="1" dirty="0" err="1">
+                <a:solidFill>
+                  <a:srgbClr val="FF0000"/>
+                </a:solidFill>
+              </a:rPr>
+              <a:t>빈병</a:t>
+            </a:r>
+            <a:r>
+              <a:rPr kumimoji="1" lang="ko-KR" altLang="en-US" dirty="0" err="1"/>
+              <a:t>을</a:t>
+            </a:r>
+            <a:r>
+              <a:rPr kumimoji="1" lang="ko-KR" altLang="en-US" dirty="0"/>
+              <a:t> </a:t>
+            </a:r>
+            <a:r>
+              <a:rPr kumimoji="1" lang="ko-KR" altLang="en-US" b="1" dirty="0">
+                <a:solidFill>
+                  <a:srgbClr val="FF0000"/>
+                </a:solidFill>
+              </a:rPr>
+              <a:t>폐기설비</a:t>
+            </a:r>
+            <a:r>
+              <a:rPr kumimoji="1" lang="ko-KR" altLang="en-US" dirty="0"/>
+              <a:t>에서 </a:t>
+            </a:r>
+            <a:r>
+              <a:rPr kumimoji="1" lang="en-US" altLang="ko-KR" b="1" dirty="0">
+                <a:solidFill>
+                  <a:srgbClr val="FF0000"/>
+                </a:solidFill>
+              </a:rPr>
+              <a:t>Stocker</a:t>
+            </a:r>
+            <a:r>
+              <a:rPr kumimoji="1" lang="ko-KR" altLang="en-US" dirty="0"/>
+              <a:t>로 이동</a:t>
+            </a:r>
+            <a:endParaRPr kumimoji="1" lang="en-US" altLang="ko-KR" dirty="0"/>
+          </a:p>
+          <a:p>
+            <a:pPr marL="800100" lvl="1" indent="-342900">
+              <a:buFont typeface="+mj-lt"/>
+              <a:buAutoNum type="arabicPeriod"/>
+            </a:pPr>
+            <a:r>
+              <a:rPr kumimoji="1" lang="en-US" altLang="ko-KR" dirty="0"/>
+              <a:t>Move </a:t>
+            </a:r>
+            <a:r>
+              <a:rPr kumimoji="1" lang="en-US" altLang="ko-KR" dirty="0" err="1"/>
+              <a:t>MoMa</a:t>
+            </a:r>
+            <a:r>
+              <a:rPr kumimoji="1" lang="en-US" altLang="ko-KR" dirty="0"/>
+              <a:t> to </a:t>
+            </a:r>
+            <a:r>
+              <a:rPr kumimoji="1" lang="ko-KR" altLang="en-US" dirty="0"/>
+              <a:t>폐기설비</a:t>
+            </a:r>
+            <a:endParaRPr kumimoji="1" lang="en-US" altLang="ko-KR" dirty="0"/>
+          </a:p>
+          <a:p>
+            <a:pPr marL="800100" lvl="1" indent="-342900">
+              <a:buFont typeface="+mj-lt"/>
+              <a:buAutoNum type="arabicPeriod"/>
+            </a:pPr>
+            <a:r>
+              <a:rPr kumimoji="1" lang="en-US" altLang="ko-KR" dirty="0"/>
+              <a:t>Get Map from </a:t>
+            </a:r>
+            <a:r>
+              <a:rPr kumimoji="1" lang="ko-KR" altLang="en-US" dirty="0"/>
+              <a:t>폐기설비</a:t>
+            </a:r>
+            <a:endParaRPr kumimoji="1" lang="en-US" altLang="ko-KR" dirty="0"/>
+          </a:p>
+          <a:p>
+            <a:pPr marL="1257300" lvl="2" indent="-342900">
+              <a:buFont typeface="+mj-ea"/>
+              <a:buAutoNum type="circleNumDbPlain"/>
+            </a:pPr>
+            <a:r>
+              <a:rPr kumimoji="1" lang="en-US" altLang="ko-KR" dirty="0"/>
+              <a:t>Pick </a:t>
+            </a:r>
+            <a:r>
+              <a:rPr kumimoji="1" lang="ko-KR" altLang="en-US" dirty="0" err="1"/>
+              <a:t>빈병</a:t>
+            </a:r>
+            <a:r>
+              <a:rPr kumimoji="1" lang="ko-KR" altLang="en-US" dirty="0"/>
+              <a:t> </a:t>
+            </a:r>
+            <a:r>
+              <a:rPr kumimoji="1" lang="en-US" altLang="ko-KR" dirty="0"/>
+              <a:t>at Stocker</a:t>
+            </a:r>
+          </a:p>
+          <a:p>
+            <a:pPr marL="1257300" lvl="2" indent="-342900">
+              <a:buFont typeface="+mj-ea"/>
+              <a:buAutoNum type="circleNumDbPlain"/>
+            </a:pPr>
+            <a:r>
+              <a:rPr kumimoji="1" lang="en-US" altLang="ko-KR" dirty="0"/>
+              <a:t>Put </a:t>
+            </a:r>
+            <a:r>
+              <a:rPr kumimoji="1" lang="ko-KR" altLang="en-US" dirty="0" err="1"/>
+              <a:t>빈병</a:t>
+            </a:r>
+            <a:r>
+              <a:rPr kumimoji="1" lang="ko-KR" altLang="en-US" dirty="0"/>
+              <a:t> </a:t>
+            </a:r>
+            <a:r>
+              <a:rPr kumimoji="1" lang="en-US" altLang="ko-KR" dirty="0"/>
+              <a:t>at </a:t>
+            </a:r>
+            <a:r>
+              <a:rPr kumimoji="1" lang="en-US" altLang="ko-KR" dirty="0" err="1"/>
+              <a:t>MoMa</a:t>
+            </a:r>
+            <a:endParaRPr kumimoji="1" lang="en-US" altLang="ko-KR" dirty="0"/>
+          </a:p>
+          <a:p>
+            <a:pPr marL="1257300" lvl="2" indent="-342900">
+              <a:buFont typeface="+mj-ea"/>
+              <a:buAutoNum type="circleNumDbPlain"/>
+            </a:pPr>
+            <a:endParaRPr kumimoji="1" lang="en-US" altLang="ko-KR" dirty="0"/>
+          </a:p>
+          <a:p>
+            <a:pPr marL="800100" lvl="1" indent="-342900">
+              <a:buFont typeface="+mj-lt"/>
+              <a:buAutoNum type="arabicPeriod"/>
+            </a:pPr>
+            <a:r>
+              <a:rPr kumimoji="1" lang="en-US" altLang="ko-KR" dirty="0"/>
+              <a:t>Move </a:t>
+            </a:r>
+            <a:r>
+              <a:rPr kumimoji="1" lang="en-US" altLang="ko-KR" dirty="0" err="1"/>
+              <a:t>MoMa</a:t>
+            </a:r>
+            <a:r>
+              <a:rPr kumimoji="1" lang="en-US" altLang="ko-KR" dirty="0"/>
+              <a:t> to Stocker</a:t>
+            </a:r>
+          </a:p>
+          <a:p>
+            <a:pPr marL="800100" lvl="1" indent="-342900">
+              <a:buFont typeface="+mj-lt"/>
+              <a:buAutoNum type="arabicPeriod"/>
+            </a:pPr>
+            <a:r>
+              <a:rPr kumimoji="1" lang="en-US" altLang="ko-KR" dirty="0"/>
+              <a:t>Get Map from Stocker</a:t>
+            </a:r>
+          </a:p>
+          <a:p>
+            <a:pPr marL="800100" lvl="1" indent="-342900">
+              <a:buFont typeface="+mj-lt"/>
+              <a:buAutoNum type="arabicPeriod"/>
+            </a:pPr>
+            <a:r>
+              <a:rPr kumimoji="1" lang="en-US" altLang="ko-KR" dirty="0"/>
+              <a:t>Open Door at Stocker</a:t>
+            </a:r>
+          </a:p>
+          <a:p>
+            <a:pPr marL="1257300" lvl="2" indent="-342900">
+              <a:buFont typeface="+mj-ea"/>
+              <a:buAutoNum type="circleNumDbPlain"/>
+            </a:pPr>
+            <a:r>
+              <a:rPr kumimoji="1" lang="en-US" altLang="ko-KR" dirty="0"/>
+              <a:t>Put </a:t>
+            </a:r>
+            <a:r>
+              <a:rPr kumimoji="1" lang="ko-KR" altLang="en-US" dirty="0" err="1"/>
+              <a:t>빈병</a:t>
+            </a:r>
+            <a:r>
+              <a:rPr kumimoji="1" lang="ko-KR" altLang="en-US" dirty="0"/>
+              <a:t> </a:t>
+            </a:r>
+            <a:r>
+              <a:rPr kumimoji="1" lang="en-US" altLang="ko-KR" dirty="0" err="1"/>
+              <a:t>st</a:t>
+            </a:r>
+            <a:r>
+              <a:rPr kumimoji="1" lang="en-US" altLang="ko-KR" dirty="0"/>
+              <a:t> </a:t>
+            </a:r>
+            <a:r>
+              <a:rPr kumimoji="1" lang="en-US" altLang="ko-KR" dirty="0" err="1"/>
+              <a:t>MoMa</a:t>
+            </a:r>
+            <a:endParaRPr kumimoji="1" lang="en-US" altLang="ko-KR" dirty="0"/>
+          </a:p>
+          <a:p>
+            <a:pPr marL="1257300" lvl="2" indent="-342900">
+              <a:buFont typeface="+mj-ea"/>
+              <a:buAutoNum type="circleNumDbPlain"/>
+            </a:pPr>
+            <a:r>
+              <a:rPr kumimoji="1" lang="en-US" altLang="ko-KR" dirty="0"/>
+              <a:t>Put </a:t>
+            </a:r>
+            <a:r>
+              <a:rPr kumimoji="1" lang="ko-KR" altLang="en-US" dirty="0" err="1"/>
+              <a:t>빈병</a:t>
+            </a:r>
+            <a:r>
+              <a:rPr kumimoji="1" lang="ko-KR" altLang="en-US" dirty="0"/>
+              <a:t> </a:t>
+            </a:r>
+            <a:r>
+              <a:rPr kumimoji="1" lang="en-US" altLang="ko-KR" dirty="0"/>
+              <a:t>at Stocker</a:t>
+            </a:r>
+          </a:p>
+          <a:p>
+            <a:pPr marL="800100" lvl="1" indent="-342900">
+              <a:buFont typeface="+mj-lt"/>
+              <a:buAutoNum type="arabicPeriod"/>
+            </a:pPr>
+            <a:r>
+              <a:rPr kumimoji="1" lang="en-US" altLang="ko-KR" dirty="0"/>
+              <a:t>Close Door at Stocker</a:t>
+            </a:r>
+          </a:p>
+          <a:p>
+            <a:pPr marL="800100" lvl="1" indent="-342900">
+              <a:buFont typeface="+mj-lt"/>
+              <a:buAutoNum type="arabicPeriod"/>
+            </a:pPr>
+            <a:r>
+              <a:rPr kumimoji="1" lang="en-US" altLang="ko-KR" dirty="0"/>
+              <a:t>Send Map to Stocker</a:t>
+            </a:r>
+            <a:endParaRPr kumimoji="1" lang="ko-KR" altLang="en-US" dirty="0"/>
+          </a:p>
+        </p:txBody>
+      </p:sp>
+    </p:spTree>
+    <p:extLst>
+      <p:ext uri="{BB962C8B-B14F-4D97-AF65-F5344CB8AC3E}">
+        <p14:creationId xmlns:p14="http://schemas.microsoft.com/office/powerpoint/2010/main" val="390582519"/>
+      </p:ext>
+    </p:extLst>
+  </p:cSld>
+  <p:clrMapOvr>
+    <a:masterClrMapping/>
+  </p:clrMapOvr>
+</p:sld>
+</file>
+
+<file path=ppt/slides/slide24.xml><?xml version="1.0" encoding="utf-8"?>
+<p:sld xmlns:a="http://schemas.openxmlformats.org/drawingml/2006/main" xmlns:r="http://schemas.openxmlformats.org/officeDocument/2006/relationships" xmlns:p="http://schemas.openxmlformats.org/presentationml/2006/main">
+  <p:cSld>
+    <p:spTree>
+      <p:nvGrpSpPr>
+        <p:cNvPr id="1" name=""/>
+        <p:cNvGrpSpPr/>
+        <p:nvPr/>
+      </p:nvGrpSpPr>
+      <p:grpSpPr>
+        <a:xfrm>
+          <a:off x="0" y="0"/>
+          <a:ext cx="0" cy="0"/>
+          <a:chOff x="0" y="0"/>
+          <a:chExt cx="0" cy="0"/>
+        </a:xfrm>
+      </p:grpSpPr>
+      <p:sp>
+        <p:nvSpPr>
+          <p:cNvPr id="2" name="제목 1">
+            <a:extLst>
+              <a:ext uri="{FF2B5EF4-FFF2-40B4-BE49-F238E27FC236}">
+                <a16:creationId xmlns:a16="http://schemas.microsoft.com/office/drawing/2014/main" id="{848F61B5-40C6-1F59-A8DC-C3CBB48F093D}"/>
+              </a:ext>
+            </a:extLst>
+          </p:cNvPr>
+          <p:cNvSpPr>
+            <a:spLocks noGrp="1"/>
+          </p:cNvSpPr>
+          <p:nvPr>
+            <p:ph type="title"/>
+          </p:nvPr>
+        </p:nvSpPr>
+        <p:spPr/>
+        <p:txBody>
+          <a:bodyPr/>
+          <a:lstStyle/>
+          <a:p>
+            <a:r>
+              <a:rPr kumimoji="1" lang="en-US" altLang="ko-KR" dirty="0"/>
+              <a:t>Pack Scenario</a:t>
+            </a:r>
+            <a:r>
+              <a:rPr kumimoji="1" lang="ko-KR" altLang="en-US" dirty="0"/>
+              <a:t> </a:t>
+            </a:r>
+            <a:r>
+              <a:rPr kumimoji="1" lang="en-US" altLang="ko-KR" dirty="0"/>
+              <a:t>#1</a:t>
+            </a:r>
+            <a:endParaRPr kumimoji="1" lang="ko-KR" altLang="en-US" dirty="0"/>
+          </a:p>
+        </p:txBody>
+      </p:sp>
+      <p:pic>
+        <p:nvPicPr>
+          <p:cNvPr id="10" name="그림 9">
+            <a:extLst>
+              <a:ext uri="{FF2B5EF4-FFF2-40B4-BE49-F238E27FC236}">
+                <a16:creationId xmlns:a16="http://schemas.microsoft.com/office/drawing/2014/main" id="{E2F4ED31-DD67-9DC6-460B-AAD6FAD589A7}"/>
+              </a:ext>
+            </a:extLst>
+          </p:cNvPr>
+          <p:cNvPicPr>
+            <a:picLocks noChangeAspect="1"/>
+          </p:cNvPicPr>
+          <p:nvPr/>
+        </p:nvPicPr>
+        <p:blipFill>
+          <a:blip r:embed="rId2" cstate="print"/>
+          <a:stretch>
+            <a:fillRect/>
+          </a:stretch>
+        </p:blipFill>
+        <p:spPr>
+          <a:xfrm>
+            <a:off x="1898119" y="2281089"/>
+            <a:ext cx="1432910" cy="2295821"/>
+          </a:xfrm>
+          <a:prstGeom prst="rect">
+            <a:avLst/>
+          </a:prstGeom>
+        </p:spPr>
+      </p:pic>
+      <p:sp>
+        <p:nvSpPr>
+          <p:cNvPr id="12" name="TextBox 11">
+            <a:extLst>
+              <a:ext uri="{FF2B5EF4-FFF2-40B4-BE49-F238E27FC236}">
+                <a16:creationId xmlns:a16="http://schemas.microsoft.com/office/drawing/2014/main" id="{22F9667E-59CB-0ABB-4EE2-EBB5D1DEF3EB}"/>
+              </a:ext>
+            </a:extLst>
+          </p:cNvPr>
+          <p:cNvSpPr txBox="1"/>
+          <p:nvPr/>
+        </p:nvSpPr>
+        <p:spPr>
+          <a:xfrm>
+            <a:off x="3478641" y="3105833"/>
+            <a:ext cx="1691489" cy="646331"/>
+          </a:xfrm>
+          <a:prstGeom prst="rect">
+            <a:avLst/>
+          </a:prstGeom>
+          <a:noFill/>
+        </p:spPr>
+        <p:txBody>
+          <a:bodyPr wrap="none" rtlCol="0">
+            <a:spAutoFit/>
+          </a:bodyPr>
+          <a:lstStyle/>
+          <a:p>
+            <a:pPr marL="285750" indent="-285750">
+              <a:buFont typeface="Wingdings" pitchFamily="2" charset="2"/>
+              <a:buChar char="l"/>
+            </a:pPr>
+            <a:r>
+              <a:rPr kumimoji="1" lang="en-US" altLang="ko-KR" dirty="0"/>
+              <a:t>No Pack</a:t>
+            </a:r>
+          </a:p>
+          <a:p>
+            <a:pPr marL="285750" indent="-285750">
+              <a:buFont typeface="Wingdings" pitchFamily="2" charset="2"/>
+              <a:buChar char="l"/>
+            </a:pPr>
+            <a:r>
+              <a:rPr kumimoji="1" lang="ko-KR" altLang="en-US" dirty="0"/>
+              <a:t>개별 </a:t>
+            </a:r>
+            <a:r>
+              <a:rPr kumimoji="1" lang="en-US" altLang="ko-KR" dirty="0"/>
+              <a:t>Bottles</a:t>
+            </a:r>
+            <a:endParaRPr kumimoji="1" lang="ko-KR" altLang="en-US" dirty="0"/>
+          </a:p>
+        </p:txBody>
+      </p:sp>
+    </p:spTree>
+    <p:extLst>
+      <p:ext uri="{BB962C8B-B14F-4D97-AF65-F5344CB8AC3E}">
+        <p14:creationId xmlns:p14="http://schemas.microsoft.com/office/powerpoint/2010/main" val="1975535796"/>
+      </p:ext>
+    </p:extLst>
+  </p:cSld>
+  <p:clrMapOvr>
+    <a:masterClrMapping/>
+  </p:clrMapOvr>
+</p:sld>
+</file>
+
+<file path=ppt/slides/slide25.xml><?xml version="1.0" encoding="utf-8"?>
+<p:sld xmlns:a="http://schemas.openxmlformats.org/drawingml/2006/main" xmlns:r="http://schemas.openxmlformats.org/officeDocument/2006/relationships" xmlns:p="http://schemas.openxmlformats.org/presentationml/2006/main">
+  <p:cSld>
+    <p:spTree>
+      <p:nvGrpSpPr>
+        <p:cNvPr id="1" name=""/>
+        <p:cNvGrpSpPr/>
+        <p:nvPr/>
+      </p:nvGrpSpPr>
+      <p:grpSpPr>
+        <a:xfrm>
+          <a:off x="0" y="0"/>
+          <a:ext cx="0" cy="0"/>
+          <a:chOff x="0" y="0"/>
+          <a:chExt cx="0" cy="0"/>
+        </a:xfrm>
+      </p:grpSpPr>
+      <p:sp>
+        <p:nvSpPr>
+          <p:cNvPr id="2" name="제목 1">
+            <a:extLst>
+              <a:ext uri="{FF2B5EF4-FFF2-40B4-BE49-F238E27FC236}">
+                <a16:creationId xmlns:a16="http://schemas.microsoft.com/office/drawing/2014/main" id="{848F61B5-40C6-1F59-A8DC-C3CBB48F093D}"/>
+              </a:ext>
+            </a:extLst>
+          </p:cNvPr>
+          <p:cNvSpPr>
+            <a:spLocks noGrp="1"/>
+          </p:cNvSpPr>
+          <p:nvPr>
+            <p:ph type="title"/>
+          </p:nvPr>
+        </p:nvSpPr>
+        <p:spPr/>
+        <p:txBody>
+          <a:bodyPr/>
+          <a:lstStyle/>
+          <a:p>
+            <a:r>
+              <a:rPr kumimoji="1" lang="en-US" altLang="ko-KR" dirty="0"/>
+              <a:t>Pack Scenario</a:t>
+            </a:r>
+            <a:r>
+              <a:rPr kumimoji="1" lang="ko-KR" altLang="en-US" dirty="0"/>
+              <a:t> </a:t>
+            </a:r>
+            <a:r>
+              <a:rPr kumimoji="1" lang="en-US" altLang="ko-KR" dirty="0"/>
+              <a:t>#2</a:t>
+            </a:r>
+            <a:endParaRPr kumimoji="1" lang="ko-KR" altLang="en-US" dirty="0"/>
+          </a:p>
+        </p:txBody>
+      </p:sp>
+      <p:pic>
+        <p:nvPicPr>
+          <p:cNvPr id="10" name="그림 9">
+            <a:extLst>
+              <a:ext uri="{FF2B5EF4-FFF2-40B4-BE49-F238E27FC236}">
+                <a16:creationId xmlns:a16="http://schemas.microsoft.com/office/drawing/2014/main" id="{E2F4ED31-DD67-9DC6-460B-AAD6FAD589A7}"/>
+              </a:ext>
+            </a:extLst>
+          </p:cNvPr>
+          <p:cNvPicPr>
+            <a:picLocks noChangeAspect="1"/>
+          </p:cNvPicPr>
+          <p:nvPr/>
+        </p:nvPicPr>
+        <p:blipFill>
+          <a:blip r:embed="rId2" cstate="print"/>
+          <a:stretch>
+            <a:fillRect/>
+          </a:stretch>
+        </p:blipFill>
+        <p:spPr>
+          <a:xfrm>
+            <a:off x="1898119" y="2281089"/>
+            <a:ext cx="1432910" cy="2295821"/>
+          </a:xfrm>
+          <a:prstGeom prst="rect">
+            <a:avLst/>
+          </a:prstGeom>
+        </p:spPr>
+      </p:pic>
+      <p:sp>
+        <p:nvSpPr>
+          <p:cNvPr id="12" name="TextBox 11">
+            <a:extLst>
+              <a:ext uri="{FF2B5EF4-FFF2-40B4-BE49-F238E27FC236}">
+                <a16:creationId xmlns:a16="http://schemas.microsoft.com/office/drawing/2014/main" id="{22F9667E-59CB-0ABB-4EE2-EBB5D1DEF3EB}"/>
+              </a:ext>
+            </a:extLst>
+          </p:cNvPr>
+          <p:cNvSpPr txBox="1"/>
+          <p:nvPr/>
+        </p:nvSpPr>
+        <p:spPr>
+          <a:xfrm>
+            <a:off x="3478641" y="3105833"/>
+            <a:ext cx="1125886" cy="369332"/>
+          </a:xfrm>
+          <a:prstGeom prst="rect">
+            <a:avLst/>
+          </a:prstGeom>
+          <a:noFill/>
+        </p:spPr>
+        <p:txBody>
+          <a:bodyPr wrap="none" rtlCol="0">
+            <a:spAutoFit/>
+          </a:bodyPr>
+          <a:lstStyle/>
+          <a:p>
+            <a:pPr marL="285750" indent="-285750">
+              <a:buFont typeface="Wingdings" pitchFamily="2" charset="2"/>
+              <a:buChar char="l"/>
+            </a:pPr>
+            <a:r>
+              <a:rPr kumimoji="1" lang="en-US" altLang="ko-KR" dirty="0"/>
+              <a:t>1 Pack</a:t>
+            </a:r>
+          </a:p>
+        </p:txBody>
+      </p:sp>
+    </p:spTree>
+    <p:extLst>
+      <p:ext uri="{BB962C8B-B14F-4D97-AF65-F5344CB8AC3E}">
+        <p14:creationId xmlns:p14="http://schemas.microsoft.com/office/powerpoint/2010/main" val="1692057448"/>
+      </p:ext>
+    </p:extLst>
+  </p:cSld>
+  <p:clrMapOvr>
+    <a:masterClrMapping/>
+  </p:clrMapOvr>
+</p:sld>
+</file>
+
+<file path=ppt/slides/slide26.xml><?xml version="1.0" encoding="utf-8"?>
+<p:sld xmlns:a="http://schemas.openxmlformats.org/drawingml/2006/main" xmlns:r="http://schemas.openxmlformats.org/officeDocument/2006/relationships" xmlns:p="http://schemas.openxmlformats.org/presentationml/2006/main">
+  <p:cSld>
+    <p:spTree>
+      <p:nvGrpSpPr>
+        <p:cNvPr id="1" name=""/>
+        <p:cNvGrpSpPr/>
+        <p:nvPr/>
+      </p:nvGrpSpPr>
+      <p:grpSpPr>
+        <a:xfrm>
+          <a:off x="0" y="0"/>
+          <a:ext cx="0" cy="0"/>
+          <a:chOff x="0" y="0"/>
+          <a:chExt cx="0" cy="0"/>
+        </a:xfrm>
+      </p:grpSpPr>
+      <p:sp>
+        <p:nvSpPr>
+          <p:cNvPr id="2" name="제목 1">
+            <a:extLst>
+              <a:ext uri="{FF2B5EF4-FFF2-40B4-BE49-F238E27FC236}">
                 <a16:creationId xmlns:a16="http://schemas.microsoft.com/office/drawing/2014/main" id="{848F61B5-40C6-1F59-A8DC-C3CBB48F093D}"/>
               </a:ext>
             </a:extLst>
@@ -16664,7 +18886,7 @@
 </p:sld>
 </file>
 
-<file path=ppt/slides/slide24.xml><?xml version="1.0" encoding="utf-8"?>
+<file path=ppt/slides/slide27.xml><?xml version="1.0" encoding="utf-8"?>
 <p:sld xmlns:a="http://schemas.openxmlformats.org/drawingml/2006/main" xmlns:r="http://schemas.openxmlformats.org/officeDocument/2006/relationships" xmlns:p="http://schemas.openxmlformats.org/presentationml/2006/main">
   <p:cSld>
     <p:spTree>

--- a/허종원/Travel Scenario.pptx
+++ b/허종원/Travel Scenario.pptx
@@ -9693,7 +9693,7 @@
           <a:p>
             <a:r>
               <a:rPr kumimoji="1" lang="en-US" altLang="ko-KR" dirty="0"/>
-              <a:t>Realtime Events to </a:t>
+              <a:t>Priority of Realtime Events to </a:t>
             </a:r>
             <a:r>
               <a:rPr kumimoji="1" lang="en-US" altLang="ko-KR" dirty="0" err="1"/>
@@ -10946,7 +10946,7 @@
           <a:p>
             <a:r>
               <a:rPr kumimoji="1" lang="en-US" altLang="ko-KR" dirty="0"/>
-              <a:t>Realtime Events from </a:t>
+              <a:t>Actions from </a:t>
             </a:r>
             <a:r>
               <a:rPr kumimoji="1" lang="ko-KR" altLang="en-US" dirty="0"/>
@@ -11914,7 +11914,7 @@
           <a:p>
             <a:r>
               <a:rPr kumimoji="1" lang="en-US" altLang="ko-KR" dirty="0"/>
-              <a:t>Realtime Events from </a:t>
+              <a:t>Actions </a:t>
             </a:r>
             <a:r>
               <a:rPr kumimoji="1" lang="ko-KR" altLang="en-US" dirty="0"/>
@@ -12700,7 +12700,7 @@
           <a:p>
             <a:r>
               <a:rPr kumimoji="1" lang="en-US" altLang="ko-KR" dirty="0"/>
-              <a:t>Realtime Events from </a:t>
+              <a:t>Actions from </a:t>
             </a:r>
             <a:r>
               <a:rPr kumimoji="1" lang="ko-KR" altLang="en-US" dirty="0"/>
@@ -13768,7 +13768,7 @@
           <a:p>
             <a:r>
               <a:rPr kumimoji="1" lang="en-US" altLang="ko-KR" dirty="0"/>
-              <a:t>Realtime Events from </a:t>
+              <a:t>Actions from </a:t>
             </a:r>
             <a:r>
               <a:rPr kumimoji="1" lang="ko-KR" altLang="en-US" dirty="0"/>
@@ -14488,7 +14488,7 @@
           <a:p>
             <a:r>
               <a:rPr kumimoji="1" lang="en-US" altLang="ko-KR" dirty="0"/>
-              <a:t>Realtime Events from Stocker to </a:t>
+              <a:t>Actions from Stocker to </a:t>
             </a:r>
             <a:r>
               <a:rPr kumimoji="1" lang="en-US" altLang="ko-KR" dirty="0" err="1"/>
@@ -15707,7 +15707,7 @@
           <a:p>
             <a:r>
               <a:rPr kumimoji="1" lang="en-US" altLang="ko-KR" dirty="0"/>
-              <a:t>Realtime Events from Stocker to </a:t>
+              <a:t>Actions from Stocker to </a:t>
             </a:r>
             <a:r>
               <a:rPr kumimoji="1" lang="en-US" altLang="ko-KR" dirty="0" err="1"/>
@@ -16544,7 +16544,7 @@
           <a:p>
             <a:r>
               <a:rPr kumimoji="1" lang="en-US" altLang="ko-KR" dirty="0"/>
-              <a:t>Realtime Events from Stocker to </a:t>
+              <a:t>Actions from Stocker to </a:t>
             </a:r>
             <a:r>
               <a:rPr kumimoji="1" lang="en-US" altLang="ko-KR" dirty="0" err="1"/>
@@ -16904,7 +16904,7 @@
           <a:p>
             <a:r>
               <a:rPr kumimoji="1" lang="en-US" altLang="ko-KR" dirty="0"/>
-              <a:t>Realtime Events from </a:t>
+              <a:t>Actions from </a:t>
             </a:r>
             <a:r>
               <a:rPr kumimoji="1" lang="ko-KR" altLang="en-US" dirty="0"/>
@@ -17872,7 +17872,7 @@
           <a:p>
             <a:r>
               <a:rPr kumimoji="1" lang="en-US" altLang="ko-KR" dirty="0"/>
-              <a:t>Realtime Events from </a:t>
+              <a:t>Actions from </a:t>
             </a:r>
             <a:r>
               <a:rPr kumimoji="1" lang="ko-KR" altLang="en-US" dirty="0"/>

--- a/허종원/Travel Scenario.pptx
+++ b/허종원/Travel Scenario.pptx
@@ -5,7 +5,7 @@
     <p:sldMasterId id="2147483681" r:id="rId1"/>
   </p:sldMasterIdLst>
   <p:notesMasterIdLst>
-    <p:notesMasterId r:id="rId30"/>
+    <p:notesMasterId r:id="rId28"/>
   </p:notesMasterIdLst>
   <p:sldIdLst>
     <p:sldId id="448" r:id="rId2"/>
@@ -33,9 +33,7 @@
     <p:sldId id="467" r:id="rId24"/>
     <p:sldId id="473" r:id="rId25"/>
     <p:sldId id="459" r:id="rId26"/>
-    <p:sldId id="460" r:id="rId27"/>
-    <p:sldId id="461" r:id="rId28"/>
-    <p:sldId id="476" r:id="rId29"/>
+    <p:sldId id="476" r:id="rId27"/>
   </p:sldIdLst>
   <p:sldSz cx="9906000" cy="6858000" type="A4"/>
   <p:notesSz cx="6858000" cy="9144000"/>
@@ -13174,7 +13172,7 @@
         <p:spPr>
           <a:xfrm>
             <a:off x="413961" y="1021500"/>
-            <a:ext cx="4460645" cy="4524315"/>
+            <a:ext cx="4460645" cy="5078313"/>
           </a:xfrm>
           <a:prstGeom prst="rect">
             <a:avLst/>
@@ -13272,6 +13270,24 @@
             <a:endParaRPr kumimoji="1" lang="en-US" altLang="ko-KR" dirty="0"/>
           </a:p>
           <a:p>
+            <a:pPr marL="800100" lvl="1" indent="-342900">
+              <a:buFont typeface="+mj-lt"/>
+              <a:buAutoNum type="arabicPeriod"/>
+            </a:pPr>
+            <a:r>
+              <a:rPr kumimoji="1" lang="en-US" altLang="ko-KR" dirty="0"/>
+              <a:t>Open </a:t>
+            </a:r>
+            <a:r>
+              <a:rPr kumimoji="1" lang="ko-KR" altLang="en-US" dirty="0"/>
+              <a:t>반출입기 </a:t>
+            </a:r>
+            <a:r>
+              <a:rPr kumimoji="1" lang="en-US" altLang="ko-KR" dirty="0"/>
+              <a:t>Door</a:t>
+            </a:r>
+          </a:p>
+          <a:p>
             <a:pPr marL="1257300" lvl="2" indent="-342900">
               <a:buFont typeface="+mj-ea"/>
               <a:buAutoNum type="circleNumDbPlain"/>
@@ -13324,6 +13340,24 @@
               <a:t>MoMa</a:t>
             </a:r>
             <a:endParaRPr kumimoji="1" lang="en-US" altLang="ko-KR" dirty="0"/>
+          </a:p>
+          <a:p>
+            <a:pPr marL="800100" lvl="1" indent="-342900">
+              <a:buFont typeface="+mj-lt"/>
+              <a:buAutoNum type="arabicPeriod"/>
+            </a:pPr>
+            <a:r>
+              <a:rPr kumimoji="1" lang="en-US" altLang="ko-KR" dirty="0"/>
+              <a:t>Close </a:t>
+            </a:r>
+            <a:r>
+              <a:rPr kumimoji="1" lang="ko-KR" altLang="en-US" dirty="0"/>
+              <a:t>반출입기 </a:t>
+            </a:r>
+            <a:r>
+              <a:rPr kumimoji="1" lang="en-US" altLang="ko-KR" dirty="0"/>
+              <a:t>Door</a:t>
+            </a:r>
           </a:p>
           <a:p>
             <a:pPr marL="800100" lvl="1" indent="-342900">
@@ -13580,7 +13614,7 @@
         <p:spPr>
           <a:xfrm>
             <a:off x="4920283" y="1021500"/>
-            <a:ext cx="4250202" cy="3970318"/>
+            <a:ext cx="4250202" cy="4524315"/>
           </a:xfrm>
           <a:prstGeom prst="rect">
             <a:avLst/>
@@ -13678,6 +13712,24 @@
             <a:endParaRPr kumimoji="1" lang="en-US" altLang="ko-KR" dirty="0"/>
           </a:p>
           <a:p>
+            <a:pPr marL="800100" lvl="1" indent="-342900">
+              <a:buFont typeface="+mj-lt"/>
+              <a:buAutoNum type="arabicPeriod"/>
+            </a:pPr>
+            <a:r>
+              <a:rPr kumimoji="1" lang="en-US" altLang="ko-KR" dirty="0"/>
+              <a:t>Open </a:t>
+            </a:r>
+            <a:r>
+              <a:rPr kumimoji="1" lang="ko-KR" altLang="en-US" dirty="0"/>
+              <a:t>반출입기 </a:t>
+            </a:r>
+            <a:r>
+              <a:rPr kumimoji="1" lang="en-US" altLang="ko-KR" dirty="0"/>
+              <a:t>Door</a:t>
+            </a:r>
+          </a:p>
+          <a:p>
             <a:pPr marL="1257300" lvl="2" indent="-342900">
               <a:buFont typeface="+mj-ea"/>
               <a:buAutoNum type="circleNumDbPlain"/>
@@ -13730,6 +13782,24 @@
               <a:t>MoMa</a:t>
             </a:r>
             <a:endParaRPr kumimoji="1" lang="en-US" altLang="ko-KR" dirty="0"/>
+          </a:p>
+          <a:p>
+            <a:pPr marL="800100" lvl="1" indent="-342900">
+              <a:buFont typeface="+mj-lt"/>
+              <a:buAutoNum type="arabicPeriod"/>
+            </a:pPr>
+            <a:r>
+              <a:rPr kumimoji="1" lang="en-US" altLang="ko-KR" dirty="0"/>
+              <a:t>Close </a:t>
+            </a:r>
+            <a:r>
+              <a:rPr kumimoji="1" lang="ko-KR" altLang="en-US" dirty="0"/>
+              <a:t>반출입기 </a:t>
+            </a:r>
+            <a:r>
+              <a:rPr kumimoji="1" lang="en-US" altLang="ko-KR" dirty="0"/>
+              <a:t>Door</a:t>
+            </a:r>
           </a:p>
           <a:p>
             <a:pPr marL="800100" lvl="1" indent="-342900">
@@ -19675,14 +19745,6 @@
               <a:rPr kumimoji="1" lang="en-US" altLang="ko-KR" dirty="0"/>
               <a:t>Pack Scenario</a:t>
             </a:r>
-            <a:r>
-              <a:rPr kumimoji="1" lang="ko-KR" altLang="en-US" dirty="0"/>
-              <a:t> </a:t>
-            </a:r>
-            <a:r>
-              <a:rPr kumimoji="1" lang="en-US" altLang="ko-KR" dirty="0"/>
-              <a:t>#1</a:t>
-            </a:r>
             <a:endParaRPr kumimoji="1" lang="ko-KR" altLang="en-US" dirty="0"/>
           </a:p>
         </p:txBody>
@@ -19709,7 +19771,7 @@
         </p:blipFill>
         <p:spPr>
           <a:xfrm>
-            <a:off x="1898119" y="2281089"/>
+            <a:off x="657148" y="2281089"/>
             <a:ext cx="1432910" cy="2295821"/>
           </a:xfrm>
           <a:prstGeom prst="rect">
@@ -19731,7 +19793,7 @@
         </p:nvSpPr>
         <p:spPr>
           <a:xfrm>
-            <a:off x="3478641" y="3105833"/>
+            <a:off x="2237670" y="3105833"/>
             <a:ext cx="1292598" cy="369332"/>
           </a:xfrm>
           <a:prstGeom prst="rect">
@@ -19753,6 +19815,342 @@
               <a:rPr kumimoji="1" lang="en-US" altLang="ko-KR" dirty="0"/>
               <a:t>No Pack</a:t>
             </a:r>
+          </a:p>
+        </p:txBody>
+      </p:sp>
+      <p:pic>
+        <p:nvPicPr>
+          <p:cNvPr id="3" name="그림 2">
+            <a:extLst>
+              <a:ext uri="{FF2B5EF4-FFF2-40B4-BE49-F238E27FC236}">
+                <a16:creationId xmlns:a16="http://schemas.microsoft.com/office/drawing/2014/main" id="{87C155B1-D227-38F7-6E4A-15B7967BD8EF}"/>
+              </a:ext>
+            </a:extLst>
+          </p:cNvPr>
+          <p:cNvPicPr>
+            <a:picLocks noChangeAspect="1"/>
+          </p:cNvPicPr>
+          <p:nvPr/>
+        </p:nvPicPr>
+        <p:blipFill>
+          <a:blip r:embed="rId2" cstate="print"/>
+          <a:stretch>
+            <a:fillRect/>
+          </a:stretch>
+        </p:blipFill>
+        <p:spPr>
+          <a:xfrm>
+            <a:off x="3677880" y="2281089"/>
+            <a:ext cx="1432910" cy="2295821"/>
+          </a:xfrm>
+          <a:prstGeom prst="rect">
+            <a:avLst/>
+          </a:prstGeom>
+        </p:spPr>
+      </p:pic>
+      <p:sp>
+        <p:nvSpPr>
+          <p:cNvPr id="4" name="TextBox 3">
+            <a:extLst>
+              <a:ext uri="{FF2B5EF4-FFF2-40B4-BE49-F238E27FC236}">
+                <a16:creationId xmlns:a16="http://schemas.microsoft.com/office/drawing/2014/main" id="{D897EE24-3FA2-FCF1-4EFB-E6FD82AFD4B4}"/>
+              </a:ext>
+            </a:extLst>
+          </p:cNvPr>
+          <p:cNvSpPr txBox="1"/>
+          <p:nvPr/>
+        </p:nvSpPr>
+        <p:spPr>
+          <a:xfrm>
+            <a:off x="5258402" y="3105833"/>
+            <a:ext cx="1125886" cy="369332"/>
+          </a:xfrm>
+          <a:prstGeom prst="rect">
+            <a:avLst/>
+          </a:prstGeom>
+          <a:noFill/>
+        </p:spPr>
+        <p:txBody>
+          <a:bodyPr wrap="none" rtlCol="0">
+            <a:spAutoFit/>
+          </a:bodyPr>
+          <a:lstStyle/>
+          <a:p>
+            <a:pPr marL="285750" indent="-285750">
+              <a:buFont typeface="Wingdings" pitchFamily="2" charset="2"/>
+              <a:buChar char="l"/>
+            </a:pPr>
+            <a:r>
+              <a:rPr kumimoji="1" lang="en-US" altLang="ko-KR" dirty="0"/>
+              <a:t>1 Pack</a:t>
+            </a:r>
+          </a:p>
+        </p:txBody>
+      </p:sp>
+      <p:pic>
+        <p:nvPicPr>
+          <p:cNvPr id="5" name="그림 4">
+            <a:extLst>
+              <a:ext uri="{FF2B5EF4-FFF2-40B4-BE49-F238E27FC236}">
+                <a16:creationId xmlns:a16="http://schemas.microsoft.com/office/drawing/2014/main" id="{757B636B-BA92-D7BA-F0A0-E6F164BAA015}"/>
+              </a:ext>
+            </a:extLst>
+          </p:cNvPr>
+          <p:cNvPicPr>
+            <a:picLocks noChangeAspect="1"/>
+          </p:cNvPicPr>
+          <p:nvPr/>
+        </p:nvPicPr>
+        <p:blipFill>
+          <a:blip r:embed="rId2" cstate="print"/>
+          <a:stretch>
+            <a:fillRect/>
+          </a:stretch>
+        </p:blipFill>
+        <p:spPr>
+          <a:xfrm>
+            <a:off x="6698612" y="2194003"/>
+            <a:ext cx="1432910" cy="2295821"/>
+          </a:xfrm>
+          <a:prstGeom prst="rect">
+            <a:avLst/>
+          </a:prstGeom>
+        </p:spPr>
+      </p:pic>
+      <p:sp>
+        <p:nvSpPr>
+          <p:cNvPr id="6" name="TextBox 5">
+            <a:extLst>
+              <a:ext uri="{FF2B5EF4-FFF2-40B4-BE49-F238E27FC236}">
+                <a16:creationId xmlns:a16="http://schemas.microsoft.com/office/drawing/2014/main" id="{87DF6435-7F84-FB70-F876-452AA16D580E}"/>
+              </a:ext>
+            </a:extLst>
+          </p:cNvPr>
+          <p:cNvSpPr txBox="1"/>
+          <p:nvPr/>
+        </p:nvSpPr>
+        <p:spPr>
+          <a:xfrm>
+            <a:off x="8279134" y="3018747"/>
+            <a:ext cx="1249316" cy="369332"/>
+          </a:xfrm>
+          <a:prstGeom prst="rect">
+            <a:avLst/>
+          </a:prstGeom>
+          <a:noFill/>
+        </p:spPr>
+        <p:txBody>
+          <a:bodyPr wrap="none" rtlCol="0">
+            <a:spAutoFit/>
+          </a:bodyPr>
+          <a:lstStyle/>
+          <a:p>
+            <a:pPr marL="285750" indent="-285750">
+              <a:buFont typeface="Wingdings" pitchFamily="2" charset="2"/>
+              <a:buChar char="l"/>
+            </a:pPr>
+            <a:r>
+              <a:rPr kumimoji="1" lang="en-US" altLang="ko-KR" dirty="0"/>
+              <a:t>&gt;1 Pack</a:t>
+            </a:r>
+          </a:p>
+        </p:txBody>
+      </p:sp>
+      <p:sp>
+        <p:nvSpPr>
+          <p:cNvPr id="7" name="TextBox 6">
+            <a:extLst>
+              <a:ext uri="{FF2B5EF4-FFF2-40B4-BE49-F238E27FC236}">
+                <a16:creationId xmlns:a16="http://schemas.microsoft.com/office/drawing/2014/main" id="{5B339928-EE30-C980-CA63-5CAAEDA1C8E7}"/>
+              </a:ext>
+            </a:extLst>
+          </p:cNvPr>
+          <p:cNvSpPr txBox="1"/>
+          <p:nvPr/>
+        </p:nvSpPr>
+        <p:spPr>
+          <a:xfrm>
+            <a:off x="1145600" y="1819760"/>
+            <a:ext cx="1888915" cy="369332"/>
+          </a:xfrm>
+          <a:prstGeom prst="rect">
+            <a:avLst/>
+          </a:prstGeom>
+          <a:noFill/>
+        </p:spPr>
+        <p:txBody>
+          <a:bodyPr wrap="none" rtlCol="0">
+            <a:spAutoFit/>
+          </a:bodyPr>
+          <a:lstStyle/>
+          <a:p>
+            <a:pPr algn="ctr"/>
+            <a:r>
+              <a:rPr kumimoji="1" lang="en-US" altLang="ko-KR" dirty="0"/>
+              <a:t>Pack Scenario</a:t>
+            </a:r>
+            <a:r>
+              <a:rPr kumimoji="1" lang="ko-KR" altLang="en-US" dirty="0"/>
+              <a:t> </a:t>
+            </a:r>
+            <a:r>
+              <a:rPr kumimoji="1" lang="en-US" altLang="ko-KR" dirty="0"/>
+              <a:t>#1</a:t>
+            </a:r>
+            <a:endParaRPr kumimoji="1" lang="ko-KR" altLang="en-US" dirty="0"/>
+          </a:p>
+        </p:txBody>
+      </p:sp>
+      <p:sp>
+        <p:nvSpPr>
+          <p:cNvPr id="8" name="TextBox 7">
+            <a:extLst>
+              <a:ext uri="{FF2B5EF4-FFF2-40B4-BE49-F238E27FC236}">
+                <a16:creationId xmlns:a16="http://schemas.microsoft.com/office/drawing/2014/main" id="{4C94BBE5-2565-6DD2-675F-BD994DABD58E}"/>
+              </a:ext>
+            </a:extLst>
+          </p:cNvPr>
+          <p:cNvSpPr txBox="1"/>
+          <p:nvPr/>
+        </p:nvSpPr>
+        <p:spPr>
+          <a:xfrm>
+            <a:off x="4166332" y="1819760"/>
+            <a:ext cx="1888915" cy="369332"/>
+          </a:xfrm>
+          <a:prstGeom prst="rect">
+            <a:avLst/>
+          </a:prstGeom>
+          <a:noFill/>
+        </p:spPr>
+        <p:txBody>
+          <a:bodyPr wrap="none" rtlCol="0">
+            <a:spAutoFit/>
+          </a:bodyPr>
+          <a:lstStyle/>
+          <a:p>
+            <a:pPr algn="ctr"/>
+            <a:r>
+              <a:rPr kumimoji="1" lang="en-US" altLang="ko-KR" dirty="0"/>
+              <a:t>Pack Scenario</a:t>
+            </a:r>
+            <a:r>
+              <a:rPr kumimoji="1" lang="ko-KR" altLang="en-US" dirty="0"/>
+              <a:t> </a:t>
+            </a:r>
+            <a:r>
+              <a:rPr kumimoji="1" lang="en-US" altLang="ko-KR" dirty="0"/>
+              <a:t>#2</a:t>
+            </a:r>
+            <a:endParaRPr kumimoji="1" lang="ko-KR" altLang="en-US" dirty="0"/>
+          </a:p>
+        </p:txBody>
+      </p:sp>
+      <p:sp>
+        <p:nvSpPr>
+          <p:cNvPr id="9" name="TextBox 8">
+            <a:extLst>
+              <a:ext uri="{FF2B5EF4-FFF2-40B4-BE49-F238E27FC236}">
+                <a16:creationId xmlns:a16="http://schemas.microsoft.com/office/drawing/2014/main" id="{4095FE1F-667B-63BF-74B5-80F9A94C4715}"/>
+              </a:ext>
+            </a:extLst>
+          </p:cNvPr>
+          <p:cNvSpPr txBox="1"/>
+          <p:nvPr/>
+        </p:nvSpPr>
+        <p:spPr>
+          <a:xfrm>
+            <a:off x="7187064" y="1819760"/>
+            <a:ext cx="1888915" cy="369332"/>
+          </a:xfrm>
+          <a:prstGeom prst="rect">
+            <a:avLst/>
+          </a:prstGeom>
+          <a:noFill/>
+        </p:spPr>
+        <p:txBody>
+          <a:bodyPr wrap="none" rtlCol="0">
+            <a:spAutoFit/>
+          </a:bodyPr>
+          <a:lstStyle/>
+          <a:p>
+            <a:pPr algn="ctr"/>
+            <a:r>
+              <a:rPr kumimoji="1" lang="en-US" altLang="ko-KR" dirty="0"/>
+              <a:t>Pack Scenario</a:t>
+            </a:r>
+            <a:r>
+              <a:rPr kumimoji="1" lang="ko-KR" altLang="en-US" dirty="0"/>
+              <a:t> </a:t>
+            </a:r>
+            <a:r>
+              <a:rPr kumimoji="1" lang="en-US" altLang="ko-KR" dirty="0"/>
+              <a:t>#3</a:t>
+            </a:r>
+            <a:endParaRPr kumimoji="1" lang="ko-KR" altLang="en-US" dirty="0"/>
+          </a:p>
+        </p:txBody>
+      </p:sp>
+      <p:sp>
+        <p:nvSpPr>
+          <p:cNvPr id="11" name="TextBox 10">
+            <a:extLst>
+              <a:ext uri="{FF2B5EF4-FFF2-40B4-BE49-F238E27FC236}">
+                <a16:creationId xmlns:a16="http://schemas.microsoft.com/office/drawing/2014/main" id="{2DC38404-8E74-E154-7835-6BA98B3AA1A9}"/>
+              </a:ext>
+            </a:extLst>
+          </p:cNvPr>
+          <p:cNvSpPr txBox="1"/>
+          <p:nvPr/>
+        </p:nvSpPr>
+        <p:spPr>
+          <a:xfrm>
+            <a:off x="719555" y="5775302"/>
+            <a:ext cx="3446777" cy="369332"/>
+          </a:xfrm>
+          <a:prstGeom prst="rect">
+            <a:avLst/>
+          </a:prstGeom>
+          <a:noFill/>
+        </p:spPr>
+        <p:txBody>
+          <a:bodyPr wrap="none" rtlCol="0">
+            <a:spAutoFit/>
+          </a:bodyPr>
+          <a:lstStyle/>
+          <a:p>
+            <a:pPr algn="ctr"/>
+            <a:r>
+              <a:rPr kumimoji="1" lang="en-US" altLang="ko-KR" dirty="0"/>
+              <a:t>Recipe/</a:t>
+            </a:r>
+            <a:r>
+              <a:rPr kumimoji="1" lang="ko-KR" altLang="en-US" dirty="0" err="1"/>
+              <a:t>의뢰건</a:t>
+            </a:r>
+            <a:r>
+              <a:rPr kumimoji="1" lang="ko-KR" altLang="en-US" dirty="0"/>
+              <a:t> 관리 </a:t>
+            </a:r>
+            <a:r>
+              <a:rPr kumimoji="1" lang="en-US" altLang="ko-KR" dirty="0">
+                <a:sym typeface="Wingdings" pitchFamily="2" charset="2"/>
+              </a:rPr>
+              <a:t></a:t>
+            </a:r>
+            <a:r>
+              <a:rPr kumimoji="1" lang="ko-KR" altLang="en-US" dirty="0">
+                <a:sym typeface="Wingdings" pitchFamily="2" charset="2"/>
+              </a:rPr>
+              <a:t> </a:t>
+            </a:r>
+            <a:r>
+              <a:rPr kumimoji="1" lang="en-US" altLang="ko-KR" dirty="0">
+                <a:sym typeface="Wingdings" pitchFamily="2" charset="2"/>
+              </a:rPr>
+              <a:t>Recipe ID</a:t>
+            </a:r>
+            <a:endParaRPr kumimoji="1" lang="ko-KR" altLang="en-US" dirty="0"/>
           </a:p>
         </p:txBody>
       </p:sp>
@@ -19791,7 +20189,7 @@
           <p:cNvPr id="2" name="제목 1">
             <a:extLst>
               <a:ext uri="{FF2B5EF4-FFF2-40B4-BE49-F238E27FC236}">
-                <a16:creationId xmlns:a16="http://schemas.microsoft.com/office/drawing/2014/main" id="{848F61B5-40C6-1F59-A8DC-C3CBB48F093D}"/>
+                <a16:creationId xmlns:a16="http://schemas.microsoft.com/office/drawing/2014/main" id="{15F1F630-87E7-FE3A-F60E-5FDE66452314}"/>
               </a:ext>
             </a:extLst>
           </p:cNvPr>
@@ -19809,26 +20207,1597 @@
           <a:p>
             <a:r>
               <a:rPr kumimoji="1" lang="en-US" altLang="ko-KR" dirty="0"/>
-              <a:t>Pack Scenario</a:t>
-            </a:r>
-            <a:r>
-              <a:rPr kumimoji="1" lang="ko-KR" altLang="en-US" dirty="0"/>
-              <a:t> </a:t>
-            </a:r>
-            <a:r>
-              <a:rPr kumimoji="1" lang="en-US" altLang="ko-KR" dirty="0"/>
-              <a:t>#2</a:t>
+              <a:t>Dispatcher</a:t>
             </a:r>
             <a:endParaRPr kumimoji="1" lang="ko-KR" altLang="en-US" dirty="0"/>
+          </a:p>
+        </p:txBody>
+      </p:sp>
+      <p:sp>
+        <p:nvSpPr>
+          <p:cNvPr id="3" name="호 2">
+            <a:extLst>
+              <a:ext uri="{FF2B5EF4-FFF2-40B4-BE49-F238E27FC236}">
+                <a16:creationId xmlns:a16="http://schemas.microsoft.com/office/drawing/2014/main" id="{92AACD2B-B029-60BA-362D-819B97CAE3BC}"/>
+              </a:ext>
+            </a:extLst>
+          </p:cNvPr>
+          <p:cNvSpPr/>
+          <p:nvPr/>
+        </p:nvSpPr>
+        <p:spPr>
+          <a:xfrm flipH="1">
+            <a:off x="3338607" y="2197040"/>
+            <a:ext cx="914400" cy="2725885"/>
+          </a:xfrm>
+          <a:prstGeom prst="arc">
+            <a:avLst>
+              <a:gd name="adj1" fmla="val 14650009"/>
+              <a:gd name="adj2" fmla="val 7355272"/>
+            </a:avLst>
+          </a:prstGeom>
+          <a:ln>
+            <a:headEnd type="none" w="med" len="med"/>
+            <a:tailEnd type="triangle" w="med" len="med"/>
+          </a:ln>
+        </p:spPr>
+        <p:style>
+          <a:lnRef idx="2">
+            <a:schemeClr val="accent1"/>
+          </a:lnRef>
+          <a:fillRef idx="0">
+            <a:schemeClr val="accent1"/>
+          </a:fillRef>
+          <a:effectRef idx="1">
+            <a:schemeClr val="accent1"/>
+          </a:effectRef>
+          <a:fontRef idx="minor">
+            <a:schemeClr val="tx1"/>
+          </a:fontRef>
+        </p:style>
+        <p:txBody>
+          <a:bodyPr rtlCol="0" anchor="ctr"/>
+          <a:lstStyle/>
+          <a:p>
+            <a:pPr algn="ctr"/>
+            <a:endParaRPr kumimoji="1" lang="ko-KR" altLang="en-US"/>
+          </a:p>
+        </p:txBody>
+      </p:sp>
+      <p:sp>
+        <p:nvSpPr>
+          <p:cNvPr id="4" name="타원 3">
+            <a:extLst>
+              <a:ext uri="{FF2B5EF4-FFF2-40B4-BE49-F238E27FC236}">
+                <a16:creationId xmlns:a16="http://schemas.microsoft.com/office/drawing/2014/main" id="{224009E4-CA3A-E200-5502-BF4F5B9FAEBC}"/>
+              </a:ext>
+            </a:extLst>
+          </p:cNvPr>
+          <p:cNvSpPr/>
+          <p:nvPr/>
+        </p:nvSpPr>
+        <p:spPr>
+          <a:xfrm flipH="1">
+            <a:off x="820698" y="1105774"/>
+            <a:ext cx="1132114" cy="1132114"/>
+          </a:xfrm>
+          <a:prstGeom prst="ellipse">
+            <a:avLst/>
+          </a:prstGeom>
+        </p:spPr>
+        <p:style>
+          <a:lnRef idx="2">
+            <a:schemeClr val="accent1">
+              <a:shade val="15000"/>
+            </a:schemeClr>
+          </a:lnRef>
+          <a:fillRef idx="1">
+            <a:schemeClr val="accent1"/>
+          </a:fillRef>
+          <a:effectRef idx="0">
+            <a:schemeClr val="accent1"/>
+          </a:effectRef>
+          <a:fontRef idx="minor">
+            <a:schemeClr val="lt1"/>
+          </a:fontRef>
+        </p:style>
+        <p:txBody>
+          <a:bodyPr wrap="none" rtlCol="0" anchor="ctr"/>
+          <a:lstStyle/>
+          <a:p>
+            <a:pPr algn="ctr"/>
+            <a:r>
+              <a:rPr kumimoji="1" lang="ko-KR" altLang="en-US" dirty="0"/>
+              <a:t>반출입기</a:t>
+            </a:r>
+          </a:p>
+        </p:txBody>
+      </p:sp>
+      <p:sp>
+        <p:nvSpPr>
+          <p:cNvPr id="5" name="타원 4">
+            <a:extLst>
+              <a:ext uri="{FF2B5EF4-FFF2-40B4-BE49-F238E27FC236}">
+                <a16:creationId xmlns:a16="http://schemas.microsoft.com/office/drawing/2014/main" id="{C967386A-7515-4B5C-99B7-052351840087}"/>
+              </a:ext>
+            </a:extLst>
+          </p:cNvPr>
+          <p:cNvSpPr/>
+          <p:nvPr/>
+        </p:nvSpPr>
+        <p:spPr>
+          <a:xfrm flipH="1">
+            <a:off x="820698" y="2290607"/>
+            <a:ext cx="1132114" cy="1132114"/>
+          </a:xfrm>
+          <a:prstGeom prst="ellipse">
+            <a:avLst/>
+          </a:prstGeom>
+        </p:spPr>
+        <p:style>
+          <a:lnRef idx="2">
+            <a:schemeClr val="accent1">
+              <a:shade val="15000"/>
+            </a:schemeClr>
+          </a:lnRef>
+          <a:fillRef idx="1">
+            <a:schemeClr val="accent1"/>
+          </a:fillRef>
+          <a:effectRef idx="0">
+            <a:schemeClr val="accent1"/>
+          </a:effectRef>
+          <a:fontRef idx="minor">
+            <a:schemeClr val="lt1"/>
+          </a:fontRef>
+        </p:style>
+        <p:txBody>
+          <a:bodyPr wrap="none" rtlCol="0" anchor="ctr"/>
+          <a:lstStyle/>
+          <a:p>
+            <a:pPr algn="ctr"/>
+            <a:r>
+              <a:rPr kumimoji="1" lang="ko-KR" altLang="en-US" dirty="0"/>
+              <a:t>분석기</a:t>
+            </a:r>
+          </a:p>
+        </p:txBody>
+      </p:sp>
+      <p:sp>
+        <p:nvSpPr>
+          <p:cNvPr id="6" name="타원 5">
+            <a:extLst>
+              <a:ext uri="{FF2B5EF4-FFF2-40B4-BE49-F238E27FC236}">
+                <a16:creationId xmlns:a16="http://schemas.microsoft.com/office/drawing/2014/main" id="{7BA8E469-761C-A0B4-0109-66A72013A705}"/>
+              </a:ext>
+            </a:extLst>
+          </p:cNvPr>
+          <p:cNvSpPr/>
+          <p:nvPr/>
+        </p:nvSpPr>
+        <p:spPr>
+          <a:xfrm flipH="1">
+            <a:off x="820698" y="4660273"/>
+            <a:ext cx="1132114" cy="1132114"/>
+          </a:xfrm>
+          <a:prstGeom prst="ellipse">
+            <a:avLst/>
+          </a:prstGeom>
+        </p:spPr>
+        <p:style>
+          <a:lnRef idx="2">
+            <a:schemeClr val="accent1">
+              <a:shade val="15000"/>
+            </a:schemeClr>
+          </a:lnRef>
+          <a:fillRef idx="1">
+            <a:schemeClr val="accent1"/>
+          </a:fillRef>
+          <a:effectRef idx="0">
+            <a:schemeClr val="accent1"/>
+          </a:effectRef>
+          <a:fontRef idx="minor">
+            <a:schemeClr val="lt1"/>
+          </a:fontRef>
+        </p:style>
+        <p:txBody>
+          <a:bodyPr wrap="none" rtlCol="0" anchor="ctr"/>
+          <a:lstStyle/>
+          <a:p>
+            <a:pPr algn="ctr"/>
+            <a:r>
+              <a:rPr kumimoji="1" lang="ko-KR" altLang="en-US" dirty="0"/>
+              <a:t>폐기설비</a:t>
+            </a:r>
+          </a:p>
+        </p:txBody>
+      </p:sp>
+      <p:sp>
+        <p:nvSpPr>
+          <p:cNvPr id="7" name="타원 6">
+            <a:extLst>
+              <a:ext uri="{FF2B5EF4-FFF2-40B4-BE49-F238E27FC236}">
+                <a16:creationId xmlns:a16="http://schemas.microsoft.com/office/drawing/2014/main" id="{0D106D76-39DA-4467-F767-608B51B535D7}"/>
+              </a:ext>
+            </a:extLst>
+          </p:cNvPr>
+          <p:cNvSpPr/>
+          <p:nvPr/>
+        </p:nvSpPr>
+        <p:spPr>
+          <a:xfrm flipH="1">
+            <a:off x="820698" y="3475440"/>
+            <a:ext cx="1132114" cy="1132114"/>
+          </a:xfrm>
+          <a:prstGeom prst="ellipse">
+            <a:avLst/>
+          </a:prstGeom>
+        </p:spPr>
+        <p:style>
+          <a:lnRef idx="2">
+            <a:schemeClr val="accent1">
+              <a:shade val="15000"/>
+            </a:schemeClr>
+          </a:lnRef>
+          <a:fillRef idx="1">
+            <a:schemeClr val="accent1"/>
+          </a:fillRef>
+          <a:effectRef idx="0">
+            <a:schemeClr val="accent1"/>
+          </a:effectRef>
+          <a:fontRef idx="minor">
+            <a:schemeClr val="lt1"/>
+          </a:fontRef>
+        </p:style>
+        <p:txBody>
+          <a:bodyPr wrap="none" rtlCol="0" anchor="ctr"/>
+          <a:lstStyle/>
+          <a:p>
+            <a:pPr algn="ctr"/>
+            <a:r>
+              <a:rPr kumimoji="1" lang="en-US" altLang="ko-KR" dirty="0"/>
+              <a:t>Stocker</a:t>
+            </a:r>
+            <a:endParaRPr kumimoji="1" lang="ko-KR" altLang="en-US" dirty="0"/>
+          </a:p>
+        </p:txBody>
+      </p:sp>
+      <p:cxnSp>
+        <p:nvCxnSpPr>
+          <p:cNvPr id="8" name="직선 화살표 연결선 7">
+            <a:extLst>
+              <a:ext uri="{FF2B5EF4-FFF2-40B4-BE49-F238E27FC236}">
+                <a16:creationId xmlns:a16="http://schemas.microsoft.com/office/drawing/2014/main" id="{55EB010A-6AA4-FAED-9006-F677F0AB069B}"/>
+              </a:ext>
+            </a:extLst>
+          </p:cNvPr>
+          <p:cNvCxnSpPr>
+            <a:cxnSpLocks/>
+            <a:stCxn id="4" idx="2"/>
+          </p:cNvCxnSpPr>
+          <p:nvPr/>
+        </p:nvCxnSpPr>
+        <p:spPr>
+          <a:xfrm>
+            <a:off x="1952812" y="1671831"/>
+            <a:ext cx="1488036" cy="768279"/>
+          </a:xfrm>
+          <a:prstGeom prst="straightConnector1">
+            <a:avLst/>
+          </a:prstGeom>
+          <a:ln>
+            <a:tailEnd type="triangle"/>
+          </a:ln>
+        </p:spPr>
+        <p:style>
+          <a:lnRef idx="2">
+            <a:schemeClr val="accent1"/>
+          </a:lnRef>
+          <a:fillRef idx="0">
+            <a:schemeClr val="accent1"/>
+          </a:fillRef>
+          <a:effectRef idx="1">
+            <a:schemeClr val="accent1"/>
+          </a:effectRef>
+          <a:fontRef idx="minor">
+            <a:schemeClr val="tx1"/>
+          </a:fontRef>
+        </p:style>
+      </p:cxnSp>
+      <p:cxnSp>
+        <p:nvCxnSpPr>
+          <p:cNvPr id="9" name="직선 화살표 연결선 8">
+            <a:extLst>
+              <a:ext uri="{FF2B5EF4-FFF2-40B4-BE49-F238E27FC236}">
+                <a16:creationId xmlns:a16="http://schemas.microsoft.com/office/drawing/2014/main" id="{E2D08C32-E34B-461A-7B35-AA6CE01916A2}"/>
+              </a:ext>
+            </a:extLst>
+          </p:cNvPr>
+          <p:cNvCxnSpPr>
+            <a:cxnSpLocks/>
+            <a:stCxn id="5" idx="2"/>
+          </p:cNvCxnSpPr>
+          <p:nvPr/>
+        </p:nvCxnSpPr>
+        <p:spPr>
+          <a:xfrm>
+            <a:off x="1952812" y="2856664"/>
+            <a:ext cx="1357141" cy="202222"/>
+          </a:xfrm>
+          <a:prstGeom prst="straightConnector1">
+            <a:avLst/>
+          </a:prstGeom>
+          <a:ln>
+            <a:tailEnd type="triangle"/>
+          </a:ln>
+        </p:spPr>
+        <p:style>
+          <a:lnRef idx="2">
+            <a:schemeClr val="accent1"/>
+          </a:lnRef>
+          <a:fillRef idx="0">
+            <a:schemeClr val="accent1"/>
+          </a:fillRef>
+          <a:effectRef idx="1">
+            <a:schemeClr val="accent1"/>
+          </a:effectRef>
+          <a:fontRef idx="minor">
+            <a:schemeClr val="tx1"/>
+          </a:fontRef>
+        </p:style>
+      </p:cxnSp>
+      <p:cxnSp>
+        <p:nvCxnSpPr>
+          <p:cNvPr id="10" name="직선 화살표 연결선 9">
+            <a:extLst>
+              <a:ext uri="{FF2B5EF4-FFF2-40B4-BE49-F238E27FC236}">
+                <a16:creationId xmlns:a16="http://schemas.microsoft.com/office/drawing/2014/main" id="{5EC0C158-92F9-3D12-EC1D-97D8AF171B04}"/>
+              </a:ext>
+            </a:extLst>
+          </p:cNvPr>
+          <p:cNvCxnSpPr>
+            <a:cxnSpLocks/>
+            <a:stCxn id="7" idx="2"/>
+          </p:cNvCxnSpPr>
+          <p:nvPr/>
+        </p:nvCxnSpPr>
+        <p:spPr>
+          <a:xfrm flipV="1">
+            <a:off x="1952812" y="3816009"/>
+            <a:ext cx="1357141" cy="225488"/>
+          </a:xfrm>
+          <a:prstGeom prst="straightConnector1">
+            <a:avLst/>
+          </a:prstGeom>
+          <a:ln>
+            <a:tailEnd type="triangle"/>
+          </a:ln>
+        </p:spPr>
+        <p:style>
+          <a:lnRef idx="2">
+            <a:schemeClr val="accent1"/>
+          </a:lnRef>
+          <a:fillRef idx="0">
+            <a:schemeClr val="accent1"/>
+          </a:fillRef>
+          <a:effectRef idx="1">
+            <a:schemeClr val="accent1"/>
+          </a:effectRef>
+          <a:fontRef idx="minor">
+            <a:schemeClr val="tx1"/>
+          </a:fontRef>
+        </p:style>
+      </p:cxnSp>
+      <p:cxnSp>
+        <p:nvCxnSpPr>
+          <p:cNvPr id="11" name="직선 화살표 연결선 10">
+            <a:extLst>
+              <a:ext uri="{FF2B5EF4-FFF2-40B4-BE49-F238E27FC236}">
+                <a16:creationId xmlns:a16="http://schemas.microsoft.com/office/drawing/2014/main" id="{0834AFC4-3CD1-6C4E-212F-6A105AC9FDB4}"/>
+              </a:ext>
+            </a:extLst>
+          </p:cNvPr>
+          <p:cNvCxnSpPr>
+            <a:cxnSpLocks/>
+            <a:stCxn id="6" idx="2"/>
+          </p:cNvCxnSpPr>
+          <p:nvPr/>
+        </p:nvCxnSpPr>
+        <p:spPr>
+          <a:xfrm flipV="1">
+            <a:off x="1952812" y="4691454"/>
+            <a:ext cx="1488036" cy="534876"/>
+          </a:xfrm>
+          <a:prstGeom prst="straightConnector1">
+            <a:avLst/>
+          </a:prstGeom>
+          <a:ln>
+            <a:tailEnd type="triangle"/>
+          </a:ln>
+        </p:spPr>
+        <p:style>
+          <a:lnRef idx="2">
+            <a:schemeClr val="accent1"/>
+          </a:lnRef>
+          <a:fillRef idx="0">
+            <a:schemeClr val="accent1"/>
+          </a:fillRef>
+          <a:effectRef idx="1">
+            <a:schemeClr val="accent1"/>
+          </a:effectRef>
+          <a:fontRef idx="minor">
+            <a:schemeClr val="tx1"/>
+          </a:fontRef>
+        </p:style>
+      </p:cxnSp>
+      <p:sp>
+        <p:nvSpPr>
+          <p:cNvPr id="12" name="TextBox 11">
+            <a:extLst>
+              <a:ext uri="{FF2B5EF4-FFF2-40B4-BE49-F238E27FC236}">
+                <a16:creationId xmlns:a16="http://schemas.microsoft.com/office/drawing/2014/main" id="{8B402B97-CBB1-86D0-6173-2A8A654A51FE}"/>
+              </a:ext>
+            </a:extLst>
+          </p:cNvPr>
+          <p:cNvSpPr txBox="1"/>
+          <p:nvPr/>
+        </p:nvSpPr>
+        <p:spPr>
+          <a:xfrm flipH="1">
+            <a:off x="2230610" y="1533314"/>
+            <a:ext cx="1107997" cy="369332"/>
+          </a:xfrm>
+          <a:prstGeom prst="rect">
+            <a:avLst/>
+          </a:prstGeom>
+          <a:noFill/>
+        </p:spPr>
+        <p:txBody>
+          <a:bodyPr wrap="none" rtlCol="0">
+            <a:spAutoFit/>
+          </a:bodyPr>
+          <a:lstStyle/>
+          <a:p>
+            <a:pPr algn="ctr"/>
+            <a:r>
+              <a:rPr kumimoji="1" lang="ko-KR" altLang="en-US" b="1" dirty="0">
+                <a:solidFill>
+                  <a:srgbClr val="FF0000"/>
+                </a:solidFill>
+              </a:rPr>
+              <a:t>실병투입</a:t>
+            </a:r>
+          </a:p>
+        </p:txBody>
+      </p:sp>
+      <p:sp>
+        <p:nvSpPr>
+          <p:cNvPr id="13" name="TextBox 12">
+            <a:extLst>
+              <a:ext uri="{FF2B5EF4-FFF2-40B4-BE49-F238E27FC236}">
+                <a16:creationId xmlns:a16="http://schemas.microsoft.com/office/drawing/2014/main" id="{B6C3FCFF-9DB2-E899-EE6D-CC4FC2483562}"/>
+              </a:ext>
+            </a:extLst>
+          </p:cNvPr>
+          <p:cNvSpPr txBox="1"/>
+          <p:nvPr/>
+        </p:nvSpPr>
+        <p:spPr>
+          <a:xfrm flipH="1">
+            <a:off x="2142832" y="2564832"/>
+            <a:ext cx="1107997" cy="369332"/>
+          </a:xfrm>
+          <a:prstGeom prst="rect">
+            <a:avLst/>
+          </a:prstGeom>
+          <a:noFill/>
+        </p:spPr>
+        <p:txBody>
+          <a:bodyPr wrap="none" rtlCol="0">
+            <a:spAutoFit/>
+          </a:bodyPr>
+          <a:lstStyle/>
+          <a:p>
+            <a:pPr algn="ctr"/>
+            <a:r>
+              <a:rPr kumimoji="1" lang="ko-KR" altLang="en-US" b="1" dirty="0">
+                <a:solidFill>
+                  <a:srgbClr val="FF0000"/>
+                </a:solidFill>
+              </a:rPr>
+              <a:t>분석완료</a:t>
+            </a:r>
+          </a:p>
+        </p:txBody>
+      </p:sp>
+      <p:sp>
+        <p:nvSpPr>
+          <p:cNvPr id="14" name="TextBox 13">
+            <a:extLst>
+              <a:ext uri="{FF2B5EF4-FFF2-40B4-BE49-F238E27FC236}">
+                <a16:creationId xmlns:a16="http://schemas.microsoft.com/office/drawing/2014/main" id="{92DCB30A-6750-588B-9348-D95745877D89}"/>
+              </a:ext>
+            </a:extLst>
+          </p:cNvPr>
+          <p:cNvSpPr txBox="1"/>
+          <p:nvPr/>
+        </p:nvSpPr>
+        <p:spPr>
+          <a:xfrm flipH="1">
+            <a:off x="2077384" y="3505838"/>
+            <a:ext cx="1107997" cy="369332"/>
+          </a:xfrm>
+          <a:prstGeom prst="rect">
+            <a:avLst/>
+          </a:prstGeom>
+          <a:noFill/>
+        </p:spPr>
+        <p:txBody>
+          <a:bodyPr wrap="none" rtlCol="0">
+            <a:spAutoFit/>
+          </a:bodyPr>
+          <a:lstStyle/>
+          <a:p>
+            <a:pPr algn="ctr"/>
+            <a:r>
+              <a:rPr kumimoji="1" lang="ko-KR" altLang="en-US" i="1" dirty="0">
+                <a:solidFill>
+                  <a:srgbClr val="0070C0"/>
+                </a:solidFill>
+              </a:rPr>
+              <a:t>재검실행</a:t>
+            </a:r>
+          </a:p>
+        </p:txBody>
+      </p:sp>
+      <p:sp>
+        <p:nvSpPr>
+          <p:cNvPr id="15" name="TextBox 14">
+            <a:extLst>
+              <a:ext uri="{FF2B5EF4-FFF2-40B4-BE49-F238E27FC236}">
+                <a16:creationId xmlns:a16="http://schemas.microsoft.com/office/drawing/2014/main" id="{A2C87C50-3D4C-61EB-E9AD-1A9993941D04}"/>
+              </a:ext>
+            </a:extLst>
+          </p:cNvPr>
+          <p:cNvSpPr txBox="1"/>
+          <p:nvPr/>
+        </p:nvSpPr>
+        <p:spPr>
+          <a:xfrm flipH="1">
+            <a:off x="2011936" y="4446844"/>
+            <a:ext cx="1107997" cy="369332"/>
+          </a:xfrm>
+          <a:prstGeom prst="rect">
+            <a:avLst/>
+          </a:prstGeom>
+          <a:noFill/>
+        </p:spPr>
+        <p:txBody>
+          <a:bodyPr wrap="none" rtlCol="0">
+            <a:spAutoFit/>
+          </a:bodyPr>
+          <a:lstStyle/>
+          <a:p>
+            <a:pPr algn="ctr"/>
+            <a:r>
+              <a:rPr kumimoji="1" lang="ko-KR" altLang="en-US" b="1" dirty="0">
+                <a:solidFill>
+                  <a:srgbClr val="FF0000"/>
+                </a:solidFill>
+              </a:rPr>
+              <a:t>폐기완료</a:t>
+            </a:r>
+          </a:p>
+        </p:txBody>
+      </p:sp>
+      <p:sp>
+        <p:nvSpPr>
+          <p:cNvPr id="17" name="직사각형 16">
+            <a:extLst>
+              <a:ext uri="{FF2B5EF4-FFF2-40B4-BE49-F238E27FC236}">
+                <a16:creationId xmlns:a16="http://schemas.microsoft.com/office/drawing/2014/main" id="{D16F915A-F473-3806-86BF-BF98F516625B}"/>
+              </a:ext>
+            </a:extLst>
+          </p:cNvPr>
+          <p:cNvSpPr/>
+          <p:nvPr/>
+        </p:nvSpPr>
+        <p:spPr>
+          <a:xfrm>
+            <a:off x="3845752" y="2871327"/>
+            <a:ext cx="1303191" cy="1269022"/>
+          </a:xfrm>
+          <a:prstGeom prst="rect">
+            <a:avLst/>
+          </a:prstGeom>
+        </p:spPr>
+        <p:style>
+          <a:lnRef idx="2">
+            <a:schemeClr val="accent4">
+              <a:shade val="15000"/>
+            </a:schemeClr>
+          </a:lnRef>
+          <a:fillRef idx="1">
+            <a:schemeClr val="accent4"/>
+          </a:fillRef>
+          <a:effectRef idx="0">
+            <a:schemeClr val="accent4"/>
+          </a:effectRef>
+          <a:fontRef idx="minor">
+            <a:schemeClr val="lt1"/>
+          </a:fontRef>
+        </p:style>
+        <p:txBody>
+          <a:bodyPr wrap="none" rtlCol="0" anchor="ctr"/>
+          <a:lstStyle/>
+          <a:p>
+            <a:pPr algn="ctr"/>
+            <a:r>
+              <a:rPr kumimoji="1" lang="en-US" altLang="ko-KR" dirty="0"/>
+              <a:t>Subscriber</a:t>
+            </a:r>
+            <a:endParaRPr kumimoji="1" lang="ko-KR" altLang="en-US" dirty="0"/>
+          </a:p>
+        </p:txBody>
+      </p:sp>
+      <p:sp>
+        <p:nvSpPr>
+          <p:cNvPr id="18" name="직사각형 17">
+            <a:extLst>
+              <a:ext uri="{FF2B5EF4-FFF2-40B4-BE49-F238E27FC236}">
+                <a16:creationId xmlns:a16="http://schemas.microsoft.com/office/drawing/2014/main" id="{09B6BB67-5D4F-7D8D-17C9-CDED24F91EFF}"/>
+              </a:ext>
+            </a:extLst>
+          </p:cNvPr>
+          <p:cNvSpPr/>
+          <p:nvPr/>
+        </p:nvSpPr>
+        <p:spPr>
+          <a:xfrm flipH="1">
+            <a:off x="5848938" y="1105774"/>
+            <a:ext cx="1132114" cy="739042"/>
+          </a:xfrm>
+          <a:prstGeom prst="rect">
+            <a:avLst/>
+          </a:prstGeom>
+        </p:spPr>
+        <p:style>
+          <a:lnRef idx="2">
+            <a:schemeClr val="accent4">
+              <a:shade val="15000"/>
+            </a:schemeClr>
+          </a:lnRef>
+          <a:fillRef idx="1">
+            <a:schemeClr val="accent4"/>
+          </a:fillRef>
+          <a:effectRef idx="0">
+            <a:schemeClr val="accent4"/>
+          </a:effectRef>
+          <a:fontRef idx="minor">
+            <a:schemeClr val="lt1"/>
+          </a:fontRef>
+        </p:style>
+        <p:txBody>
+          <a:bodyPr wrap="none" rtlCol="0" anchor="ctr"/>
+          <a:lstStyle/>
+          <a:p>
+            <a:pPr algn="ctr"/>
+            <a:r>
+              <a:rPr kumimoji="1" lang="ko-KR" altLang="en-US" dirty="0"/>
+              <a:t>반출입기</a:t>
+            </a:r>
+            <a:br>
+              <a:rPr kumimoji="1" lang="en-US" altLang="ko-KR" dirty="0"/>
+            </a:br>
+            <a:r>
+              <a:rPr kumimoji="1" lang="en-US" altLang="ko-KR" dirty="0"/>
+              <a:t>Status</a:t>
+            </a:r>
+            <a:endParaRPr kumimoji="1" lang="ko-KR" altLang="en-US" dirty="0"/>
+          </a:p>
+        </p:txBody>
+      </p:sp>
+      <p:sp>
+        <p:nvSpPr>
+          <p:cNvPr id="19" name="직사각형 18">
+            <a:extLst>
+              <a:ext uri="{FF2B5EF4-FFF2-40B4-BE49-F238E27FC236}">
+                <a16:creationId xmlns:a16="http://schemas.microsoft.com/office/drawing/2014/main" id="{22284987-D023-067B-4472-A8C2DD47B968}"/>
+              </a:ext>
+            </a:extLst>
+          </p:cNvPr>
+          <p:cNvSpPr/>
+          <p:nvPr/>
+        </p:nvSpPr>
+        <p:spPr>
+          <a:xfrm flipH="1">
+            <a:off x="5848938" y="2421631"/>
+            <a:ext cx="1132114" cy="739042"/>
+          </a:xfrm>
+          <a:prstGeom prst="rect">
+            <a:avLst/>
+          </a:prstGeom>
+        </p:spPr>
+        <p:style>
+          <a:lnRef idx="2">
+            <a:schemeClr val="accent4">
+              <a:shade val="15000"/>
+            </a:schemeClr>
+          </a:lnRef>
+          <a:fillRef idx="1">
+            <a:schemeClr val="accent4"/>
+          </a:fillRef>
+          <a:effectRef idx="0">
+            <a:schemeClr val="accent4"/>
+          </a:effectRef>
+          <a:fontRef idx="minor">
+            <a:schemeClr val="lt1"/>
+          </a:fontRef>
+        </p:style>
+        <p:txBody>
+          <a:bodyPr wrap="none" rtlCol="0" anchor="ctr"/>
+          <a:lstStyle/>
+          <a:p>
+            <a:pPr algn="ctr"/>
+            <a:r>
+              <a:rPr kumimoji="1" lang="ko-KR" altLang="en-US" dirty="0"/>
+              <a:t>분석기</a:t>
+            </a:r>
+            <a:br>
+              <a:rPr kumimoji="1" lang="en-US" altLang="ko-KR" dirty="0"/>
+            </a:br>
+            <a:r>
+              <a:rPr kumimoji="1" lang="en-US" altLang="ko-KR" dirty="0"/>
+              <a:t>Status</a:t>
+            </a:r>
+            <a:endParaRPr kumimoji="1" lang="ko-KR" altLang="en-US" dirty="0"/>
+          </a:p>
+        </p:txBody>
+      </p:sp>
+      <p:sp>
+        <p:nvSpPr>
+          <p:cNvPr id="20" name="직사각형 19">
+            <a:extLst>
+              <a:ext uri="{FF2B5EF4-FFF2-40B4-BE49-F238E27FC236}">
+                <a16:creationId xmlns:a16="http://schemas.microsoft.com/office/drawing/2014/main" id="{96C18CF6-5BC4-4AB5-2F5F-633A9FF477FF}"/>
+              </a:ext>
+            </a:extLst>
+          </p:cNvPr>
+          <p:cNvSpPr/>
+          <p:nvPr/>
+        </p:nvSpPr>
+        <p:spPr>
+          <a:xfrm flipH="1">
+            <a:off x="5848938" y="5053345"/>
+            <a:ext cx="1132114" cy="739042"/>
+          </a:xfrm>
+          <a:prstGeom prst="rect">
+            <a:avLst/>
+          </a:prstGeom>
+        </p:spPr>
+        <p:style>
+          <a:lnRef idx="2">
+            <a:schemeClr val="accent4">
+              <a:shade val="15000"/>
+            </a:schemeClr>
+          </a:lnRef>
+          <a:fillRef idx="1">
+            <a:schemeClr val="accent4"/>
+          </a:fillRef>
+          <a:effectRef idx="0">
+            <a:schemeClr val="accent4"/>
+          </a:effectRef>
+          <a:fontRef idx="minor">
+            <a:schemeClr val="lt1"/>
+          </a:fontRef>
+        </p:style>
+        <p:txBody>
+          <a:bodyPr wrap="none" rtlCol="0" anchor="ctr"/>
+          <a:lstStyle/>
+          <a:p>
+            <a:pPr algn="ctr"/>
+            <a:r>
+              <a:rPr kumimoji="1" lang="ko-KR" altLang="en-US" dirty="0"/>
+              <a:t>폐기설비</a:t>
+            </a:r>
+            <a:br>
+              <a:rPr kumimoji="1" lang="en-US" altLang="ko-KR" dirty="0"/>
+            </a:br>
+            <a:r>
+              <a:rPr kumimoji="1" lang="en-US" altLang="ko-KR" dirty="0"/>
+              <a:t>Status</a:t>
+            </a:r>
+            <a:endParaRPr kumimoji="1" lang="ko-KR" altLang="en-US" dirty="0"/>
+          </a:p>
+        </p:txBody>
+      </p:sp>
+      <p:sp>
+        <p:nvSpPr>
+          <p:cNvPr id="21" name="직사각형 20">
+            <a:extLst>
+              <a:ext uri="{FF2B5EF4-FFF2-40B4-BE49-F238E27FC236}">
+                <a16:creationId xmlns:a16="http://schemas.microsoft.com/office/drawing/2014/main" id="{A42F43F7-2B32-C169-75E0-165C6AE93CF5}"/>
+              </a:ext>
+            </a:extLst>
+          </p:cNvPr>
+          <p:cNvSpPr/>
+          <p:nvPr/>
+        </p:nvSpPr>
+        <p:spPr>
+          <a:xfrm flipH="1">
+            <a:off x="5848938" y="3737488"/>
+            <a:ext cx="1132114" cy="739042"/>
+          </a:xfrm>
+          <a:prstGeom prst="rect">
+            <a:avLst/>
+          </a:prstGeom>
+        </p:spPr>
+        <p:style>
+          <a:lnRef idx="2">
+            <a:schemeClr val="accent4">
+              <a:shade val="15000"/>
+            </a:schemeClr>
+          </a:lnRef>
+          <a:fillRef idx="1">
+            <a:schemeClr val="accent4"/>
+          </a:fillRef>
+          <a:effectRef idx="0">
+            <a:schemeClr val="accent4"/>
+          </a:effectRef>
+          <a:fontRef idx="minor">
+            <a:schemeClr val="lt1"/>
+          </a:fontRef>
+        </p:style>
+        <p:txBody>
+          <a:bodyPr wrap="none" rtlCol="0" anchor="ctr"/>
+          <a:lstStyle/>
+          <a:p>
+            <a:pPr algn="ctr"/>
+            <a:r>
+              <a:rPr kumimoji="1" lang="en-US" altLang="ko-KR" dirty="0"/>
+              <a:t>Stocker</a:t>
+            </a:r>
+            <a:br>
+              <a:rPr kumimoji="1" lang="en-US" altLang="ko-KR" dirty="0"/>
+            </a:br>
+            <a:r>
+              <a:rPr kumimoji="1" lang="en-US" altLang="ko-KR" dirty="0"/>
+              <a:t>Status</a:t>
+            </a:r>
+            <a:endParaRPr kumimoji="1" lang="ko-KR" altLang="en-US" dirty="0"/>
+          </a:p>
+        </p:txBody>
+      </p:sp>
+      <p:cxnSp>
+        <p:nvCxnSpPr>
+          <p:cNvPr id="23" name="꺾인 연결선[E] 22">
+            <a:extLst>
+              <a:ext uri="{FF2B5EF4-FFF2-40B4-BE49-F238E27FC236}">
+                <a16:creationId xmlns:a16="http://schemas.microsoft.com/office/drawing/2014/main" id="{39D44705-DD61-747C-9DE3-9E9D99B26055}"/>
+              </a:ext>
+            </a:extLst>
+          </p:cNvPr>
+          <p:cNvCxnSpPr>
+            <a:cxnSpLocks/>
+            <a:stCxn id="17" idx="3"/>
+            <a:endCxn id="18" idx="3"/>
+          </p:cNvCxnSpPr>
+          <p:nvPr/>
+        </p:nvCxnSpPr>
+        <p:spPr>
+          <a:xfrm flipV="1">
+            <a:off x="5148943" y="1475295"/>
+            <a:ext cx="699995" cy="2030543"/>
+          </a:xfrm>
+          <a:prstGeom prst="bentConnector3">
+            <a:avLst/>
+          </a:prstGeom>
+          <a:ln>
+            <a:tailEnd type="triangle"/>
+          </a:ln>
+        </p:spPr>
+        <p:style>
+          <a:lnRef idx="2">
+            <a:schemeClr val="accent1"/>
+          </a:lnRef>
+          <a:fillRef idx="0">
+            <a:schemeClr val="accent1"/>
+          </a:fillRef>
+          <a:effectRef idx="1">
+            <a:schemeClr val="accent1"/>
+          </a:effectRef>
+          <a:fontRef idx="minor">
+            <a:schemeClr val="tx1"/>
+          </a:fontRef>
+        </p:style>
+      </p:cxnSp>
+      <p:cxnSp>
+        <p:nvCxnSpPr>
+          <p:cNvPr id="25" name="꺾인 연결선[E] 24">
+            <a:extLst>
+              <a:ext uri="{FF2B5EF4-FFF2-40B4-BE49-F238E27FC236}">
+                <a16:creationId xmlns:a16="http://schemas.microsoft.com/office/drawing/2014/main" id="{8BEA4335-684B-57BF-2F02-1AF327759334}"/>
+              </a:ext>
+            </a:extLst>
+          </p:cNvPr>
+          <p:cNvCxnSpPr>
+            <a:cxnSpLocks/>
+            <a:stCxn id="17" idx="3"/>
+            <a:endCxn id="19" idx="3"/>
+          </p:cNvCxnSpPr>
+          <p:nvPr/>
+        </p:nvCxnSpPr>
+        <p:spPr>
+          <a:xfrm flipV="1">
+            <a:off x="5148943" y="2791152"/>
+            <a:ext cx="699995" cy="714686"/>
+          </a:xfrm>
+          <a:prstGeom prst="bentConnector3">
+            <a:avLst>
+              <a:gd name="adj1" fmla="val 50000"/>
+            </a:avLst>
+          </a:prstGeom>
+          <a:ln>
+            <a:tailEnd type="triangle"/>
+          </a:ln>
+        </p:spPr>
+        <p:style>
+          <a:lnRef idx="2">
+            <a:schemeClr val="accent1"/>
+          </a:lnRef>
+          <a:fillRef idx="0">
+            <a:schemeClr val="accent1"/>
+          </a:fillRef>
+          <a:effectRef idx="1">
+            <a:schemeClr val="accent1"/>
+          </a:effectRef>
+          <a:fontRef idx="minor">
+            <a:schemeClr val="tx1"/>
+          </a:fontRef>
+        </p:style>
+      </p:cxnSp>
+      <p:cxnSp>
+        <p:nvCxnSpPr>
+          <p:cNvPr id="28" name="꺾인 연결선[E] 27">
+            <a:extLst>
+              <a:ext uri="{FF2B5EF4-FFF2-40B4-BE49-F238E27FC236}">
+                <a16:creationId xmlns:a16="http://schemas.microsoft.com/office/drawing/2014/main" id="{C27153B1-FB90-66E3-8F5B-5FAD271CC018}"/>
+              </a:ext>
+            </a:extLst>
+          </p:cNvPr>
+          <p:cNvCxnSpPr>
+            <a:cxnSpLocks/>
+            <a:stCxn id="17" idx="3"/>
+            <a:endCxn id="21" idx="3"/>
+          </p:cNvCxnSpPr>
+          <p:nvPr/>
+        </p:nvCxnSpPr>
+        <p:spPr>
+          <a:xfrm>
+            <a:off x="5148943" y="3505838"/>
+            <a:ext cx="699995" cy="601171"/>
+          </a:xfrm>
+          <a:prstGeom prst="bentConnector3">
+            <a:avLst>
+              <a:gd name="adj1" fmla="val 50000"/>
+            </a:avLst>
+          </a:prstGeom>
+          <a:ln>
+            <a:tailEnd type="triangle"/>
+          </a:ln>
+        </p:spPr>
+        <p:style>
+          <a:lnRef idx="2">
+            <a:schemeClr val="accent1"/>
+          </a:lnRef>
+          <a:fillRef idx="0">
+            <a:schemeClr val="accent1"/>
+          </a:fillRef>
+          <a:effectRef idx="1">
+            <a:schemeClr val="accent1"/>
+          </a:effectRef>
+          <a:fontRef idx="minor">
+            <a:schemeClr val="tx1"/>
+          </a:fontRef>
+        </p:style>
+      </p:cxnSp>
+      <p:cxnSp>
+        <p:nvCxnSpPr>
+          <p:cNvPr id="31" name="꺾인 연결선[E] 30">
+            <a:extLst>
+              <a:ext uri="{FF2B5EF4-FFF2-40B4-BE49-F238E27FC236}">
+                <a16:creationId xmlns:a16="http://schemas.microsoft.com/office/drawing/2014/main" id="{05F3639A-1E74-3E3A-5694-49ABAE3B6E37}"/>
+              </a:ext>
+            </a:extLst>
+          </p:cNvPr>
+          <p:cNvCxnSpPr>
+            <a:cxnSpLocks/>
+            <a:stCxn id="17" idx="3"/>
+            <a:endCxn id="20" idx="3"/>
+          </p:cNvCxnSpPr>
+          <p:nvPr/>
+        </p:nvCxnSpPr>
+        <p:spPr>
+          <a:xfrm>
+            <a:off x="5148943" y="3505838"/>
+            <a:ext cx="699995" cy="1917028"/>
+          </a:xfrm>
+          <a:prstGeom prst="bentConnector3">
+            <a:avLst>
+              <a:gd name="adj1" fmla="val 50000"/>
+            </a:avLst>
+          </a:prstGeom>
+          <a:ln>
+            <a:tailEnd type="triangle"/>
+          </a:ln>
+        </p:spPr>
+        <p:style>
+          <a:lnRef idx="2">
+            <a:schemeClr val="accent1"/>
+          </a:lnRef>
+          <a:fillRef idx="0">
+            <a:schemeClr val="accent1"/>
+          </a:fillRef>
+          <a:effectRef idx="1">
+            <a:schemeClr val="accent1"/>
+          </a:effectRef>
+          <a:fontRef idx="minor">
+            <a:schemeClr val="tx1"/>
+          </a:fontRef>
+        </p:style>
+      </p:cxnSp>
+      <p:sp>
+        <p:nvSpPr>
+          <p:cNvPr id="34" name="TextBox 33">
+            <a:extLst>
+              <a:ext uri="{FF2B5EF4-FFF2-40B4-BE49-F238E27FC236}">
+                <a16:creationId xmlns:a16="http://schemas.microsoft.com/office/drawing/2014/main" id="{DD6FD6D8-6386-F702-E1C4-BA5B4C65935F}"/>
+              </a:ext>
+            </a:extLst>
+          </p:cNvPr>
+          <p:cNvSpPr txBox="1"/>
+          <p:nvPr/>
+        </p:nvSpPr>
+        <p:spPr>
+          <a:xfrm>
+            <a:off x="5063362" y="1290629"/>
+            <a:ext cx="818045" cy="369332"/>
+          </a:xfrm>
+          <a:prstGeom prst="rect">
+            <a:avLst/>
+          </a:prstGeom>
+          <a:noFill/>
+        </p:spPr>
+        <p:txBody>
+          <a:bodyPr wrap="none" rtlCol="0">
+            <a:spAutoFit/>
+          </a:bodyPr>
+          <a:lstStyle/>
+          <a:p>
+            <a:pPr algn="ctr"/>
+            <a:r>
+              <a:rPr kumimoji="1" lang="en-US" altLang="ko-KR" b="1" dirty="0"/>
+              <a:t>Async</a:t>
+            </a:r>
+            <a:endParaRPr kumimoji="1" lang="ko-KR" altLang="en-US" b="1" dirty="0"/>
+          </a:p>
+        </p:txBody>
+      </p:sp>
+      <p:sp>
+        <p:nvSpPr>
+          <p:cNvPr id="35" name="TextBox 34">
+            <a:extLst>
+              <a:ext uri="{FF2B5EF4-FFF2-40B4-BE49-F238E27FC236}">
+                <a16:creationId xmlns:a16="http://schemas.microsoft.com/office/drawing/2014/main" id="{ADA98E85-926C-7DF0-1666-727AA76C8E8F}"/>
+              </a:ext>
+            </a:extLst>
+          </p:cNvPr>
+          <p:cNvSpPr txBox="1"/>
+          <p:nvPr/>
+        </p:nvSpPr>
+        <p:spPr>
+          <a:xfrm>
+            <a:off x="5063362" y="2564832"/>
+            <a:ext cx="818045" cy="369332"/>
+          </a:xfrm>
+          <a:prstGeom prst="rect">
+            <a:avLst/>
+          </a:prstGeom>
+          <a:noFill/>
+        </p:spPr>
+        <p:txBody>
+          <a:bodyPr wrap="none" rtlCol="0">
+            <a:spAutoFit/>
+          </a:bodyPr>
+          <a:lstStyle/>
+          <a:p>
+            <a:pPr algn="ctr"/>
+            <a:r>
+              <a:rPr kumimoji="1" lang="en-US" altLang="ko-KR" b="1" dirty="0"/>
+              <a:t>Async</a:t>
+            </a:r>
+            <a:endParaRPr kumimoji="1" lang="ko-KR" altLang="en-US" b="1" dirty="0"/>
+          </a:p>
+        </p:txBody>
+      </p:sp>
+      <p:sp>
+        <p:nvSpPr>
+          <p:cNvPr id="36" name="TextBox 35">
+            <a:extLst>
+              <a:ext uri="{FF2B5EF4-FFF2-40B4-BE49-F238E27FC236}">
+                <a16:creationId xmlns:a16="http://schemas.microsoft.com/office/drawing/2014/main" id="{85D3C66D-EB86-2F50-0727-D1F19FACB288}"/>
+              </a:ext>
+            </a:extLst>
+          </p:cNvPr>
+          <p:cNvSpPr txBox="1"/>
+          <p:nvPr/>
+        </p:nvSpPr>
+        <p:spPr>
+          <a:xfrm>
+            <a:off x="5124597" y="3917970"/>
+            <a:ext cx="695575" cy="369332"/>
+          </a:xfrm>
+          <a:prstGeom prst="rect">
+            <a:avLst/>
+          </a:prstGeom>
+          <a:noFill/>
+        </p:spPr>
+        <p:txBody>
+          <a:bodyPr wrap="none" rtlCol="0">
+            <a:spAutoFit/>
+          </a:bodyPr>
+          <a:lstStyle/>
+          <a:p>
+            <a:pPr algn="ctr"/>
+            <a:r>
+              <a:rPr kumimoji="1" lang="en-US" altLang="ko-KR" b="1" dirty="0"/>
+              <a:t>Sync</a:t>
+            </a:r>
+            <a:endParaRPr kumimoji="1" lang="ko-KR" altLang="en-US" b="1" dirty="0"/>
+          </a:p>
+        </p:txBody>
+      </p:sp>
+      <p:sp>
+        <p:nvSpPr>
+          <p:cNvPr id="37" name="TextBox 36">
+            <a:extLst>
+              <a:ext uri="{FF2B5EF4-FFF2-40B4-BE49-F238E27FC236}">
+                <a16:creationId xmlns:a16="http://schemas.microsoft.com/office/drawing/2014/main" id="{685FAEAD-B477-B5D2-C8D4-BFE1BD156C46}"/>
+              </a:ext>
+            </a:extLst>
+          </p:cNvPr>
+          <p:cNvSpPr txBox="1"/>
+          <p:nvPr/>
+        </p:nvSpPr>
+        <p:spPr>
+          <a:xfrm>
+            <a:off x="5124597" y="5227564"/>
+            <a:ext cx="695575" cy="369332"/>
+          </a:xfrm>
+          <a:prstGeom prst="rect">
+            <a:avLst/>
+          </a:prstGeom>
+          <a:noFill/>
+        </p:spPr>
+        <p:txBody>
+          <a:bodyPr wrap="none" rtlCol="0">
+            <a:spAutoFit/>
+          </a:bodyPr>
+          <a:lstStyle/>
+          <a:p>
+            <a:pPr algn="ctr"/>
+            <a:r>
+              <a:rPr kumimoji="1" lang="en-US" altLang="ko-KR" b="1" dirty="0"/>
+              <a:t>Sync</a:t>
+            </a:r>
+            <a:endParaRPr kumimoji="1" lang="ko-KR" altLang="en-US" b="1" dirty="0"/>
+          </a:p>
+        </p:txBody>
+      </p:sp>
+      <p:sp>
+        <p:nvSpPr>
+          <p:cNvPr id="38" name="직사각형 37">
+            <a:extLst>
+              <a:ext uri="{FF2B5EF4-FFF2-40B4-BE49-F238E27FC236}">
+                <a16:creationId xmlns:a16="http://schemas.microsoft.com/office/drawing/2014/main" id="{8AF2E7CE-15BC-038C-77B9-1EE98D9A45F5}"/>
+              </a:ext>
+            </a:extLst>
+          </p:cNvPr>
+          <p:cNvSpPr/>
+          <p:nvPr/>
+        </p:nvSpPr>
+        <p:spPr>
+          <a:xfrm>
+            <a:off x="3834866" y="5575686"/>
+            <a:ext cx="1303191" cy="887517"/>
+          </a:xfrm>
+          <a:prstGeom prst="rect">
+            <a:avLst/>
+          </a:prstGeom>
+        </p:spPr>
+        <p:style>
+          <a:lnRef idx="2">
+            <a:schemeClr val="accent4">
+              <a:shade val="15000"/>
+            </a:schemeClr>
+          </a:lnRef>
+          <a:fillRef idx="1">
+            <a:schemeClr val="accent4"/>
+          </a:fillRef>
+          <a:effectRef idx="0">
+            <a:schemeClr val="accent4"/>
+          </a:effectRef>
+          <a:fontRef idx="minor">
+            <a:schemeClr val="lt1"/>
+          </a:fontRef>
+        </p:style>
+        <p:txBody>
+          <a:bodyPr wrap="none" rtlCol="0" anchor="ctr"/>
+          <a:lstStyle/>
+          <a:p>
+            <a:pPr algn="ctr"/>
+            <a:r>
+              <a:rPr kumimoji="1" lang="en-US" altLang="ko-KR" dirty="0"/>
+              <a:t>Publisher</a:t>
+            </a:r>
+            <a:endParaRPr kumimoji="1" lang="ko-KR" altLang="en-US" dirty="0"/>
+          </a:p>
+        </p:txBody>
+      </p:sp>
+      <p:cxnSp>
+        <p:nvCxnSpPr>
+          <p:cNvPr id="40" name="꺾인 연결선[E] 39">
+            <a:extLst>
+              <a:ext uri="{FF2B5EF4-FFF2-40B4-BE49-F238E27FC236}">
+                <a16:creationId xmlns:a16="http://schemas.microsoft.com/office/drawing/2014/main" id="{E0815F42-0B69-4B4E-C9C2-11AF025478C0}"/>
+              </a:ext>
+            </a:extLst>
+          </p:cNvPr>
+          <p:cNvCxnSpPr>
+            <a:stCxn id="21" idx="2"/>
+            <a:endCxn id="38" idx="0"/>
+          </p:cNvCxnSpPr>
+          <p:nvPr/>
+        </p:nvCxnSpPr>
+        <p:spPr>
+          <a:xfrm rot="5400000">
+            <a:off x="4901151" y="4061842"/>
+            <a:ext cx="1099156" cy="1928533"/>
+          </a:xfrm>
+          <a:prstGeom prst="bentConnector3">
+            <a:avLst>
+              <a:gd name="adj1" fmla="val 31183"/>
+            </a:avLst>
+          </a:prstGeom>
+          <a:ln>
+            <a:prstDash val="dash"/>
+            <a:tailEnd type="triangle"/>
+          </a:ln>
+        </p:spPr>
+        <p:style>
+          <a:lnRef idx="2">
+            <a:schemeClr val="accent1"/>
+          </a:lnRef>
+          <a:fillRef idx="0">
+            <a:schemeClr val="accent1"/>
+          </a:fillRef>
+          <a:effectRef idx="1">
+            <a:schemeClr val="accent1"/>
+          </a:effectRef>
+          <a:fontRef idx="minor">
+            <a:schemeClr val="tx1"/>
+          </a:fontRef>
+        </p:style>
+      </p:cxnSp>
+      <p:cxnSp>
+        <p:nvCxnSpPr>
+          <p:cNvPr id="41" name="꺾인 연결선[E] 40">
+            <a:extLst>
+              <a:ext uri="{FF2B5EF4-FFF2-40B4-BE49-F238E27FC236}">
+                <a16:creationId xmlns:a16="http://schemas.microsoft.com/office/drawing/2014/main" id="{3B39F548-9B27-F6AB-CE98-ACF039230E44}"/>
+              </a:ext>
+            </a:extLst>
+          </p:cNvPr>
+          <p:cNvCxnSpPr>
+            <a:cxnSpLocks/>
+            <a:stCxn id="20" idx="2"/>
+            <a:endCxn id="38" idx="3"/>
+          </p:cNvCxnSpPr>
+          <p:nvPr/>
+        </p:nvCxnSpPr>
+        <p:spPr>
+          <a:xfrm rot="5400000">
+            <a:off x="5662997" y="5267447"/>
+            <a:ext cx="227058" cy="1276938"/>
+          </a:xfrm>
+          <a:prstGeom prst="bentConnector2">
+            <a:avLst/>
+          </a:prstGeom>
+          <a:ln>
+            <a:prstDash val="dash"/>
+            <a:tailEnd type="triangle"/>
+          </a:ln>
+        </p:spPr>
+        <p:style>
+          <a:lnRef idx="2">
+            <a:schemeClr val="accent1"/>
+          </a:lnRef>
+          <a:fillRef idx="0">
+            <a:schemeClr val="accent1"/>
+          </a:fillRef>
+          <a:effectRef idx="1">
+            <a:schemeClr val="accent1"/>
+          </a:effectRef>
+          <a:fontRef idx="minor">
+            <a:schemeClr val="tx1"/>
+          </a:fontRef>
+        </p:style>
+      </p:cxnSp>
+      <p:cxnSp>
+        <p:nvCxnSpPr>
+          <p:cNvPr id="46" name="꺾인 연결선[E] 45">
+            <a:extLst>
+              <a:ext uri="{FF2B5EF4-FFF2-40B4-BE49-F238E27FC236}">
+                <a16:creationId xmlns:a16="http://schemas.microsoft.com/office/drawing/2014/main" id="{DDF9CB7B-3FDF-19E3-5ADB-4E088DBA8041}"/>
+              </a:ext>
+            </a:extLst>
+          </p:cNvPr>
+          <p:cNvCxnSpPr>
+            <a:cxnSpLocks/>
+            <a:stCxn id="38" idx="1"/>
+            <a:endCxn id="6" idx="6"/>
+          </p:cNvCxnSpPr>
+          <p:nvPr/>
+        </p:nvCxnSpPr>
+        <p:spPr>
+          <a:xfrm rot="10800000">
+            <a:off x="820698" y="5226331"/>
+            <a:ext cx="3014168" cy="793115"/>
+          </a:xfrm>
+          <a:prstGeom prst="bentConnector3">
+            <a:avLst>
+              <a:gd name="adj1" fmla="val 107584"/>
+            </a:avLst>
+          </a:prstGeom>
+          <a:ln>
+            <a:prstDash val="dash"/>
+            <a:tailEnd type="triangle"/>
+          </a:ln>
+        </p:spPr>
+        <p:style>
+          <a:lnRef idx="2">
+            <a:schemeClr val="accent1"/>
+          </a:lnRef>
+          <a:fillRef idx="0">
+            <a:schemeClr val="accent1"/>
+          </a:fillRef>
+          <a:effectRef idx="1">
+            <a:schemeClr val="accent1"/>
+          </a:effectRef>
+          <a:fontRef idx="minor">
+            <a:schemeClr val="tx1"/>
+          </a:fontRef>
+        </p:style>
+      </p:cxnSp>
+      <p:cxnSp>
+        <p:nvCxnSpPr>
+          <p:cNvPr id="49" name="꺾인 연결선[E] 48">
+            <a:extLst>
+              <a:ext uri="{FF2B5EF4-FFF2-40B4-BE49-F238E27FC236}">
+                <a16:creationId xmlns:a16="http://schemas.microsoft.com/office/drawing/2014/main" id="{A59B31F1-5DF3-26CD-20C7-38B9B068CFCD}"/>
+              </a:ext>
+            </a:extLst>
+          </p:cNvPr>
+          <p:cNvCxnSpPr>
+            <a:cxnSpLocks/>
+            <a:stCxn id="38" idx="1"/>
+            <a:endCxn id="7" idx="6"/>
+          </p:cNvCxnSpPr>
+          <p:nvPr/>
+        </p:nvCxnSpPr>
+        <p:spPr>
+          <a:xfrm rot="10800000">
+            <a:off x="820698" y="4041497"/>
+            <a:ext cx="3014168" cy="1977948"/>
+          </a:xfrm>
+          <a:prstGeom prst="bentConnector3">
+            <a:avLst>
+              <a:gd name="adj1" fmla="val 107584"/>
+            </a:avLst>
+          </a:prstGeom>
+          <a:ln>
+            <a:prstDash val="dash"/>
+            <a:tailEnd type="triangle"/>
+          </a:ln>
+        </p:spPr>
+        <p:style>
+          <a:lnRef idx="2">
+            <a:schemeClr val="accent1"/>
+          </a:lnRef>
+          <a:fillRef idx="0">
+            <a:schemeClr val="accent1"/>
+          </a:fillRef>
+          <a:effectRef idx="1">
+            <a:schemeClr val="accent1"/>
+          </a:effectRef>
+          <a:fontRef idx="minor">
+            <a:schemeClr val="tx1"/>
+          </a:fontRef>
+        </p:style>
+      </p:cxnSp>
+      <p:sp>
+        <p:nvSpPr>
+          <p:cNvPr id="53" name="TextBox 52">
+            <a:extLst>
+              <a:ext uri="{FF2B5EF4-FFF2-40B4-BE49-F238E27FC236}">
+                <a16:creationId xmlns:a16="http://schemas.microsoft.com/office/drawing/2014/main" id="{3448A3D0-C74B-6C7A-26B7-30BE035E024C}"/>
+              </a:ext>
+            </a:extLst>
+          </p:cNvPr>
+          <p:cNvSpPr txBox="1"/>
+          <p:nvPr/>
+        </p:nvSpPr>
+        <p:spPr>
+          <a:xfrm>
+            <a:off x="5614134" y="1841461"/>
+            <a:ext cx="1601721" cy="646331"/>
+          </a:xfrm>
+          <a:prstGeom prst="rect">
+            <a:avLst/>
+          </a:prstGeom>
+          <a:noFill/>
+        </p:spPr>
+        <p:txBody>
+          <a:bodyPr wrap="none" rtlCol="0">
+            <a:spAutoFit/>
+          </a:bodyPr>
+          <a:lstStyle/>
+          <a:p>
+            <a:pPr algn="ctr"/>
+            <a:r>
+              <a:rPr kumimoji="1" lang="ko-KR" altLang="en-US" sz="1200" b="1" i="1" dirty="0">
+                <a:solidFill>
+                  <a:srgbClr val="FF0000"/>
+                </a:solidFill>
+              </a:rPr>
+              <a:t>반출입기와 분석기도</a:t>
+            </a:r>
+            <a:br>
+              <a:rPr kumimoji="1" lang="en-US" altLang="ko-KR" sz="1200" b="1" i="1" dirty="0">
+                <a:solidFill>
+                  <a:srgbClr val="FF0000"/>
+                </a:solidFill>
+              </a:rPr>
+            </a:br>
+            <a:r>
+              <a:rPr kumimoji="1" lang="ko-KR" altLang="en-US" sz="1200" b="1" i="1" dirty="0">
+                <a:solidFill>
+                  <a:srgbClr val="FF0000"/>
+                </a:solidFill>
+              </a:rPr>
+              <a:t>주기적으로 </a:t>
+            </a:r>
+            <a:r>
+              <a:rPr kumimoji="1" lang="en-US" altLang="ko-KR" sz="1200" b="1" i="1" dirty="0">
+                <a:solidFill>
+                  <a:srgbClr val="FF0000"/>
+                </a:solidFill>
+              </a:rPr>
+              <a:t>Sync</a:t>
+            </a:r>
+            <a:r>
+              <a:rPr kumimoji="1" lang="ko-KR" altLang="en-US" sz="1200" b="1" i="1" dirty="0">
+                <a:solidFill>
+                  <a:srgbClr val="FF0000"/>
+                </a:solidFill>
+              </a:rPr>
+              <a:t>로</a:t>
+            </a:r>
+            <a:endParaRPr kumimoji="1" lang="en-US" altLang="ko-KR" sz="1200" b="1" i="1" dirty="0">
+              <a:solidFill>
+                <a:srgbClr val="FF0000"/>
+              </a:solidFill>
+            </a:endParaRPr>
+          </a:p>
+          <a:p>
+            <a:pPr algn="ctr"/>
+            <a:r>
+              <a:rPr kumimoji="1" lang="en-US" altLang="ko-KR" sz="1200" b="1" i="1" dirty="0">
+                <a:solidFill>
+                  <a:srgbClr val="FF0000"/>
+                </a:solidFill>
+              </a:rPr>
+              <a:t>Status </a:t>
+            </a:r>
+            <a:r>
+              <a:rPr kumimoji="1" lang="ko-KR" altLang="en-US" sz="1200" b="1" i="1" dirty="0">
+                <a:solidFill>
+                  <a:srgbClr val="FF0000"/>
+                </a:solidFill>
+              </a:rPr>
+              <a:t>갱신</a:t>
+            </a:r>
+          </a:p>
+        </p:txBody>
+      </p:sp>
+      <p:sp>
+        <p:nvSpPr>
+          <p:cNvPr id="54" name="직사각형 53">
+            <a:extLst>
+              <a:ext uri="{FF2B5EF4-FFF2-40B4-BE49-F238E27FC236}">
+                <a16:creationId xmlns:a16="http://schemas.microsoft.com/office/drawing/2014/main" id="{7F33619B-5475-4B0D-4F81-3DEC14374E38}"/>
+              </a:ext>
+            </a:extLst>
+          </p:cNvPr>
+          <p:cNvSpPr/>
+          <p:nvPr/>
+        </p:nvSpPr>
+        <p:spPr>
+          <a:xfrm>
+            <a:off x="7828616" y="1475295"/>
+            <a:ext cx="1303191" cy="1269022"/>
+          </a:xfrm>
+          <a:prstGeom prst="rect">
+            <a:avLst/>
+          </a:prstGeom>
+        </p:spPr>
+        <p:style>
+          <a:lnRef idx="2">
+            <a:schemeClr val="accent4">
+              <a:shade val="15000"/>
+            </a:schemeClr>
+          </a:lnRef>
+          <a:fillRef idx="1">
+            <a:schemeClr val="accent4"/>
+          </a:fillRef>
+          <a:effectRef idx="0">
+            <a:schemeClr val="accent4"/>
+          </a:effectRef>
+          <a:fontRef idx="minor">
+            <a:schemeClr val="lt1"/>
+          </a:fontRef>
+        </p:style>
+        <p:txBody>
+          <a:bodyPr wrap="none" rtlCol="0" anchor="ctr"/>
+          <a:lstStyle/>
+          <a:p>
+            <a:pPr algn="ctr"/>
+            <a:r>
+              <a:rPr kumimoji="1" lang="en-US" altLang="ko-KR" b="1" dirty="0" err="1">
+                <a:solidFill>
+                  <a:srgbClr val="FFFF00"/>
+                </a:solidFill>
+              </a:rPr>
+              <a:t>MoMa</a:t>
+            </a:r>
+            <a:br>
+              <a:rPr kumimoji="1" lang="en-US" altLang="ko-KR" b="1" dirty="0">
+                <a:solidFill>
+                  <a:srgbClr val="FFFF00"/>
+                </a:solidFill>
+              </a:rPr>
+            </a:br>
+            <a:r>
+              <a:rPr kumimoji="1" lang="en-US" altLang="ko-KR" b="1" dirty="0">
+                <a:solidFill>
+                  <a:srgbClr val="FFFF00"/>
+                </a:solidFill>
+              </a:rPr>
+              <a:t>Scheduling</a:t>
+            </a:r>
+            <a:endParaRPr kumimoji="1" lang="ko-KR" altLang="en-US" b="1" dirty="0">
+              <a:solidFill>
+                <a:srgbClr val="FFFF00"/>
+              </a:solidFill>
+            </a:endParaRPr>
           </a:p>
         </p:txBody>
       </p:sp>
       <p:pic>
         <p:nvPicPr>
-          <p:cNvPr id="10" name="그림 9">
-            <a:extLst>
-              <a:ext uri="{FF2B5EF4-FFF2-40B4-BE49-F238E27FC236}">
-                <a16:creationId xmlns:a16="http://schemas.microsoft.com/office/drawing/2014/main" id="{E2F4ED31-DD67-9DC6-460B-AAD6FAD589A7}"/>
+          <p:cNvPr id="55" name="그림 54">
+            <a:extLst>
+              <a:ext uri="{FF2B5EF4-FFF2-40B4-BE49-F238E27FC236}">
+                <a16:creationId xmlns:a16="http://schemas.microsoft.com/office/drawing/2014/main" id="{09BDBDE8-8F0B-3B62-A5F2-2C99EBF72011}"/>
               </a:ext>
             </a:extLst>
           </p:cNvPr>
@@ -19845,20 +21814,63 @@
         </p:blipFill>
         <p:spPr>
           <a:xfrm>
-            <a:off x="1898119" y="2281089"/>
-            <a:ext cx="1432910" cy="2295821"/>
+            <a:off x="7968450" y="4755738"/>
+            <a:ext cx="1023522" cy="1639896"/>
           </a:xfrm>
           <a:prstGeom prst="rect">
             <a:avLst/>
           </a:prstGeom>
         </p:spPr>
       </p:pic>
-      <p:sp>
-        <p:nvSpPr>
-          <p:cNvPr id="12" name="TextBox 11">
-            <a:extLst>
-              <a:ext uri="{FF2B5EF4-FFF2-40B4-BE49-F238E27FC236}">
-                <a16:creationId xmlns:a16="http://schemas.microsoft.com/office/drawing/2014/main" id="{22F9667E-59CB-0ABB-4EE2-EBB5D1DEF3EB}"/>
+      <p:cxnSp>
+        <p:nvCxnSpPr>
+          <p:cNvPr id="57" name="직선 화살표 연결선 56">
+            <a:extLst>
+              <a:ext uri="{FF2B5EF4-FFF2-40B4-BE49-F238E27FC236}">
+                <a16:creationId xmlns:a16="http://schemas.microsoft.com/office/drawing/2014/main" id="{A140F31C-B094-A565-AA1B-38216CA2C79F}"/>
+              </a:ext>
+            </a:extLst>
+          </p:cNvPr>
+          <p:cNvCxnSpPr>
+            <a:stCxn id="54" idx="2"/>
+            <a:endCxn id="55" idx="0"/>
+          </p:cNvCxnSpPr>
+          <p:nvPr/>
+        </p:nvCxnSpPr>
+        <p:spPr>
+          <a:xfrm flipH="1">
+            <a:off x="8480211" y="2744317"/>
+            <a:ext cx="1" cy="2011421"/>
+          </a:xfrm>
+          <a:prstGeom prst="straightConnector1">
+            <a:avLst/>
+          </a:prstGeom>
+          <a:ln>
+            <a:headEnd type="triangle"/>
+            <a:tailEnd type="triangle"/>
+          </a:ln>
+        </p:spPr>
+        <p:style>
+          <a:lnRef idx="2">
+            <a:schemeClr val="accent1"/>
+          </a:lnRef>
+          <a:fillRef idx="0">
+            <a:schemeClr val="accent1"/>
+          </a:fillRef>
+          <a:effectRef idx="1">
+            <a:schemeClr val="accent1"/>
+          </a:effectRef>
+          <a:fontRef idx="minor">
+            <a:schemeClr val="tx1"/>
+          </a:fontRef>
+        </p:style>
+      </p:cxnSp>
+      <p:sp>
+        <p:nvSpPr>
+          <p:cNvPr id="58" name="TextBox 57">
+            <a:extLst>
+              <a:ext uri="{FF2B5EF4-FFF2-40B4-BE49-F238E27FC236}">
+                <a16:creationId xmlns:a16="http://schemas.microsoft.com/office/drawing/2014/main" id="{F001FE34-5375-7BEE-D854-E8977B2D419B}"/>
               </a:ext>
             </a:extLst>
           </p:cNvPr>
@@ -19867,8 +21879,8 @@
         </p:nvSpPr>
         <p:spPr>
           <a:xfrm>
-            <a:off x="3478641" y="3105833"/>
-            <a:ext cx="1125886" cy="369332"/>
+            <a:off x="7828616" y="2867261"/>
+            <a:ext cx="1411861" cy="369332"/>
           </a:xfrm>
           <a:prstGeom prst="rect">
             <a:avLst/>
@@ -19881,256 +21893,264 @@
           </a:bodyPr>
           <a:lstStyle/>
           <a:p>
-            <a:pPr marL="285750" indent="-285750">
-              <a:buFont typeface="Wingdings" pitchFamily="2" charset="2"/>
-              <a:buChar char="l"/>
-            </a:pPr>
-            <a:r>
-              <a:rPr kumimoji="1" lang="en-US" altLang="ko-KR" dirty="0"/>
-              <a:t>1 Pack</a:t>
-            </a:r>
+            <a:pPr algn="ctr"/>
+            <a:r>
+              <a:rPr kumimoji="1" lang="en-US" altLang="ko-KR" b="1" dirty="0"/>
+              <a:t>Async/Sync</a:t>
+            </a:r>
+            <a:endParaRPr kumimoji="1" lang="ko-KR" altLang="en-US" b="1" dirty="0"/>
+          </a:p>
+        </p:txBody>
+      </p:sp>
+      <p:cxnSp>
+        <p:nvCxnSpPr>
+          <p:cNvPr id="60" name="꺾인 연결선[E] 59">
+            <a:extLst>
+              <a:ext uri="{FF2B5EF4-FFF2-40B4-BE49-F238E27FC236}">
+                <a16:creationId xmlns:a16="http://schemas.microsoft.com/office/drawing/2014/main" id="{C3F3473D-D49B-914B-9048-14B62CB86149}"/>
+              </a:ext>
+            </a:extLst>
+          </p:cNvPr>
+          <p:cNvCxnSpPr>
+            <a:stCxn id="18" idx="1"/>
+            <a:endCxn id="54" idx="1"/>
+          </p:cNvCxnSpPr>
+          <p:nvPr/>
+        </p:nvCxnSpPr>
+        <p:spPr>
+          <a:xfrm>
+            <a:off x="6981052" y="1475295"/>
+            <a:ext cx="847564" cy="634511"/>
+          </a:xfrm>
+          <a:prstGeom prst="bentConnector3">
+            <a:avLst/>
+          </a:prstGeom>
+          <a:ln>
+            <a:tailEnd type="triangle"/>
+          </a:ln>
+        </p:spPr>
+        <p:style>
+          <a:lnRef idx="2">
+            <a:schemeClr val="accent1"/>
+          </a:lnRef>
+          <a:fillRef idx="0">
+            <a:schemeClr val="accent1"/>
+          </a:fillRef>
+          <a:effectRef idx="1">
+            <a:schemeClr val="accent1"/>
+          </a:effectRef>
+          <a:fontRef idx="minor">
+            <a:schemeClr val="tx1"/>
+          </a:fontRef>
+        </p:style>
+      </p:cxnSp>
+      <p:cxnSp>
+        <p:nvCxnSpPr>
+          <p:cNvPr id="61" name="꺾인 연결선[E] 60">
+            <a:extLst>
+              <a:ext uri="{FF2B5EF4-FFF2-40B4-BE49-F238E27FC236}">
+                <a16:creationId xmlns:a16="http://schemas.microsoft.com/office/drawing/2014/main" id="{C27E74AC-D121-7747-C8BE-44208E529B52}"/>
+              </a:ext>
+            </a:extLst>
+          </p:cNvPr>
+          <p:cNvCxnSpPr>
+            <a:cxnSpLocks/>
+            <a:stCxn id="19" idx="1"/>
+            <a:endCxn id="54" idx="1"/>
+          </p:cNvCxnSpPr>
+          <p:nvPr/>
+        </p:nvCxnSpPr>
+        <p:spPr>
+          <a:xfrm flipV="1">
+            <a:off x="6981052" y="2109806"/>
+            <a:ext cx="847564" cy="681346"/>
+          </a:xfrm>
+          <a:prstGeom prst="bentConnector3">
+            <a:avLst>
+              <a:gd name="adj1" fmla="val 50000"/>
+            </a:avLst>
+          </a:prstGeom>
+          <a:ln>
+            <a:tailEnd type="triangle"/>
+          </a:ln>
+        </p:spPr>
+        <p:style>
+          <a:lnRef idx="2">
+            <a:schemeClr val="accent1"/>
+          </a:lnRef>
+          <a:fillRef idx="0">
+            <a:schemeClr val="accent1"/>
+          </a:fillRef>
+          <a:effectRef idx="1">
+            <a:schemeClr val="accent1"/>
+          </a:effectRef>
+          <a:fontRef idx="minor">
+            <a:schemeClr val="tx1"/>
+          </a:fontRef>
+        </p:style>
+      </p:cxnSp>
+      <p:cxnSp>
+        <p:nvCxnSpPr>
+          <p:cNvPr id="64" name="꺾인 연결선[E] 63">
+            <a:extLst>
+              <a:ext uri="{FF2B5EF4-FFF2-40B4-BE49-F238E27FC236}">
+                <a16:creationId xmlns:a16="http://schemas.microsoft.com/office/drawing/2014/main" id="{447527EC-7C9F-2DA8-3138-B71C4277FCD2}"/>
+              </a:ext>
+            </a:extLst>
+          </p:cNvPr>
+          <p:cNvCxnSpPr>
+            <a:cxnSpLocks/>
+            <a:stCxn id="21" idx="1"/>
+            <a:endCxn id="54" idx="1"/>
+          </p:cNvCxnSpPr>
+          <p:nvPr/>
+        </p:nvCxnSpPr>
+        <p:spPr>
+          <a:xfrm flipV="1">
+            <a:off x="6981052" y="2109806"/>
+            <a:ext cx="847564" cy="1997203"/>
+          </a:xfrm>
+          <a:prstGeom prst="bentConnector3">
+            <a:avLst>
+              <a:gd name="adj1" fmla="val 50000"/>
+            </a:avLst>
+          </a:prstGeom>
+          <a:ln>
+            <a:tailEnd type="triangle"/>
+          </a:ln>
+        </p:spPr>
+        <p:style>
+          <a:lnRef idx="2">
+            <a:schemeClr val="accent1"/>
+          </a:lnRef>
+          <a:fillRef idx="0">
+            <a:schemeClr val="accent1"/>
+          </a:fillRef>
+          <a:effectRef idx="1">
+            <a:schemeClr val="accent1"/>
+          </a:effectRef>
+          <a:fontRef idx="minor">
+            <a:schemeClr val="tx1"/>
+          </a:fontRef>
+        </p:style>
+      </p:cxnSp>
+      <p:cxnSp>
+        <p:nvCxnSpPr>
+          <p:cNvPr id="66" name="꺾인 연결선[E] 65">
+            <a:extLst>
+              <a:ext uri="{FF2B5EF4-FFF2-40B4-BE49-F238E27FC236}">
+                <a16:creationId xmlns:a16="http://schemas.microsoft.com/office/drawing/2014/main" id="{69A312CB-D5E4-8289-0F73-631670812AD3}"/>
+              </a:ext>
+            </a:extLst>
+          </p:cNvPr>
+          <p:cNvCxnSpPr>
+            <a:cxnSpLocks/>
+            <a:stCxn id="20" idx="1"/>
+            <a:endCxn id="54" idx="1"/>
+          </p:cNvCxnSpPr>
+          <p:nvPr/>
+        </p:nvCxnSpPr>
+        <p:spPr>
+          <a:xfrm flipV="1">
+            <a:off x="6981052" y="2109806"/>
+            <a:ext cx="847564" cy="3313060"/>
+          </a:xfrm>
+          <a:prstGeom prst="bentConnector3">
+            <a:avLst>
+              <a:gd name="adj1" fmla="val 50000"/>
+            </a:avLst>
+          </a:prstGeom>
+          <a:ln>
+            <a:tailEnd type="triangle"/>
+          </a:ln>
+        </p:spPr>
+        <p:style>
+          <a:lnRef idx="2">
+            <a:schemeClr val="accent1"/>
+          </a:lnRef>
+          <a:fillRef idx="0">
+            <a:schemeClr val="accent1"/>
+          </a:fillRef>
+          <a:effectRef idx="1">
+            <a:schemeClr val="accent1"/>
+          </a:effectRef>
+          <a:fontRef idx="minor">
+            <a:schemeClr val="tx1"/>
+          </a:fontRef>
+        </p:style>
+      </p:cxnSp>
+      <p:sp>
+        <p:nvSpPr>
+          <p:cNvPr id="77" name="TextBox 76">
+            <a:extLst>
+              <a:ext uri="{FF2B5EF4-FFF2-40B4-BE49-F238E27FC236}">
+                <a16:creationId xmlns:a16="http://schemas.microsoft.com/office/drawing/2014/main" id="{DBDA4680-10E2-C66C-32B8-6B00585F1A3A}"/>
+              </a:ext>
+            </a:extLst>
+          </p:cNvPr>
+          <p:cNvSpPr txBox="1"/>
+          <p:nvPr/>
+        </p:nvSpPr>
+        <p:spPr>
+          <a:xfrm>
+            <a:off x="7560665" y="3750027"/>
+            <a:ext cx="1839093" cy="646331"/>
+          </a:xfrm>
+          <a:prstGeom prst="rect">
+            <a:avLst/>
+          </a:prstGeom>
+          <a:noFill/>
+        </p:spPr>
+        <p:txBody>
+          <a:bodyPr wrap="none" rtlCol="0">
+            <a:spAutoFit/>
+          </a:bodyPr>
+          <a:lstStyle/>
+          <a:p>
+            <a:pPr algn="ctr"/>
+            <a:r>
+              <a:rPr kumimoji="1" lang="en-US" altLang="ko-KR" b="1" i="1" u="sng" dirty="0">
+                <a:solidFill>
+                  <a:srgbClr val="FF0000"/>
+                </a:solidFill>
+              </a:rPr>
+              <a:t>Events to </a:t>
+            </a:r>
+            <a:r>
+              <a:rPr kumimoji="1" lang="en-US" altLang="ko-KR" b="1" i="1" u="sng" dirty="0" err="1">
+                <a:solidFill>
+                  <a:srgbClr val="FF0000"/>
+                </a:solidFill>
+              </a:rPr>
+              <a:t>MoMa</a:t>
+            </a:r>
+            <a:br>
+              <a:rPr kumimoji="1" lang="en-US" altLang="ko-KR" b="1" i="1" u="sng" dirty="0">
+                <a:solidFill>
+                  <a:srgbClr val="FF0000"/>
+                </a:solidFill>
+              </a:rPr>
+            </a:br>
+            <a:r>
+              <a:rPr kumimoji="1" lang="en-US" altLang="ko-KR" b="1" i="1" u="sng" dirty="0">
+                <a:solidFill>
+                  <a:srgbClr val="FF0000"/>
+                </a:solidFill>
+              </a:rPr>
+              <a:t>(9 Events)</a:t>
+            </a:r>
+            <a:endParaRPr kumimoji="1" lang="ko-KR" altLang="en-US" b="1" i="1" u="sng" dirty="0">
+              <a:solidFill>
+                <a:srgbClr val="FF0000"/>
+              </a:solidFill>
+            </a:endParaRPr>
           </a:p>
         </p:txBody>
       </p:sp>
     </p:spTree>
     <p:extLst>
       <p:ext uri="{BB962C8B-B14F-4D97-AF65-F5344CB8AC3E}">
-        <p14:creationId xmlns:p14="http://schemas.microsoft.com/office/powerpoint/2010/main" val="1692057448"/>
-      </p:ext>
-    </p:extLst>
-  </p:cSld>
-  <p:clrMapOvr>
-    <a:masterClrMapping/>
-  </p:clrMapOvr>
-</p:sld>
-</file>
-
-<file path=ppt/slides/slide27.xml><?xml version="1.0" encoding="utf-8"?>
-<p:sld xmlns:a="http://schemas.openxmlformats.org/drawingml/2006/main" xmlns:r="http://schemas.openxmlformats.org/officeDocument/2006/relationships" xmlns:p="http://schemas.openxmlformats.org/presentationml/2006/main">
-  <p:cSld>
-    <p:spTree>
-      <p:nvGrpSpPr>
-        <p:cNvPr id="1" name=""/>
-        <p:cNvGrpSpPr/>
-        <p:nvPr/>
-      </p:nvGrpSpPr>
-      <p:grpSpPr>
-        <a:xfrm>
-          <a:off x="0" y="0"/>
-          <a:ext cx="0" cy="0"/>
-          <a:chOff x="0" y="0"/>
-          <a:chExt cx="0" cy="0"/>
-        </a:xfrm>
-      </p:grpSpPr>
-      <p:sp>
-        <p:nvSpPr>
-          <p:cNvPr id="2" name="제목 1">
-            <a:extLst>
-              <a:ext uri="{FF2B5EF4-FFF2-40B4-BE49-F238E27FC236}">
-                <a16:creationId xmlns:a16="http://schemas.microsoft.com/office/drawing/2014/main" id="{848F61B5-40C6-1F59-A8DC-C3CBB48F093D}"/>
-              </a:ext>
-            </a:extLst>
-          </p:cNvPr>
-          <p:cNvSpPr>
-            <a:spLocks noGrp="1"/>
-          </p:cNvSpPr>
-          <p:nvPr>
-            <p:ph type="title"/>
-          </p:nvPr>
-        </p:nvSpPr>
-        <p:spPr/>
-        <p:txBody>
-          <a:bodyPr/>
-          <a:lstStyle/>
-          <a:p>
-            <a:r>
-              <a:rPr kumimoji="1" lang="en-US" altLang="ko-KR" dirty="0"/>
-              <a:t>Pack Scenario</a:t>
-            </a:r>
-            <a:r>
-              <a:rPr kumimoji="1" lang="ko-KR" altLang="en-US" dirty="0"/>
-              <a:t> </a:t>
-            </a:r>
-            <a:r>
-              <a:rPr kumimoji="1" lang="en-US" altLang="ko-KR" dirty="0"/>
-              <a:t>#3</a:t>
-            </a:r>
-            <a:endParaRPr kumimoji="1" lang="ko-KR" altLang="en-US" dirty="0"/>
-          </a:p>
-        </p:txBody>
-      </p:sp>
-      <p:pic>
-        <p:nvPicPr>
-          <p:cNvPr id="10" name="그림 9">
-            <a:extLst>
-              <a:ext uri="{FF2B5EF4-FFF2-40B4-BE49-F238E27FC236}">
-                <a16:creationId xmlns:a16="http://schemas.microsoft.com/office/drawing/2014/main" id="{E2F4ED31-DD67-9DC6-460B-AAD6FAD589A7}"/>
-              </a:ext>
-            </a:extLst>
-          </p:cNvPr>
-          <p:cNvPicPr>
-            <a:picLocks noChangeAspect="1"/>
-          </p:cNvPicPr>
-          <p:nvPr/>
-        </p:nvPicPr>
-        <p:blipFill>
-          <a:blip r:embed="rId2" cstate="print"/>
-          <a:stretch>
-            <a:fillRect/>
-          </a:stretch>
-        </p:blipFill>
-        <p:spPr>
-          <a:xfrm>
-            <a:off x="1898119" y="2281089"/>
-            <a:ext cx="1432910" cy="2295821"/>
-          </a:xfrm>
-          <a:prstGeom prst="rect">
-            <a:avLst/>
-          </a:prstGeom>
-        </p:spPr>
-      </p:pic>
-      <p:sp>
-        <p:nvSpPr>
-          <p:cNvPr id="12" name="TextBox 11">
-            <a:extLst>
-              <a:ext uri="{FF2B5EF4-FFF2-40B4-BE49-F238E27FC236}">
-                <a16:creationId xmlns:a16="http://schemas.microsoft.com/office/drawing/2014/main" id="{22F9667E-59CB-0ABB-4EE2-EBB5D1DEF3EB}"/>
-              </a:ext>
-            </a:extLst>
-          </p:cNvPr>
-          <p:cNvSpPr txBox="1"/>
-          <p:nvPr/>
-        </p:nvSpPr>
-        <p:spPr>
-          <a:xfrm>
-            <a:off x="3478641" y="3105833"/>
-            <a:ext cx="1249316" cy="369332"/>
-          </a:xfrm>
-          <a:prstGeom prst="rect">
-            <a:avLst/>
-          </a:prstGeom>
-          <a:noFill/>
-        </p:spPr>
-        <p:txBody>
-          <a:bodyPr wrap="none" rtlCol="0">
-            <a:spAutoFit/>
-          </a:bodyPr>
-          <a:lstStyle/>
-          <a:p>
-            <a:pPr marL="285750" indent="-285750">
-              <a:buFont typeface="Wingdings" pitchFamily="2" charset="2"/>
-              <a:buChar char="l"/>
-            </a:pPr>
-            <a:r>
-              <a:rPr kumimoji="1" lang="en-US" altLang="ko-KR" dirty="0"/>
-              <a:t>&gt;1 Pack</a:t>
-            </a:r>
-          </a:p>
-        </p:txBody>
-      </p:sp>
-    </p:spTree>
-    <p:extLst>
-      <p:ext uri="{BB962C8B-B14F-4D97-AF65-F5344CB8AC3E}">
-        <p14:creationId xmlns:p14="http://schemas.microsoft.com/office/powerpoint/2010/main" val="4138651919"/>
-      </p:ext>
-    </p:extLst>
-  </p:cSld>
-  <p:clrMapOvr>
-    <a:masterClrMapping/>
-  </p:clrMapOvr>
-</p:sld>
-</file>
-
-<file path=ppt/slides/slide28.xml><?xml version="1.0" encoding="utf-8"?>
-<p:sld xmlns:a="http://schemas.openxmlformats.org/drawingml/2006/main" xmlns:r="http://schemas.openxmlformats.org/officeDocument/2006/relationships" xmlns:p="http://schemas.openxmlformats.org/presentationml/2006/main">
-  <p:cSld>
-    <p:spTree>
-      <p:nvGrpSpPr>
-        <p:cNvPr id="1" name=""/>
-        <p:cNvGrpSpPr/>
-        <p:nvPr/>
-      </p:nvGrpSpPr>
-      <p:grpSpPr>
-        <a:xfrm>
-          <a:off x="0" y="0"/>
-          <a:ext cx="0" cy="0"/>
-          <a:chOff x="0" y="0"/>
-          <a:chExt cx="0" cy="0"/>
-        </a:xfrm>
-      </p:grpSpPr>
-      <p:sp>
-        <p:nvSpPr>
-          <p:cNvPr id="2" name="제목 1">
-            <a:extLst>
-              <a:ext uri="{FF2B5EF4-FFF2-40B4-BE49-F238E27FC236}">
-                <a16:creationId xmlns:a16="http://schemas.microsoft.com/office/drawing/2014/main" id="{66AE8896-2973-8ACF-8E22-5A09116A1E1B}"/>
-              </a:ext>
-            </a:extLst>
-          </p:cNvPr>
-          <p:cNvSpPr>
-            <a:spLocks noGrp="1"/>
-          </p:cNvSpPr>
-          <p:nvPr>
-            <p:ph type="title"/>
-          </p:nvPr>
-        </p:nvSpPr>
-        <p:spPr/>
-        <p:txBody>
-          <a:bodyPr/>
-          <a:lstStyle/>
-          <a:p>
-            <a:endParaRPr kumimoji="1" lang="ko-KR" altLang="en-US"/>
-          </a:p>
-        </p:txBody>
-      </p:sp>
-      <p:sp>
-        <p:nvSpPr>
-          <p:cNvPr id="3" name="TextBox 2">
-            <a:extLst>
-              <a:ext uri="{FF2B5EF4-FFF2-40B4-BE49-F238E27FC236}">
-                <a16:creationId xmlns:a16="http://schemas.microsoft.com/office/drawing/2014/main" id="{A3C8780A-33B8-92B7-77D3-2CBAE0D11292}"/>
-              </a:ext>
-            </a:extLst>
-          </p:cNvPr>
-          <p:cNvSpPr txBox="1"/>
-          <p:nvPr/>
-        </p:nvSpPr>
-        <p:spPr>
-          <a:xfrm>
-            <a:off x="1133225" y="2253343"/>
-            <a:ext cx="2153154" cy="369332"/>
-          </a:xfrm>
-          <a:prstGeom prst="rect">
-            <a:avLst/>
-          </a:prstGeom>
-          <a:noFill/>
-        </p:spPr>
-        <p:txBody>
-          <a:bodyPr wrap="none" rtlCol="0">
-            <a:spAutoFit/>
-          </a:bodyPr>
-          <a:lstStyle/>
-          <a:p>
-            <a:pPr algn="ctr"/>
-            <a:r>
-              <a:rPr kumimoji="1" lang="en-US" altLang="ko-KR" dirty="0"/>
-              <a:t>Recipe/</a:t>
-            </a:r>
-            <a:r>
-              <a:rPr kumimoji="1" lang="ko-KR" altLang="en-US" dirty="0" err="1"/>
-              <a:t>의뢰건</a:t>
-            </a:r>
-            <a:r>
-              <a:rPr kumimoji="1" lang="ko-KR" altLang="en-US" dirty="0"/>
-              <a:t> 관리</a:t>
-            </a:r>
-          </a:p>
-        </p:txBody>
-      </p:sp>
-    </p:spTree>
-    <p:extLst>
-      <p:ext uri="{BB962C8B-B14F-4D97-AF65-F5344CB8AC3E}">
-        <p14:creationId xmlns:p14="http://schemas.microsoft.com/office/powerpoint/2010/main" val="1494710018"/>
+        <p14:creationId xmlns:p14="http://schemas.microsoft.com/office/powerpoint/2010/main" val="623597815"/>
       </p:ext>
     </p:extLst>
   </p:cSld>

--- a/허종원/Travel Scenario.pptx
+++ b/허종원/Travel Scenario.pptx
@@ -5,7 +5,7 @@
     <p:sldMasterId id="2147483681" r:id="rId1"/>
   </p:sldMasterIdLst>
   <p:notesMasterIdLst>
-    <p:notesMasterId r:id="rId28"/>
+    <p:notesMasterId r:id="rId30"/>
   </p:notesMasterIdLst>
   <p:sldIdLst>
     <p:sldId id="448" r:id="rId2"/>
@@ -32,8 +32,10 @@
     <p:sldId id="474" r:id="rId23"/>
     <p:sldId id="467" r:id="rId24"/>
     <p:sldId id="473" r:id="rId25"/>
-    <p:sldId id="459" r:id="rId26"/>
-    <p:sldId id="476" r:id="rId27"/>
+    <p:sldId id="477" r:id="rId26"/>
+    <p:sldId id="481" r:id="rId27"/>
+    <p:sldId id="459" r:id="rId28"/>
+    <p:sldId id="476" r:id="rId29"/>
   </p:sldIdLst>
   <p:sldSz cx="9906000" cy="6858000" type="A4"/>
   <p:notesSz cx="6858000" cy="9144000"/>
@@ -379,7 +381,7 @@
             <a:fld id="{B38DDC64-668F-D042-B324-08EA36C7985F}" type="datetimeFigureOut">
               <a:rPr kumimoji="1" lang="ko-KR" altLang="en-US" smtClean="0"/>
               <a:pPr/>
-              <a:t>2024. 7. 25.</a:t>
+              <a:t>2024. 7. 26.</a:t>
             </a:fld>
             <a:endParaRPr kumimoji="1" lang="ko-KR" altLang="en-US"/>
           </a:p>
@@ -1014,7 +1016,7 @@
           <a:p>
             <a:fld id="{4C02D1D0-8AF1-3E45-93D9-439A94A54636}" type="datetime1">
               <a:rPr kumimoji="1" lang="ko-KR" altLang="en-US" smtClean="0"/>
-              <a:t>2024. 7. 25.</a:t>
+              <a:t>2024. 7. 26.</a:t>
             </a:fld>
             <a:endParaRPr kumimoji="1" lang="ko-KR" altLang="en-US"/>
           </a:p>
@@ -1178,7 +1180,7 @@
           <a:p>
             <a:fld id="{720AD815-E37C-AE42-93B2-164338F0BC3F}" type="datetime1">
               <a:rPr kumimoji="1" lang="ko-KR" altLang="en-US" smtClean="0"/>
-              <a:t>2024. 7. 25.</a:t>
+              <a:t>2024. 7. 26.</a:t>
             </a:fld>
             <a:endParaRPr kumimoji="1" lang="ko-KR" altLang="en-US"/>
           </a:p>
@@ -1622,7 +1624,7 @@
           <a:p>
             <a:fld id="{88B8D1EA-1598-7043-B817-80BCE13AFAD2}" type="datetime1">
               <a:rPr kumimoji="1" lang="ko-KR" altLang="en-US" smtClean="0"/>
-              <a:t>2024. 7. 25.</a:t>
+              <a:t>2024. 7. 26.</a:t>
             </a:fld>
             <a:endParaRPr kumimoji="1" lang="ko-KR" altLang="en-US"/>
           </a:p>
@@ -1808,7 +1810,7 @@
           <a:p>
             <a:fld id="{786698EA-A4F8-7C46-A602-CDCF30245E83}" type="datetime1">
               <a:rPr kumimoji="1" lang="ko-KR" altLang="en-US" smtClean="0"/>
-              <a:t>2024. 7. 25.</a:t>
+              <a:t>2024. 7. 26.</a:t>
             </a:fld>
             <a:endParaRPr kumimoji="1" lang="ko-KR" altLang="en-US"/>
           </a:p>
@@ -1994,7 +1996,7 @@
           <a:p>
             <a:fld id="{DEE90C36-D53C-6E45-965A-C6C77E76656E}" type="datetime1">
               <a:rPr kumimoji="1" lang="ko-KR" altLang="en-US" smtClean="0"/>
-              <a:t>2024. 7. 25.</a:t>
+              <a:t>2024. 7. 26.</a:t>
             </a:fld>
             <a:endParaRPr kumimoji="1" lang="ko-KR" altLang="en-US"/>
           </a:p>
@@ -19725,6 +19727,2622 @@
           <p:cNvPr id="2" name="제목 1">
             <a:extLst>
               <a:ext uri="{FF2B5EF4-FFF2-40B4-BE49-F238E27FC236}">
+                <a16:creationId xmlns:a16="http://schemas.microsoft.com/office/drawing/2014/main" id="{054CB88B-BF36-6BBF-43F5-A269D8F17977}"/>
+              </a:ext>
+            </a:extLst>
+          </p:cNvPr>
+          <p:cNvSpPr>
+            <a:spLocks noGrp="1"/>
+          </p:cNvSpPr>
+          <p:nvPr>
+            <p:ph type="title"/>
+          </p:nvPr>
+        </p:nvSpPr>
+        <p:spPr/>
+        <p:txBody>
+          <a:bodyPr/>
+          <a:lstStyle/>
+          <a:p>
+            <a:r>
+              <a:rPr kumimoji="1" lang="en-US" altLang="ko-KR" dirty="0"/>
+              <a:t>Pick &amp; Put Actions at Nodes (Except </a:t>
+            </a:r>
+            <a:r>
+              <a:rPr kumimoji="1" lang="en-US" altLang="ko-KR" dirty="0" err="1"/>
+              <a:t>MoMa</a:t>
+            </a:r>
+            <a:r>
+              <a:rPr kumimoji="1" lang="en-US" altLang="ko-KR" dirty="0"/>
+              <a:t>)</a:t>
+            </a:r>
+            <a:endParaRPr kumimoji="1" lang="ko-KR" altLang="en-US" dirty="0"/>
+          </a:p>
+        </p:txBody>
+      </p:sp>
+      <p:graphicFrame>
+        <p:nvGraphicFramePr>
+          <p:cNvPr id="3" name="표 2">
+            <a:extLst>
+              <a:ext uri="{FF2B5EF4-FFF2-40B4-BE49-F238E27FC236}">
+                <a16:creationId xmlns:a16="http://schemas.microsoft.com/office/drawing/2014/main" id="{60DB87EF-AE23-9444-12F5-0D933896BBE5}"/>
+              </a:ext>
+            </a:extLst>
+          </p:cNvPr>
+          <p:cNvGraphicFramePr>
+            <a:graphicFrameLocks noGrp="1"/>
+          </p:cNvGraphicFramePr>
+          <p:nvPr/>
+        </p:nvGraphicFramePr>
+        <p:xfrm>
+          <a:off x="680720" y="1031723"/>
+          <a:ext cx="8561250" cy="3200400"/>
+        </p:xfrm>
+        <a:graphic>
+          <a:graphicData uri="http://schemas.openxmlformats.org/drawingml/2006/table">
+            <a:tbl>
+              <a:tblPr firstRow="1" bandRow="1">
+                <a:tableStyleId>{5C22544A-7EE6-4342-B048-85BDC9FD1C3A}</a:tableStyleId>
+              </a:tblPr>
+              <a:tblGrid>
+                <a:gridCol w="1426875">
+                  <a:extLst>
+                    <a:ext uri="{9D8B030D-6E8A-4147-A177-3AD203B41FA5}">
+                      <a16:colId xmlns:a16="http://schemas.microsoft.com/office/drawing/2014/main" val="451453193"/>
+                    </a:ext>
+                  </a:extLst>
+                </a:gridCol>
+                <a:gridCol w="1426875">
+                  <a:extLst>
+                    <a:ext uri="{9D8B030D-6E8A-4147-A177-3AD203B41FA5}">
+                      <a16:colId xmlns:a16="http://schemas.microsoft.com/office/drawing/2014/main" val="1932878834"/>
+                    </a:ext>
+                  </a:extLst>
+                </a:gridCol>
+                <a:gridCol w="1426875">
+                  <a:extLst>
+                    <a:ext uri="{9D8B030D-6E8A-4147-A177-3AD203B41FA5}">
+                      <a16:colId xmlns:a16="http://schemas.microsoft.com/office/drawing/2014/main" val="1638112997"/>
+                    </a:ext>
+                  </a:extLst>
+                </a:gridCol>
+                <a:gridCol w="1426875">
+                  <a:extLst>
+                    <a:ext uri="{9D8B030D-6E8A-4147-A177-3AD203B41FA5}">
+                      <a16:colId xmlns:a16="http://schemas.microsoft.com/office/drawing/2014/main" val="847905645"/>
+                    </a:ext>
+                  </a:extLst>
+                </a:gridCol>
+                <a:gridCol w="1426875">
+                  <a:extLst>
+                    <a:ext uri="{9D8B030D-6E8A-4147-A177-3AD203B41FA5}">
+                      <a16:colId xmlns:a16="http://schemas.microsoft.com/office/drawing/2014/main" val="646771655"/>
+                    </a:ext>
+                  </a:extLst>
+                </a:gridCol>
+                <a:gridCol w="1426875">
+                  <a:extLst>
+                    <a:ext uri="{9D8B030D-6E8A-4147-A177-3AD203B41FA5}">
+                      <a16:colId xmlns:a16="http://schemas.microsoft.com/office/drawing/2014/main" val="1418968164"/>
+                    </a:ext>
+                  </a:extLst>
+                </a:gridCol>
+              </a:tblGrid>
+              <a:tr h="271321">
+                <a:tc>
+                  <a:txBody>
+                    <a:bodyPr/>
+                    <a:lstStyle/>
+                    <a:p>
+                      <a:pPr algn="ctr" latinLnBrk="1"/>
+                      <a:r>
+                        <a:rPr lang="en-US" altLang="ko-KR" sz="1600" dirty="0"/>
+                        <a:t>Node</a:t>
+                      </a:r>
+                      <a:endParaRPr lang="ko-KR" altLang="en-US" sz="1600" dirty="0"/>
+                    </a:p>
+                  </a:txBody>
+                  <a:tcPr anchor="ctr"/>
+                </a:tc>
+                <a:tc>
+                  <a:txBody>
+                    <a:bodyPr/>
+                    <a:lstStyle/>
+                    <a:p>
+                      <a:pPr algn="ctr" latinLnBrk="1"/>
+                      <a:r>
+                        <a:rPr lang="en-US" altLang="ko-KR" sz="1600" dirty="0"/>
+                        <a:t>Actions</a:t>
+                      </a:r>
+                      <a:endParaRPr lang="ko-KR" altLang="en-US" sz="1600" dirty="0"/>
+                    </a:p>
+                  </a:txBody>
+                  <a:tcPr anchor="ctr"/>
+                </a:tc>
+                <a:tc>
+                  <a:txBody>
+                    <a:bodyPr/>
+                    <a:lstStyle/>
+                    <a:p>
+                      <a:pPr algn="ctr" latinLnBrk="1"/>
+                      <a:r>
+                        <a:rPr lang="ko-KR" altLang="en-US" sz="1600" dirty="0" err="1"/>
+                        <a:t>실병</a:t>
+                      </a:r>
+                      <a:endParaRPr lang="ko-KR" altLang="en-US" sz="1600" dirty="0"/>
+                    </a:p>
+                  </a:txBody>
+                  <a:tcPr anchor="ctr"/>
+                </a:tc>
+                <a:tc>
+                  <a:txBody>
+                    <a:bodyPr/>
+                    <a:lstStyle/>
+                    <a:p>
+                      <a:pPr algn="ctr" latinLnBrk="1"/>
+                      <a:r>
+                        <a:rPr lang="ko-KR" altLang="en-US" sz="1600" dirty="0"/>
+                        <a:t>분석완료병</a:t>
+                      </a:r>
+                    </a:p>
+                  </a:txBody>
+                  <a:tcPr anchor="ctr"/>
+                </a:tc>
+                <a:tc>
+                  <a:txBody>
+                    <a:bodyPr/>
+                    <a:lstStyle/>
+                    <a:p>
+                      <a:pPr algn="ctr" latinLnBrk="1"/>
+                      <a:r>
+                        <a:rPr lang="ko-KR" altLang="en-US" sz="1600" dirty="0"/>
+                        <a:t>재검대기병</a:t>
+                      </a:r>
+                    </a:p>
+                  </a:txBody>
+                  <a:tcPr anchor="ctr"/>
+                </a:tc>
+                <a:tc>
+                  <a:txBody>
+                    <a:bodyPr/>
+                    <a:lstStyle/>
+                    <a:p>
+                      <a:pPr algn="ctr" latinLnBrk="1"/>
+                      <a:r>
+                        <a:rPr lang="ko-KR" altLang="en-US" sz="1600" dirty="0"/>
+                        <a:t>공병</a:t>
+                      </a:r>
+                    </a:p>
+                  </a:txBody>
+                  <a:tcPr anchor="ctr"/>
+                </a:tc>
+                <a:extLst>
+                  <a:ext uri="{0D108BD9-81ED-4DB2-BD59-A6C34878D82A}">
+                    <a16:rowId xmlns:a16="http://schemas.microsoft.com/office/drawing/2014/main" val="491111308"/>
+                  </a:ext>
+                </a:extLst>
+              </a:tr>
+              <a:tr h="271321">
+                <a:tc rowSpan="2">
+                  <a:txBody>
+                    <a:bodyPr/>
+                    <a:lstStyle/>
+                    <a:p>
+                      <a:pPr algn="ctr" latinLnBrk="1"/>
+                      <a:r>
+                        <a:rPr lang="en-US" altLang="ko-KR" sz="1600" dirty="0" err="1"/>
+                        <a:t>InOutBot</a:t>
+                      </a:r>
+                      <a:endParaRPr lang="ko-KR" altLang="en-US" sz="1600" dirty="0"/>
+                    </a:p>
+                  </a:txBody>
+                  <a:tcPr anchor="ctr"/>
+                </a:tc>
+                <a:tc>
+                  <a:txBody>
+                    <a:bodyPr/>
+                    <a:lstStyle/>
+                    <a:p>
+                      <a:pPr algn="ctr" latinLnBrk="1"/>
+                      <a:r>
+                        <a:rPr lang="en-US" altLang="ko-KR" sz="1600" dirty="0"/>
+                        <a:t>Pick</a:t>
+                      </a:r>
+                      <a:endParaRPr lang="ko-KR" altLang="en-US" sz="1600" dirty="0"/>
+                    </a:p>
+                  </a:txBody>
+                  <a:tcPr anchor="ctr"/>
+                </a:tc>
+                <a:tc>
+                  <a:txBody>
+                    <a:bodyPr/>
+                    <a:lstStyle/>
+                    <a:p>
+                      <a:pPr algn="ctr" latinLnBrk="1"/>
+                      <a:r>
+                        <a:rPr lang="ko-KR" altLang="en-US" sz="1600" dirty="0"/>
+                        <a:t>✓</a:t>
+                      </a:r>
+                    </a:p>
+                  </a:txBody>
+                  <a:tcPr anchor="ctr"/>
+                </a:tc>
+                <a:tc>
+                  <a:txBody>
+                    <a:bodyPr/>
+                    <a:lstStyle/>
+                    <a:p>
+                      <a:pPr algn="ctr" latinLnBrk="1"/>
+                      <a:endParaRPr lang="ko-KR" altLang="en-US" sz="1600" dirty="0"/>
+                    </a:p>
+                  </a:txBody>
+                  <a:tcPr anchor="ctr"/>
+                </a:tc>
+                <a:tc>
+                  <a:txBody>
+                    <a:bodyPr/>
+                    <a:lstStyle/>
+                    <a:p>
+                      <a:pPr algn="ctr" latinLnBrk="1"/>
+                      <a:endParaRPr lang="ko-KR" altLang="en-US" sz="1600"/>
+                    </a:p>
+                  </a:txBody>
+                  <a:tcPr anchor="ctr"/>
+                </a:tc>
+                <a:tc>
+                  <a:txBody>
+                    <a:bodyPr/>
+                    <a:lstStyle/>
+                    <a:p>
+                      <a:pPr algn="ctr" latinLnBrk="1"/>
+                      <a:endParaRPr lang="ko-KR" altLang="en-US" sz="1600"/>
+                    </a:p>
+                  </a:txBody>
+                  <a:tcPr anchor="ctr"/>
+                </a:tc>
+                <a:extLst>
+                  <a:ext uri="{0D108BD9-81ED-4DB2-BD59-A6C34878D82A}">
+                    <a16:rowId xmlns:a16="http://schemas.microsoft.com/office/drawing/2014/main" val="2516380704"/>
+                  </a:ext>
+                </a:extLst>
+              </a:tr>
+              <a:tr h="271321">
+                <a:tc vMerge="1">
+                  <a:txBody>
+                    <a:bodyPr/>
+                    <a:lstStyle/>
+                    <a:p>
+                      <a:pPr latinLnBrk="1"/>
+                      <a:endParaRPr lang="ko-KR" altLang="en-US" dirty="0"/>
+                    </a:p>
+                  </a:txBody>
+                  <a:tcPr/>
+                </a:tc>
+                <a:tc>
+                  <a:txBody>
+                    <a:bodyPr/>
+                    <a:lstStyle/>
+                    <a:p>
+                      <a:pPr algn="ctr" latinLnBrk="1"/>
+                      <a:r>
+                        <a:rPr lang="en-US" altLang="ko-KR" sz="1600" dirty="0"/>
+                        <a:t>Put</a:t>
+                      </a:r>
+                      <a:endParaRPr lang="ko-KR" altLang="en-US" sz="1600" dirty="0"/>
+                    </a:p>
+                  </a:txBody>
+                  <a:tcPr anchor="ctr"/>
+                </a:tc>
+                <a:tc>
+                  <a:txBody>
+                    <a:bodyPr/>
+                    <a:lstStyle/>
+                    <a:p>
+                      <a:pPr algn="ctr" latinLnBrk="1"/>
+                      <a:endParaRPr lang="ko-KR" altLang="en-US" sz="1600"/>
+                    </a:p>
+                  </a:txBody>
+                  <a:tcPr anchor="ctr"/>
+                </a:tc>
+                <a:tc>
+                  <a:txBody>
+                    <a:bodyPr/>
+                    <a:lstStyle/>
+                    <a:p>
+                      <a:pPr algn="ctr" latinLnBrk="1"/>
+                      <a:endParaRPr lang="ko-KR" altLang="en-US" sz="1600"/>
+                    </a:p>
+                  </a:txBody>
+                  <a:tcPr anchor="ctr"/>
+                </a:tc>
+                <a:tc>
+                  <a:txBody>
+                    <a:bodyPr/>
+                    <a:lstStyle/>
+                    <a:p>
+                      <a:pPr algn="ctr" latinLnBrk="1"/>
+                      <a:endParaRPr lang="ko-KR" altLang="en-US" sz="1600"/>
+                    </a:p>
+                  </a:txBody>
+                  <a:tcPr anchor="ctr"/>
+                </a:tc>
+                <a:tc>
+                  <a:txBody>
+                    <a:bodyPr/>
+                    <a:lstStyle/>
+                    <a:p>
+                      <a:pPr algn="ctr" latinLnBrk="1"/>
+                      <a:r>
+                        <a:rPr lang="ko-KR" altLang="en-US" sz="1600" dirty="0"/>
+                        <a:t>✓</a:t>
+                      </a:r>
+                    </a:p>
+                  </a:txBody>
+                  <a:tcPr anchor="ctr"/>
+                </a:tc>
+                <a:extLst>
+                  <a:ext uri="{0D108BD9-81ED-4DB2-BD59-A6C34878D82A}">
+                    <a16:rowId xmlns:a16="http://schemas.microsoft.com/office/drawing/2014/main" val="1179687618"/>
+                  </a:ext>
+                </a:extLst>
+              </a:tr>
+              <a:tr h="271321">
+                <a:tc rowSpan="2">
+                  <a:txBody>
+                    <a:bodyPr/>
+                    <a:lstStyle/>
+                    <a:p>
+                      <a:pPr algn="ctr" latinLnBrk="1"/>
+                      <a:r>
+                        <a:rPr lang="en-US" altLang="ko-KR" sz="1600" dirty="0"/>
+                        <a:t>Stocker</a:t>
+                      </a:r>
+                      <a:endParaRPr lang="ko-KR" altLang="en-US" sz="1600" dirty="0"/>
+                    </a:p>
+                  </a:txBody>
+                  <a:tcPr anchor="ctr"/>
+                </a:tc>
+                <a:tc>
+                  <a:txBody>
+                    <a:bodyPr/>
+                    <a:lstStyle/>
+                    <a:p>
+                      <a:pPr algn="ctr" latinLnBrk="1"/>
+                      <a:r>
+                        <a:rPr lang="en-US" altLang="ko-KR" sz="1600" dirty="0"/>
+                        <a:t>Pick</a:t>
+                      </a:r>
+                      <a:endParaRPr lang="ko-KR" altLang="en-US" sz="1600" dirty="0"/>
+                    </a:p>
+                  </a:txBody>
+                  <a:tcPr anchor="ctr"/>
+                </a:tc>
+                <a:tc>
+                  <a:txBody>
+                    <a:bodyPr/>
+                    <a:lstStyle/>
+                    <a:p>
+                      <a:pPr marL="0" marR="0" lvl="0" indent="0" algn="ctr" defTabSz="914400" rtl="0" eaLnBrk="1" fontAlgn="auto" latinLnBrk="1" hangingPunct="1">
+                        <a:lnSpc>
+                          <a:spcPct val="100000"/>
+                        </a:lnSpc>
+                        <a:spcBef>
+                          <a:spcPts val="0"/>
+                        </a:spcBef>
+                        <a:spcAft>
+                          <a:spcPts val="0"/>
+                        </a:spcAft>
+                        <a:buClrTx/>
+                        <a:buSzTx/>
+                        <a:buFontTx/>
+                        <a:buNone/>
+                        <a:tabLst/>
+                        <a:defRPr/>
+                      </a:pPr>
+                      <a:r>
+                        <a:rPr lang="ko-KR" altLang="en-US" sz="1600" dirty="0"/>
+                        <a:t>✓</a:t>
+                      </a:r>
+                    </a:p>
+                  </a:txBody>
+                  <a:tcPr anchor="ctr"/>
+                </a:tc>
+                <a:tc>
+                  <a:txBody>
+                    <a:bodyPr/>
+                    <a:lstStyle/>
+                    <a:p>
+                      <a:pPr algn="ctr" latinLnBrk="1"/>
+                      <a:r>
+                        <a:rPr lang="en-US" altLang="ko-KR" sz="1600" dirty="0"/>
+                        <a:t>▲(2)</a:t>
+                      </a:r>
+                      <a:endParaRPr lang="ko-KR" altLang="en-US" sz="1600" dirty="0"/>
+                    </a:p>
+                  </a:txBody>
+                  <a:tcPr anchor="ctr"/>
+                </a:tc>
+                <a:tc>
+                  <a:txBody>
+                    <a:bodyPr/>
+                    <a:lstStyle/>
+                    <a:p>
+                      <a:pPr marL="0" marR="0" lvl="0" indent="0" algn="ctr" defTabSz="914400" rtl="0" eaLnBrk="1" fontAlgn="auto" latinLnBrk="1" hangingPunct="1">
+                        <a:lnSpc>
+                          <a:spcPct val="100000"/>
+                        </a:lnSpc>
+                        <a:spcBef>
+                          <a:spcPts val="0"/>
+                        </a:spcBef>
+                        <a:spcAft>
+                          <a:spcPts val="0"/>
+                        </a:spcAft>
+                        <a:buClrTx/>
+                        <a:buSzTx/>
+                        <a:buFontTx/>
+                        <a:buNone/>
+                        <a:tabLst/>
+                        <a:defRPr/>
+                      </a:pPr>
+                      <a:r>
+                        <a:rPr lang="ko-KR" altLang="en-US" sz="1600" dirty="0"/>
+                        <a:t>✓</a:t>
+                      </a:r>
+                    </a:p>
+                  </a:txBody>
+                  <a:tcPr anchor="ctr"/>
+                </a:tc>
+                <a:tc>
+                  <a:txBody>
+                    <a:bodyPr/>
+                    <a:lstStyle/>
+                    <a:p>
+                      <a:pPr marL="0" marR="0" lvl="0" indent="0" algn="ctr" defTabSz="914400" rtl="0" eaLnBrk="1" fontAlgn="auto" latinLnBrk="1" hangingPunct="1">
+                        <a:lnSpc>
+                          <a:spcPct val="100000"/>
+                        </a:lnSpc>
+                        <a:spcBef>
+                          <a:spcPts val="0"/>
+                        </a:spcBef>
+                        <a:spcAft>
+                          <a:spcPts val="0"/>
+                        </a:spcAft>
+                        <a:buClrTx/>
+                        <a:buSzTx/>
+                        <a:buFontTx/>
+                        <a:buNone/>
+                        <a:tabLst/>
+                        <a:defRPr/>
+                      </a:pPr>
+                      <a:r>
+                        <a:rPr lang="en-US" altLang="ko-KR" sz="1600" dirty="0"/>
+                        <a:t>▲(3)</a:t>
+                      </a:r>
+                      <a:endParaRPr lang="ko-KR" altLang="en-US" sz="1600" dirty="0"/>
+                    </a:p>
+                  </a:txBody>
+                  <a:tcPr anchor="ctr"/>
+                </a:tc>
+                <a:extLst>
+                  <a:ext uri="{0D108BD9-81ED-4DB2-BD59-A6C34878D82A}">
+                    <a16:rowId xmlns:a16="http://schemas.microsoft.com/office/drawing/2014/main" val="383842511"/>
+                  </a:ext>
+                </a:extLst>
+              </a:tr>
+              <a:tr h="271321">
+                <a:tc vMerge="1">
+                  <a:txBody>
+                    <a:bodyPr/>
+                    <a:lstStyle/>
+                    <a:p>
+                      <a:pPr algn="ctr" latinLnBrk="1"/>
+                      <a:endParaRPr lang="ko-KR" altLang="en-US" dirty="0"/>
+                    </a:p>
+                  </a:txBody>
+                  <a:tcPr anchor="ctr"/>
+                </a:tc>
+                <a:tc>
+                  <a:txBody>
+                    <a:bodyPr/>
+                    <a:lstStyle/>
+                    <a:p>
+                      <a:pPr algn="ctr" latinLnBrk="1"/>
+                      <a:r>
+                        <a:rPr lang="en-US" altLang="ko-KR" sz="1600" dirty="0"/>
+                        <a:t>Put</a:t>
+                      </a:r>
+                      <a:endParaRPr lang="ko-KR" altLang="en-US" sz="1600" dirty="0"/>
+                    </a:p>
+                  </a:txBody>
+                  <a:tcPr anchor="ctr"/>
+                </a:tc>
+                <a:tc>
+                  <a:txBody>
+                    <a:bodyPr/>
+                    <a:lstStyle/>
+                    <a:p>
+                      <a:pPr marL="0" marR="0" lvl="0" indent="0" algn="ctr" defTabSz="914400" rtl="0" eaLnBrk="1" fontAlgn="auto" latinLnBrk="1" hangingPunct="1">
+                        <a:lnSpc>
+                          <a:spcPct val="100000"/>
+                        </a:lnSpc>
+                        <a:spcBef>
+                          <a:spcPts val="0"/>
+                        </a:spcBef>
+                        <a:spcAft>
+                          <a:spcPts val="0"/>
+                        </a:spcAft>
+                        <a:buClrTx/>
+                        <a:buSzTx/>
+                        <a:buFontTx/>
+                        <a:buNone/>
+                        <a:tabLst/>
+                        <a:defRPr/>
+                      </a:pPr>
+                      <a:r>
+                        <a:rPr lang="ko-KR" altLang="en-US" sz="1600" dirty="0"/>
+                        <a:t>✓</a:t>
+                      </a:r>
+                    </a:p>
+                  </a:txBody>
+                  <a:tcPr anchor="ctr"/>
+                </a:tc>
+                <a:tc>
+                  <a:txBody>
+                    <a:bodyPr/>
+                    <a:lstStyle/>
+                    <a:p>
+                      <a:pPr marL="0" marR="0" lvl="0" indent="0" algn="ctr" defTabSz="914400" rtl="0" eaLnBrk="1" fontAlgn="auto" latinLnBrk="1" hangingPunct="1">
+                        <a:lnSpc>
+                          <a:spcPct val="100000"/>
+                        </a:lnSpc>
+                        <a:spcBef>
+                          <a:spcPts val="0"/>
+                        </a:spcBef>
+                        <a:spcAft>
+                          <a:spcPts val="0"/>
+                        </a:spcAft>
+                        <a:buClrTx/>
+                        <a:buSzTx/>
+                        <a:buFontTx/>
+                        <a:buNone/>
+                        <a:tabLst/>
+                        <a:defRPr/>
+                      </a:pPr>
+                      <a:r>
+                        <a:rPr lang="en-US" altLang="ko-KR" sz="1600" dirty="0"/>
+                        <a:t>▲(4)</a:t>
+                      </a:r>
+                      <a:endParaRPr lang="ko-KR" altLang="en-US" sz="1600" dirty="0"/>
+                    </a:p>
+                  </a:txBody>
+                  <a:tcPr anchor="ctr"/>
+                </a:tc>
+                <a:tc>
+                  <a:txBody>
+                    <a:bodyPr/>
+                    <a:lstStyle/>
+                    <a:p>
+                      <a:pPr algn="ctr" latinLnBrk="1"/>
+                      <a:r>
+                        <a:rPr lang="ko-KR" altLang="en-US" sz="1600" dirty="0"/>
+                        <a:t>✓</a:t>
+                      </a:r>
+                    </a:p>
+                  </a:txBody>
+                  <a:tcPr anchor="ctr"/>
+                </a:tc>
+                <a:tc>
+                  <a:txBody>
+                    <a:bodyPr/>
+                    <a:lstStyle/>
+                    <a:p>
+                      <a:pPr marL="0" marR="0" lvl="0" indent="0" algn="ctr" defTabSz="914400" rtl="0" eaLnBrk="1" fontAlgn="auto" latinLnBrk="1" hangingPunct="1">
+                        <a:lnSpc>
+                          <a:spcPct val="100000"/>
+                        </a:lnSpc>
+                        <a:spcBef>
+                          <a:spcPts val="0"/>
+                        </a:spcBef>
+                        <a:spcAft>
+                          <a:spcPts val="0"/>
+                        </a:spcAft>
+                        <a:buClrTx/>
+                        <a:buSzTx/>
+                        <a:buFontTx/>
+                        <a:buNone/>
+                        <a:tabLst/>
+                        <a:defRPr/>
+                      </a:pPr>
+                      <a:r>
+                        <a:rPr lang="en-US" altLang="ko-KR" sz="1600" dirty="0"/>
+                        <a:t>▲(5)</a:t>
+                      </a:r>
+                      <a:endParaRPr lang="ko-KR" altLang="en-US" sz="1600" dirty="0"/>
+                    </a:p>
+                  </a:txBody>
+                  <a:tcPr anchor="ctr"/>
+                </a:tc>
+                <a:extLst>
+                  <a:ext uri="{0D108BD9-81ED-4DB2-BD59-A6C34878D82A}">
+                    <a16:rowId xmlns:a16="http://schemas.microsoft.com/office/drawing/2014/main" val="2766056703"/>
+                  </a:ext>
+                </a:extLst>
+              </a:tr>
+              <a:tr h="271321">
+                <a:tc rowSpan="2">
+                  <a:txBody>
+                    <a:bodyPr/>
+                    <a:lstStyle/>
+                    <a:p>
+                      <a:pPr algn="ctr" latinLnBrk="1"/>
+                      <a:r>
+                        <a:rPr lang="en-US" altLang="ko-KR" sz="1600" dirty="0"/>
+                        <a:t>Analyzer</a:t>
+                      </a:r>
+                      <a:endParaRPr lang="ko-KR" altLang="en-US" sz="1600" dirty="0"/>
+                    </a:p>
+                  </a:txBody>
+                  <a:tcPr anchor="ctr"/>
+                </a:tc>
+                <a:tc>
+                  <a:txBody>
+                    <a:bodyPr/>
+                    <a:lstStyle/>
+                    <a:p>
+                      <a:pPr algn="ctr" latinLnBrk="1"/>
+                      <a:r>
+                        <a:rPr lang="en-US" altLang="ko-KR" sz="1600" dirty="0"/>
+                        <a:t>Pick</a:t>
+                      </a:r>
+                      <a:endParaRPr lang="ko-KR" altLang="en-US" sz="1600" dirty="0"/>
+                    </a:p>
+                  </a:txBody>
+                  <a:tcPr anchor="ctr"/>
+                </a:tc>
+                <a:tc>
+                  <a:txBody>
+                    <a:bodyPr/>
+                    <a:lstStyle/>
+                    <a:p>
+                      <a:pPr algn="ctr" latinLnBrk="1"/>
+                      <a:endParaRPr lang="ko-KR" altLang="en-US" sz="1600"/>
+                    </a:p>
+                  </a:txBody>
+                  <a:tcPr anchor="ctr"/>
+                </a:tc>
+                <a:tc>
+                  <a:txBody>
+                    <a:bodyPr/>
+                    <a:lstStyle/>
+                    <a:p>
+                      <a:pPr algn="ctr" latinLnBrk="1"/>
+                      <a:r>
+                        <a:rPr lang="ko-KR" altLang="en-US" sz="1600" dirty="0"/>
+                        <a:t>✓</a:t>
+                      </a:r>
+                    </a:p>
+                  </a:txBody>
+                  <a:tcPr anchor="ctr"/>
+                </a:tc>
+                <a:tc>
+                  <a:txBody>
+                    <a:bodyPr/>
+                    <a:lstStyle/>
+                    <a:p>
+                      <a:pPr algn="ctr" latinLnBrk="1"/>
+                      <a:r>
+                        <a:rPr lang="ko-KR" altLang="en-US" sz="1600" dirty="0"/>
+                        <a:t>✓</a:t>
+                      </a:r>
+                    </a:p>
+                  </a:txBody>
+                  <a:tcPr anchor="ctr"/>
+                </a:tc>
+                <a:tc>
+                  <a:txBody>
+                    <a:bodyPr/>
+                    <a:lstStyle/>
+                    <a:p>
+                      <a:pPr algn="ctr" latinLnBrk="1"/>
+                      <a:endParaRPr lang="ko-KR" altLang="en-US" sz="1600"/>
+                    </a:p>
+                  </a:txBody>
+                  <a:tcPr anchor="ctr"/>
+                </a:tc>
+                <a:extLst>
+                  <a:ext uri="{0D108BD9-81ED-4DB2-BD59-A6C34878D82A}">
+                    <a16:rowId xmlns:a16="http://schemas.microsoft.com/office/drawing/2014/main" val="968419317"/>
+                  </a:ext>
+                </a:extLst>
+              </a:tr>
+              <a:tr h="271321">
+                <a:tc vMerge="1">
+                  <a:txBody>
+                    <a:bodyPr/>
+                    <a:lstStyle/>
+                    <a:p>
+                      <a:pPr algn="ctr" latinLnBrk="1"/>
+                      <a:endParaRPr lang="ko-KR" altLang="en-US" dirty="0"/>
+                    </a:p>
+                  </a:txBody>
+                  <a:tcPr anchor="ctr"/>
+                </a:tc>
+                <a:tc>
+                  <a:txBody>
+                    <a:bodyPr/>
+                    <a:lstStyle/>
+                    <a:p>
+                      <a:pPr algn="ctr" latinLnBrk="1"/>
+                      <a:r>
+                        <a:rPr lang="en-US" altLang="ko-KR" sz="1600" dirty="0"/>
+                        <a:t>Put</a:t>
+                      </a:r>
+                      <a:endParaRPr lang="ko-KR" altLang="en-US" sz="1600" dirty="0"/>
+                    </a:p>
+                  </a:txBody>
+                  <a:tcPr anchor="ctr"/>
+                </a:tc>
+                <a:tc>
+                  <a:txBody>
+                    <a:bodyPr/>
+                    <a:lstStyle/>
+                    <a:p>
+                      <a:pPr algn="ctr" latinLnBrk="1"/>
+                      <a:r>
+                        <a:rPr lang="ko-KR" altLang="en-US" sz="1600" dirty="0"/>
+                        <a:t>✓</a:t>
+                      </a:r>
+                    </a:p>
+                  </a:txBody>
+                  <a:tcPr anchor="ctr"/>
+                </a:tc>
+                <a:tc>
+                  <a:txBody>
+                    <a:bodyPr/>
+                    <a:lstStyle/>
+                    <a:p>
+                      <a:pPr algn="ctr" latinLnBrk="1"/>
+                      <a:endParaRPr lang="ko-KR" altLang="en-US" sz="1600" dirty="0"/>
+                    </a:p>
+                  </a:txBody>
+                  <a:tcPr anchor="ctr"/>
+                </a:tc>
+                <a:tc>
+                  <a:txBody>
+                    <a:bodyPr/>
+                    <a:lstStyle/>
+                    <a:p>
+                      <a:pPr algn="ctr" latinLnBrk="1"/>
+                      <a:endParaRPr lang="ko-KR" altLang="en-US" sz="1600"/>
+                    </a:p>
+                  </a:txBody>
+                  <a:tcPr anchor="ctr"/>
+                </a:tc>
+                <a:tc>
+                  <a:txBody>
+                    <a:bodyPr/>
+                    <a:lstStyle/>
+                    <a:p>
+                      <a:pPr algn="ctr" latinLnBrk="1"/>
+                      <a:endParaRPr lang="ko-KR" altLang="en-US" sz="1600" dirty="0"/>
+                    </a:p>
+                  </a:txBody>
+                  <a:tcPr anchor="ctr"/>
+                </a:tc>
+                <a:extLst>
+                  <a:ext uri="{0D108BD9-81ED-4DB2-BD59-A6C34878D82A}">
+                    <a16:rowId xmlns:a16="http://schemas.microsoft.com/office/drawing/2014/main" val="3315017207"/>
+                  </a:ext>
+                </a:extLst>
+              </a:tr>
+              <a:tr h="271321">
+                <a:tc rowSpan="2">
+                  <a:txBody>
+                    <a:bodyPr/>
+                    <a:lstStyle/>
+                    <a:p>
+                      <a:pPr algn="ctr" latinLnBrk="1"/>
+                      <a:r>
+                        <a:rPr lang="en-US" altLang="ko-KR" sz="1600" dirty="0"/>
+                        <a:t>Disposer</a:t>
+                      </a:r>
+                      <a:endParaRPr lang="ko-KR" altLang="en-US" sz="1600" dirty="0"/>
+                    </a:p>
+                  </a:txBody>
+                  <a:tcPr anchor="ctr"/>
+                </a:tc>
+                <a:tc>
+                  <a:txBody>
+                    <a:bodyPr/>
+                    <a:lstStyle/>
+                    <a:p>
+                      <a:pPr algn="ctr" latinLnBrk="1"/>
+                      <a:r>
+                        <a:rPr lang="en-US" altLang="ko-KR" sz="1600" dirty="0"/>
+                        <a:t>Pick</a:t>
+                      </a:r>
+                      <a:endParaRPr lang="ko-KR" altLang="en-US" sz="1600" dirty="0"/>
+                    </a:p>
+                  </a:txBody>
+                  <a:tcPr anchor="ctr"/>
+                </a:tc>
+                <a:tc>
+                  <a:txBody>
+                    <a:bodyPr/>
+                    <a:lstStyle/>
+                    <a:p>
+                      <a:pPr algn="ctr" latinLnBrk="1"/>
+                      <a:endParaRPr lang="ko-KR" altLang="en-US" sz="1600" dirty="0"/>
+                    </a:p>
+                  </a:txBody>
+                  <a:tcPr anchor="ctr"/>
+                </a:tc>
+                <a:tc>
+                  <a:txBody>
+                    <a:bodyPr/>
+                    <a:lstStyle/>
+                    <a:p>
+                      <a:pPr algn="ctr" latinLnBrk="1"/>
+                      <a:endParaRPr lang="ko-KR" altLang="en-US" sz="1600" dirty="0"/>
+                    </a:p>
+                  </a:txBody>
+                  <a:tcPr anchor="ctr"/>
+                </a:tc>
+                <a:tc>
+                  <a:txBody>
+                    <a:bodyPr/>
+                    <a:lstStyle/>
+                    <a:p>
+                      <a:pPr algn="ctr" latinLnBrk="1"/>
+                      <a:endParaRPr lang="ko-KR" altLang="en-US" sz="1600"/>
+                    </a:p>
+                  </a:txBody>
+                  <a:tcPr anchor="ctr"/>
+                </a:tc>
+                <a:tc>
+                  <a:txBody>
+                    <a:bodyPr/>
+                    <a:lstStyle/>
+                    <a:p>
+                      <a:pPr algn="ctr" latinLnBrk="1"/>
+                      <a:r>
+                        <a:rPr lang="ko-KR" altLang="en-US" sz="1600" dirty="0"/>
+                        <a:t>✓</a:t>
+                      </a:r>
+                    </a:p>
+                  </a:txBody>
+                  <a:tcPr anchor="ctr"/>
+                </a:tc>
+                <a:extLst>
+                  <a:ext uri="{0D108BD9-81ED-4DB2-BD59-A6C34878D82A}">
+                    <a16:rowId xmlns:a16="http://schemas.microsoft.com/office/drawing/2014/main" val="4048728412"/>
+                  </a:ext>
+                </a:extLst>
+              </a:tr>
+              <a:tr h="379106">
+                <a:tc vMerge="1">
+                  <a:txBody>
+                    <a:bodyPr/>
+                    <a:lstStyle/>
+                    <a:p>
+                      <a:pPr algn="ctr" latinLnBrk="1"/>
+                      <a:endParaRPr lang="ko-KR" altLang="en-US" dirty="0"/>
+                    </a:p>
+                  </a:txBody>
+                  <a:tcPr anchor="ctr"/>
+                </a:tc>
+                <a:tc>
+                  <a:txBody>
+                    <a:bodyPr/>
+                    <a:lstStyle/>
+                    <a:p>
+                      <a:pPr algn="ctr" latinLnBrk="1"/>
+                      <a:r>
+                        <a:rPr lang="en-US" altLang="ko-KR" sz="1600" dirty="0"/>
+                        <a:t>Put</a:t>
+                      </a:r>
+                      <a:endParaRPr lang="ko-KR" altLang="en-US" sz="1600" dirty="0"/>
+                    </a:p>
+                  </a:txBody>
+                  <a:tcPr anchor="ctr"/>
+                </a:tc>
+                <a:tc>
+                  <a:txBody>
+                    <a:bodyPr/>
+                    <a:lstStyle/>
+                    <a:p>
+                      <a:pPr marL="0" marR="0" lvl="0" indent="0" algn="ctr" defTabSz="914400" rtl="0" eaLnBrk="1" fontAlgn="auto" latinLnBrk="1" hangingPunct="1">
+                        <a:lnSpc>
+                          <a:spcPct val="100000"/>
+                        </a:lnSpc>
+                        <a:spcBef>
+                          <a:spcPts val="0"/>
+                        </a:spcBef>
+                        <a:spcAft>
+                          <a:spcPts val="0"/>
+                        </a:spcAft>
+                        <a:buClrTx/>
+                        <a:buSzTx/>
+                        <a:buFontTx/>
+                        <a:buNone/>
+                        <a:tabLst/>
+                        <a:defRPr/>
+                      </a:pPr>
+                      <a:r>
+                        <a:rPr lang="en-US" altLang="ko-KR" sz="1600" dirty="0">
+                          <a:solidFill>
+                            <a:srgbClr val="FF0000"/>
+                          </a:solidFill>
+                        </a:rPr>
+                        <a:t>▲(1)</a:t>
+                      </a:r>
+                      <a:endParaRPr lang="ko-KR" altLang="en-US" sz="1600" dirty="0">
+                        <a:solidFill>
+                          <a:srgbClr val="FF0000"/>
+                        </a:solidFill>
+                      </a:endParaRPr>
+                    </a:p>
+                  </a:txBody>
+                  <a:tcPr anchor="ctr"/>
+                </a:tc>
+                <a:tc>
+                  <a:txBody>
+                    <a:bodyPr/>
+                    <a:lstStyle/>
+                    <a:p>
+                      <a:pPr algn="ctr" latinLnBrk="1"/>
+                      <a:r>
+                        <a:rPr lang="ko-KR" altLang="en-US" sz="1600" dirty="0"/>
+                        <a:t>✓</a:t>
+                      </a:r>
+                    </a:p>
+                  </a:txBody>
+                  <a:tcPr anchor="ctr"/>
+                </a:tc>
+                <a:tc>
+                  <a:txBody>
+                    <a:bodyPr/>
+                    <a:lstStyle/>
+                    <a:p>
+                      <a:pPr algn="ctr" latinLnBrk="1"/>
+                      <a:r>
+                        <a:rPr lang="ko-KR" altLang="en-US" sz="1600" dirty="0"/>
+                        <a:t>✓</a:t>
+                      </a:r>
+                      <a:br>
+                        <a:rPr lang="en-US" altLang="ko-KR" sz="1600" dirty="0"/>
+                      </a:br>
+                      <a:r>
+                        <a:rPr lang="en-US" altLang="ko-KR" sz="1200" dirty="0"/>
+                        <a:t>(</a:t>
+                      </a:r>
+                      <a:r>
+                        <a:rPr lang="ko-KR" altLang="en-US" sz="1200" dirty="0"/>
+                        <a:t>대기시간만료</a:t>
+                      </a:r>
+                      <a:r>
+                        <a:rPr lang="en-US" altLang="ko-KR" sz="1200" dirty="0"/>
+                        <a:t>)</a:t>
+                      </a:r>
+                      <a:endParaRPr lang="ko-KR" altLang="en-US" sz="1600" dirty="0"/>
+                    </a:p>
+                  </a:txBody>
+                  <a:tcPr anchor="ctr"/>
+                </a:tc>
+                <a:tc>
+                  <a:txBody>
+                    <a:bodyPr/>
+                    <a:lstStyle/>
+                    <a:p>
+                      <a:pPr algn="ctr" latinLnBrk="1"/>
+                      <a:endParaRPr lang="ko-KR" altLang="en-US" sz="1600" dirty="0"/>
+                    </a:p>
+                  </a:txBody>
+                  <a:tcPr anchor="ctr"/>
+                </a:tc>
+                <a:extLst>
+                  <a:ext uri="{0D108BD9-81ED-4DB2-BD59-A6C34878D82A}">
+                    <a16:rowId xmlns:a16="http://schemas.microsoft.com/office/drawing/2014/main" val="2743893801"/>
+                  </a:ext>
+                </a:extLst>
+              </a:tr>
+            </a:tbl>
+          </a:graphicData>
+        </a:graphic>
+      </p:graphicFrame>
+      <p:sp>
+        <p:nvSpPr>
+          <p:cNvPr id="4" name="TextBox 3">
+            <a:extLst>
+              <a:ext uri="{FF2B5EF4-FFF2-40B4-BE49-F238E27FC236}">
+                <a16:creationId xmlns:a16="http://schemas.microsoft.com/office/drawing/2014/main" id="{D9FEAFFC-7D74-39E4-A05E-99129ECDA6D4}"/>
+              </a:ext>
+            </a:extLst>
+          </p:cNvPr>
+          <p:cNvSpPr txBox="1"/>
+          <p:nvPr/>
+        </p:nvSpPr>
+        <p:spPr>
+          <a:xfrm>
+            <a:off x="626363" y="4381206"/>
+            <a:ext cx="7823680" cy="1908215"/>
+          </a:xfrm>
+          <a:prstGeom prst="rect">
+            <a:avLst/>
+          </a:prstGeom>
+          <a:noFill/>
+        </p:spPr>
+        <p:txBody>
+          <a:bodyPr wrap="none" rtlCol="0">
+            <a:spAutoFit/>
+          </a:bodyPr>
+          <a:lstStyle/>
+          <a:p>
+            <a:pPr marL="342900" indent="-342900">
+              <a:spcBef>
+                <a:spcPts val="600"/>
+              </a:spcBef>
+              <a:buFont typeface="+mj-lt"/>
+              <a:buAutoNum type="arabicParenR"/>
+            </a:pPr>
+            <a:r>
+              <a:rPr kumimoji="1" lang="ko-KR" altLang="en-US" sz="1400" b="1" dirty="0">
+                <a:solidFill>
+                  <a:srgbClr val="FF0000"/>
+                </a:solidFill>
+              </a:rPr>
+              <a:t>반출입기에 입고된 </a:t>
+            </a:r>
+            <a:r>
+              <a:rPr kumimoji="1" lang="ko-KR" altLang="en-US" sz="1400" b="1" dirty="0" err="1">
+                <a:solidFill>
+                  <a:srgbClr val="FF0000"/>
+                </a:solidFill>
+              </a:rPr>
+              <a:t>실병을</a:t>
+            </a:r>
+            <a:r>
+              <a:rPr kumimoji="1" lang="ko-KR" altLang="en-US" sz="1400" b="1" dirty="0">
+                <a:solidFill>
+                  <a:srgbClr val="FF0000"/>
+                </a:solidFill>
+              </a:rPr>
+              <a:t> 분석 안하고</a:t>
+            </a:r>
+            <a:r>
+              <a:rPr kumimoji="1" lang="en-US" altLang="ko-KR" sz="1400" b="1" dirty="0">
+                <a:solidFill>
+                  <a:srgbClr val="FF0000"/>
+                </a:solidFill>
+              </a:rPr>
+              <a:t>,</a:t>
+            </a:r>
+            <a:r>
+              <a:rPr kumimoji="1" lang="ko-KR" altLang="en-US" sz="1400" b="1" dirty="0">
+                <a:solidFill>
+                  <a:srgbClr val="FF0000"/>
+                </a:solidFill>
+              </a:rPr>
+              <a:t> 폐기 </a:t>
+            </a:r>
+            <a:r>
+              <a:rPr kumimoji="1" lang="en-US" altLang="ko-KR" sz="1400" b="1" dirty="0">
+                <a:solidFill>
+                  <a:srgbClr val="FF0000"/>
+                </a:solidFill>
+                <a:sym typeface="Wingdings" pitchFamily="2" charset="2"/>
+              </a:rPr>
+              <a:t></a:t>
+            </a:r>
+            <a:r>
+              <a:rPr kumimoji="1" lang="ko-KR" altLang="en-US" sz="1400" b="1" dirty="0">
+                <a:solidFill>
+                  <a:srgbClr val="FF0000"/>
+                </a:solidFill>
+                <a:sym typeface="Wingdings" pitchFamily="2" charset="2"/>
+              </a:rPr>
+              <a:t> </a:t>
+            </a:r>
+            <a:r>
+              <a:rPr kumimoji="1" lang="ko-KR" altLang="en-US" sz="1400" b="1" dirty="0">
+                <a:solidFill>
+                  <a:srgbClr val="FF0000"/>
+                </a:solidFill>
+              </a:rPr>
+              <a:t>간혹 발생됨</a:t>
+            </a:r>
+            <a:endParaRPr kumimoji="1" lang="en-US" altLang="ko-KR" sz="1400" b="1" dirty="0">
+              <a:solidFill>
+                <a:srgbClr val="FF0000"/>
+              </a:solidFill>
+            </a:endParaRPr>
+          </a:p>
+          <a:p>
+            <a:pPr marL="342900" indent="-342900">
+              <a:spcBef>
+                <a:spcPts val="600"/>
+              </a:spcBef>
+              <a:buFont typeface="+mj-lt"/>
+              <a:buAutoNum type="arabicParenR"/>
+            </a:pPr>
+            <a:r>
+              <a:rPr kumimoji="1" lang="ko-KR" altLang="en-US" sz="1400" dirty="0"/>
+              <a:t>분석기에서 분석이 완료</a:t>
+            </a:r>
+            <a:r>
+              <a:rPr kumimoji="1" lang="en-US" altLang="ko-KR" sz="1400" dirty="0"/>
+              <a:t>(</a:t>
+            </a:r>
+            <a:r>
+              <a:rPr kumimoji="1" lang="ko-KR" altLang="en-US" sz="1400" dirty="0"/>
+              <a:t>재검 없음</a:t>
+            </a:r>
+            <a:r>
+              <a:rPr kumimoji="1" lang="en-US" altLang="ko-KR" sz="1400" dirty="0"/>
+              <a:t>)</a:t>
+            </a:r>
+            <a:r>
+              <a:rPr kumimoji="1" lang="ko-KR" altLang="en-US" sz="1400" dirty="0"/>
+              <a:t>된 분석완료병을 </a:t>
+            </a:r>
+            <a:r>
+              <a:rPr kumimoji="1" lang="en-US" altLang="ko-KR" sz="1400" dirty="0"/>
+              <a:t>Stocker</a:t>
+            </a:r>
+            <a:r>
+              <a:rPr kumimoji="1" lang="ko-KR" altLang="en-US" sz="1400" dirty="0" err="1"/>
+              <a:t>에</a:t>
+            </a:r>
+            <a:r>
+              <a:rPr kumimoji="1" lang="ko-KR" altLang="en-US" sz="1400" dirty="0"/>
+              <a:t> 잠시 대기</a:t>
+            </a:r>
+            <a:br>
+              <a:rPr kumimoji="1" lang="en-US" altLang="ko-KR" sz="1400" dirty="0"/>
+            </a:br>
+            <a:r>
+              <a:rPr kumimoji="1" lang="en-US" altLang="ko-KR" sz="1400" dirty="0">
+                <a:sym typeface="Wingdings" pitchFamily="2" charset="2"/>
+              </a:rPr>
+              <a:t></a:t>
+            </a:r>
+            <a:r>
+              <a:rPr kumimoji="1" lang="ko-KR" altLang="en-US" sz="1400" dirty="0">
+                <a:sym typeface="Wingdings" pitchFamily="2" charset="2"/>
+              </a:rPr>
+              <a:t> </a:t>
+            </a:r>
+            <a:r>
+              <a:rPr kumimoji="1" lang="en-US" altLang="ko-KR" sz="1400" dirty="0">
+                <a:sym typeface="Wingdings" pitchFamily="2" charset="2"/>
+              </a:rPr>
+              <a:t>Disposer</a:t>
+            </a:r>
+            <a:r>
+              <a:rPr kumimoji="1" lang="ko-KR" altLang="en-US" sz="1400" dirty="0">
+                <a:sym typeface="Wingdings" pitchFamily="2" charset="2"/>
+              </a:rPr>
+              <a:t>가 </a:t>
+            </a:r>
+            <a:r>
+              <a:rPr kumimoji="1" lang="en-US" altLang="ko-KR" sz="1400" dirty="0">
+                <a:sym typeface="Wingdings" pitchFamily="2" charset="2"/>
+              </a:rPr>
+              <a:t>Full</a:t>
+            </a:r>
+            <a:r>
+              <a:rPr kumimoji="1" lang="ko-KR" altLang="en-US" sz="1400" dirty="0">
+                <a:sym typeface="Wingdings" pitchFamily="2" charset="2"/>
+              </a:rPr>
+              <a:t>인 경우에 발생</a:t>
+            </a:r>
+            <a:r>
+              <a:rPr kumimoji="1" lang="en-US" altLang="ko-KR" sz="1400" dirty="0">
+                <a:sym typeface="Wingdings" pitchFamily="2" charset="2"/>
+              </a:rPr>
+              <a:t> </a:t>
+            </a:r>
+            <a:r>
+              <a:rPr kumimoji="1" lang="ko-KR" altLang="en-US" sz="1400" dirty="0">
+                <a:sym typeface="Wingdings" pitchFamily="2" charset="2"/>
+              </a:rPr>
+              <a:t>가능하나</a:t>
+            </a:r>
+            <a:r>
+              <a:rPr kumimoji="1" lang="en-US" altLang="ko-KR" sz="1400" dirty="0">
+                <a:sym typeface="Wingdings" pitchFamily="2" charset="2"/>
+              </a:rPr>
+              <a:t>,</a:t>
+            </a:r>
+            <a:r>
+              <a:rPr kumimoji="1" lang="ko-KR" altLang="en-US" sz="1400" dirty="0">
+                <a:sym typeface="Wingdings" pitchFamily="2" charset="2"/>
+              </a:rPr>
+              <a:t> </a:t>
+            </a:r>
+            <a:r>
+              <a:rPr kumimoji="1" lang="en-US" altLang="ko-KR" sz="1400" dirty="0">
+                <a:sym typeface="Wingdings" pitchFamily="2" charset="2"/>
+              </a:rPr>
+              <a:t>Disposer</a:t>
+            </a:r>
+            <a:r>
+              <a:rPr kumimoji="1" lang="ko-KR" altLang="en-US" sz="1400" dirty="0" err="1">
+                <a:sym typeface="Wingdings" pitchFamily="2" charset="2"/>
+              </a:rPr>
+              <a:t>에</a:t>
+            </a:r>
+            <a:r>
+              <a:rPr kumimoji="1" lang="ko-KR" altLang="en-US" sz="1400" dirty="0">
+                <a:sym typeface="Wingdings" pitchFamily="2" charset="2"/>
+              </a:rPr>
+              <a:t> 여유 </a:t>
+            </a:r>
+            <a:r>
+              <a:rPr kumimoji="1" lang="en-US" altLang="ko-KR" sz="1400" dirty="0" err="1">
+                <a:sym typeface="Wingdings" pitchFamily="2" charset="2"/>
+              </a:rPr>
+              <a:t>Capa</a:t>
+            </a:r>
+            <a:r>
+              <a:rPr kumimoji="1" lang="ko-KR" altLang="en-US" sz="1400" dirty="0">
+                <a:sym typeface="Wingdings" pitchFamily="2" charset="2"/>
+              </a:rPr>
+              <a:t>가 있으므로 거의 발생 안됨</a:t>
+            </a:r>
+            <a:endParaRPr kumimoji="1" lang="en-US" altLang="ko-KR" sz="1400" dirty="0">
+              <a:sym typeface="Wingdings" pitchFamily="2" charset="2"/>
+            </a:endParaRPr>
+          </a:p>
+          <a:p>
+            <a:pPr marL="342900" indent="-342900">
+              <a:spcBef>
+                <a:spcPts val="600"/>
+              </a:spcBef>
+              <a:buFont typeface="+mj-lt"/>
+              <a:buAutoNum type="arabicParenR"/>
+            </a:pPr>
+            <a:r>
+              <a:rPr kumimoji="1" lang="en-US" altLang="ko-KR" sz="1400" dirty="0"/>
+              <a:t>Disposer</a:t>
+            </a:r>
+            <a:r>
+              <a:rPr kumimoji="1" lang="ko-KR" altLang="en-US" sz="1400" dirty="0"/>
+              <a:t>에서 세척 완료된 공병을 </a:t>
+            </a:r>
+            <a:r>
+              <a:rPr kumimoji="1" lang="en-US" altLang="ko-KR" sz="1400" dirty="0"/>
+              <a:t>Stocker</a:t>
+            </a:r>
+            <a:r>
+              <a:rPr kumimoji="1" lang="ko-KR" altLang="en-US" sz="1400" dirty="0" err="1"/>
+              <a:t>에</a:t>
+            </a:r>
+            <a:r>
+              <a:rPr kumimoji="1" lang="ko-KR" altLang="en-US" sz="1400" dirty="0"/>
+              <a:t> 잠시 보관</a:t>
+            </a:r>
+            <a:br>
+              <a:rPr kumimoji="1" lang="en-US" altLang="ko-KR" sz="1400" dirty="0"/>
+            </a:br>
+            <a:r>
+              <a:rPr kumimoji="1" lang="en-US" altLang="ko-KR" sz="1400" dirty="0">
+                <a:sym typeface="Wingdings" pitchFamily="2" charset="2"/>
+              </a:rPr>
+              <a:t></a:t>
+            </a:r>
+            <a:r>
+              <a:rPr kumimoji="1" lang="ko-KR" altLang="en-US" sz="1400" dirty="0">
+                <a:sym typeface="Wingdings" pitchFamily="2" charset="2"/>
+              </a:rPr>
+              <a:t> </a:t>
+            </a:r>
+            <a:r>
+              <a:rPr kumimoji="1" lang="ko-KR" altLang="en-US" sz="1400" dirty="0"/>
+              <a:t>반출입기가 </a:t>
+            </a:r>
+            <a:r>
+              <a:rPr kumimoji="1" lang="en-US" altLang="ko-KR" sz="1400" dirty="0"/>
+              <a:t>Full</a:t>
+            </a:r>
+            <a:r>
+              <a:rPr kumimoji="1" lang="ko-KR" altLang="en-US" sz="1400" dirty="0"/>
+              <a:t>인 경우에 발생 가능하나</a:t>
+            </a:r>
+            <a:r>
+              <a:rPr kumimoji="1" lang="en-US" altLang="ko-KR" sz="1400" dirty="0">
+                <a:sym typeface="Wingdings" pitchFamily="2" charset="2"/>
+              </a:rPr>
+              <a:t>,</a:t>
+            </a:r>
+            <a:r>
+              <a:rPr kumimoji="1" lang="ko-KR" altLang="en-US" sz="1400" dirty="0">
+                <a:sym typeface="Wingdings" pitchFamily="2" charset="2"/>
+              </a:rPr>
+              <a:t> </a:t>
+            </a:r>
+            <a:r>
+              <a:rPr kumimoji="1" lang="en-US" altLang="ko-KR" sz="1400" dirty="0">
+                <a:sym typeface="Wingdings" pitchFamily="2" charset="2"/>
+              </a:rPr>
+              <a:t>Disposer</a:t>
+            </a:r>
+            <a:r>
+              <a:rPr kumimoji="1" lang="ko-KR" altLang="en-US" sz="1400" dirty="0" err="1">
+                <a:sym typeface="Wingdings" pitchFamily="2" charset="2"/>
+              </a:rPr>
+              <a:t>에</a:t>
+            </a:r>
+            <a:r>
+              <a:rPr kumimoji="1" lang="ko-KR" altLang="en-US" sz="1400" dirty="0">
+                <a:sym typeface="Wingdings" pitchFamily="2" charset="2"/>
+              </a:rPr>
+              <a:t> 여유 </a:t>
+            </a:r>
+            <a:r>
+              <a:rPr kumimoji="1" lang="en-US" altLang="ko-KR" sz="1400" dirty="0" err="1">
+                <a:sym typeface="Wingdings" pitchFamily="2" charset="2"/>
+              </a:rPr>
+              <a:t>Capa</a:t>
+            </a:r>
+            <a:r>
+              <a:rPr kumimoji="1" lang="ko-KR" altLang="en-US" sz="1400" dirty="0">
+                <a:sym typeface="Wingdings" pitchFamily="2" charset="2"/>
+              </a:rPr>
+              <a:t>가 있으므로 거의 발생 안됨</a:t>
+            </a:r>
+            <a:endParaRPr kumimoji="1" lang="en-US" altLang="ko-KR" sz="1400" dirty="0">
+              <a:sym typeface="Wingdings" pitchFamily="2" charset="2"/>
+            </a:endParaRPr>
+          </a:p>
+          <a:p>
+            <a:pPr marL="342900" indent="-342900">
+              <a:spcBef>
+                <a:spcPts val="600"/>
+              </a:spcBef>
+              <a:buFont typeface="+mj-lt"/>
+              <a:buAutoNum type="arabicParenR"/>
+            </a:pPr>
+            <a:r>
+              <a:rPr kumimoji="1" lang="en-US" altLang="ko-KR" sz="1400" dirty="0"/>
+              <a:t>2</a:t>
+            </a:r>
+            <a:r>
+              <a:rPr kumimoji="1" lang="ko-KR" altLang="en-US" sz="1400" dirty="0"/>
+              <a:t>번과 같은 경우</a:t>
+            </a:r>
+            <a:endParaRPr kumimoji="1" lang="en-US" altLang="ko-KR" sz="1400" dirty="0"/>
+          </a:p>
+          <a:p>
+            <a:pPr marL="342900" indent="-342900">
+              <a:spcBef>
+                <a:spcPts val="600"/>
+              </a:spcBef>
+              <a:buFont typeface="+mj-lt"/>
+              <a:buAutoNum type="arabicParenR"/>
+            </a:pPr>
+            <a:r>
+              <a:rPr kumimoji="1" lang="en-US" altLang="ko-KR" sz="1400" dirty="0"/>
+              <a:t>3</a:t>
+            </a:r>
+            <a:r>
+              <a:rPr kumimoji="1" lang="ko-KR" altLang="en-US" sz="1400" dirty="0"/>
+              <a:t>번과 같은 경우</a:t>
+            </a:r>
+          </a:p>
+        </p:txBody>
+      </p:sp>
+    </p:spTree>
+    <p:extLst>
+      <p:ext uri="{BB962C8B-B14F-4D97-AF65-F5344CB8AC3E}">
+        <p14:creationId xmlns:p14="http://schemas.microsoft.com/office/powerpoint/2010/main" val="394800173"/>
+      </p:ext>
+    </p:extLst>
+  </p:cSld>
+  <p:clrMapOvr>
+    <a:masterClrMapping/>
+  </p:clrMapOvr>
+</p:sld>
+</file>
+
+<file path=ppt/slides/slide26.xml><?xml version="1.0" encoding="utf-8"?>
+<p:sld xmlns:a="http://schemas.openxmlformats.org/drawingml/2006/main" xmlns:r="http://schemas.openxmlformats.org/officeDocument/2006/relationships" xmlns:p="http://schemas.openxmlformats.org/presentationml/2006/main">
+  <p:cSld>
+    <p:spTree>
+      <p:nvGrpSpPr>
+        <p:cNvPr id="1" name=""/>
+        <p:cNvGrpSpPr/>
+        <p:nvPr/>
+      </p:nvGrpSpPr>
+      <p:grpSpPr>
+        <a:xfrm>
+          <a:off x="0" y="0"/>
+          <a:ext cx="0" cy="0"/>
+          <a:chOff x="0" y="0"/>
+          <a:chExt cx="0" cy="0"/>
+        </a:xfrm>
+      </p:grpSpPr>
+      <p:sp>
+        <p:nvSpPr>
+          <p:cNvPr id="2" name="제목 1">
+            <a:extLst>
+              <a:ext uri="{FF2B5EF4-FFF2-40B4-BE49-F238E27FC236}">
+                <a16:creationId xmlns:a16="http://schemas.microsoft.com/office/drawing/2014/main" id="{BB87268A-2B40-2698-4D17-203DFDBFC491}"/>
+              </a:ext>
+            </a:extLst>
+          </p:cNvPr>
+          <p:cNvSpPr>
+            <a:spLocks noGrp="1"/>
+          </p:cNvSpPr>
+          <p:nvPr>
+            <p:ph type="title"/>
+          </p:nvPr>
+        </p:nvSpPr>
+        <p:spPr/>
+        <p:txBody>
+          <a:bodyPr/>
+          <a:lstStyle/>
+          <a:p>
+            <a:r>
+              <a:rPr kumimoji="1" lang="en-US" altLang="ko-KR" dirty="0"/>
+              <a:t>Status Definition of Each Nodes</a:t>
+            </a:r>
+            <a:endParaRPr kumimoji="1" lang="ko-KR" altLang="en-US" dirty="0"/>
+          </a:p>
+        </p:txBody>
+      </p:sp>
+      <p:graphicFrame>
+        <p:nvGraphicFramePr>
+          <p:cNvPr id="3" name="표 2">
+            <a:extLst>
+              <a:ext uri="{FF2B5EF4-FFF2-40B4-BE49-F238E27FC236}">
+                <a16:creationId xmlns:a16="http://schemas.microsoft.com/office/drawing/2014/main" id="{22B1C594-B48F-05BA-43C6-648EA23CC638}"/>
+              </a:ext>
+            </a:extLst>
+          </p:cNvPr>
+          <p:cNvGraphicFramePr>
+            <a:graphicFrameLocks noGrp="1"/>
+          </p:cNvGraphicFramePr>
+          <p:nvPr/>
+        </p:nvGraphicFramePr>
+        <p:xfrm>
+          <a:off x="119743" y="1227666"/>
+          <a:ext cx="9525000" cy="2743200"/>
+        </p:xfrm>
+        <a:graphic>
+          <a:graphicData uri="http://schemas.openxmlformats.org/drawingml/2006/table">
+            <a:tbl>
+              <a:tblPr firstRow="1" bandRow="1">
+                <a:tableStyleId>{5C22544A-7EE6-4342-B048-85BDC9FD1C3A}</a:tableStyleId>
+              </a:tblPr>
+              <a:tblGrid>
+                <a:gridCol w="1190625">
+                  <a:extLst>
+                    <a:ext uri="{9D8B030D-6E8A-4147-A177-3AD203B41FA5}">
+                      <a16:colId xmlns:a16="http://schemas.microsoft.com/office/drawing/2014/main" val="420176368"/>
+                    </a:ext>
+                  </a:extLst>
+                </a:gridCol>
+                <a:gridCol w="1190625">
+                  <a:extLst>
+                    <a:ext uri="{9D8B030D-6E8A-4147-A177-3AD203B41FA5}">
+                      <a16:colId xmlns:a16="http://schemas.microsoft.com/office/drawing/2014/main" val="3206954224"/>
+                    </a:ext>
+                  </a:extLst>
+                </a:gridCol>
+                <a:gridCol w="1190625">
+                  <a:extLst>
+                    <a:ext uri="{9D8B030D-6E8A-4147-A177-3AD203B41FA5}">
+                      <a16:colId xmlns:a16="http://schemas.microsoft.com/office/drawing/2014/main" val="3827329857"/>
+                    </a:ext>
+                  </a:extLst>
+                </a:gridCol>
+                <a:gridCol w="1190625">
+                  <a:extLst>
+                    <a:ext uri="{9D8B030D-6E8A-4147-A177-3AD203B41FA5}">
+                      <a16:colId xmlns:a16="http://schemas.microsoft.com/office/drawing/2014/main" val="905835586"/>
+                    </a:ext>
+                  </a:extLst>
+                </a:gridCol>
+                <a:gridCol w="1190625">
+                  <a:extLst>
+                    <a:ext uri="{9D8B030D-6E8A-4147-A177-3AD203B41FA5}">
+                      <a16:colId xmlns:a16="http://schemas.microsoft.com/office/drawing/2014/main" val="1387325403"/>
+                    </a:ext>
+                  </a:extLst>
+                </a:gridCol>
+                <a:gridCol w="1190625">
+                  <a:extLst>
+                    <a:ext uri="{9D8B030D-6E8A-4147-A177-3AD203B41FA5}">
+                      <a16:colId xmlns:a16="http://schemas.microsoft.com/office/drawing/2014/main" val="1933391244"/>
+                    </a:ext>
+                  </a:extLst>
+                </a:gridCol>
+                <a:gridCol w="1190625">
+                  <a:extLst>
+                    <a:ext uri="{9D8B030D-6E8A-4147-A177-3AD203B41FA5}">
+                      <a16:colId xmlns:a16="http://schemas.microsoft.com/office/drawing/2014/main" val="3314939192"/>
+                    </a:ext>
+                  </a:extLst>
+                </a:gridCol>
+                <a:gridCol w="1190625">
+                  <a:extLst>
+                    <a:ext uri="{9D8B030D-6E8A-4147-A177-3AD203B41FA5}">
+                      <a16:colId xmlns:a16="http://schemas.microsoft.com/office/drawing/2014/main" val="1491874781"/>
+                    </a:ext>
+                  </a:extLst>
+                </a:gridCol>
+              </a:tblGrid>
+              <a:tr h="370840">
+                <a:tc>
+                  <a:txBody>
+                    <a:bodyPr/>
+                    <a:lstStyle/>
+                    <a:p>
+                      <a:pPr algn="ctr" latinLnBrk="1"/>
+                      <a:r>
+                        <a:rPr lang="en-US" altLang="ko-KR" sz="1400" dirty="0" err="1"/>
+                        <a:t>Subjcet</a:t>
+                      </a:r>
+                      <a:endParaRPr lang="ko-KR" altLang="en-US" sz="1400" dirty="0"/>
+                    </a:p>
+                  </a:txBody>
+                  <a:tcPr anchor="ctr"/>
+                </a:tc>
+                <a:tc>
+                  <a:txBody>
+                    <a:bodyPr/>
+                    <a:lstStyle/>
+                    <a:p>
+                      <a:pPr algn="ctr" latinLnBrk="1"/>
+                      <a:r>
+                        <a:rPr lang="en-US" altLang="ko-KR" sz="1400" dirty="0"/>
+                        <a:t>Status 1</a:t>
+                      </a:r>
+                      <a:endParaRPr lang="ko-KR" altLang="en-US" sz="1400" dirty="0"/>
+                    </a:p>
+                  </a:txBody>
+                  <a:tcPr anchor="ctr"/>
+                </a:tc>
+                <a:tc>
+                  <a:txBody>
+                    <a:bodyPr/>
+                    <a:lstStyle/>
+                    <a:p>
+                      <a:pPr algn="ctr" latinLnBrk="1"/>
+                      <a:r>
+                        <a:rPr lang="en-US" altLang="ko-KR" sz="1400" dirty="0"/>
+                        <a:t>Status 2</a:t>
+                      </a:r>
+                      <a:endParaRPr lang="ko-KR" altLang="en-US" sz="1400" dirty="0"/>
+                    </a:p>
+                  </a:txBody>
+                  <a:tcPr anchor="ctr"/>
+                </a:tc>
+                <a:tc>
+                  <a:txBody>
+                    <a:bodyPr/>
+                    <a:lstStyle/>
+                    <a:p>
+                      <a:pPr algn="ctr" latinLnBrk="1"/>
+                      <a:r>
+                        <a:rPr lang="en-US" altLang="ko-KR" sz="1400" dirty="0"/>
+                        <a:t>Status 3</a:t>
+                      </a:r>
+                      <a:endParaRPr lang="ko-KR" altLang="en-US" sz="1400" dirty="0"/>
+                    </a:p>
+                  </a:txBody>
+                  <a:tcPr anchor="ctr"/>
+                </a:tc>
+                <a:tc>
+                  <a:txBody>
+                    <a:bodyPr/>
+                    <a:lstStyle/>
+                    <a:p>
+                      <a:pPr algn="ctr" latinLnBrk="1"/>
+                      <a:r>
+                        <a:rPr lang="en-US" altLang="ko-KR" sz="1400" dirty="0"/>
+                        <a:t>Status 4</a:t>
+                      </a:r>
+                      <a:endParaRPr lang="ko-KR" altLang="en-US" sz="1400" dirty="0"/>
+                    </a:p>
+                  </a:txBody>
+                  <a:tcPr anchor="ctr"/>
+                </a:tc>
+                <a:tc>
+                  <a:txBody>
+                    <a:bodyPr/>
+                    <a:lstStyle/>
+                    <a:p>
+                      <a:pPr algn="ctr" latinLnBrk="1"/>
+                      <a:r>
+                        <a:rPr lang="en-US" altLang="ko-KR" sz="1400" dirty="0"/>
+                        <a:t>Status 5</a:t>
+                      </a:r>
+                      <a:endParaRPr lang="ko-KR" altLang="en-US" sz="1400" dirty="0"/>
+                    </a:p>
+                  </a:txBody>
+                  <a:tcPr anchor="ctr"/>
+                </a:tc>
+                <a:tc>
+                  <a:txBody>
+                    <a:bodyPr/>
+                    <a:lstStyle/>
+                    <a:p>
+                      <a:pPr algn="ctr" latinLnBrk="1"/>
+                      <a:r>
+                        <a:rPr lang="en-US" altLang="ko-KR" sz="1400" dirty="0"/>
+                        <a:t>Status 6</a:t>
+                      </a:r>
+                      <a:endParaRPr lang="ko-KR" altLang="en-US" sz="1400" dirty="0"/>
+                    </a:p>
+                  </a:txBody>
+                  <a:tcPr anchor="ctr"/>
+                </a:tc>
+                <a:tc>
+                  <a:txBody>
+                    <a:bodyPr/>
+                    <a:lstStyle/>
+                    <a:p>
+                      <a:pPr algn="ctr" latinLnBrk="1"/>
+                      <a:r>
+                        <a:rPr lang="en-US" altLang="ko-KR" sz="1400" dirty="0"/>
+                        <a:t>Status 7</a:t>
+                      </a:r>
+                      <a:endParaRPr lang="ko-KR" altLang="en-US" sz="1400" dirty="0"/>
+                    </a:p>
+                  </a:txBody>
+                  <a:tcPr anchor="ctr"/>
+                </a:tc>
+                <a:extLst>
+                  <a:ext uri="{0D108BD9-81ED-4DB2-BD59-A6C34878D82A}">
+                    <a16:rowId xmlns:a16="http://schemas.microsoft.com/office/drawing/2014/main" val="3278154721"/>
+                  </a:ext>
+                </a:extLst>
+              </a:tr>
+              <a:tr h="370840">
+                <a:tc>
+                  <a:txBody>
+                    <a:bodyPr/>
+                    <a:lstStyle/>
+                    <a:p>
+                      <a:pPr algn="ctr" latinLnBrk="1"/>
+                      <a:r>
+                        <a:rPr lang="en-US" altLang="ko-KR" sz="1400" dirty="0"/>
+                        <a:t>Bottle</a:t>
+                      </a:r>
+                      <a:br>
+                        <a:rPr lang="en-US" altLang="ko-KR" sz="1400" dirty="0"/>
+                      </a:br>
+                      <a:r>
+                        <a:rPr lang="en-US" altLang="ko-KR" sz="1400" dirty="0"/>
+                        <a:t>Pack</a:t>
+                      </a:r>
+                      <a:endParaRPr lang="ko-KR" altLang="en-US" sz="1400" dirty="0"/>
+                    </a:p>
+                  </a:txBody>
+                  <a:tcPr anchor="ctr"/>
+                </a:tc>
+                <a:tc>
+                  <a:txBody>
+                    <a:bodyPr/>
+                    <a:lstStyle/>
+                    <a:p>
+                      <a:pPr algn="ctr" latinLnBrk="1"/>
+                      <a:r>
+                        <a:rPr lang="en-US" altLang="ko-KR" sz="1400" dirty="0"/>
+                        <a:t>Filled</a:t>
+                      </a:r>
+                      <a:br>
+                        <a:rPr lang="en-US" altLang="ko-KR" sz="1400" dirty="0"/>
+                      </a:br>
+                      <a:r>
+                        <a:rPr lang="en-US" altLang="ko-KR" sz="1400" dirty="0"/>
+                        <a:t>(</a:t>
+                      </a:r>
+                      <a:r>
+                        <a:rPr lang="ko-KR" altLang="en-US" sz="1400" dirty="0" err="1"/>
+                        <a:t>실병</a:t>
+                      </a:r>
+                      <a:r>
+                        <a:rPr lang="en-US" altLang="ko-KR" sz="1400" dirty="0"/>
+                        <a:t>)</a:t>
+                      </a:r>
+                      <a:endParaRPr lang="ko-KR" altLang="en-US" sz="1400" dirty="0"/>
+                    </a:p>
+                  </a:txBody>
+                  <a:tcPr anchor="ctr"/>
+                </a:tc>
+                <a:tc>
+                  <a:txBody>
+                    <a:bodyPr/>
+                    <a:lstStyle/>
+                    <a:p>
+                      <a:pPr algn="ctr" latinLnBrk="1"/>
+                      <a:r>
+                        <a:rPr lang="en-US" altLang="ko-KR" sz="1400" dirty="0"/>
+                        <a:t>Empty</a:t>
+                      </a:r>
+                      <a:br>
+                        <a:rPr lang="en-US" altLang="ko-KR" sz="1400" dirty="0"/>
+                      </a:br>
+                      <a:r>
+                        <a:rPr lang="en-US" altLang="ko-KR" sz="1400" dirty="0"/>
+                        <a:t>(</a:t>
+                      </a:r>
+                      <a:r>
+                        <a:rPr lang="ko-KR" altLang="en-US" sz="1400" dirty="0"/>
+                        <a:t>공병</a:t>
+                      </a:r>
+                      <a:r>
+                        <a:rPr lang="en-US" altLang="ko-KR" sz="1400" dirty="0"/>
+                        <a:t>)</a:t>
+                      </a:r>
+                      <a:endParaRPr lang="ko-KR" altLang="en-US" sz="1400" dirty="0"/>
+                    </a:p>
+                  </a:txBody>
+                  <a:tcPr anchor="ctr"/>
+                </a:tc>
+                <a:tc>
+                  <a:txBody>
+                    <a:bodyPr/>
+                    <a:lstStyle/>
+                    <a:p>
+                      <a:pPr algn="ctr" latinLnBrk="1"/>
+                      <a:r>
+                        <a:rPr lang="en-US" altLang="ko-KR" sz="1400" dirty="0"/>
+                        <a:t>Complete</a:t>
+                      </a:r>
+                      <a:br>
+                        <a:rPr lang="en-US" altLang="ko-KR" sz="1400" dirty="0"/>
+                      </a:br>
+                      <a:r>
+                        <a:rPr lang="en-US" altLang="ko-KR" sz="1400" dirty="0"/>
+                        <a:t>(</a:t>
+                      </a:r>
+                      <a:r>
+                        <a:rPr lang="ko-KR" altLang="en-US" sz="1400" dirty="0"/>
+                        <a:t>분석완료</a:t>
+                      </a:r>
+                      <a:r>
+                        <a:rPr lang="en-US" altLang="ko-KR" sz="1400" dirty="0"/>
+                        <a:t>)</a:t>
+                      </a:r>
+                      <a:endParaRPr lang="ko-KR" altLang="en-US" sz="1400" dirty="0"/>
+                    </a:p>
+                  </a:txBody>
+                  <a:tcPr anchor="ctr"/>
+                </a:tc>
+                <a:tc>
+                  <a:txBody>
+                    <a:bodyPr/>
+                    <a:lstStyle/>
+                    <a:p>
+                      <a:pPr algn="ctr" latinLnBrk="1"/>
+                      <a:r>
+                        <a:rPr lang="en-US" altLang="ko-KR" sz="1400" dirty="0"/>
+                        <a:t>Waiting</a:t>
+                      </a:r>
+                      <a:br>
+                        <a:rPr lang="en-US" altLang="ko-KR" sz="1400" dirty="0"/>
+                      </a:br>
+                      <a:r>
+                        <a:rPr lang="en-US" altLang="ko-KR" sz="1400" dirty="0"/>
+                        <a:t>(</a:t>
+                      </a:r>
+                      <a:r>
+                        <a:rPr lang="ko-KR" altLang="en-US" sz="1400" dirty="0"/>
+                        <a:t>재검대기</a:t>
+                      </a:r>
+                      <a:r>
+                        <a:rPr lang="en-US" altLang="ko-KR" sz="1400" dirty="0"/>
+                        <a:t>)</a:t>
+                      </a:r>
+                      <a:endParaRPr lang="ko-KR" altLang="en-US" sz="1400" dirty="0"/>
+                    </a:p>
+                  </a:txBody>
+                  <a:tcPr anchor="ctr"/>
+                </a:tc>
+                <a:tc>
+                  <a:txBody>
+                    <a:bodyPr/>
+                    <a:lstStyle/>
+                    <a:p>
+                      <a:pPr algn="ctr" latinLnBrk="1"/>
+                      <a:r>
+                        <a:rPr lang="en-US" altLang="ko-KR" sz="1400" dirty="0"/>
+                        <a:t>Disposed</a:t>
+                      </a:r>
+                      <a:br>
+                        <a:rPr lang="en-US" altLang="ko-KR" sz="1400" dirty="0"/>
+                      </a:br>
+                      <a:r>
+                        <a:rPr lang="en-US" altLang="ko-KR" sz="1400" dirty="0"/>
+                        <a:t>(</a:t>
+                      </a:r>
+                      <a:r>
+                        <a:rPr lang="ko-KR" altLang="en-US" sz="1400" dirty="0"/>
+                        <a:t>폐기</a:t>
+                      </a:r>
+                      <a:r>
+                        <a:rPr lang="en-US" altLang="ko-KR" sz="1400" dirty="0"/>
+                        <a:t>)</a:t>
+                      </a:r>
+                      <a:endParaRPr lang="ko-KR" altLang="en-US" sz="1400" dirty="0"/>
+                    </a:p>
+                  </a:txBody>
+                  <a:tcPr anchor="ctr"/>
+                </a:tc>
+                <a:tc>
+                  <a:txBody>
+                    <a:bodyPr/>
+                    <a:lstStyle/>
+                    <a:p>
+                      <a:pPr algn="ctr" latinLnBrk="1"/>
+                      <a:r>
+                        <a:rPr lang="en-US" altLang="ko-KR" sz="1400" dirty="0"/>
+                        <a:t>Missing</a:t>
+                      </a:r>
+                      <a:endParaRPr lang="ko-KR" altLang="en-US" sz="1400" dirty="0"/>
+                    </a:p>
+                  </a:txBody>
+                  <a:tcPr anchor="ctr"/>
+                </a:tc>
+                <a:tc>
+                  <a:txBody>
+                    <a:bodyPr/>
+                    <a:lstStyle/>
+                    <a:p>
+                      <a:pPr algn="ctr" latinLnBrk="1"/>
+                      <a:r>
+                        <a:rPr lang="en-US" altLang="ko-KR" sz="1400" dirty="0"/>
+                        <a:t>Reserved</a:t>
+                      </a:r>
+                      <a:endParaRPr lang="ko-KR" altLang="en-US" sz="1400" dirty="0"/>
+                    </a:p>
+                  </a:txBody>
+                  <a:tcPr anchor="ctr"/>
+                </a:tc>
+                <a:extLst>
+                  <a:ext uri="{0D108BD9-81ED-4DB2-BD59-A6C34878D82A}">
+                    <a16:rowId xmlns:a16="http://schemas.microsoft.com/office/drawing/2014/main" val="1470358157"/>
+                  </a:ext>
+                </a:extLst>
+              </a:tr>
+              <a:tr h="370840">
+                <a:tc>
+                  <a:txBody>
+                    <a:bodyPr/>
+                    <a:lstStyle/>
+                    <a:p>
+                      <a:pPr algn="ctr" latinLnBrk="1"/>
+                      <a:r>
+                        <a:rPr lang="ko-KR" altLang="en-US" sz="1400" dirty="0"/>
+                        <a:t>반출입기</a:t>
+                      </a:r>
+                    </a:p>
+                  </a:txBody>
+                  <a:tcPr anchor="ctr"/>
+                </a:tc>
+                <a:tc>
+                  <a:txBody>
+                    <a:bodyPr/>
+                    <a:lstStyle/>
+                    <a:p>
+                      <a:pPr algn="ctr" latinLnBrk="1"/>
+                      <a:r>
+                        <a:rPr lang="en-US" altLang="ko-KR" sz="1400" dirty="0"/>
+                        <a:t>On/Off</a:t>
+                      </a:r>
+                      <a:endParaRPr lang="ko-KR" altLang="en-US" sz="1400" dirty="0"/>
+                    </a:p>
+                  </a:txBody>
+                  <a:tcPr anchor="ctr"/>
+                </a:tc>
+                <a:tc>
+                  <a:txBody>
+                    <a:bodyPr/>
+                    <a:lstStyle/>
+                    <a:p>
+                      <a:pPr algn="ctr" latinLnBrk="1"/>
+                      <a:r>
+                        <a:rPr lang="en-US" altLang="ko-KR" sz="1400" dirty="0"/>
+                        <a:t>Busy</a:t>
+                      </a:r>
+                      <a:endParaRPr lang="ko-KR" altLang="en-US" sz="1400" dirty="0"/>
+                    </a:p>
+                  </a:txBody>
+                  <a:tcPr anchor="ctr"/>
+                </a:tc>
+                <a:tc>
+                  <a:txBody>
+                    <a:bodyPr/>
+                    <a:lstStyle/>
+                    <a:p>
+                      <a:pPr algn="ctr" latinLnBrk="1"/>
+                      <a:r>
+                        <a:rPr lang="en-US" altLang="ko-KR" sz="1400" dirty="0"/>
+                        <a:t>Idle</a:t>
+                      </a:r>
+                      <a:endParaRPr lang="ko-KR" altLang="en-US" sz="1400" dirty="0"/>
+                    </a:p>
+                  </a:txBody>
+                  <a:tcPr anchor="ctr"/>
+                </a:tc>
+                <a:tc>
+                  <a:txBody>
+                    <a:bodyPr/>
+                    <a:lstStyle/>
+                    <a:p>
+                      <a:pPr algn="ctr" latinLnBrk="1"/>
+                      <a:r>
+                        <a:rPr lang="en-US" altLang="ko-KR" sz="1400" dirty="0"/>
+                        <a:t>Error</a:t>
+                      </a:r>
+                      <a:endParaRPr lang="ko-KR" altLang="en-US" sz="1400" dirty="0"/>
+                    </a:p>
+                  </a:txBody>
+                  <a:tcPr anchor="ctr"/>
+                </a:tc>
+                <a:tc>
+                  <a:txBody>
+                    <a:bodyPr/>
+                    <a:lstStyle/>
+                    <a:p>
+                      <a:pPr algn="ctr" latinLnBrk="1"/>
+                      <a:r>
+                        <a:rPr lang="en-US" altLang="ko-KR" sz="1400" dirty="0"/>
+                        <a:t>Maintenance</a:t>
+                      </a:r>
+                      <a:endParaRPr lang="ko-KR" altLang="en-US" sz="1400" dirty="0"/>
+                    </a:p>
+                  </a:txBody>
+                  <a:tcPr anchor="ctr"/>
+                </a:tc>
+                <a:tc>
+                  <a:txBody>
+                    <a:bodyPr/>
+                    <a:lstStyle/>
+                    <a:p>
+                      <a:pPr algn="ctr" latinLnBrk="1"/>
+                      <a:r>
+                        <a:rPr lang="en-US" altLang="ko-KR" sz="1400" dirty="0"/>
+                        <a:t>-</a:t>
+                      </a:r>
+                      <a:endParaRPr lang="ko-KR" altLang="en-US" sz="1400" dirty="0"/>
+                    </a:p>
+                  </a:txBody>
+                  <a:tcPr anchor="ctr"/>
+                </a:tc>
+                <a:tc>
+                  <a:txBody>
+                    <a:bodyPr/>
+                    <a:lstStyle/>
+                    <a:p>
+                      <a:pPr algn="ctr" latinLnBrk="1"/>
+                      <a:r>
+                        <a:rPr lang="en-US" altLang="ko-KR" sz="1400" dirty="0"/>
+                        <a:t>Reserved</a:t>
+                      </a:r>
+                      <a:endParaRPr lang="ko-KR" altLang="en-US" sz="1400" dirty="0"/>
+                    </a:p>
+                  </a:txBody>
+                  <a:tcPr anchor="ctr"/>
+                </a:tc>
+                <a:extLst>
+                  <a:ext uri="{0D108BD9-81ED-4DB2-BD59-A6C34878D82A}">
+                    <a16:rowId xmlns:a16="http://schemas.microsoft.com/office/drawing/2014/main" val="847066960"/>
+                  </a:ext>
+                </a:extLst>
+              </a:tr>
+              <a:tr h="370840">
+                <a:tc>
+                  <a:txBody>
+                    <a:bodyPr/>
+                    <a:lstStyle/>
+                    <a:p>
+                      <a:pPr algn="ctr" latinLnBrk="1"/>
+                      <a:r>
+                        <a:rPr lang="ko-KR" altLang="en-US" sz="1400" dirty="0"/>
+                        <a:t>분석기</a:t>
+                      </a:r>
+                    </a:p>
+                  </a:txBody>
+                  <a:tcPr anchor="ctr"/>
+                </a:tc>
+                <a:tc>
+                  <a:txBody>
+                    <a:bodyPr/>
+                    <a:lstStyle/>
+                    <a:p>
+                      <a:pPr algn="ctr" latinLnBrk="1"/>
+                      <a:r>
+                        <a:rPr lang="en-US" altLang="ko-KR" sz="1400" dirty="0"/>
+                        <a:t>On/Off</a:t>
+                      </a:r>
+                      <a:endParaRPr lang="ko-KR" altLang="en-US" sz="1400" dirty="0"/>
+                    </a:p>
+                  </a:txBody>
+                  <a:tcPr anchor="ctr"/>
+                </a:tc>
+                <a:tc>
+                  <a:txBody>
+                    <a:bodyPr/>
+                    <a:lstStyle/>
+                    <a:p>
+                      <a:pPr algn="ctr" latinLnBrk="1"/>
+                      <a:r>
+                        <a:rPr lang="en-US" altLang="ko-KR" sz="1400" dirty="0"/>
+                        <a:t>Busy</a:t>
+                      </a:r>
+                      <a:endParaRPr lang="ko-KR" altLang="en-US" sz="1400" dirty="0"/>
+                    </a:p>
+                  </a:txBody>
+                  <a:tcPr anchor="ctr"/>
+                </a:tc>
+                <a:tc>
+                  <a:txBody>
+                    <a:bodyPr/>
+                    <a:lstStyle/>
+                    <a:p>
+                      <a:pPr algn="ctr" latinLnBrk="1"/>
+                      <a:r>
+                        <a:rPr lang="en-US" altLang="ko-KR" sz="1400" dirty="0"/>
+                        <a:t>Idle</a:t>
+                      </a:r>
+                      <a:endParaRPr lang="ko-KR" altLang="en-US" sz="1400" dirty="0"/>
+                    </a:p>
+                  </a:txBody>
+                  <a:tcPr anchor="ctr"/>
+                </a:tc>
+                <a:tc>
+                  <a:txBody>
+                    <a:bodyPr/>
+                    <a:lstStyle/>
+                    <a:p>
+                      <a:pPr algn="ctr" latinLnBrk="1"/>
+                      <a:r>
+                        <a:rPr lang="en-US" altLang="ko-KR" sz="1400" dirty="0"/>
+                        <a:t>Error</a:t>
+                      </a:r>
+                      <a:endParaRPr lang="ko-KR" altLang="en-US" sz="1400" dirty="0"/>
+                    </a:p>
+                  </a:txBody>
+                  <a:tcPr anchor="ctr"/>
+                </a:tc>
+                <a:tc>
+                  <a:txBody>
+                    <a:bodyPr/>
+                    <a:lstStyle/>
+                    <a:p>
+                      <a:pPr marL="0" marR="0" lvl="0" indent="0" algn="ctr" defTabSz="914400" rtl="0" eaLnBrk="1" fontAlgn="auto" latinLnBrk="1" hangingPunct="1">
+                        <a:lnSpc>
+                          <a:spcPct val="100000"/>
+                        </a:lnSpc>
+                        <a:spcBef>
+                          <a:spcPts val="0"/>
+                        </a:spcBef>
+                        <a:spcAft>
+                          <a:spcPts val="0"/>
+                        </a:spcAft>
+                        <a:buClrTx/>
+                        <a:buSzTx/>
+                        <a:buFontTx/>
+                        <a:buNone/>
+                        <a:tabLst/>
+                        <a:defRPr/>
+                      </a:pPr>
+                      <a:r>
+                        <a:rPr lang="en-US" altLang="ko-KR" sz="1400" dirty="0"/>
+                        <a:t>Maintenance</a:t>
+                      </a:r>
+                      <a:endParaRPr lang="ko-KR" altLang="en-US" sz="1400" dirty="0"/>
+                    </a:p>
+                  </a:txBody>
+                  <a:tcPr anchor="ctr"/>
+                </a:tc>
+                <a:tc>
+                  <a:txBody>
+                    <a:bodyPr/>
+                    <a:lstStyle/>
+                    <a:p>
+                      <a:pPr algn="ctr" latinLnBrk="1"/>
+                      <a:r>
+                        <a:rPr lang="en-US" altLang="ko-KR" sz="1400" dirty="0"/>
+                        <a:t>-</a:t>
+                      </a:r>
+                      <a:endParaRPr lang="ko-KR" altLang="en-US" sz="1400" dirty="0"/>
+                    </a:p>
+                  </a:txBody>
+                  <a:tcPr anchor="ctr"/>
+                </a:tc>
+                <a:tc>
+                  <a:txBody>
+                    <a:bodyPr/>
+                    <a:lstStyle/>
+                    <a:p>
+                      <a:pPr algn="ctr" latinLnBrk="1"/>
+                      <a:r>
+                        <a:rPr lang="en-US" altLang="ko-KR" sz="1400" dirty="0"/>
+                        <a:t>Reserved</a:t>
+                      </a:r>
+                      <a:endParaRPr lang="ko-KR" altLang="en-US" sz="1400" dirty="0"/>
+                    </a:p>
+                  </a:txBody>
+                  <a:tcPr anchor="ctr"/>
+                </a:tc>
+                <a:extLst>
+                  <a:ext uri="{0D108BD9-81ED-4DB2-BD59-A6C34878D82A}">
+                    <a16:rowId xmlns:a16="http://schemas.microsoft.com/office/drawing/2014/main" val="3320842273"/>
+                  </a:ext>
+                </a:extLst>
+              </a:tr>
+              <a:tr h="370840">
+                <a:tc>
+                  <a:txBody>
+                    <a:bodyPr/>
+                    <a:lstStyle/>
+                    <a:p>
+                      <a:pPr algn="ctr" latinLnBrk="1"/>
+                      <a:r>
+                        <a:rPr lang="en-US" altLang="ko-KR" sz="1400" dirty="0"/>
+                        <a:t>Stocker</a:t>
+                      </a:r>
+                      <a:endParaRPr lang="ko-KR" altLang="en-US" sz="1400" dirty="0"/>
+                    </a:p>
+                  </a:txBody>
+                  <a:tcPr anchor="ctr"/>
+                </a:tc>
+                <a:tc>
+                  <a:txBody>
+                    <a:bodyPr/>
+                    <a:lstStyle/>
+                    <a:p>
+                      <a:pPr algn="ctr" latinLnBrk="1"/>
+                      <a:r>
+                        <a:rPr lang="en-US" altLang="ko-KR" sz="1400" dirty="0"/>
+                        <a:t>On/Off</a:t>
+                      </a:r>
+                      <a:endParaRPr lang="ko-KR" altLang="en-US" sz="1400" dirty="0"/>
+                    </a:p>
+                  </a:txBody>
+                  <a:tcPr anchor="ctr"/>
+                </a:tc>
+                <a:tc>
+                  <a:txBody>
+                    <a:bodyPr/>
+                    <a:lstStyle/>
+                    <a:p>
+                      <a:pPr algn="ctr" latinLnBrk="1"/>
+                      <a:r>
+                        <a:rPr lang="en-US" altLang="ko-KR" sz="1400" dirty="0"/>
+                        <a:t>Busy</a:t>
+                      </a:r>
+                      <a:endParaRPr lang="ko-KR" altLang="en-US" sz="1400" dirty="0"/>
+                    </a:p>
+                  </a:txBody>
+                  <a:tcPr anchor="ctr"/>
+                </a:tc>
+                <a:tc>
+                  <a:txBody>
+                    <a:bodyPr/>
+                    <a:lstStyle/>
+                    <a:p>
+                      <a:pPr algn="ctr" latinLnBrk="1"/>
+                      <a:r>
+                        <a:rPr lang="en-US" altLang="ko-KR" sz="1400" dirty="0"/>
+                        <a:t>Idle</a:t>
+                      </a:r>
+                      <a:endParaRPr lang="ko-KR" altLang="en-US" sz="1400" dirty="0"/>
+                    </a:p>
+                  </a:txBody>
+                  <a:tcPr anchor="ctr"/>
+                </a:tc>
+                <a:tc>
+                  <a:txBody>
+                    <a:bodyPr/>
+                    <a:lstStyle/>
+                    <a:p>
+                      <a:pPr algn="ctr" latinLnBrk="1"/>
+                      <a:r>
+                        <a:rPr lang="en-US" altLang="ko-KR" sz="1400" dirty="0"/>
+                        <a:t>Error</a:t>
+                      </a:r>
+                      <a:endParaRPr lang="ko-KR" altLang="en-US" sz="1400" dirty="0"/>
+                    </a:p>
+                  </a:txBody>
+                  <a:tcPr anchor="ctr"/>
+                </a:tc>
+                <a:tc>
+                  <a:txBody>
+                    <a:bodyPr/>
+                    <a:lstStyle/>
+                    <a:p>
+                      <a:pPr marL="0" marR="0" lvl="0" indent="0" algn="ctr" defTabSz="914400" rtl="0" eaLnBrk="1" fontAlgn="auto" latinLnBrk="1" hangingPunct="1">
+                        <a:lnSpc>
+                          <a:spcPct val="100000"/>
+                        </a:lnSpc>
+                        <a:spcBef>
+                          <a:spcPts val="0"/>
+                        </a:spcBef>
+                        <a:spcAft>
+                          <a:spcPts val="0"/>
+                        </a:spcAft>
+                        <a:buClrTx/>
+                        <a:buSzTx/>
+                        <a:buFontTx/>
+                        <a:buNone/>
+                        <a:tabLst/>
+                        <a:defRPr/>
+                      </a:pPr>
+                      <a:r>
+                        <a:rPr lang="en-US" altLang="ko-KR" sz="1400" dirty="0"/>
+                        <a:t>Maintenance</a:t>
+                      </a:r>
+                      <a:endParaRPr lang="ko-KR" altLang="en-US" sz="1400" dirty="0"/>
+                    </a:p>
+                  </a:txBody>
+                  <a:tcPr anchor="ctr"/>
+                </a:tc>
+                <a:tc>
+                  <a:txBody>
+                    <a:bodyPr/>
+                    <a:lstStyle/>
+                    <a:p>
+                      <a:pPr algn="ctr" latinLnBrk="1"/>
+                      <a:r>
+                        <a:rPr lang="en-US" altLang="ko-KR" sz="1400" dirty="0"/>
+                        <a:t>-</a:t>
+                      </a:r>
+                      <a:endParaRPr lang="ko-KR" altLang="en-US" sz="1400" dirty="0"/>
+                    </a:p>
+                  </a:txBody>
+                  <a:tcPr anchor="ctr"/>
+                </a:tc>
+                <a:tc>
+                  <a:txBody>
+                    <a:bodyPr/>
+                    <a:lstStyle/>
+                    <a:p>
+                      <a:pPr algn="ctr" latinLnBrk="1"/>
+                      <a:r>
+                        <a:rPr lang="en-US" altLang="ko-KR" sz="1400" dirty="0"/>
+                        <a:t>Reserved</a:t>
+                      </a:r>
+                      <a:endParaRPr lang="ko-KR" altLang="en-US" sz="1400" dirty="0"/>
+                    </a:p>
+                  </a:txBody>
+                  <a:tcPr anchor="ctr"/>
+                </a:tc>
+                <a:extLst>
+                  <a:ext uri="{0D108BD9-81ED-4DB2-BD59-A6C34878D82A}">
+                    <a16:rowId xmlns:a16="http://schemas.microsoft.com/office/drawing/2014/main" val="2658351940"/>
+                  </a:ext>
+                </a:extLst>
+              </a:tr>
+              <a:tr h="370840">
+                <a:tc>
+                  <a:txBody>
+                    <a:bodyPr/>
+                    <a:lstStyle/>
+                    <a:p>
+                      <a:pPr algn="ctr" latinLnBrk="1"/>
+                      <a:r>
+                        <a:rPr lang="ko-KR" altLang="en-US" sz="1400" dirty="0"/>
+                        <a:t>폐기설비</a:t>
+                      </a:r>
+                    </a:p>
+                  </a:txBody>
+                  <a:tcPr anchor="ctr"/>
+                </a:tc>
+                <a:tc>
+                  <a:txBody>
+                    <a:bodyPr/>
+                    <a:lstStyle/>
+                    <a:p>
+                      <a:pPr algn="ctr" latinLnBrk="1"/>
+                      <a:r>
+                        <a:rPr lang="en-US" altLang="ko-KR" sz="1400" dirty="0"/>
+                        <a:t>On/Off</a:t>
+                      </a:r>
+                      <a:endParaRPr lang="ko-KR" altLang="en-US" sz="1400" dirty="0"/>
+                    </a:p>
+                  </a:txBody>
+                  <a:tcPr anchor="ctr"/>
+                </a:tc>
+                <a:tc>
+                  <a:txBody>
+                    <a:bodyPr/>
+                    <a:lstStyle/>
+                    <a:p>
+                      <a:pPr algn="ctr" latinLnBrk="1"/>
+                      <a:r>
+                        <a:rPr lang="en-US" altLang="ko-KR" sz="1400" dirty="0"/>
+                        <a:t>Busy</a:t>
+                      </a:r>
+                      <a:endParaRPr lang="ko-KR" altLang="en-US" sz="1400" dirty="0"/>
+                    </a:p>
+                  </a:txBody>
+                  <a:tcPr anchor="ctr"/>
+                </a:tc>
+                <a:tc>
+                  <a:txBody>
+                    <a:bodyPr/>
+                    <a:lstStyle/>
+                    <a:p>
+                      <a:pPr algn="ctr" latinLnBrk="1"/>
+                      <a:r>
+                        <a:rPr lang="en-US" altLang="ko-KR" sz="1400" dirty="0"/>
+                        <a:t>Idle</a:t>
+                      </a:r>
+                      <a:endParaRPr lang="ko-KR" altLang="en-US" sz="1400" dirty="0"/>
+                    </a:p>
+                  </a:txBody>
+                  <a:tcPr anchor="ctr"/>
+                </a:tc>
+                <a:tc>
+                  <a:txBody>
+                    <a:bodyPr/>
+                    <a:lstStyle/>
+                    <a:p>
+                      <a:pPr algn="ctr" latinLnBrk="1"/>
+                      <a:r>
+                        <a:rPr lang="en-US" altLang="ko-KR" sz="1400" dirty="0"/>
+                        <a:t>Error</a:t>
+                      </a:r>
+                      <a:endParaRPr lang="ko-KR" altLang="en-US" sz="1400" dirty="0"/>
+                    </a:p>
+                  </a:txBody>
+                  <a:tcPr anchor="ctr"/>
+                </a:tc>
+                <a:tc>
+                  <a:txBody>
+                    <a:bodyPr/>
+                    <a:lstStyle/>
+                    <a:p>
+                      <a:pPr marL="0" marR="0" lvl="0" indent="0" algn="ctr" defTabSz="914400" rtl="0" eaLnBrk="1" fontAlgn="auto" latinLnBrk="1" hangingPunct="1">
+                        <a:lnSpc>
+                          <a:spcPct val="100000"/>
+                        </a:lnSpc>
+                        <a:spcBef>
+                          <a:spcPts val="0"/>
+                        </a:spcBef>
+                        <a:spcAft>
+                          <a:spcPts val="0"/>
+                        </a:spcAft>
+                        <a:buClrTx/>
+                        <a:buSzTx/>
+                        <a:buFontTx/>
+                        <a:buNone/>
+                        <a:tabLst/>
+                        <a:defRPr/>
+                      </a:pPr>
+                      <a:r>
+                        <a:rPr lang="en-US" altLang="ko-KR" sz="1400" dirty="0"/>
+                        <a:t>Maintenance</a:t>
+                      </a:r>
+                      <a:endParaRPr lang="ko-KR" altLang="en-US" sz="1400" dirty="0"/>
+                    </a:p>
+                  </a:txBody>
+                  <a:tcPr anchor="ctr"/>
+                </a:tc>
+                <a:tc>
+                  <a:txBody>
+                    <a:bodyPr/>
+                    <a:lstStyle/>
+                    <a:p>
+                      <a:pPr algn="ctr" latinLnBrk="1"/>
+                      <a:r>
+                        <a:rPr lang="en-US" altLang="ko-KR" sz="1400" dirty="0"/>
+                        <a:t>-</a:t>
+                      </a:r>
+                      <a:endParaRPr lang="ko-KR" altLang="en-US" sz="1400" dirty="0"/>
+                    </a:p>
+                  </a:txBody>
+                  <a:tcPr anchor="ctr"/>
+                </a:tc>
+                <a:tc>
+                  <a:txBody>
+                    <a:bodyPr/>
+                    <a:lstStyle/>
+                    <a:p>
+                      <a:pPr algn="ctr" latinLnBrk="1"/>
+                      <a:r>
+                        <a:rPr lang="en-US" altLang="ko-KR" sz="1400" dirty="0"/>
+                        <a:t>Reserved</a:t>
+                      </a:r>
+                      <a:endParaRPr lang="ko-KR" altLang="en-US" sz="1400" dirty="0"/>
+                    </a:p>
+                  </a:txBody>
+                  <a:tcPr anchor="ctr"/>
+                </a:tc>
+                <a:extLst>
+                  <a:ext uri="{0D108BD9-81ED-4DB2-BD59-A6C34878D82A}">
+                    <a16:rowId xmlns:a16="http://schemas.microsoft.com/office/drawing/2014/main" val="2838143700"/>
+                  </a:ext>
+                </a:extLst>
+              </a:tr>
+              <a:tr h="370840">
+                <a:tc>
+                  <a:txBody>
+                    <a:bodyPr/>
+                    <a:lstStyle/>
+                    <a:p>
+                      <a:pPr algn="ctr" latinLnBrk="1"/>
+                      <a:r>
+                        <a:rPr lang="en-US" altLang="ko-KR" sz="1400" dirty="0" err="1"/>
+                        <a:t>MoMa</a:t>
+                      </a:r>
+                      <a:endParaRPr lang="ko-KR" altLang="en-US" sz="1400" dirty="0"/>
+                    </a:p>
+                  </a:txBody>
+                  <a:tcPr anchor="ctr"/>
+                </a:tc>
+                <a:tc>
+                  <a:txBody>
+                    <a:bodyPr/>
+                    <a:lstStyle/>
+                    <a:p>
+                      <a:pPr algn="ctr" latinLnBrk="1"/>
+                      <a:r>
+                        <a:rPr lang="en-US" altLang="ko-KR" sz="1400" dirty="0"/>
+                        <a:t>On/Off</a:t>
+                      </a:r>
+                      <a:endParaRPr lang="ko-KR" altLang="en-US" sz="1400" dirty="0"/>
+                    </a:p>
+                  </a:txBody>
+                  <a:tcPr anchor="ctr"/>
+                </a:tc>
+                <a:tc>
+                  <a:txBody>
+                    <a:bodyPr/>
+                    <a:lstStyle/>
+                    <a:p>
+                      <a:pPr algn="ctr" latinLnBrk="1"/>
+                      <a:r>
+                        <a:rPr lang="en-US" altLang="ko-KR" sz="1400" dirty="0"/>
+                        <a:t>Busy</a:t>
+                      </a:r>
+                      <a:endParaRPr lang="ko-KR" altLang="en-US" sz="1400" dirty="0"/>
+                    </a:p>
+                  </a:txBody>
+                  <a:tcPr anchor="ctr"/>
+                </a:tc>
+                <a:tc>
+                  <a:txBody>
+                    <a:bodyPr/>
+                    <a:lstStyle/>
+                    <a:p>
+                      <a:pPr algn="ctr" latinLnBrk="1"/>
+                      <a:r>
+                        <a:rPr lang="en-US" altLang="ko-KR" sz="1400" dirty="0"/>
+                        <a:t>Idle</a:t>
+                      </a:r>
+                      <a:endParaRPr lang="ko-KR" altLang="en-US" sz="1400" dirty="0"/>
+                    </a:p>
+                  </a:txBody>
+                  <a:tcPr anchor="ctr"/>
+                </a:tc>
+                <a:tc>
+                  <a:txBody>
+                    <a:bodyPr/>
+                    <a:lstStyle/>
+                    <a:p>
+                      <a:pPr algn="ctr" latinLnBrk="1"/>
+                      <a:r>
+                        <a:rPr lang="en-US" altLang="ko-KR" sz="1400" dirty="0"/>
+                        <a:t>Error</a:t>
+                      </a:r>
+                      <a:endParaRPr lang="ko-KR" altLang="en-US" sz="1400" dirty="0"/>
+                    </a:p>
+                  </a:txBody>
+                  <a:tcPr anchor="ctr"/>
+                </a:tc>
+                <a:tc>
+                  <a:txBody>
+                    <a:bodyPr/>
+                    <a:lstStyle/>
+                    <a:p>
+                      <a:pPr marL="0" marR="0" lvl="0" indent="0" algn="ctr" defTabSz="914400" rtl="0" eaLnBrk="1" fontAlgn="auto" latinLnBrk="1" hangingPunct="1">
+                        <a:lnSpc>
+                          <a:spcPct val="100000"/>
+                        </a:lnSpc>
+                        <a:spcBef>
+                          <a:spcPts val="0"/>
+                        </a:spcBef>
+                        <a:spcAft>
+                          <a:spcPts val="0"/>
+                        </a:spcAft>
+                        <a:buClrTx/>
+                        <a:buSzTx/>
+                        <a:buFontTx/>
+                        <a:buNone/>
+                        <a:tabLst/>
+                        <a:defRPr/>
+                      </a:pPr>
+                      <a:r>
+                        <a:rPr lang="en-US" altLang="ko-KR" sz="1400" dirty="0"/>
+                        <a:t>Maintenance</a:t>
+                      </a:r>
+                      <a:endParaRPr lang="ko-KR" altLang="en-US" sz="1400" dirty="0"/>
+                    </a:p>
+                  </a:txBody>
+                  <a:tcPr anchor="ctr"/>
+                </a:tc>
+                <a:tc>
+                  <a:txBody>
+                    <a:bodyPr/>
+                    <a:lstStyle/>
+                    <a:p>
+                      <a:pPr algn="ctr" latinLnBrk="1"/>
+                      <a:r>
+                        <a:rPr lang="en-US" altLang="ko-KR" sz="1400" dirty="0"/>
+                        <a:t>-</a:t>
+                      </a:r>
+                      <a:endParaRPr lang="ko-KR" altLang="en-US" sz="1400" dirty="0"/>
+                    </a:p>
+                  </a:txBody>
+                  <a:tcPr anchor="ctr"/>
+                </a:tc>
+                <a:tc>
+                  <a:txBody>
+                    <a:bodyPr/>
+                    <a:lstStyle/>
+                    <a:p>
+                      <a:pPr algn="ctr" latinLnBrk="1"/>
+                      <a:r>
+                        <a:rPr lang="en-US" altLang="ko-KR" sz="1400" dirty="0"/>
+                        <a:t>Reserved</a:t>
+                      </a:r>
+                      <a:endParaRPr lang="ko-KR" altLang="en-US" sz="1400" dirty="0"/>
+                    </a:p>
+                  </a:txBody>
+                  <a:tcPr anchor="ctr"/>
+                </a:tc>
+                <a:extLst>
+                  <a:ext uri="{0D108BD9-81ED-4DB2-BD59-A6C34878D82A}">
+                    <a16:rowId xmlns:a16="http://schemas.microsoft.com/office/drawing/2014/main" val="4264493462"/>
+                  </a:ext>
+                </a:extLst>
+              </a:tr>
+            </a:tbl>
+          </a:graphicData>
+        </a:graphic>
+      </p:graphicFrame>
+    </p:spTree>
+    <p:extLst>
+      <p:ext uri="{BB962C8B-B14F-4D97-AF65-F5344CB8AC3E}">
+        <p14:creationId xmlns:p14="http://schemas.microsoft.com/office/powerpoint/2010/main" val="591237238"/>
+      </p:ext>
+    </p:extLst>
+  </p:cSld>
+  <p:clrMapOvr>
+    <a:masterClrMapping/>
+  </p:clrMapOvr>
+</p:sld>
+</file>
+
+<file path=ppt/slides/slide27.xml><?xml version="1.0" encoding="utf-8"?>
+<p:sld xmlns:a="http://schemas.openxmlformats.org/drawingml/2006/main" xmlns:r="http://schemas.openxmlformats.org/officeDocument/2006/relationships" xmlns:p="http://schemas.openxmlformats.org/presentationml/2006/main">
+  <p:cSld>
+    <p:spTree>
+      <p:nvGrpSpPr>
+        <p:cNvPr id="1" name=""/>
+        <p:cNvGrpSpPr/>
+        <p:nvPr/>
+      </p:nvGrpSpPr>
+      <p:grpSpPr>
+        <a:xfrm>
+          <a:off x="0" y="0"/>
+          <a:ext cx="0" cy="0"/>
+          <a:chOff x="0" y="0"/>
+          <a:chExt cx="0" cy="0"/>
+        </a:xfrm>
+      </p:grpSpPr>
+      <p:sp>
+        <p:nvSpPr>
+          <p:cNvPr id="2" name="제목 1">
+            <a:extLst>
+              <a:ext uri="{FF2B5EF4-FFF2-40B4-BE49-F238E27FC236}">
                 <a16:creationId xmlns:a16="http://schemas.microsoft.com/office/drawing/2014/main" id="{848F61B5-40C6-1F59-A8DC-C3CBB48F093D}"/>
               </a:ext>
             </a:extLst>
@@ -20167,7 +22785,7 @@
 </p:sld>
 </file>
 
-<file path=ppt/slides/slide26.xml><?xml version="1.0" encoding="utf-8"?>
+<file path=ppt/slides/slide28.xml><?xml version="1.0" encoding="utf-8"?>
 <p:sld xmlns:a="http://schemas.openxmlformats.org/drawingml/2006/main" xmlns:r="http://schemas.openxmlformats.org/officeDocument/2006/relationships" xmlns:p="http://schemas.openxmlformats.org/presentationml/2006/main">
   <p:cSld>
     <p:spTree>
